--- a/Sanjay Dabra/Presentation1.pptx
+++ b/Sanjay Dabra/Presentation1.pptx
@@ -5,10 +5,10 @@
     <p:sldMasterId id="2147483684" r:id="rId4"/>
   </p:sldMasterIdLst>
   <p:notesMasterIdLst>
-    <p:notesMasterId r:id="rId21"/>
+    <p:notesMasterId r:id="rId22"/>
   </p:notesMasterIdLst>
   <p:handoutMasterIdLst>
-    <p:handoutMasterId r:id="rId22"/>
+    <p:handoutMasterId r:id="rId23"/>
   </p:handoutMasterIdLst>
   <p:sldIdLst>
     <p:sldId id="257" r:id="rId5"/>
@@ -17,16 +17,17 @@
     <p:sldId id="317" r:id="rId8"/>
     <p:sldId id="392" r:id="rId9"/>
     <p:sldId id="277" r:id="rId10"/>
-    <p:sldId id="393" r:id="rId11"/>
-    <p:sldId id="278" r:id="rId12"/>
-    <p:sldId id="395" r:id="rId13"/>
-    <p:sldId id="396" r:id="rId14"/>
-    <p:sldId id="397" r:id="rId15"/>
-    <p:sldId id="399" r:id="rId16"/>
-    <p:sldId id="400" r:id="rId17"/>
-    <p:sldId id="401" r:id="rId18"/>
-    <p:sldId id="321" r:id="rId19"/>
-    <p:sldId id="391" r:id="rId20"/>
+    <p:sldId id="402" r:id="rId11"/>
+    <p:sldId id="393" r:id="rId12"/>
+    <p:sldId id="278" r:id="rId13"/>
+    <p:sldId id="395" r:id="rId14"/>
+    <p:sldId id="396" r:id="rId15"/>
+    <p:sldId id="397" r:id="rId16"/>
+    <p:sldId id="399" r:id="rId17"/>
+    <p:sldId id="400" r:id="rId18"/>
+    <p:sldId id="401" r:id="rId19"/>
+    <p:sldId id="321" r:id="rId20"/>
+    <p:sldId id="391" r:id="rId21"/>
   </p:sldIdLst>
   <p:sldSz cx="12192000" cy="6858000"/>
   <p:notesSz cx="6858000" cy="9144000"/>
@@ -147,6 +148,364 @@
 </p:presentation>
 </file>
 
+<file path=ppt/revisionInfo.xml><?xml version="1.0" encoding="utf-8"?>
+<p1510:revInfo xmlns:a="http://schemas.openxmlformats.org/drawingml/2006/main" xmlns:r="http://schemas.openxmlformats.org/officeDocument/2006/relationships" xmlns:p1510="http://schemas.microsoft.com/office/powerpoint/2015/10/main">
+  <p1510:revLst>
+    <p1510:client id="{397832AF-5EAF-458A-9FEC-C92CB404A3B7}" v="21" dt="2022-04-30T15:42:14.527"/>
+  </p1510:revLst>
+</p1510:revInfo>
+</file>
+
+<file path=ppt/changesInfos/changesInfo1.xml><?xml version="1.0" encoding="utf-8"?>
+<pc:chgInfo xmlns:a="http://schemas.openxmlformats.org/drawingml/2006/main" xmlns:r="http://schemas.openxmlformats.org/officeDocument/2006/relationships" xmlns:ac="http://schemas.microsoft.com/office/drawing/2013/main/command" xmlns:pc="http://schemas.microsoft.com/office/powerpoint/2013/main/command">
+  <pc:docChgLst>
+    <pc:chgData name="Sanjay Dabra" userId="d7382de46a8a3049" providerId="LiveId" clId="{397832AF-5EAF-458A-9FEC-C92CB404A3B7}"/>
+    <pc:docChg chg="custSel addSld modSld">
+      <pc:chgData name="Sanjay Dabra" userId="d7382de46a8a3049" providerId="LiveId" clId="{397832AF-5EAF-458A-9FEC-C92CB404A3B7}" dt="2022-04-30T15:43:15.953" v="210" actId="1076"/>
+      <pc:docMkLst>
+        <pc:docMk/>
+      </pc:docMkLst>
+      <pc:sldChg chg="addSp delSp modSp mod">
+        <pc:chgData name="Sanjay Dabra" userId="d7382de46a8a3049" providerId="LiveId" clId="{397832AF-5EAF-458A-9FEC-C92CB404A3B7}" dt="2022-04-30T15:15:38.959" v="21" actId="14100"/>
+        <pc:sldMkLst>
+          <pc:docMk/>
+          <pc:sldMk cId="3740286033" sldId="277"/>
+        </pc:sldMkLst>
+        <pc:spChg chg="del mod">
+          <ac:chgData name="Sanjay Dabra" userId="d7382de46a8a3049" providerId="LiveId" clId="{397832AF-5EAF-458A-9FEC-C92CB404A3B7}" dt="2022-04-30T15:15:25.999" v="17"/>
+          <ac:spMkLst>
+            <pc:docMk/>
+            <pc:sldMk cId="3740286033" sldId="277"/>
+            <ac:spMk id="3" creationId="{001F032B-0F96-F84A-93E7-B77E5A8D8A46}"/>
+          </ac:spMkLst>
+        </pc:spChg>
+        <pc:spChg chg="mod">
+          <ac:chgData name="Sanjay Dabra" userId="d7382de46a8a3049" providerId="LiveId" clId="{397832AF-5EAF-458A-9FEC-C92CB404A3B7}" dt="2022-04-30T15:13:29.509" v="3" actId="20577"/>
+          <ac:spMkLst>
+            <pc:docMk/>
+            <pc:sldMk cId="3740286033" sldId="277"/>
+            <ac:spMk id="7" creationId="{3E174092-82D3-44E0-8948-4096232ED0A7}"/>
+          </ac:spMkLst>
+        </pc:spChg>
+        <pc:picChg chg="add mod">
+          <ac:chgData name="Sanjay Dabra" userId="d7382de46a8a3049" providerId="LiveId" clId="{397832AF-5EAF-458A-9FEC-C92CB404A3B7}" dt="2022-04-30T15:15:38.959" v="21" actId="14100"/>
+          <ac:picMkLst>
+            <pc:docMk/>
+            <pc:sldMk cId="3740286033" sldId="277"/>
+            <ac:picMk id="4" creationId="{94927B50-2ED0-4164-3A1C-1FFD0C34562D}"/>
+          </ac:picMkLst>
+        </pc:picChg>
+      </pc:sldChg>
+      <pc:sldChg chg="addSp delSp modSp mod">
+        <pc:chgData name="Sanjay Dabra" userId="d7382de46a8a3049" providerId="LiveId" clId="{397832AF-5EAF-458A-9FEC-C92CB404A3B7}" dt="2022-04-30T15:35:20.437" v="151" actId="255"/>
+        <pc:sldMkLst>
+          <pc:docMk/>
+          <pc:sldMk cId="2496947791" sldId="278"/>
+        </pc:sldMkLst>
+        <pc:spChg chg="mod">
+          <ac:chgData name="Sanjay Dabra" userId="d7382de46a8a3049" providerId="LiveId" clId="{397832AF-5EAF-458A-9FEC-C92CB404A3B7}" dt="2022-04-30T15:33:06.782" v="122" actId="1076"/>
+          <ac:spMkLst>
+            <pc:docMk/>
+            <pc:sldMk cId="2496947791" sldId="278"/>
+            <ac:spMk id="2" creationId="{FCB102D8-1D22-4940-AF19-07CF3A0DC5F4}"/>
+          </ac:spMkLst>
+        </pc:spChg>
+        <pc:spChg chg="add mod">
+          <ac:chgData name="Sanjay Dabra" userId="d7382de46a8a3049" providerId="LiveId" clId="{397832AF-5EAF-458A-9FEC-C92CB404A3B7}" dt="2022-04-30T15:35:20.437" v="151" actId="255"/>
+          <ac:spMkLst>
+            <pc:docMk/>
+            <pc:sldMk cId="2496947791" sldId="278"/>
+            <ac:spMk id="7" creationId="{2368CB51-60EB-DF8D-7943-9CD1DB307A1A}"/>
+          </ac:spMkLst>
+        </pc:spChg>
+        <pc:picChg chg="add del mod">
+          <ac:chgData name="Sanjay Dabra" userId="d7382de46a8a3049" providerId="LiveId" clId="{397832AF-5EAF-458A-9FEC-C92CB404A3B7}" dt="2022-04-30T15:31:58.477" v="111" actId="478"/>
+          <ac:picMkLst>
+            <pc:docMk/>
+            <pc:sldMk cId="2496947791" sldId="278"/>
+            <ac:picMk id="4" creationId="{13704F64-038A-AA93-F6AD-016DED586970}"/>
+          </ac:picMkLst>
+        </pc:picChg>
+        <pc:picChg chg="add mod">
+          <ac:chgData name="Sanjay Dabra" userId="d7382de46a8a3049" providerId="LiveId" clId="{397832AF-5EAF-458A-9FEC-C92CB404A3B7}" dt="2022-04-30T15:32:24.156" v="117" actId="1076"/>
+          <ac:picMkLst>
+            <pc:docMk/>
+            <pc:sldMk cId="2496947791" sldId="278"/>
+            <ac:picMk id="6" creationId="{73537540-7E2A-DC02-872C-9001D570A8D5}"/>
+          </ac:picMkLst>
+        </pc:picChg>
+        <pc:picChg chg="del">
+          <ac:chgData name="Sanjay Dabra" userId="d7382de46a8a3049" providerId="LiveId" clId="{397832AF-5EAF-458A-9FEC-C92CB404A3B7}" dt="2022-04-30T15:31:33.318" v="107" actId="478"/>
+          <ac:picMkLst>
+            <pc:docMk/>
+            <pc:sldMk cId="2496947791" sldId="278"/>
+            <ac:picMk id="8" creationId="{16FCC329-569A-EEA7-FF60-FFACCFC28109}"/>
+          </ac:picMkLst>
+        </pc:picChg>
+      </pc:sldChg>
+      <pc:sldChg chg="addSp modSp mod">
+        <pc:chgData name="Sanjay Dabra" userId="d7382de46a8a3049" providerId="LiveId" clId="{397832AF-5EAF-458A-9FEC-C92CB404A3B7}" dt="2022-04-30T15:20:45.383" v="57" actId="1076"/>
+        <pc:sldMkLst>
+          <pc:docMk/>
+          <pc:sldMk cId="3715402759" sldId="393"/>
+        </pc:sldMkLst>
+        <pc:spChg chg="mod">
+          <ac:chgData name="Sanjay Dabra" userId="d7382de46a8a3049" providerId="LiveId" clId="{397832AF-5EAF-458A-9FEC-C92CB404A3B7}" dt="2022-04-30T15:20:20.066" v="52" actId="6549"/>
+          <ac:spMkLst>
+            <pc:docMk/>
+            <pc:sldMk cId="3715402759" sldId="393"/>
+            <ac:spMk id="3" creationId="{001F032B-0F96-F84A-93E7-B77E5A8D8A46}"/>
+          </ac:spMkLst>
+        </pc:spChg>
+        <pc:picChg chg="add mod">
+          <ac:chgData name="Sanjay Dabra" userId="d7382de46a8a3049" providerId="LiveId" clId="{397832AF-5EAF-458A-9FEC-C92CB404A3B7}" dt="2022-04-30T15:20:45.383" v="57" actId="1076"/>
+          <ac:picMkLst>
+            <pc:docMk/>
+            <pc:sldMk cId="3715402759" sldId="393"/>
+            <ac:picMk id="4" creationId="{059F5B74-C25F-D1D6-2176-A24F1FFCE8E4}"/>
+          </ac:picMkLst>
+        </pc:picChg>
+      </pc:sldChg>
+      <pc:sldChg chg="addSp delSp modSp mod">
+        <pc:chgData name="Sanjay Dabra" userId="d7382de46a8a3049" providerId="LiveId" clId="{397832AF-5EAF-458A-9FEC-C92CB404A3B7}" dt="2022-04-30T15:36:44.956" v="169" actId="20577"/>
+        <pc:sldMkLst>
+          <pc:docMk/>
+          <pc:sldMk cId="1732661267" sldId="395"/>
+        </pc:sldMkLst>
+        <pc:spChg chg="mod">
+          <ac:chgData name="Sanjay Dabra" userId="d7382de46a8a3049" providerId="LiveId" clId="{397832AF-5EAF-458A-9FEC-C92CB404A3B7}" dt="2022-04-30T15:36:20.349" v="158" actId="14100"/>
+          <ac:spMkLst>
+            <pc:docMk/>
+            <pc:sldMk cId="1732661267" sldId="395"/>
+            <ac:spMk id="2" creationId="{FCB102D8-1D22-4940-AF19-07CF3A0DC5F4}"/>
+          </ac:spMkLst>
+        </pc:spChg>
+        <pc:spChg chg="add mod">
+          <ac:chgData name="Sanjay Dabra" userId="d7382de46a8a3049" providerId="LiveId" clId="{397832AF-5EAF-458A-9FEC-C92CB404A3B7}" dt="2022-04-30T15:36:44.956" v="169" actId="20577"/>
+          <ac:spMkLst>
+            <pc:docMk/>
+            <pc:sldMk cId="1732661267" sldId="395"/>
+            <ac:spMk id="25" creationId="{FE4C1423-03F9-7376-632D-87F1601BAED3}"/>
+          </ac:spMkLst>
+        </pc:spChg>
+        <pc:picChg chg="del">
+          <ac:chgData name="Sanjay Dabra" userId="d7382de46a8a3049" providerId="LiveId" clId="{397832AF-5EAF-458A-9FEC-C92CB404A3B7}" dt="2022-04-30T15:22:01.616" v="58" actId="478"/>
+          <ac:picMkLst>
+            <pc:docMk/>
+            <pc:sldMk cId="1732661267" sldId="395"/>
+            <ac:picMk id="4" creationId="{5622293A-978A-D292-E6A7-9EB89FD688D0}"/>
+          </ac:picMkLst>
+        </pc:picChg>
+        <pc:picChg chg="add del mod">
+          <ac:chgData name="Sanjay Dabra" userId="d7382de46a8a3049" providerId="LiveId" clId="{397832AF-5EAF-458A-9FEC-C92CB404A3B7}" dt="2022-04-30T15:22:42.126" v="65" actId="478"/>
+          <ac:picMkLst>
+            <pc:docMk/>
+            <pc:sldMk cId="1732661267" sldId="395"/>
+            <ac:picMk id="5" creationId="{6B22BBFA-18D8-2899-2688-62A0497D5996}"/>
+          </ac:picMkLst>
+        </pc:picChg>
+        <pc:picChg chg="add del mod">
+          <ac:chgData name="Sanjay Dabra" userId="d7382de46a8a3049" providerId="LiveId" clId="{397832AF-5EAF-458A-9FEC-C92CB404A3B7}" dt="2022-04-30T15:22:56.916" v="69" actId="478"/>
+          <ac:picMkLst>
+            <pc:docMk/>
+            <pc:sldMk cId="1732661267" sldId="395"/>
+            <ac:picMk id="7" creationId="{316B475A-C55B-ED2E-3B3D-E09EE2B859F9}"/>
+          </ac:picMkLst>
+        </pc:picChg>
+        <pc:picChg chg="add del mod">
+          <ac:chgData name="Sanjay Dabra" userId="d7382de46a8a3049" providerId="LiveId" clId="{397832AF-5EAF-458A-9FEC-C92CB404A3B7}" dt="2022-04-30T15:23:34.741" v="75" actId="478"/>
+          <ac:picMkLst>
+            <pc:docMk/>
+            <pc:sldMk cId="1732661267" sldId="395"/>
+            <ac:picMk id="9" creationId="{E55B4AE9-06AD-24D8-9CC5-C69432CAC2E6}"/>
+          </ac:picMkLst>
+        </pc:picChg>
+        <pc:picChg chg="add del mod">
+          <ac:chgData name="Sanjay Dabra" userId="d7382de46a8a3049" providerId="LiveId" clId="{397832AF-5EAF-458A-9FEC-C92CB404A3B7}" dt="2022-04-30T15:25:01.524" v="80" actId="478"/>
+          <ac:picMkLst>
+            <pc:docMk/>
+            <pc:sldMk cId="1732661267" sldId="395"/>
+            <ac:picMk id="11" creationId="{4188E478-9C2C-3978-F78E-27EDACEEC5B9}"/>
+          </ac:picMkLst>
+        </pc:picChg>
+        <pc:picChg chg="add del mod">
+          <ac:chgData name="Sanjay Dabra" userId="d7382de46a8a3049" providerId="LiveId" clId="{397832AF-5EAF-458A-9FEC-C92CB404A3B7}" dt="2022-04-30T15:25:40.053" v="84" actId="478"/>
+          <ac:picMkLst>
+            <pc:docMk/>
+            <pc:sldMk cId="1732661267" sldId="395"/>
+            <ac:picMk id="13" creationId="{0E163476-F76C-6760-7A3F-07057E3A7BBB}"/>
+          </ac:picMkLst>
+        </pc:picChg>
+        <pc:picChg chg="add del mod">
+          <ac:chgData name="Sanjay Dabra" userId="d7382de46a8a3049" providerId="LiveId" clId="{397832AF-5EAF-458A-9FEC-C92CB404A3B7}" dt="2022-04-30T15:25:53.902" v="88" actId="478"/>
+          <ac:picMkLst>
+            <pc:docMk/>
+            <pc:sldMk cId="1732661267" sldId="395"/>
+            <ac:picMk id="15" creationId="{8FEFCFEF-6615-6353-0772-F0FB006058EA}"/>
+          </ac:picMkLst>
+        </pc:picChg>
+        <pc:picChg chg="add del mod">
+          <ac:chgData name="Sanjay Dabra" userId="d7382de46a8a3049" providerId="LiveId" clId="{397832AF-5EAF-458A-9FEC-C92CB404A3B7}" dt="2022-04-30T15:26:32.909" v="92" actId="478"/>
+          <ac:picMkLst>
+            <pc:docMk/>
+            <pc:sldMk cId="1732661267" sldId="395"/>
+            <ac:picMk id="18" creationId="{99DB7692-C641-FB5B-154C-ABB9046A3A42}"/>
+          </ac:picMkLst>
+        </pc:picChg>
+        <pc:picChg chg="add del mod">
+          <ac:chgData name="Sanjay Dabra" userId="d7382de46a8a3049" providerId="LiveId" clId="{397832AF-5EAF-458A-9FEC-C92CB404A3B7}" dt="2022-04-30T15:28:11.340" v="96" actId="478"/>
+          <ac:picMkLst>
+            <pc:docMk/>
+            <pc:sldMk cId="1732661267" sldId="395"/>
+            <ac:picMk id="20" creationId="{D618B32C-A46E-7F8C-DAA9-EF7429FD6C50}"/>
+          </ac:picMkLst>
+        </pc:picChg>
+        <pc:picChg chg="add del mod">
+          <ac:chgData name="Sanjay Dabra" userId="d7382de46a8a3049" providerId="LiveId" clId="{397832AF-5EAF-458A-9FEC-C92CB404A3B7}" dt="2022-04-30T15:28:35.750" v="100" actId="478"/>
+          <ac:picMkLst>
+            <pc:docMk/>
+            <pc:sldMk cId="1732661267" sldId="395"/>
+            <ac:picMk id="22" creationId="{35D9C3CA-AE59-0F59-BBAB-74F856F3063C}"/>
+          </ac:picMkLst>
+        </pc:picChg>
+        <pc:picChg chg="add mod">
+          <ac:chgData name="Sanjay Dabra" userId="d7382de46a8a3049" providerId="LiveId" clId="{397832AF-5EAF-458A-9FEC-C92CB404A3B7}" dt="2022-04-30T15:30:04.493" v="106" actId="1076"/>
+          <ac:picMkLst>
+            <pc:docMk/>
+            <pc:sldMk cId="1732661267" sldId="395"/>
+            <ac:picMk id="24" creationId="{70161D08-D57D-671B-FC5F-EC6A11113C4D}"/>
+          </ac:picMkLst>
+        </pc:picChg>
+      </pc:sldChg>
+      <pc:sldChg chg="addSp delSp modSp mod">
+        <pc:chgData name="Sanjay Dabra" userId="d7382de46a8a3049" providerId="LiveId" clId="{397832AF-5EAF-458A-9FEC-C92CB404A3B7}" dt="2022-04-30T15:39:58.587" v="194" actId="20577"/>
+        <pc:sldMkLst>
+          <pc:docMk/>
+          <pc:sldMk cId="2048102170" sldId="396"/>
+        </pc:sldMkLst>
+        <pc:spChg chg="mod">
+          <ac:chgData name="Sanjay Dabra" userId="d7382de46a8a3049" providerId="LiveId" clId="{397832AF-5EAF-458A-9FEC-C92CB404A3B7}" dt="2022-04-30T15:39:30.269" v="188" actId="27636"/>
+          <ac:spMkLst>
+            <pc:docMk/>
+            <pc:sldMk cId="2048102170" sldId="396"/>
+            <ac:spMk id="2" creationId="{FCB102D8-1D22-4940-AF19-07CF3A0DC5F4}"/>
+          </ac:spMkLst>
+        </pc:spChg>
+        <pc:spChg chg="add mod">
+          <ac:chgData name="Sanjay Dabra" userId="d7382de46a8a3049" providerId="LiveId" clId="{397832AF-5EAF-458A-9FEC-C92CB404A3B7}" dt="2022-04-30T15:39:58.587" v="194" actId="20577"/>
+          <ac:spMkLst>
+            <pc:docMk/>
+            <pc:sldMk cId="2048102170" sldId="396"/>
+            <ac:spMk id="7" creationId="{0929AE6B-7180-C8C3-0EC7-E3995C742082}"/>
+          </ac:spMkLst>
+        </pc:spChg>
+        <pc:picChg chg="del">
+          <ac:chgData name="Sanjay Dabra" userId="d7382de46a8a3049" providerId="LiveId" clId="{397832AF-5EAF-458A-9FEC-C92CB404A3B7}" dt="2022-04-30T15:37:42.619" v="171" actId="478"/>
+          <ac:picMkLst>
+            <pc:docMk/>
+            <pc:sldMk cId="2048102170" sldId="396"/>
+            <ac:picMk id="4" creationId="{52642060-EDC1-6CEB-DDC1-CAFAE89977AE}"/>
+          </ac:picMkLst>
+        </pc:picChg>
+        <pc:picChg chg="add mod">
+          <ac:chgData name="Sanjay Dabra" userId="d7382de46a8a3049" providerId="LiveId" clId="{397832AF-5EAF-458A-9FEC-C92CB404A3B7}" dt="2022-04-30T15:38:05.614" v="177" actId="1076"/>
+          <ac:picMkLst>
+            <pc:docMk/>
+            <pc:sldMk cId="2048102170" sldId="396"/>
+            <ac:picMk id="5" creationId="{A899C08C-26BF-D443-D826-9E6ADA80644A}"/>
+          </ac:picMkLst>
+        </pc:picChg>
+      </pc:sldChg>
+      <pc:sldChg chg="addSp delSp modSp mod">
+        <pc:chgData name="Sanjay Dabra" userId="d7382de46a8a3049" providerId="LiveId" clId="{397832AF-5EAF-458A-9FEC-C92CB404A3B7}" dt="2022-04-30T15:42:21.805" v="208" actId="20577"/>
+        <pc:sldMkLst>
+          <pc:docMk/>
+          <pc:sldMk cId="4214054637" sldId="397"/>
+        </pc:sldMkLst>
+        <pc:spChg chg="mod">
+          <ac:chgData name="Sanjay Dabra" userId="d7382de46a8a3049" providerId="LiveId" clId="{397832AF-5EAF-458A-9FEC-C92CB404A3B7}" dt="2022-04-30T15:42:02.276" v="204" actId="1076"/>
+          <ac:spMkLst>
+            <pc:docMk/>
+            <pc:sldMk cId="4214054637" sldId="397"/>
+            <ac:spMk id="2" creationId="{FCB102D8-1D22-4940-AF19-07CF3A0DC5F4}"/>
+          </ac:spMkLst>
+        </pc:spChg>
+        <pc:spChg chg="add mod">
+          <ac:chgData name="Sanjay Dabra" userId="d7382de46a8a3049" providerId="LiveId" clId="{397832AF-5EAF-458A-9FEC-C92CB404A3B7}" dt="2022-04-30T15:42:21.805" v="208" actId="20577"/>
+          <ac:spMkLst>
+            <pc:docMk/>
+            <pc:sldMk cId="4214054637" sldId="397"/>
+            <ac:spMk id="7" creationId="{EF77DFF3-07DD-E607-65D3-73E1CCF2483E}"/>
+          </ac:spMkLst>
+        </pc:spChg>
+        <pc:picChg chg="add mod">
+          <ac:chgData name="Sanjay Dabra" userId="d7382de46a8a3049" providerId="LiveId" clId="{397832AF-5EAF-458A-9FEC-C92CB404A3B7}" dt="2022-04-30T15:41:46.261" v="201" actId="1076"/>
+          <ac:picMkLst>
+            <pc:docMk/>
+            <pc:sldMk cId="4214054637" sldId="397"/>
+            <ac:picMk id="4" creationId="{536C8034-777C-2051-6393-D1E24471C7C2}"/>
+          </ac:picMkLst>
+        </pc:picChg>
+        <pc:picChg chg="del">
+          <ac:chgData name="Sanjay Dabra" userId="d7382de46a8a3049" providerId="LiveId" clId="{397832AF-5EAF-458A-9FEC-C92CB404A3B7}" dt="2022-04-30T15:41:22.996" v="195" actId="478"/>
+          <ac:picMkLst>
+            <pc:docMk/>
+            <pc:sldMk cId="4214054637" sldId="397"/>
+            <ac:picMk id="5" creationId="{E870CE2C-C490-4E28-9507-BC7D9638A710}"/>
+          </ac:picMkLst>
+        </pc:picChg>
+      </pc:sldChg>
+      <pc:sldChg chg="modSp mod">
+        <pc:chgData name="Sanjay Dabra" userId="d7382de46a8a3049" providerId="LiveId" clId="{397832AF-5EAF-458A-9FEC-C92CB404A3B7}" dt="2022-04-30T15:43:15.953" v="210" actId="1076"/>
+        <pc:sldMkLst>
+          <pc:docMk/>
+          <pc:sldMk cId="3059549935" sldId="399"/>
+        </pc:sldMkLst>
+        <pc:picChg chg="mod">
+          <ac:chgData name="Sanjay Dabra" userId="d7382de46a8a3049" providerId="LiveId" clId="{397832AF-5EAF-458A-9FEC-C92CB404A3B7}" dt="2022-04-30T15:43:15.953" v="210" actId="1076"/>
+          <ac:picMkLst>
+            <pc:docMk/>
+            <pc:sldMk cId="3059549935" sldId="399"/>
+            <ac:picMk id="5" creationId="{97527012-66B0-714E-1840-C105214068EB}"/>
+          </ac:picMkLst>
+        </pc:picChg>
+      </pc:sldChg>
+      <pc:sldChg chg="addSp delSp modSp new mod">
+        <pc:chgData name="Sanjay Dabra" userId="d7382de46a8a3049" providerId="LiveId" clId="{397832AF-5EAF-458A-9FEC-C92CB404A3B7}" dt="2022-04-30T15:17:38.755" v="48" actId="14100"/>
+        <pc:sldMkLst>
+          <pc:docMk/>
+          <pc:sldMk cId="1942907802" sldId="402"/>
+        </pc:sldMkLst>
+        <pc:spChg chg="mod">
+          <ac:chgData name="Sanjay Dabra" userId="d7382de46a8a3049" providerId="LiveId" clId="{397832AF-5EAF-458A-9FEC-C92CB404A3B7}" dt="2022-04-30T15:16:54.937" v="43" actId="20577"/>
+          <ac:spMkLst>
+            <pc:docMk/>
+            <pc:sldMk cId="1942907802" sldId="402"/>
+            <ac:spMk id="2" creationId="{06947E62-A2A2-EFA0-2504-2B8F0EA6B461}"/>
+          </ac:spMkLst>
+        </pc:spChg>
+        <pc:spChg chg="del">
+          <ac:chgData name="Sanjay Dabra" userId="d7382de46a8a3049" providerId="LiveId" clId="{397832AF-5EAF-458A-9FEC-C92CB404A3B7}" dt="2022-04-30T15:17:17.390" v="44"/>
+          <ac:spMkLst>
+            <pc:docMk/>
+            <pc:sldMk cId="1942907802" sldId="402"/>
+            <ac:spMk id="3" creationId="{3F704A1F-25B1-D094-5E58-44E8D502EF64}"/>
+          </ac:spMkLst>
+        </pc:spChg>
+        <pc:picChg chg="add mod">
+          <ac:chgData name="Sanjay Dabra" userId="d7382de46a8a3049" providerId="LiveId" clId="{397832AF-5EAF-458A-9FEC-C92CB404A3B7}" dt="2022-04-30T15:17:38.755" v="48" actId="14100"/>
+          <ac:picMkLst>
+            <pc:docMk/>
+            <pc:sldMk cId="1942907802" sldId="402"/>
+            <ac:picMk id="8" creationId="{F9C6A07B-43B2-D565-B340-D3491DA0DFAB}"/>
+          </ac:picMkLst>
+        </pc:picChg>
+      </pc:sldChg>
+    </pc:docChg>
+  </pc:docChgLst>
+</pc:chgInfo>
+</file>
+
 <file path=ppt/handoutMasters/handoutMaster1.xml><?xml version="1.0" encoding="utf-8"?>
 <p:handoutMaster xmlns:a="http://schemas.openxmlformats.org/drawingml/2006/main" xmlns:r="http://schemas.openxmlformats.org/officeDocument/2006/relationships" xmlns:p="http://schemas.openxmlformats.org/presentationml/2006/main">
   <p:cSld>
@@ -241,7 +600,7 @@
           <a:p>
             <a:fld id="{C17F2C1D-F243-42AB-ADF2-E7CB4E04900E}" type="datetimeFigureOut">
               <a:rPr lang="en-US" smtClean="0"/>
-              <a:t>4/29/2022</a:t>
+              <a:t>4/30/2022</a:t>
             </a:fld>
             <a:endParaRPr lang="en-US"/>
           </a:p>
@@ -418,7 +777,7 @@
           <a:p>
             <a:fld id="{020CE34E-5667-4A32-A6BA-10C7A552BC63}" type="datetimeFigureOut">
               <a:rPr lang="en-US" smtClean="0"/>
-              <a:t>4/29/2022</a:t>
+              <a:t>4/30/2022</a:t>
             </a:fld>
             <a:endParaRPr lang="en-US"/>
           </a:p>
@@ -834,7 +1193,7 @@
           <a:p>
             <a:fld id="{E7CCE34D-CFF1-4FFE-815B-D050E7ED2DFD}" type="slidenum">
               <a:rPr lang="en-US" smtClean="0"/>
-              <a:t>13</a:t>
+              <a:t>14</a:t>
             </a:fld>
             <a:endParaRPr lang="en-US"/>
           </a:p>
@@ -918,7 +1277,7 @@
           <a:p>
             <a:fld id="{1983A999-5E0E-42CA-8400-604AE921FF7C}" type="slidenum">
               <a:rPr lang="en-US" smtClean="0"/>
-              <a:t>15</a:t>
+              <a:t>16</a:t>
             </a:fld>
             <a:endParaRPr lang="en-US"/>
           </a:p>
@@ -1293,7 +1652,7 @@
           <a:p>
             <a:fld id="{E7CCE34D-CFF1-4FFE-815B-D050E7ED2DFD}" type="slidenum">
               <a:rPr lang="en-US" smtClean="0"/>
-              <a:t>8</a:t>
+              <a:t>9</a:t>
             </a:fld>
             <a:endParaRPr lang="en-US"/>
           </a:p>
@@ -1389,7 +1748,7 @@
           <a:p>
             <a:fld id="{E7CCE34D-CFF1-4FFE-815B-D050E7ED2DFD}" type="slidenum">
               <a:rPr lang="en-US" smtClean="0"/>
-              <a:t>9</a:t>
+              <a:t>10</a:t>
             </a:fld>
             <a:endParaRPr lang="en-US"/>
           </a:p>
@@ -1491,7 +1850,7 @@
           <a:p>
             <a:fld id="{E7CCE34D-CFF1-4FFE-815B-D050E7ED2DFD}" type="slidenum">
               <a:rPr lang="en-US" smtClean="0"/>
-              <a:t>10</a:t>
+              <a:t>11</a:t>
             </a:fld>
             <a:endParaRPr lang="en-US"/>
           </a:p>
@@ -1581,7 +1940,7 @@
           <a:p>
             <a:fld id="{E7CCE34D-CFF1-4FFE-815B-D050E7ED2DFD}" type="slidenum">
               <a:rPr lang="en-US" smtClean="0"/>
-              <a:t>11</a:t>
+              <a:t>12</a:t>
             </a:fld>
             <a:endParaRPr lang="en-US"/>
           </a:p>
@@ -1673,7 +2032,7 @@
           <a:p>
             <a:fld id="{E7CCE34D-CFF1-4FFE-815B-D050E7ED2DFD}" type="slidenum">
               <a:rPr lang="en-US" smtClean="0"/>
-              <a:t>12</a:t>
+              <a:t>13</a:t>
             </a:fld>
             <a:endParaRPr lang="en-US"/>
           </a:p>
@@ -15459,13 +15818,13 @@
         </p:nvSpPr>
         <p:spPr>
           <a:xfrm>
-            <a:off x="281171" y="394343"/>
-            <a:ext cx="3565524" cy="3034657"/>
+            <a:off x="282868" y="558800"/>
+            <a:ext cx="3565524" cy="1927225"/>
           </a:xfrm>
         </p:spPr>
         <p:txBody>
           <a:bodyPr vert="horz" wrap="square" lIns="0" tIns="0" rIns="0" bIns="0" rtlCol="0" anchor="b" anchorCtr="0">
-            <a:normAutofit fontScale="90000"/>
+            <a:normAutofit/>
           </a:bodyPr>
           <a:lstStyle/>
           <a:p>
@@ -15475,26 +15834,9 @@
               </a:lnSpc>
             </a:pPr>
             <a:r>
-              <a:rPr lang="en-US" dirty="0"/>
-              <a:t>Does Population affect the number of reviews?</a:t>
+              <a:rPr lang="en-US" sz="3600" dirty="0"/>
+              <a:t>Does pricing influence the number of ratings</a:t>
             </a:r>
-            <a:br>
-              <a:rPr lang="en-US" dirty="0"/>
-            </a:br>
-            <a:br>
-              <a:rPr lang="en-US" dirty="0"/>
-            </a:br>
-            <a:r>
-              <a:rPr lang="en-US" dirty="0"/>
-              <a:t>No correlation</a:t>
-            </a:r>
-            <a:br>
-              <a:rPr lang="en-US" dirty="0"/>
-            </a:br>
-            <a:br>
-              <a:rPr lang="en-US" dirty="0"/>
-            </a:br>
-            <a:endParaRPr lang="en-US" dirty="0"/>
           </a:p>
         </p:txBody>
       </p:sp>
@@ -15558,10 +15900,10 @@
       </p:sp>
       <p:pic>
         <p:nvPicPr>
-          <p:cNvPr id="4" name="Picture 3" descr="Chart&#10;&#10;Description automatically generated">
-            <a:extLst>
-              <a:ext uri="{FF2B5EF4-FFF2-40B4-BE49-F238E27FC236}">
-                <a16:creationId xmlns:a16="http://schemas.microsoft.com/office/drawing/2014/main" id="{52642060-EDC1-6CEB-DDC1-CAFAE89977AE}"/>
+          <p:cNvPr id="24" name="Picture 23" descr="Chart, scatter chart&#10;&#10;Description automatically generated">
+            <a:extLst>
+              <a:ext uri="{FF2B5EF4-FFF2-40B4-BE49-F238E27FC236}">
+                <a16:creationId xmlns:a16="http://schemas.microsoft.com/office/drawing/2014/main" id="{70161D08-D57D-671B-FC5F-EC6A11113C4D}"/>
               </a:ext>
             </a:extLst>
           </p:cNvPr>
@@ -15578,18 +15920,53 @@
         </p:blipFill>
         <p:spPr>
           <a:xfrm>
-            <a:off x="4014788" y="708025"/>
-            <a:ext cx="8162924" cy="5441949"/>
+            <a:off x="4116388" y="806797"/>
+            <a:ext cx="7792744" cy="5244406"/>
           </a:xfrm>
           <a:prstGeom prst="rect">
             <a:avLst/>
           </a:prstGeom>
         </p:spPr>
       </p:pic>
+      <p:sp>
+        <p:nvSpPr>
+          <p:cNvPr id="25" name="TextBox 24">
+            <a:extLst>
+              <a:ext uri="{FF2B5EF4-FFF2-40B4-BE49-F238E27FC236}">
+                <a16:creationId xmlns:a16="http://schemas.microsoft.com/office/drawing/2014/main" id="{FE4C1423-03F9-7376-632D-87F1601BAED3}"/>
+              </a:ext>
+            </a:extLst>
+          </p:cNvPr>
+          <p:cNvSpPr txBox="1"/>
+          <p:nvPr/>
+        </p:nvSpPr>
+        <p:spPr>
+          <a:xfrm>
+            <a:off x="282868" y="3198167"/>
+            <a:ext cx="3112035" cy="461665"/>
+          </a:xfrm>
+          <a:prstGeom prst="rect">
+            <a:avLst/>
+          </a:prstGeom>
+          <a:noFill/>
+        </p:spPr>
+        <p:txBody>
+          <a:bodyPr wrap="square" rtlCol="0">
+            <a:spAutoFit/>
+          </a:bodyPr>
+          <a:lstStyle/>
+          <a:p>
+            <a:r>
+              <a:rPr lang="en-US" sz="2400" dirty="0"/>
+              <a:t>R-Square Value is: -0.21</a:t>
+            </a:r>
+          </a:p>
+        </p:txBody>
+      </p:sp>
     </p:spTree>
     <p:extLst>
       <p:ext uri="{BB962C8B-B14F-4D97-AF65-F5344CB8AC3E}">
-        <p14:creationId xmlns:p14="http://schemas.microsoft.com/office/powerpoint/2010/main" val="2048102170"/>
+        <p14:creationId xmlns:p14="http://schemas.microsoft.com/office/powerpoint/2010/main" val="1732661267"/>
       </p:ext>
     </p:extLst>
   </p:cSld>
@@ -15634,13 +16011,13 @@
         </p:nvSpPr>
         <p:spPr>
           <a:xfrm>
-            <a:off x="265114" y="1196975"/>
-            <a:ext cx="3565524" cy="3034657"/>
+            <a:off x="338321" y="466725"/>
+            <a:ext cx="3565524" cy="4143375"/>
           </a:xfrm>
         </p:spPr>
         <p:txBody>
           <a:bodyPr vert="horz" wrap="square" lIns="0" tIns="0" rIns="0" bIns="0" rtlCol="0" anchor="b" anchorCtr="0">
-            <a:normAutofit/>
+            <a:normAutofit fontScale="90000"/>
           </a:bodyPr>
           <a:lstStyle/>
           <a:p>
@@ -15649,10 +16026,23 @@
                 <a:spcPct val="100000"/>
               </a:lnSpc>
             </a:pPr>
+            <a:br>
+              <a:rPr lang="en-US" dirty="0"/>
+            </a:br>
             <a:r>
+              <a:rPr lang="en-US" sz="3200" dirty="0"/>
+              <a:t>Does Population affect the number of reviews?</a:t>
+            </a:r>
+            <a:br>
               <a:rPr lang="en-US" dirty="0"/>
-              <a:t>Does Population affect the rating?</a:t>
-            </a:r>
+            </a:br>
+            <a:br>
+              <a:rPr lang="en-US" dirty="0"/>
+            </a:br>
+            <a:br>
+              <a:rPr lang="en-US" dirty="0"/>
+            </a:br>
+            <a:endParaRPr lang="en-US" dirty="0"/>
           </a:p>
         </p:txBody>
       </p:sp>
@@ -15719,7 +16109,7 @@
           <p:cNvPr id="5" name="Picture 4" descr="Chart, scatter chart&#10;&#10;Description automatically generated">
             <a:extLst>
               <a:ext uri="{FF2B5EF4-FFF2-40B4-BE49-F238E27FC236}">
-                <a16:creationId xmlns:a16="http://schemas.microsoft.com/office/drawing/2014/main" id="{E870CE2C-C490-4E28-9507-BC7D9638A710}"/>
+                <a16:creationId xmlns:a16="http://schemas.microsoft.com/office/drawing/2014/main" id="{A899C08C-26BF-D443-D826-9E6ADA80644A}"/>
               </a:ext>
             </a:extLst>
           </p:cNvPr>
@@ -15736,18 +16126,53 @@
         </p:blipFill>
         <p:spPr>
           <a:xfrm>
-            <a:off x="3389742" y="390525"/>
-            <a:ext cx="8537144" cy="5736421"/>
+            <a:off x="4112575" y="965921"/>
+            <a:ext cx="7741104" cy="4926157"/>
           </a:xfrm>
           <a:prstGeom prst="rect">
             <a:avLst/>
           </a:prstGeom>
         </p:spPr>
       </p:pic>
+      <p:sp>
+        <p:nvSpPr>
+          <p:cNvPr id="7" name="TextBox 6">
+            <a:extLst>
+              <a:ext uri="{FF2B5EF4-FFF2-40B4-BE49-F238E27FC236}">
+                <a16:creationId xmlns:a16="http://schemas.microsoft.com/office/drawing/2014/main" id="{0929AE6B-7180-C8C3-0EC7-E3995C742082}"/>
+              </a:ext>
+            </a:extLst>
+          </p:cNvPr>
+          <p:cNvSpPr txBox="1"/>
+          <p:nvPr/>
+        </p:nvSpPr>
+        <p:spPr>
+          <a:xfrm>
+            <a:off x="338321" y="3198166"/>
+            <a:ext cx="3112035" cy="461665"/>
+          </a:xfrm>
+          <a:prstGeom prst="rect">
+            <a:avLst/>
+          </a:prstGeom>
+          <a:noFill/>
+        </p:spPr>
+        <p:txBody>
+          <a:bodyPr wrap="square" rtlCol="0">
+            <a:spAutoFit/>
+          </a:bodyPr>
+          <a:lstStyle/>
+          <a:p>
+            <a:r>
+              <a:rPr lang="en-US" sz="2400" dirty="0"/>
+              <a:t>R-Square Value is: 0.11</a:t>
+            </a:r>
+          </a:p>
+        </p:txBody>
+      </p:sp>
     </p:spTree>
     <p:extLst>
       <p:ext uri="{BB962C8B-B14F-4D97-AF65-F5344CB8AC3E}">
-        <p14:creationId xmlns:p14="http://schemas.microsoft.com/office/powerpoint/2010/main" val="4214054637"/>
+        <p14:creationId xmlns:p14="http://schemas.microsoft.com/office/powerpoint/2010/main" val="2048102170"/>
       </p:ext>
     </p:extLst>
   </p:cSld>
@@ -15792,13 +16217,13 @@
         </p:nvSpPr>
         <p:spPr>
           <a:xfrm>
-            <a:off x="281171" y="1473200"/>
-            <a:ext cx="3565524" cy="3034657"/>
+            <a:off x="265114" y="733988"/>
+            <a:ext cx="3565524" cy="1418903"/>
           </a:xfrm>
         </p:spPr>
         <p:txBody>
           <a:bodyPr vert="horz" wrap="square" lIns="0" tIns="0" rIns="0" bIns="0" rtlCol="0" anchor="b" anchorCtr="0">
-            <a:normAutofit fontScale="90000"/>
+            <a:normAutofit/>
           </a:bodyPr>
           <a:lstStyle/>
           <a:p>
@@ -15808,8 +16233,8 @@
               </a:lnSpc>
             </a:pPr>
             <a:r>
-              <a:rPr lang="en-US" dirty="0"/>
-              <a:t>Does Population affect the number of reviews?</a:t>
+              <a:rPr lang="en-US" sz="3600" dirty="0"/>
+              <a:t>Does Population affect the rating?</a:t>
             </a:r>
           </a:p>
         </p:txBody>
@@ -15874,10 +16299,10 @@
       </p:sp>
       <p:pic>
         <p:nvPicPr>
-          <p:cNvPr id="5" name="Picture 4" descr="Chart, histogram&#10;&#10;Description automatically generated">
-            <a:extLst>
-              <a:ext uri="{FF2B5EF4-FFF2-40B4-BE49-F238E27FC236}">
-                <a16:creationId xmlns:a16="http://schemas.microsoft.com/office/drawing/2014/main" id="{97527012-66B0-714E-1840-C105214068EB}"/>
+          <p:cNvPr id="4" name="Picture 3" descr="Chart, scatter chart&#10;&#10;Description automatically generated">
+            <a:extLst>
+              <a:ext uri="{FF2B5EF4-FFF2-40B4-BE49-F238E27FC236}">
+                <a16:creationId xmlns:a16="http://schemas.microsoft.com/office/drawing/2014/main" id="{536C8034-777C-2051-6393-D1E24471C7C2}"/>
               </a:ext>
             </a:extLst>
           </p:cNvPr>
@@ -15894,18 +16319,53 @@
         </p:blipFill>
         <p:spPr>
           <a:xfrm>
-            <a:off x="3852862" y="614473"/>
-            <a:ext cx="7846976" cy="4881452"/>
+            <a:off x="4139022" y="651782"/>
+            <a:ext cx="7787864" cy="5554436"/>
           </a:xfrm>
           <a:prstGeom prst="rect">
             <a:avLst/>
           </a:prstGeom>
         </p:spPr>
       </p:pic>
+      <p:sp>
+        <p:nvSpPr>
+          <p:cNvPr id="7" name="TextBox 6">
+            <a:extLst>
+              <a:ext uri="{FF2B5EF4-FFF2-40B4-BE49-F238E27FC236}">
+                <a16:creationId xmlns:a16="http://schemas.microsoft.com/office/drawing/2014/main" id="{EF77DFF3-07DD-E607-65D3-73E1CCF2483E}"/>
+              </a:ext>
+            </a:extLst>
+          </p:cNvPr>
+          <p:cNvSpPr txBox="1"/>
+          <p:nvPr/>
+        </p:nvSpPr>
+        <p:spPr>
+          <a:xfrm>
+            <a:off x="338321" y="3198166"/>
+            <a:ext cx="3112035" cy="461665"/>
+          </a:xfrm>
+          <a:prstGeom prst="rect">
+            <a:avLst/>
+          </a:prstGeom>
+          <a:noFill/>
+        </p:spPr>
+        <p:txBody>
+          <a:bodyPr wrap="square" rtlCol="0">
+            <a:spAutoFit/>
+          </a:bodyPr>
+          <a:lstStyle/>
+          <a:p>
+            <a:r>
+              <a:rPr lang="en-US" sz="2400" dirty="0"/>
+              <a:t>R-Square Value is: -0.21</a:t>
+            </a:r>
+          </a:p>
+        </p:txBody>
+      </p:sp>
     </p:spTree>
     <p:extLst>
       <p:ext uri="{BB962C8B-B14F-4D97-AF65-F5344CB8AC3E}">
-        <p14:creationId xmlns:p14="http://schemas.microsoft.com/office/powerpoint/2010/main" val="3059549935"/>
+        <p14:creationId xmlns:p14="http://schemas.microsoft.com/office/powerpoint/2010/main" val="4214054637"/>
       </p:ext>
     </p:extLst>
   </p:cSld>
@@ -15950,13 +16410,13 @@
         </p:nvSpPr>
         <p:spPr>
           <a:xfrm>
-            <a:off x="265114" y="1196975"/>
+            <a:off x="281171" y="1473200"/>
             <a:ext cx="3565524" cy="3034657"/>
           </a:xfrm>
         </p:spPr>
         <p:txBody>
           <a:bodyPr vert="horz" wrap="square" lIns="0" tIns="0" rIns="0" bIns="0" rtlCol="0" anchor="b" anchorCtr="0">
-            <a:normAutofit/>
+            <a:normAutofit fontScale="90000"/>
           </a:bodyPr>
           <a:lstStyle/>
           <a:p>
@@ -15966,10 +16426,9 @@
               </a:lnSpc>
             </a:pPr>
             <a:r>
-              <a:rPr lang="en-US"/>
-              <a:t>Does Population affect the rating?</a:t>
+              <a:rPr lang="en-US" dirty="0"/>
+              <a:t>Does Population affect the number of reviews?</a:t>
             </a:r>
-            <a:endParaRPr lang="en-US" dirty="0"/>
           </a:p>
         </p:txBody>
       </p:sp>
@@ -16020,6 +16479,165 @@
                 </a:spcAft>
               </a:pPr>
               <a:t>13</a:t>
+            </a:fld>
+            <a:endParaRPr lang="en-US">
+              <a:solidFill>
+                <a:schemeClr val="tx1">
+                  <a:alpha val="80000"/>
+                </a:schemeClr>
+              </a:solidFill>
+            </a:endParaRPr>
+          </a:p>
+        </p:txBody>
+      </p:sp>
+      <p:pic>
+        <p:nvPicPr>
+          <p:cNvPr id="5" name="Picture 4" descr="Chart, histogram&#10;&#10;Description automatically generated">
+            <a:extLst>
+              <a:ext uri="{FF2B5EF4-FFF2-40B4-BE49-F238E27FC236}">
+                <a16:creationId xmlns:a16="http://schemas.microsoft.com/office/drawing/2014/main" id="{97527012-66B0-714E-1840-C105214068EB}"/>
+              </a:ext>
+            </a:extLst>
+          </p:cNvPr>
+          <p:cNvPicPr>
+            <a:picLocks noChangeAspect="1"/>
+          </p:cNvPicPr>
+          <p:nvPr/>
+        </p:nvPicPr>
+        <p:blipFill>
+          <a:blip r:embed="rId3"/>
+          <a:stretch>
+            <a:fillRect/>
+          </a:stretch>
+        </p:blipFill>
+        <p:spPr>
+          <a:xfrm>
+            <a:off x="3202886" y="778905"/>
+            <a:ext cx="8520101" cy="5300190"/>
+          </a:xfrm>
+          <a:prstGeom prst="rect">
+            <a:avLst/>
+          </a:prstGeom>
+        </p:spPr>
+      </p:pic>
+    </p:spTree>
+    <p:extLst>
+      <p:ext uri="{BB962C8B-B14F-4D97-AF65-F5344CB8AC3E}">
+        <p14:creationId xmlns:p14="http://schemas.microsoft.com/office/powerpoint/2010/main" val="3059549935"/>
+      </p:ext>
+    </p:extLst>
+  </p:cSld>
+  <p:clrMapOvr>
+    <a:masterClrMapping/>
+  </p:clrMapOvr>
+</p:sld>
+</file>
+
+<file path=ppt/slides/slide14.xml><?xml version="1.0" encoding="utf-8"?>
+<p:sld xmlns:a="http://schemas.openxmlformats.org/drawingml/2006/main" xmlns:r="http://schemas.openxmlformats.org/officeDocument/2006/relationships" xmlns:p="http://schemas.openxmlformats.org/presentationml/2006/main">
+  <p:cSld>
+    <p:spTree>
+      <p:nvGrpSpPr>
+        <p:cNvPr id="1" name=""/>
+        <p:cNvGrpSpPr/>
+        <p:nvPr/>
+      </p:nvGrpSpPr>
+      <p:grpSpPr>
+        <a:xfrm>
+          <a:off x="0" y="0"/>
+          <a:ext cx="0" cy="0"/>
+          <a:chOff x="0" y="0"/>
+          <a:chExt cx="0" cy="0"/>
+        </a:xfrm>
+      </p:grpSpPr>
+      <p:sp>
+        <p:nvSpPr>
+          <p:cNvPr id="2" name="Title 1">
+            <a:extLst>
+              <a:ext uri="{FF2B5EF4-FFF2-40B4-BE49-F238E27FC236}">
+                <a16:creationId xmlns:a16="http://schemas.microsoft.com/office/drawing/2014/main" id="{FCB102D8-1D22-4940-AF19-07CF3A0DC5F4}"/>
+              </a:ext>
+            </a:extLst>
+          </p:cNvPr>
+          <p:cNvSpPr>
+            <a:spLocks noGrp="1"/>
+          </p:cNvSpPr>
+          <p:nvPr>
+            <p:ph type="title"/>
+          </p:nvPr>
+        </p:nvSpPr>
+        <p:spPr>
+          <a:xfrm>
+            <a:off x="265114" y="1196975"/>
+            <a:ext cx="3565524" cy="3034657"/>
+          </a:xfrm>
+        </p:spPr>
+        <p:txBody>
+          <a:bodyPr vert="horz" wrap="square" lIns="0" tIns="0" rIns="0" bIns="0" rtlCol="0" anchor="b" anchorCtr="0">
+            <a:normAutofit/>
+          </a:bodyPr>
+          <a:lstStyle/>
+          <a:p>
+            <a:pPr>
+              <a:lnSpc>
+                <a:spcPct val="100000"/>
+              </a:lnSpc>
+            </a:pPr>
+            <a:r>
+              <a:rPr lang="en-US"/>
+              <a:t>Does Population affect the rating?</a:t>
+            </a:r>
+            <a:endParaRPr lang="en-US" dirty="0"/>
+          </a:p>
+        </p:txBody>
+      </p:sp>
+      <p:sp>
+        <p:nvSpPr>
+          <p:cNvPr id="16" name="Slide Number Placeholder 15">
+            <a:extLst>
+              <a:ext uri="{FF2B5EF4-FFF2-40B4-BE49-F238E27FC236}">
+                <a16:creationId xmlns:a16="http://schemas.microsoft.com/office/drawing/2014/main" id="{3F8A62C8-5437-4C47-AC0F-0605F84CBA57}"/>
+              </a:ext>
+            </a:extLst>
+          </p:cNvPr>
+          <p:cNvSpPr>
+            <a:spLocks noGrp="1"/>
+          </p:cNvSpPr>
+          <p:nvPr>
+            <p:ph type="sldNum" sz="quarter" idx="12"/>
+          </p:nvPr>
+        </p:nvSpPr>
+        <p:spPr>
+          <a:xfrm>
+            <a:off x="9948863" y="6507212"/>
+            <a:ext cx="1692274" cy="153888"/>
+          </a:xfrm>
+        </p:spPr>
+        <p:txBody>
+          <a:bodyPr vert="horz" wrap="square" lIns="0" tIns="0" rIns="0" bIns="0" rtlCol="0" anchor="ctr">
+            <a:normAutofit/>
+          </a:bodyPr>
+          <a:lstStyle/>
+          <a:p>
+            <a:pPr>
+              <a:spcAft>
+                <a:spcPts val="600"/>
+              </a:spcAft>
+            </a:pPr>
+            <a:fld id="{DBA1B0FB-D917-4C8C-928F-313BD683BF39}" type="slidenum">
+              <a:rPr lang="en-US" smtClean="0">
+                <a:solidFill>
+                  <a:schemeClr val="tx1">
+                    <a:alpha val="80000"/>
+                  </a:schemeClr>
+                </a:solidFill>
+              </a:rPr>
+              <a:pPr>
+                <a:spcAft>
+                  <a:spcPts val="600"/>
+                </a:spcAft>
+              </a:pPr>
+              <a:t>14</a:t>
             </a:fld>
             <a:endParaRPr lang="en-US">
               <a:solidFill>
@@ -16074,7 +16692,7 @@
 </p:sld>
 </file>
 
-<file path=ppt/slides/slide14.xml><?xml version="1.0" encoding="utf-8"?>
+<file path=ppt/slides/slide15.xml><?xml version="1.0" encoding="utf-8"?>
 <p:sld xmlns:a="http://schemas.openxmlformats.org/drawingml/2006/main" xmlns:r="http://schemas.openxmlformats.org/officeDocument/2006/relationships" xmlns:p="http://schemas.openxmlformats.org/presentationml/2006/main">
   <p:cSld>
     <p:spTree>
@@ -16153,7 +16771,7 @@
             <a:fld id="{DBA1B0FB-D917-4C8C-928F-313BD683BF39}" type="slidenum">
               <a:rPr lang="en-US" smtClean="0"/>
               <a:pPr/>
-              <a:t>14</a:t>
+              <a:t>15</a:t>
             </a:fld>
             <a:endParaRPr lang="en-US"/>
           </a:p>
@@ -16233,7 +16851,7 @@
 </p:sld>
 </file>
 
-<file path=ppt/slides/slide15.xml><?xml version="1.0" encoding="utf-8"?>
+<file path=ppt/slides/slide16.xml><?xml version="1.0" encoding="utf-8"?>
 <p:sld xmlns:a="http://schemas.openxmlformats.org/drawingml/2006/main" xmlns:r="http://schemas.openxmlformats.org/officeDocument/2006/relationships" xmlns:p="http://schemas.openxmlformats.org/presentationml/2006/main">
   <p:cSld>
     <p:spTree>
@@ -16347,7 +16965,7 @@
             <a:fld id="{DBA1B0FB-D917-4C8C-928F-313BD683BF39}" type="slidenum">
               <a:rPr lang="en-US" smtClean="0"/>
               <a:pPr/>
-              <a:t>15</a:t>
+              <a:t>16</a:t>
             </a:fld>
             <a:endParaRPr lang="en-US"/>
           </a:p>
@@ -16391,7 +17009,7 @@
 </p:sld>
 </file>
 
-<file path=ppt/slides/slide16.xml><?xml version="1.0" encoding="utf-8"?>
+<file path=ppt/slides/slide17.xml><?xml version="1.0" encoding="utf-8"?>
 <p:sld xmlns:a="http://schemas.openxmlformats.org/drawingml/2006/main" xmlns:r="http://schemas.openxmlformats.org/officeDocument/2006/relationships" xmlns:p="http://schemas.openxmlformats.org/presentationml/2006/main">
   <p:cSld>
     <p:bg>
@@ -17583,7 +18201,7 @@
                   <a:spcPts val="600"/>
                 </a:spcAft>
               </a:pPr>
-              <a:t>16</a:t>
+              <a:t>17</a:t>
             </a:fld>
             <a:endParaRPr lang="en-US">
               <a:solidFill>
@@ -19818,7 +20436,7 @@
           <a:p>
             <a:r>
               <a:rPr lang="en-US" dirty="0"/>
-              <a:t>Location of City</a:t>
+              <a:t>Location of Cities</a:t>
             </a:r>
           </a:p>
         </p:txBody>
@@ -19858,38 +20476,35 @@
           </a:p>
         </p:txBody>
       </p:sp>
-      <p:sp>
-        <p:nvSpPr>
-          <p:cNvPr id="3" name="Content Placeholder 2">
-            <a:extLst>
-              <a:ext uri="{FF2B5EF4-FFF2-40B4-BE49-F238E27FC236}">
-                <a16:creationId xmlns:a16="http://schemas.microsoft.com/office/drawing/2014/main" id="{001F032B-0F96-F84A-93E7-B77E5A8D8A46}"/>
-              </a:ext>
-            </a:extLst>
-          </p:cNvPr>
-          <p:cNvSpPr>
-            <a:spLocks noGrp="1"/>
-          </p:cNvSpPr>
+      <p:pic>
+        <p:nvPicPr>
+          <p:cNvPr id="4" name="Content Placeholder 3" descr="Map&#10;&#10;Description automatically generated">
+            <a:extLst>
+              <a:ext uri="{FF2B5EF4-FFF2-40B4-BE49-F238E27FC236}">
+                <a16:creationId xmlns:a16="http://schemas.microsoft.com/office/drawing/2014/main" id="{94927B50-2ED0-4164-3A1C-1FFD0C34562D}"/>
+              </a:ext>
+            </a:extLst>
+          </p:cNvPr>
+          <p:cNvPicPr>
+            <a:picLocks noGrp="1" noChangeAspect="1"/>
+          </p:cNvPicPr>
           <p:nvPr>
             <p:ph idx="1"/>
           </p:nvPr>
-        </p:nvSpPr>
-        <p:spPr/>
-        <p:txBody>
-          <a:bodyPr/>
-          <a:lstStyle/>
-          <a:p>
-            <a:r>
-              <a:rPr lang="en-US" dirty="0" err="1"/>
-              <a:t>Gmap</a:t>
-            </a:r>
-            <a:r>
-              <a:rPr lang="en-US" dirty="0"/>
-              <a:t> of city</a:t>
-            </a:r>
-          </a:p>
-        </p:txBody>
-      </p:sp>
+        </p:nvPicPr>
+        <p:blipFill>
+          <a:blip r:embed="rId2"/>
+          <a:stretch>
+            <a:fillRect/>
+          </a:stretch>
+        </p:blipFill>
+        <p:spPr>
+          <a:xfrm>
+            <a:off x="618909" y="1438275"/>
+            <a:ext cx="10971418" cy="4436269"/>
+          </a:xfrm>
+        </p:spPr>
+      </p:pic>
     </p:spTree>
     <p:extLst>
       <p:ext uri="{BB962C8B-B14F-4D97-AF65-F5344CB8AC3E}">
@@ -19922,6 +20537,178 @@
       </p:grpSpPr>
       <p:sp>
         <p:nvSpPr>
+          <p:cNvPr id="2" name="Title 1">
+            <a:extLst>
+              <a:ext uri="{FF2B5EF4-FFF2-40B4-BE49-F238E27FC236}">
+                <a16:creationId xmlns:a16="http://schemas.microsoft.com/office/drawing/2014/main" id="{06947E62-A2A2-EFA0-2504-2B8F0EA6B461}"/>
+              </a:ext>
+            </a:extLst>
+          </p:cNvPr>
+          <p:cNvSpPr>
+            <a:spLocks noGrp="1"/>
+          </p:cNvSpPr>
+          <p:nvPr>
+            <p:ph type="title"/>
+          </p:nvPr>
+        </p:nvSpPr>
+        <p:spPr/>
+        <p:txBody>
+          <a:bodyPr/>
+          <a:lstStyle/>
+          <a:p>
+            <a:r>
+              <a:rPr lang="en-US" dirty="0"/>
+              <a:t>Restaurants in Cities</a:t>
+            </a:r>
+          </a:p>
+        </p:txBody>
+      </p:sp>
+      <p:pic>
+        <p:nvPicPr>
+          <p:cNvPr id="8" name="Content Placeholder 7" descr="Map&#10;&#10;Description automatically generated">
+            <a:extLst>
+              <a:ext uri="{FF2B5EF4-FFF2-40B4-BE49-F238E27FC236}">
+                <a16:creationId xmlns:a16="http://schemas.microsoft.com/office/drawing/2014/main" id="{F9C6A07B-43B2-D565-B340-D3491DA0DFAB}"/>
+              </a:ext>
+            </a:extLst>
+          </p:cNvPr>
+          <p:cNvPicPr>
+            <a:picLocks noGrp="1" noChangeAspect="1"/>
+          </p:cNvPicPr>
+          <p:nvPr>
+            <p:ph idx="1"/>
+          </p:nvPr>
+        </p:nvPicPr>
+        <p:blipFill>
+          <a:blip r:embed="rId2"/>
+          <a:stretch>
+            <a:fillRect/>
+          </a:stretch>
+        </p:blipFill>
+        <p:spPr>
+          <a:xfrm>
+            <a:off x="541089" y="1818538"/>
+            <a:ext cx="11100047" cy="4572737"/>
+          </a:xfrm>
+        </p:spPr>
+      </p:pic>
+      <p:sp>
+        <p:nvSpPr>
+          <p:cNvPr id="4" name="Date Placeholder 3">
+            <a:extLst>
+              <a:ext uri="{FF2B5EF4-FFF2-40B4-BE49-F238E27FC236}">
+                <a16:creationId xmlns:a16="http://schemas.microsoft.com/office/drawing/2014/main" id="{5CAADC1D-4303-661E-514D-2F7C2531544B}"/>
+              </a:ext>
+            </a:extLst>
+          </p:cNvPr>
+          <p:cNvSpPr>
+            <a:spLocks noGrp="1"/>
+          </p:cNvSpPr>
+          <p:nvPr>
+            <p:ph type="dt" sz="half" idx="10"/>
+          </p:nvPr>
+        </p:nvSpPr>
+        <p:spPr/>
+        <p:txBody>
+          <a:bodyPr/>
+          <a:lstStyle/>
+          <a:p>
+            <a:r>
+              <a:rPr lang="en-US"/>
+              <a:t>Tuesday, February 2, 20XX</a:t>
+            </a:r>
+          </a:p>
+        </p:txBody>
+      </p:sp>
+      <p:sp>
+        <p:nvSpPr>
+          <p:cNvPr id="5" name="Footer Placeholder 4">
+            <a:extLst>
+              <a:ext uri="{FF2B5EF4-FFF2-40B4-BE49-F238E27FC236}">
+                <a16:creationId xmlns:a16="http://schemas.microsoft.com/office/drawing/2014/main" id="{15E9B311-CCA7-42BB-9930-AA1A154B07C9}"/>
+              </a:ext>
+            </a:extLst>
+          </p:cNvPr>
+          <p:cNvSpPr>
+            <a:spLocks noGrp="1"/>
+          </p:cNvSpPr>
+          <p:nvPr>
+            <p:ph type="ftr" sz="quarter" idx="11"/>
+          </p:nvPr>
+        </p:nvSpPr>
+        <p:spPr/>
+        <p:txBody>
+          <a:bodyPr/>
+          <a:lstStyle/>
+          <a:p>
+            <a:r>
+              <a:rPr lang="en-US"/>
+              <a:t>Sample Footer Text</a:t>
+            </a:r>
+          </a:p>
+        </p:txBody>
+      </p:sp>
+      <p:sp>
+        <p:nvSpPr>
+          <p:cNvPr id="6" name="Slide Number Placeholder 5">
+            <a:extLst>
+              <a:ext uri="{FF2B5EF4-FFF2-40B4-BE49-F238E27FC236}">
+                <a16:creationId xmlns:a16="http://schemas.microsoft.com/office/drawing/2014/main" id="{E0B41759-C945-0C32-B004-F7320C3E9C26}"/>
+              </a:ext>
+            </a:extLst>
+          </p:cNvPr>
+          <p:cNvSpPr>
+            <a:spLocks noGrp="1"/>
+          </p:cNvSpPr>
+          <p:nvPr>
+            <p:ph type="sldNum" sz="quarter" idx="12"/>
+          </p:nvPr>
+        </p:nvSpPr>
+        <p:spPr/>
+        <p:txBody>
+          <a:bodyPr/>
+          <a:lstStyle/>
+          <a:p>
+            <a:fld id="{DBA1B0FB-D917-4C8C-928F-313BD683BF39}" type="slidenum">
+              <a:rPr lang="en-US" smtClean="0"/>
+              <a:t>7</a:t>
+            </a:fld>
+            <a:endParaRPr lang="en-US"/>
+          </a:p>
+        </p:txBody>
+      </p:sp>
+    </p:spTree>
+    <p:extLst>
+      <p:ext uri="{BB962C8B-B14F-4D97-AF65-F5344CB8AC3E}">
+        <p14:creationId xmlns:p14="http://schemas.microsoft.com/office/powerpoint/2010/main" val="1942907802"/>
+      </p:ext>
+    </p:extLst>
+  </p:cSld>
+  <p:clrMapOvr>
+    <a:masterClrMapping/>
+  </p:clrMapOvr>
+</p:sld>
+</file>
+
+<file path=ppt/slides/slide8.xml><?xml version="1.0" encoding="utf-8"?>
+<p:sld xmlns:a="http://schemas.openxmlformats.org/drawingml/2006/main" xmlns:r="http://schemas.openxmlformats.org/officeDocument/2006/relationships" xmlns:p="http://schemas.openxmlformats.org/presentationml/2006/main">
+  <p:cSld>
+    <p:spTree>
+      <p:nvGrpSpPr>
+        <p:cNvPr id="1" name=""/>
+        <p:cNvGrpSpPr/>
+        <p:nvPr/>
+      </p:nvGrpSpPr>
+      <p:grpSpPr>
+        <a:xfrm>
+          <a:off x="0" y="0"/>
+          <a:ext cx="0" cy="0"/>
+          <a:chOff x="0" y="0"/>
+          <a:chExt cx="0" cy="0"/>
+        </a:xfrm>
+      </p:grpSpPr>
+      <p:sp>
+        <p:nvSpPr>
           <p:cNvPr id="7" name="Title 6">
             <a:extLst>
               <a:ext uri="{FF2B5EF4-FFF2-40B4-BE49-F238E27FC236}">
@@ -19982,7 +20769,7 @@
             <a:fld id="{DBA1B0FB-D917-4C8C-928F-313BD683BF39}" type="slidenum">
               <a:rPr lang="en-US" smtClean="0"/>
               <a:pPr/>
-              <a:t>7</a:t>
+              <a:t>8</a:t>
             </a:fld>
             <a:endParaRPr lang="en-US"/>
           </a:p>
@@ -20009,16 +20796,40 @@
           <a:bodyPr/>
           <a:lstStyle/>
           <a:p>
-            <a:r>
-              <a:rPr lang="en-US" dirty="0"/>
-              <a:t>Table of City/Population/Number of restaurants</a:t>
-            </a:r>
-          </a:p>
-          <a:p>
             <a:endParaRPr lang="en-US" dirty="0"/>
           </a:p>
         </p:txBody>
       </p:sp>
+      <p:pic>
+        <p:nvPicPr>
+          <p:cNvPr id="4" name="Picture 3" descr="Table&#10;&#10;Description automatically generated">
+            <a:extLst>
+              <a:ext uri="{FF2B5EF4-FFF2-40B4-BE49-F238E27FC236}">
+                <a16:creationId xmlns:a16="http://schemas.microsoft.com/office/drawing/2014/main" id="{059F5B74-C25F-D1D6-2176-A24F1FFCE8E4}"/>
+              </a:ext>
+            </a:extLst>
+          </p:cNvPr>
+          <p:cNvPicPr>
+            <a:picLocks noChangeAspect="1"/>
+          </p:cNvPicPr>
+          <p:nvPr/>
+        </p:nvPicPr>
+        <p:blipFill>
+          <a:blip r:embed="rId2"/>
+          <a:stretch>
+            <a:fillRect/>
+          </a:stretch>
+        </p:blipFill>
+        <p:spPr>
+          <a:xfrm>
+            <a:off x="3552825" y="1543736"/>
+            <a:ext cx="5086350" cy="5117364"/>
+          </a:xfrm>
+          <a:prstGeom prst="rect">
+            <a:avLst/>
+          </a:prstGeom>
+        </p:spPr>
+      </p:pic>
     </p:spTree>
     <p:extLst>
       <p:ext uri="{BB962C8B-B14F-4D97-AF65-F5344CB8AC3E}">
@@ -20032,7 +20843,7 @@
 </p:sld>
 </file>
 
-<file path=ppt/slides/slide8.xml><?xml version="1.0" encoding="utf-8"?>
+<file path=ppt/slides/slide9.xml><?xml version="1.0" encoding="utf-8"?>
 <p:sld xmlns:a="http://schemas.openxmlformats.org/drawingml/2006/main" xmlns:r="http://schemas.openxmlformats.org/officeDocument/2006/relationships" xmlns:p="http://schemas.openxmlformats.org/presentationml/2006/main">
   <p:cSld>
     <p:bg>
@@ -21406,12 +22217,12 @@
         </p:nvSpPr>
         <p:spPr>
           <a:xfrm>
-            <a:off x="550864" y="549275"/>
-            <a:ext cx="3565524" cy="3034657"/>
+            <a:off x="146098" y="925847"/>
+            <a:ext cx="3565524" cy="1558071"/>
           </a:xfrm>
         </p:spPr>
         <p:txBody>
-          <a:bodyPr vert="horz" wrap="square" lIns="0" tIns="0" rIns="0" bIns="0" rtlCol="0" anchor="b" anchorCtr="0">
+          <a:bodyPr vert="horz" wrap="square" lIns="0" tIns="0" rIns="0" bIns="0" rtlCol="0" anchor="ctr" anchorCtr="0">
             <a:normAutofit/>
           </a:bodyPr>
           <a:lstStyle/>
@@ -21422,7 +22233,7 @@
               </a:lnSpc>
             </a:pPr>
             <a:r>
-              <a:rPr lang="en-US" dirty="0"/>
+              <a:rPr lang="en-US" sz="4000" dirty="0"/>
               <a:t>Does Pricing influence rating</a:t>
             </a:r>
           </a:p>
@@ -21963,7 +22774,7 @@
                   <a:spcPts val="600"/>
                 </a:spcAft>
               </a:pPr>
-              <a:t>8</a:t>
+              <a:t>9</a:t>
             </a:fld>
             <a:endParaRPr lang="en-US">
               <a:solidFill>
@@ -21977,10 +22788,10 @@
       </p:sp>
       <p:pic>
         <p:nvPicPr>
-          <p:cNvPr id="8" name="Picture 7" descr="Chart, line chart, scatter chart&#10;&#10;Description automatically generated">
-            <a:extLst>
-              <a:ext uri="{FF2B5EF4-FFF2-40B4-BE49-F238E27FC236}">
-                <a16:creationId xmlns:a16="http://schemas.microsoft.com/office/drawing/2014/main" id="{16FCC329-569A-EEA7-FF60-FFACCFC28109}"/>
+          <p:cNvPr id="6" name="Picture 5" descr="Chart, scatter chart&#10;&#10;Description automatically generated">
+            <a:extLst>
+              <a:ext uri="{FF2B5EF4-FFF2-40B4-BE49-F238E27FC236}">
+                <a16:creationId xmlns:a16="http://schemas.microsoft.com/office/drawing/2014/main" id="{73537540-7E2A-DC02-872C-9001D570A8D5}"/>
               </a:ext>
             </a:extLst>
           </p:cNvPr>
@@ -21997,176 +22808,53 @@
         </p:blipFill>
         <p:spPr>
           <a:xfrm>
-            <a:off x="4061523" y="673893"/>
-            <a:ext cx="7849306" cy="5510213"/>
+            <a:off x="4023071" y="921219"/>
+            <a:ext cx="7857480" cy="5184502"/>
           </a:xfrm>
           <a:prstGeom prst="rect">
             <a:avLst/>
           </a:prstGeom>
         </p:spPr>
       </p:pic>
+      <p:sp>
+        <p:nvSpPr>
+          <p:cNvPr id="7" name="TextBox 6">
+            <a:extLst>
+              <a:ext uri="{FF2B5EF4-FFF2-40B4-BE49-F238E27FC236}">
+                <a16:creationId xmlns:a16="http://schemas.microsoft.com/office/drawing/2014/main" id="{2368CB51-60EB-DF8D-7943-9CD1DB307A1A}"/>
+              </a:ext>
+            </a:extLst>
+          </p:cNvPr>
+          <p:cNvSpPr txBox="1"/>
+          <p:nvPr/>
+        </p:nvSpPr>
+        <p:spPr>
+          <a:xfrm>
+            <a:off x="164565" y="3456168"/>
+            <a:ext cx="3112035" cy="461665"/>
+          </a:xfrm>
+          <a:prstGeom prst="rect">
+            <a:avLst/>
+          </a:prstGeom>
+          <a:noFill/>
+        </p:spPr>
+        <p:txBody>
+          <a:bodyPr wrap="square" rtlCol="0">
+            <a:spAutoFit/>
+          </a:bodyPr>
+          <a:lstStyle/>
+          <a:p>
+            <a:r>
+              <a:rPr lang="en-US" sz="2400" dirty="0"/>
+              <a:t>R-Square Value is: 0.28</a:t>
+            </a:r>
+          </a:p>
+        </p:txBody>
+      </p:sp>
     </p:spTree>
     <p:extLst>
       <p:ext uri="{BB962C8B-B14F-4D97-AF65-F5344CB8AC3E}">
         <p14:creationId xmlns:p14="http://schemas.microsoft.com/office/powerpoint/2010/main" val="2496947791"/>
-      </p:ext>
-    </p:extLst>
-  </p:cSld>
-  <p:clrMapOvr>
-    <a:masterClrMapping/>
-  </p:clrMapOvr>
-</p:sld>
-</file>
-
-<file path=ppt/slides/slide9.xml><?xml version="1.0" encoding="utf-8"?>
-<p:sld xmlns:a="http://schemas.openxmlformats.org/drawingml/2006/main" xmlns:r="http://schemas.openxmlformats.org/officeDocument/2006/relationships" xmlns:p="http://schemas.openxmlformats.org/presentationml/2006/main">
-  <p:cSld>
-    <p:spTree>
-      <p:nvGrpSpPr>
-        <p:cNvPr id="1" name=""/>
-        <p:cNvGrpSpPr/>
-        <p:nvPr/>
-      </p:nvGrpSpPr>
-      <p:grpSpPr>
-        <a:xfrm>
-          <a:off x="0" y="0"/>
-          <a:ext cx="0" cy="0"/>
-          <a:chOff x="0" y="0"/>
-          <a:chExt cx="0" cy="0"/>
-        </a:xfrm>
-      </p:grpSpPr>
-      <p:sp>
-        <p:nvSpPr>
-          <p:cNvPr id="2" name="Title 1">
-            <a:extLst>
-              <a:ext uri="{FF2B5EF4-FFF2-40B4-BE49-F238E27FC236}">
-                <a16:creationId xmlns:a16="http://schemas.microsoft.com/office/drawing/2014/main" id="{FCB102D8-1D22-4940-AF19-07CF3A0DC5F4}"/>
-              </a:ext>
-            </a:extLst>
-          </p:cNvPr>
-          <p:cNvSpPr>
-            <a:spLocks noGrp="1"/>
-          </p:cNvSpPr>
-          <p:nvPr>
-            <p:ph type="title"/>
-          </p:nvPr>
-        </p:nvSpPr>
-        <p:spPr>
-          <a:xfrm>
-            <a:off x="550864" y="549275"/>
-            <a:ext cx="3565524" cy="3034657"/>
-          </a:xfrm>
-        </p:spPr>
-        <p:txBody>
-          <a:bodyPr vert="horz" wrap="square" lIns="0" tIns="0" rIns="0" bIns="0" rtlCol="0" anchor="b" anchorCtr="0">
-            <a:normAutofit/>
-          </a:bodyPr>
-          <a:lstStyle/>
-          <a:p>
-            <a:pPr>
-              <a:lnSpc>
-                <a:spcPct val="100000"/>
-              </a:lnSpc>
-            </a:pPr>
-            <a:r>
-              <a:rPr lang="en-US" dirty="0"/>
-              <a:t>Does Pricing influence The number of ratings</a:t>
-            </a:r>
-          </a:p>
-        </p:txBody>
-      </p:sp>
-      <p:sp>
-        <p:nvSpPr>
-          <p:cNvPr id="16" name="Slide Number Placeholder 15">
-            <a:extLst>
-              <a:ext uri="{FF2B5EF4-FFF2-40B4-BE49-F238E27FC236}">
-                <a16:creationId xmlns:a16="http://schemas.microsoft.com/office/drawing/2014/main" id="{3F8A62C8-5437-4C47-AC0F-0605F84CBA57}"/>
-              </a:ext>
-            </a:extLst>
-          </p:cNvPr>
-          <p:cNvSpPr>
-            <a:spLocks noGrp="1"/>
-          </p:cNvSpPr>
-          <p:nvPr>
-            <p:ph type="sldNum" sz="quarter" idx="12"/>
-          </p:nvPr>
-        </p:nvSpPr>
-        <p:spPr>
-          <a:xfrm>
-            <a:off x="9948863" y="6507212"/>
-            <a:ext cx="1692274" cy="153888"/>
-          </a:xfrm>
-        </p:spPr>
-        <p:txBody>
-          <a:bodyPr vert="horz" wrap="square" lIns="0" tIns="0" rIns="0" bIns="0" rtlCol="0" anchor="ctr">
-            <a:normAutofit/>
-          </a:bodyPr>
-          <a:lstStyle/>
-          <a:p>
-            <a:pPr>
-              <a:spcAft>
-                <a:spcPts val="600"/>
-              </a:spcAft>
-            </a:pPr>
-            <a:fld id="{DBA1B0FB-D917-4C8C-928F-313BD683BF39}" type="slidenum">
-              <a:rPr lang="en-US" smtClean="0">
-                <a:solidFill>
-                  <a:schemeClr val="tx1">
-                    <a:alpha val="80000"/>
-                  </a:schemeClr>
-                </a:solidFill>
-              </a:rPr>
-              <a:pPr>
-                <a:spcAft>
-                  <a:spcPts val="600"/>
-                </a:spcAft>
-              </a:pPr>
-              <a:t>9</a:t>
-            </a:fld>
-            <a:endParaRPr lang="en-US">
-              <a:solidFill>
-                <a:schemeClr val="tx1">
-                  <a:alpha val="80000"/>
-                </a:schemeClr>
-              </a:solidFill>
-            </a:endParaRPr>
-          </a:p>
-        </p:txBody>
-      </p:sp>
-      <p:pic>
-        <p:nvPicPr>
-          <p:cNvPr id="4" name="Picture 3" descr="Chart, scatter chart&#10;&#10;Description automatically generated">
-            <a:extLst>
-              <a:ext uri="{FF2B5EF4-FFF2-40B4-BE49-F238E27FC236}">
-                <a16:creationId xmlns:a16="http://schemas.microsoft.com/office/drawing/2014/main" id="{5622293A-978A-D292-E6A7-9EB89FD688D0}"/>
-              </a:ext>
-            </a:extLst>
-          </p:cNvPr>
-          <p:cNvPicPr>
-            <a:picLocks noChangeAspect="1"/>
-          </p:cNvPicPr>
-          <p:nvPr/>
-        </p:nvPicPr>
-        <p:blipFill>
-          <a:blip r:embed="rId3"/>
-          <a:stretch>
-            <a:fillRect/>
-          </a:stretch>
-        </p:blipFill>
-        <p:spPr>
-          <a:xfrm>
-            <a:off x="4386262" y="781050"/>
-            <a:ext cx="6948488" cy="4813798"/>
-          </a:xfrm>
-          <a:prstGeom prst="rect">
-            <a:avLst/>
-          </a:prstGeom>
-        </p:spPr>
-      </p:pic>
-    </p:spTree>
-    <p:extLst>
-      <p:ext uri="{BB962C8B-B14F-4D97-AF65-F5344CB8AC3E}">
-        <p14:creationId xmlns:p14="http://schemas.microsoft.com/office/powerpoint/2010/main" val="1732661267"/>
       </p:ext>
     </p:extLst>
   </p:cSld>
@@ -22968,6 +23656,15 @@
 </file>
 
 <file path=customXml/item1.xml><?xml version="1.0" encoding="utf-8"?>
+<?mso-contentType ?>
+<FormTemplates xmlns="http://schemas.microsoft.com/sharepoint/v3/contenttype/forms">
+  <Display>DocumentLibraryForm</Display>
+  <Edit>DocumentLibraryForm</Edit>
+  <New>DocumentLibraryForm</New>
+</FormTemplates>
+</file>
+
+<file path=customXml/item2.xml><?xml version="1.0" encoding="utf-8"?>
 <ct:contentTypeSchema xmlns:ct="http://schemas.microsoft.com/office/2006/metadata/contentType" xmlns:ma="http://schemas.microsoft.com/office/2006/metadata/properties/metaAttributes" ct:_="" ma:_="" ma:contentTypeName="Document" ma:contentTypeID="0x01010079F111ED35F8CC479449609E8A0923A6" ma:contentTypeVersion="18" ma:contentTypeDescription="Create a new document." ma:contentTypeScope="" ma:versionID="22a266b9fa9a230c5a512669d8b298c3">
   <xsd:schema xmlns:xsd="http://www.w3.org/2001/XMLSchema" xmlns:xs="http://www.w3.org/2001/XMLSchema" xmlns:p="http://schemas.microsoft.com/office/2006/metadata/properties" xmlns:ns1="http://schemas.microsoft.com/sharepoint/v3" xmlns:ns2="71af3243-3dd4-4a8d-8c0d-dd76da1f02a5" xmlns:ns3="16c05727-aa75-4e4a-9b5f-8a80a1165891" xmlns:ns4="230e9df3-be65-4c73-a93b-d1236ebd677e" targetNamespace="http://schemas.microsoft.com/office/2006/metadata/properties" ma:root="true" ma:fieldsID="eddc33fff6b14141ee5c74a0d29ea6a1" ns1:_="" ns2:_="" ns3:_="" ns4:_="">
     <xsd:import namespace="http://schemas.microsoft.com/sharepoint/v3"/>
@@ -23243,15 +23940,6 @@
 </ct:contentTypeSchema>
 </file>
 
-<file path=customXml/item2.xml><?xml version="1.0" encoding="utf-8"?>
-<?mso-contentType ?>
-<FormTemplates xmlns="http://schemas.microsoft.com/sharepoint/v3/contenttype/forms">
-  <Display>DocumentLibraryForm</Display>
-  <Edit>DocumentLibraryForm</Edit>
-  <New>DocumentLibraryForm</New>
-</FormTemplates>
-</file>
-
 <file path=customXml/item3.xml><?xml version="1.0" encoding="utf-8"?>
 <p:properties xmlns:p="http://schemas.microsoft.com/office/2006/metadata/properties" xmlns:xsi="http://www.w3.org/2001/XMLSchema-instance" xmlns:pc="http://schemas.microsoft.com/office/infopath/2007/PartnerControls">
   <documentManagement>
@@ -23272,6 +23960,14 @@
 </file>
 
 <file path=customXml/itemProps1.xml><?xml version="1.0" encoding="utf-8"?>
+<ds:datastoreItem xmlns:ds="http://schemas.openxmlformats.org/officeDocument/2006/customXml" ds:itemID="{904751AB-E840-446F-8D49-E697067EC887}">
+  <ds:schemaRefs>
+    <ds:schemaRef ds:uri="http://schemas.microsoft.com/sharepoint/v3/contenttype/forms"/>
+  </ds:schemaRefs>
+</ds:datastoreItem>
+</file>
+
+<file path=customXml/itemProps2.xml><?xml version="1.0" encoding="utf-8"?>
 <ds:datastoreItem xmlns:ds="http://schemas.openxmlformats.org/officeDocument/2006/customXml" ds:itemID="{DE4876F9-7AE1-498D-B8FE-1E3AD703D2AF}">
   <ds:schemaRefs>
     <ds:schemaRef ds:uri="http://schemas.microsoft.com/office/2006/metadata/contentType"/>
@@ -23288,14 +23984,6 @@
     <ds:schemaRef ds:uri="http://purl.org/dc/elements/1.1/"/>
     <ds:schemaRef ds:uri="http://purl.org/dc/terms/"/>
     <ds:schemaRef ds:uri="http://schemas.microsoft.com/internal/obd"/>
-  </ds:schemaRefs>
-</ds:datastoreItem>
-</file>
-
-<file path=customXml/itemProps2.xml><?xml version="1.0" encoding="utf-8"?>
-<ds:datastoreItem xmlns:ds="http://schemas.openxmlformats.org/officeDocument/2006/customXml" ds:itemID="{904751AB-E840-446F-8D49-E697067EC887}">
-  <ds:schemaRefs>
-    <ds:schemaRef ds:uri="http://schemas.microsoft.com/sharepoint/v3/contenttype/forms"/>
   </ds:schemaRefs>
 </ds:datastoreItem>
 </file>

--- a/Sanjay Dabra/Presentation1.pptx
+++ b/Sanjay Dabra/Presentation1.pptx
@@ -5,29 +5,30 @@
     <p:sldMasterId id="2147483684" r:id="rId4"/>
   </p:sldMasterIdLst>
   <p:notesMasterIdLst>
-    <p:notesMasterId r:id="rId22"/>
+    <p:notesMasterId r:id="rId23"/>
   </p:notesMasterIdLst>
   <p:handoutMasterIdLst>
-    <p:handoutMasterId r:id="rId23"/>
+    <p:handoutMasterId r:id="rId24"/>
   </p:handoutMasterIdLst>
   <p:sldIdLst>
     <p:sldId id="257" r:id="rId5"/>
     <p:sldId id="389" r:id="rId6"/>
     <p:sldId id="384" r:id="rId7"/>
-    <p:sldId id="317" r:id="rId8"/>
-    <p:sldId id="392" r:id="rId9"/>
-    <p:sldId id="277" r:id="rId10"/>
-    <p:sldId id="402" r:id="rId11"/>
-    <p:sldId id="393" r:id="rId12"/>
-    <p:sldId id="278" r:id="rId13"/>
-    <p:sldId id="395" r:id="rId14"/>
-    <p:sldId id="396" r:id="rId15"/>
-    <p:sldId id="397" r:id="rId16"/>
-    <p:sldId id="399" r:id="rId17"/>
-    <p:sldId id="400" r:id="rId18"/>
-    <p:sldId id="401" r:id="rId19"/>
-    <p:sldId id="321" r:id="rId20"/>
-    <p:sldId id="391" r:id="rId21"/>
+    <p:sldId id="403" r:id="rId8"/>
+    <p:sldId id="317" r:id="rId9"/>
+    <p:sldId id="392" r:id="rId10"/>
+    <p:sldId id="277" r:id="rId11"/>
+    <p:sldId id="402" r:id="rId12"/>
+    <p:sldId id="393" r:id="rId13"/>
+    <p:sldId id="404" r:id="rId14"/>
+    <p:sldId id="405" r:id="rId15"/>
+    <p:sldId id="406" r:id="rId16"/>
+    <p:sldId id="407" r:id="rId17"/>
+    <p:sldId id="399" r:id="rId18"/>
+    <p:sldId id="400" r:id="rId19"/>
+    <p:sldId id="401" r:id="rId20"/>
+    <p:sldId id="321" r:id="rId21"/>
+    <p:sldId id="391" r:id="rId22"/>
   </p:sldIdLst>
   <p:sldSz cx="12192000" cy="6858000"/>
   <p:notesSz cx="6858000" cy="9144000"/>
@@ -151,7 +152,7 @@
 <file path=ppt/revisionInfo.xml><?xml version="1.0" encoding="utf-8"?>
 <p1510:revInfo xmlns:a="http://schemas.openxmlformats.org/drawingml/2006/main" xmlns:r="http://schemas.openxmlformats.org/officeDocument/2006/relationships" xmlns:p1510="http://schemas.microsoft.com/office/powerpoint/2015/10/main">
   <p1510:revLst>
-    <p1510:client id="{397832AF-5EAF-458A-9FEC-C92CB404A3B7}" v="21" dt="2022-04-30T15:42:14.527"/>
+    <p1510:client id="{397832AF-5EAF-458A-9FEC-C92CB404A3B7}" v="96" dt="2022-04-30T18:13:52.812"/>
   </p1510:revLst>
 </p1510:revInfo>
 </file>
@@ -160,8 +161,8 @@
 <pc:chgInfo xmlns:a="http://schemas.openxmlformats.org/drawingml/2006/main" xmlns:r="http://schemas.openxmlformats.org/officeDocument/2006/relationships" xmlns:ac="http://schemas.microsoft.com/office/drawing/2013/main/command" xmlns:pc="http://schemas.microsoft.com/office/powerpoint/2013/main/command">
   <pc:docChgLst>
     <pc:chgData name="Sanjay Dabra" userId="d7382de46a8a3049" providerId="LiveId" clId="{397832AF-5EAF-458A-9FEC-C92CB404A3B7}"/>
-    <pc:docChg chg="custSel addSld modSld">
-      <pc:chgData name="Sanjay Dabra" userId="d7382de46a8a3049" providerId="LiveId" clId="{397832AF-5EAF-458A-9FEC-C92CB404A3B7}" dt="2022-04-30T15:43:15.953" v="210" actId="1076"/>
+    <pc:docChg chg="undo custSel addSld delSld modSld sldOrd">
+      <pc:chgData name="Sanjay Dabra" userId="d7382de46a8a3049" providerId="LiveId" clId="{397832AF-5EAF-458A-9FEC-C92CB404A3B7}" dt="2022-04-30T18:14:50.588" v="1214" actId="47"/>
       <pc:docMkLst>
         <pc:docMk/>
       </pc:docMkLst>
@@ -196,8 +197,8 @@
           </ac:picMkLst>
         </pc:picChg>
       </pc:sldChg>
-      <pc:sldChg chg="addSp delSp modSp mod">
-        <pc:chgData name="Sanjay Dabra" userId="d7382de46a8a3049" providerId="LiveId" clId="{397832AF-5EAF-458A-9FEC-C92CB404A3B7}" dt="2022-04-30T15:35:20.437" v="151" actId="255"/>
+      <pc:sldChg chg="addSp delSp modSp del mod modAnim modNotesTx">
+        <pc:chgData name="Sanjay Dabra" userId="d7382de46a8a3049" providerId="LiveId" clId="{397832AF-5EAF-458A-9FEC-C92CB404A3B7}" dt="2022-04-30T17:43:07.944" v="1128" actId="47"/>
         <pc:sldMkLst>
           <pc:docMk/>
           <pc:sldMk cId="2496947791" sldId="278"/>
@@ -208,6 +209,14 @@
             <pc:docMk/>
             <pc:sldMk cId="2496947791" sldId="278"/>
             <ac:spMk id="2" creationId="{FCB102D8-1D22-4940-AF19-07CF3A0DC5F4}"/>
+          </ac:spMkLst>
+        </pc:spChg>
+        <pc:spChg chg="add mod">
+          <ac:chgData name="Sanjay Dabra" userId="d7382de46a8a3049" providerId="LiveId" clId="{397832AF-5EAF-458A-9FEC-C92CB404A3B7}" dt="2022-04-30T17:17:52.558" v="1001" actId="1076"/>
+          <ac:spMkLst>
+            <pc:docMk/>
+            <pc:sldMk cId="2496947791" sldId="278"/>
+            <ac:spMk id="3" creationId="{9AA3B488-C92E-BBA4-91F8-D2BD8391347B}"/>
           </ac:spMkLst>
         </pc:spChg>
         <pc:spChg chg="add mod">
@@ -243,14 +252,147 @@
           </ac:picMkLst>
         </pc:picChg>
       </pc:sldChg>
-      <pc:sldChg chg="addSp modSp mod">
-        <pc:chgData name="Sanjay Dabra" userId="d7382de46a8a3049" providerId="LiveId" clId="{397832AF-5EAF-458A-9FEC-C92CB404A3B7}" dt="2022-04-30T15:20:45.383" v="57" actId="1076"/>
+      <pc:sldChg chg="addSp delSp modSp mod">
+        <pc:chgData name="Sanjay Dabra" userId="d7382de46a8a3049" providerId="LiveId" clId="{397832AF-5EAF-458A-9FEC-C92CB404A3B7}" dt="2022-04-30T17:40:49.903" v="1116" actId="478"/>
+        <pc:sldMkLst>
+          <pc:docMk/>
+          <pc:sldMk cId="3521561301" sldId="321"/>
+        </pc:sldMkLst>
+        <pc:spChg chg="add del mod">
+          <ac:chgData name="Sanjay Dabra" userId="d7382de46a8a3049" providerId="LiveId" clId="{397832AF-5EAF-458A-9FEC-C92CB404A3B7}" dt="2022-04-30T17:40:49.903" v="1116" actId="478"/>
+          <ac:spMkLst>
+            <pc:docMk/>
+            <pc:sldMk cId="3521561301" sldId="321"/>
+            <ac:spMk id="3" creationId="{AB4718FF-4E15-7292-EAF4-56A0EA60347A}"/>
+          </ac:spMkLst>
+        </pc:spChg>
+        <pc:spChg chg="del mod">
+          <ac:chgData name="Sanjay Dabra" userId="d7382de46a8a3049" providerId="LiveId" clId="{397832AF-5EAF-458A-9FEC-C92CB404A3B7}" dt="2022-04-30T17:40:38.539" v="1115" actId="478"/>
+          <ac:spMkLst>
+            <pc:docMk/>
+            <pc:sldMk cId="3521561301" sldId="321"/>
+            <ac:spMk id="13" creationId="{C0287FEC-3826-4868-8D93-52429C6156F5}"/>
+          </ac:spMkLst>
+        </pc:spChg>
+      </pc:sldChg>
+      <pc:sldChg chg="addSp delSp modSp mod">
+        <pc:chgData name="Sanjay Dabra" userId="d7382de46a8a3049" providerId="LiveId" clId="{397832AF-5EAF-458A-9FEC-C92CB404A3B7}" dt="2022-04-30T18:01:40.391" v="1160" actId="6549"/>
+        <pc:sldMkLst>
+          <pc:docMk/>
+          <pc:sldMk cId="2158886557" sldId="384"/>
+        </pc:sldMkLst>
+        <pc:spChg chg="add del mod">
+          <ac:chgData name="Sanjay Dabra" userId="d7382de46a8a3049" providerId="LiveId" clId="{397832AF-5EAF-458A-9FEC-C92CB404A3B7}" dt="2022-04-30T16:22:31.482" v="220" actId="478"/>
+          <ac:spMkLst>
+            <pc:docMk/>
+            <pc:sldMk cId="2158886557" sldId="384"/>
+            <ac:spMk id="3" creationId="{296FDF8E-F7F7-B391-519D-A9D230956A03}"/>
+          </ac:spMkLst>
+        </pc:spChg>
+        <pc:spChg chg="add del mod">
+          <ac:chgData name="Sanjay Dabra" userId="d7382de46a8a3049" providerId="LiveId" clId="{397832AF-5EAF-458A-9FEC-C92CB404A3B7}" dt="2022-04-30T16:22:32.314" v="221" actId="478"/>
+          <ac:spMkLst>
+            <pc:docMk/>
+            <pc:sldMk cId="2158886557" sldId="384"/>
+            <ac:spMk id="5" creationId="{D820E8D3-3DCB-1E64-3B1B-E896E98B4316}"/>
+          </ac:spMkLst>
+        </pc:spChg>
+        <pc:spChg chg="add del mod">
+          <ac:chgData name="Sanjay Dabra" userId="d7382de46a8a3049" providerId="LiveId" clId="{397832AF-5EAF-458A-9FEC-C92CB404A3B7}" dt="2022-04-30T16:22:34.146" v="223" actId="478"/>
+          <ac:spMkLst>
+            <pc:docMk/>
+            <pc:sldMk cId="2158886557" sldId="384"/>
+            <ac:spMk id="9" creationId="{CB4B0AFA-816E-6E85-3D21-902651BF04E6}"/>
+          </ac:spMkLst>
+        </pc:spChg>
+        <pc:spChg chg="mod">
+          <ac:chgData name="Sanjay Dabra" userId="d7382de46a8a3049" providerId="LiveId" clId="{397832AF-5EAF-458A-9FEC-C92CB404A3B7}" dt="2022-04-30T17:04:33.803" v="614" actId="1076"/>
+          <ac:spMkLst>
+            <pc:docMk/>
+            <pc:sldMk cId="2158886557" sldId="384"/>
+            <ac:spMk id="11" creationId="{23418ADF-358F-4647-A511-FCFFEDA83429}"/>
+          </ac:spMkLst>
+        </pc:spChg>
+        <pc:spChg chg="mod">
+          <ac:chgData name="Sanjay Dabra" userId="d7382de46a8a3049" providerId="LiveId" clId="{397832AF-5EAF-458A-9FEC-C92CB404A3B7}" dt="2022-04-30T18:01:40.391" v="1160" actId="6549"/>
+          <ac:spMkLst>
+            <pc:docMk/>
+            <pc:sldMk cId="2158886557" sldId="384"/>
+            <ac:spMk id="12" creationId="{E5127060-CDBF-435F-9009-A5451CCE305D}"/>
+          </ac:spMkLst>
+        </pc:spChg>
+        <pc:spChg chg="add del mod">
+          <ac:chgData name="Sanjay Dabra" userId="d7382de46a8a3049" providerId="LiveId" clId="{397832AF-5EAF-458A-9FEC-C92CB404A3B7}" dt="2022-04-30T16:22:37.418" v="225" actId="478"/>
+          <ac:spMkLst>
+            <pc:docMk/>
+            <pc:sldMk cId="2158886557" sldId="384"/>
+            <ac:spMk id="13" creationId="{4436D6E7-FAFD-21E4-0C86-809A147C2034}"/>
+          </ac:spMkLst>
+        </pc:spChg>
+        <pc:graphicFrameChg chg="add mod modGraphic">
+          <ac:chgData name="Sanjay Dabra" userId="d7382de46a8a3049" providerId="LiveId" clId="{397832AF-5EAF-458A-9FEC-C92CB404A3B7}" dt="2022-04-30T17:08:00.790" v="691" actId="1076"/>
+          <ac:graphicFrameMkLst>
+            <pc:docMk/>
+            <pc:sldMk cId="2158886557" sldId="384"/>
+            <ac:graphicFrameMk id="14" creationId="{5E1ABB0D-3447-234D-09A8-536A5748CBBF}"/>
+          </ac:graphicFrameMkLst>
+        </pc:graphicFrameChg>
+        <pc:picChg chg="del">
+          <ac:chgData name="Sanjay Dabra" userId="d7382de46a8a3049" providerId="LiveId" clId="{397832AF-5EAF-458A-9FEC-C92CB404A3B7}" dt="2022-04-30T16:22:33.192" v="222" actId="478"/>
+          <ac:picMkLst>
+            <pc:docMk/>
+            <pc:sldMk cId="2158886557" sldId="384"/>
+            <ac:picMk id="7" creationId="{D43C7BC5-E64C-43A8-B39A-E7FF07B00088}"/>
+          </ac:picMkLst>
+        </pc:picChg>
+        <pc:picChg chg="del">
+          <ac:chgData name="Sanjay Dabra" userId="d7382de46a8a3049" providerId="LiveId" clId="{397832AF-5EAF-458A-9FEC-C92CB404A3B7}" dt="2022-04-30T16:22:35.148" v="224" actId="478"/>
+          <ac:picMkLst>
+            <pc:docMk/>
+            <pc:sldMk cId="2158886557" sldId="384"/>
+            <ac:picMk id="16" creationId="{9DC4D358-43E8-4CE2-AD66-B822E594A2AA}"/>
+          </ac:picMkLst>
+        </pc:picChg>
+        <pc:picChg chg="del">
+          <ac:chgData name="Sanjay Dabra" userId="d7382de46a8a3049" providerId="LiveId" clId="{397832AF-5EAF-458A-9FEC-C92CB404A3B7}" dt="2022-04-30T16:22:30.243" v="219" actId="478"/>
+          <ac:picMkLst>
+            <pc:docMk/>
+            <pc:sldMk cId="2158886557" sldId="384"/>
+            <ac:picMk id="21" creationId="{8519DCC3-4818-441A-A48B-5910B0B9BB3D}"/>
+          </ac:picMkLst>
+        </pc:picChg>
+        <pc:picChg chg="del">
+          <ac:chgData name="Sanjay Dabra" userId="d7382de46a8a3049" providerId="LiveId" clId="{397832AF-5EAF-458A-9FEC-C92CB404A3B7}" dt="2022-04-30T16:22:29.138" v="218" actId="478"/>
+          <ac:picMkLst>
+            <pc:docMk/>
+            <pc:sldMk cId="2158886557" sldId="384"/>
+            <ac:picMk id="27" creationId="{79EAFAC4-78CE-4C20-8BC5-C04556E80BAB}"/>
+          </ac:picMkLst>
+        </pc:picChg>
+      </pc:sldChg>
+      <pc:sldChg chg="modSp mod">
+        <pc:chgData name="Sanjay Dabra" userId="d7382de46a8a3049" providerId="LiveId" clId="{397832AF-5EAF-458A-9FEC-C92CB404A3B7}" dt="2022-04-30T17:04:01.664" v="612" actId="255"/>
+        <pc:sldMkLst>
+          <pc:docMk/>
+          <pc:sldMk cId="2313234867" sldId="389"/>
+        </pc:sldMkLst>
+        <pc:spChg chg="mod">
+          <ac:chgData name="Sanjay Dabra" userId="d7382de46a8a3049" providerId="LiveId" clId="{397832AF-5EAF-458A-9FEC-C92CB404A3B7}" dt="2022-04-30T17:04:01.664" v="612" actId="255"/>
+          <ac:spMkLst>
+            <pc:docMk/>
+            <pc:sldMk cId="2313234867" sldId="389"/>
+            <ac:spMk id="3" creationId="{D3B60D6F-4D0F-4D33-B2A7-159C8583FF00}"/>
+          </ac:spMkLst>
+        </pc:spChg>
+      </pc:sldChg>
+      <pc:sldChg chg="addSp delSp modSp mod">
+        <pc:chgData name="Sanjay Dabra" userId="d7382de46a8a3049" providerId="LiveId" clId="{397832AF-5EAF-458A-9FEC-C92CB404A3B7}" dt="2022-04-30T17:42:36.974" v="1117" actId="478"/>
         <pc:sldMkLst>
           <pc:docMk/>
           <pc:sldMk cId="3715402759" sldId="393"/>
         </pc:sldMkLst>
-        <pc:spChg chg="mod">
-          <ac:chgData name="Sanjay Dabra" userId="d7382de46a8a3049" providerId="LiveId" clId="{397832AF-5EAF-458A-9FEC-C92CB404A3B7}" dt="2022-04-30T15:20:20.066" v="52" actId="6549"/>
+        <pc:spChg chg="del mod">
+          <ac:chgData name="Sanjay Dabra" userId="d7382de46a8a3049" providerId="LiveId" clId="{397832AF-5EAF-458A-9FEC-C92CB404A3B7}" dt="2022-04-30T17:42:36.974" v="1117" actId="478"/>
           <ac:spMkLst>
             <pc:docMk/>
             <pc:sldMk cId="3715402759" sldId="393"/>
@@ -266,8 +408,8 @@
           </ac:picMkLst>
         </pc:picChg>
       </pc:sldChg>
-      <pc:sldChg chg="addSp delSp modSp mod">
-        <pc:chgData name="Sanjay Dabra" userId="d7382de46a8a3049" providerId="LiveId" clId="{397832AF-5EAF-458A-9FEC-C92CB404A3B7}" dt="2022-04-30T15:36:44.956" v="169" actId="20577"/>
+      <pc:sldChg chg="addSp delSp modSp del mod modAnim">
+        <pc:chgData name="Sanjay Dabra" userId="d7382de46a8a3049" providerId="LiveId" clId="{397832AF-5EAF-458A-9FEC-C92CB404A3B7}" dt="2022-04-30T17:46:38.335" v="1151" actId="47"/>
         <pc:sldMkLst>
           <pc:docMk/>
           <pc:sldMk cId="1732661267" sldId="395"/>
@@ -281,7 +423,15 @@
           </ac:spMkLst>
         </pc:spChg>
         <pc:spChg chg="add mod">
-          <ac:chgData name="Sanjay Dabra" userId="d7382de46a8a3049" providerId="LiveId" clId="{397832AF-5EAF-458A-9FEC-C92CB404A3B7}" dt="2022-04-30T15:36:44.956" v="169" actId="20577"/>
+          <ac:chgData name="Sanjay Dabra" userId="d7382de46a8a3049" providerId="LiveId" clId="{397832AF-5EAF-458A-9FEC-C92CB404A3B7}" dt="2022-04-30T17:26:26.536" v="1018" actId="20577"/>
+          <ac:spMkLst>
+            <pc:docMk/>
+            <pc:sldMk cId="1732661267" sldId="395"/>
+            <ac:spMk id="17" creationId="{CE735A4E-8D3B-6F44-98D9-944FDF8090D4}"/>
+          </ac:spMkLst>
+        </pc:spChg>
+        <pc:spChg chg="add mod">
+          <ac:chgData name="Sanjay Dabra" userId="d7382de46a8a3049" providerId="LiveId" clId="{397832AF-5EAF-458A-9FEC-C92CB404A3B7}" dt="2022-04-30T17:23:43.718" v="1006" actId="20577"/>
           <ac:spMkLst>
             <pc:docMk/>
             <pc:sldMk cId="1732661267" sldId="395"/>
@@ -297,11 +447,27 @@
           </ac:picMkLst>
         </pc:picChg>
         <pc:picChg chg="add del mod">
+          <ac:chgData name="Sanjay Dabra" userId="d7382de46a8a3049" providerId="LiveId" clId="{397832AF-5EAF-458A-9FEC-C92CB404A3B7}" dt="2022-04-30T16:39:31.770" v="448" actId="478"/>
+          <ac:picMkLst>
+            <pc:docMk/>
+            <pc:sldMk cId="1732661267" sldId="395"/>
+            <ac:picMk id="4" creationId="{B03CF325-863B-A570-BAC8-5060047613A5}"/>
+          </ac:picMkLst>
+        </pc:picChg>
+        <pc:picChg chg="add del mod">
           <ac:chgData name="Sanjay Dabra" userId="d7382de46a8a3049" providerId="LiveId" clId="{397832AF-5EAF-458A-9FEC-C92CB404A3B7}" dt="2022-04-30T15:22:42.126" v="65" actId="478"/>
           <ac:picMkLst>
             <pc:docMk/>
             <pc:sldMk cId="1732661267" sldId="395"/>
             <ac:picMk id="5" creationId="{6B22BBFA-18D8-2899-2688-62A0497D5996}"/>
+          </ac:picMkLst>
+        </pc:picChg>
+        <pc:picChg chg="add del mod">
+          <ac:chgData name="Sanjay Dabra" userId="d7382de46a8a3049" providerId="LiveId" clId="{397832AF-5EAF-458A-9FEC-C92CB404A3B7}" dt="2022-04-30T16:39:38.704" v="452" actId="478"/>
+          <ac:picMkLst>
+            <pc:docMk/>
+            <pc:sldMk cId="1732661267" sldId="395"/>
+            <ac:picMk id="6" creationId="{14A6D229-1FC8-0A92-1769-24A27850A27D}"/>
           </ac:picMkLst>
         </pc:picChg>
         <pc:picChg chg="add del mod">
@@ -313,6 +479,14 @@
           </ac:picMkLst>
         </pc:picChg>
         <pc:picChg chg="add del mod">
+          <ac:chgData name="Sanjay Dabra" userId="d7382de46a8a3049" providerId="LiveId" clId="{397832AF-5EAF-458A-9FEC-C92CB404A3B7}" dt="2022-04-30T16:42:38.457" v="458" actId="478"/>
+          <ac:picMkLst>
+            <pc:docMk/>
+            <pc:sldMk cId="1732661267" sldId="395"/>
+            <ac:picMk id="8" creationId="{EDEA5B05-7AEB-DB68-873F-B1FE2BA197DC}"/>
+          </ac:picMkLst>
+        </pc:picChg>
+        <pc:picChg chg="add del mod">
           <ac:chgData name="Sanjay Dabra" userId="d7382de46a8a3049" providerId="LiveId" clId="{397832AF-5EAF-458A-9FEC-C92CB404A3B7}" dt="2022-04-30T15:23:34.741" v="75" actId="478"/>
           <ac:picMkLst>
             <pc:docMk/>
@@ -321,11 +495,27 @@
           </ac:picMkLst>
         </pc:picChg>
         <pc:picChg chg="add del mod">
+          <ac:chgData name="Sanjay Dabra" userId="d7382de46a8a3049" providerId="LiveId" clId="{397832AF-5EAF-458A-9FEC-C92CB404A3B7}" dt="2022-04-30T16:42:45.545" v="462" actId="478"/>
+          <ac:picMkLst>
+            <pc:docMk/>
+            <pc:sldMk cId="1732661267" sldId="395"/>
+            <ac:picMk id="10" creationId="{DF9D3D37-F436-3A54-9C63-D82FBD1EA08A}"/>
+          </ac:picMkLst>
+        </pc:picChg>
+        <pc:picChg chg="add del mod">
           <ac:chgData name="Sanjay Dabra" userId="d7382de46a8a3049" providerId="LiveId" clId="{397832AF-5EAF-458A-9FEC-C92CB404A3B7}" dt="2022-04-30T15:25:01.524" v="80" actId="478"/>
           <ac:picMkLst>
             <pc:docMk/>
             <pc:sldMk cId="1732661267" sldId="395"/>
             <ac:picMk id="11" creationId="{4188E478-9C2C-3978-F78E-27EDACEEC5B9}"/>
+          </ac:picMkLst>
+        </pc:picChg>
+        <pc:picChg chg="add mod">
+          <ac:chgData name="Sanjay Dabra" userId="d7382de46a8a3049" providerId="LiveId" clId="{397832AF-5EAF-458A-9FEC-C92CB404A3B7}" dt="2022-04-30T16:43:04.919" v="468" actId="1076"/>
+          <ac:picMkLst>
+            <pc:docMk/>
+            <pc:sldMk cId="1732661267" sldId="395"/>
+            <ac:picMk id="12" creationId="{D18FC56B-CB8C-11D5-5E86-305AE9FA3D27}"/>
           </ac:picMkLst>
         </pc:picChg>
         <pc:picChg chg="add del mod">
@@ -368,8 +558,8 @@
             <ac:picMk id="22" creationId="{35D9C3CA-AE59-0F59-BBAB-74F856F3063C}"/>
           </ac:picMkLst>
         </pc:picChg>
-        <pc:picChg chg="add mod">
-          <ac:chgData name="Sanjay Dabra" userId="d7382de46a8a3049" providerId="LiveId" clId="{397832AF-5EAF-458A-9FEC-C92CB404A3B7}" dt="2022-04-30T15:30:04.493" v="106" actId="1076"/>
+        <pc:picChg chg="add del mod">
+          <ac:chgData name="Sanjay Dabra" userId="d7382de46a8a3049" providerId="LiveId" clId="{397832AF-5EAF-458A-9FEC-C92CB404A3B7}" dt="2022-04-30T16:39:17.345" v="444" actId="478"/>
           <ac:picMkLst>
             <pc:docMk/>
             <pc:sldMk cId="1732661267" sldId="395"/>
@@ -377,8 +567,8 @@
           </ac:picMkLst>
         </pc:picChg>
       </pc:sldChg>
-      <pc:sldChg chg="addSp delSp modSp mod">
-        <pc:chgData name="Sanjay Dabra" userId="d7382de46a8a3049" providerId="LiveId" clId="{397832AF-5EAF-458A-9FEC-C92CB404A3B7}" dt="2022-04-30T15:39:58.587" v="194" actId="20577"/>
+      <pc:sldChg chg="addSp delSp modSp del mod ord modAnim modNotesTx">
+        <pc:chgData name="Sanjay Dabra" userId="d7382de46a8a3049" providerId="LiveId" clId="{397832AF-5EAF-458A-9FEC-C92CB404A3B7}" dt="2022-04-30T18:14:50.588" v="1214" actId="47"/>
         <pc:sldMkLst>
           <pc:docMk/>
           <pc:sldMk cId="2048102170" sldId="396"/>
@@ -389,6 +579,14 @@
             <pc:docMk/>
             <pc:sldMk cId="2048102170" sldId="396"/>
             <ac:spMk id="2" creationId="{FCB102D8-1D22-4940-AF19-07CF3A0DC5F4}"/>
+          </ac:spMkLst>
+        </pc:spChg>
+        <pc:spChg chg="add mod">
+          <ac:chgData name="Sanjay Dabra" userId="d7382de46a8a3049" providerId="LiveId" clId="{397832AF-5EAF-458A-9FEC-C92CB404A3B7}" dt="2022-04-30T17:27:17.086" v="1044" actId="20577"/>
+          <ac:spMkLst>
+            <pc:docMk/>
+            <pc:sldMk cId="2048102170" sldId="396"/>
+            <ac:spMk id="6" creationId="{4BBAA5CE-32E1-770E-C6B8-AAAA37860A97}"/>
           </ac:spMkLst>
         </pc:spChg>
         <pc:spChg chg="add mod">
@@ -416,8 +614,8 @@
           </ac:picMkLst>
         </pc:picChg>
       </pc:sldChg>
-      <pc:sldChg chg="addSp delSp modSp mod">
-        <pc:chgData name="Sanjay Dabra" userId="d7382de46a8a3049" providerId="LiveId" clId="{397832AF-5EAF-458A-9FEC-C92CB404A3B7}" dt="2022-04-30T15:42:21.805" v="208" actId="20577"/>
+      <pc:sldChg chg="addSp delSp modSp del mod modAnim">
+        <pc:chgData name="Sanjay Dabra" userId="d7382de46a8a3049" providerId="LiveId" clId="{397832AF-5EAF-458A-9FEC-C92CB404A3B7}" dt="2022-04-30T18:11:18.852" v="1204" actId="47"/>
         <pc:sldMkLst>
           <pc:docMk/>
           <pc:sldMk cId="4214054637" sldId="397"/>
@@ -428,6 +626,14 @@
             <pc:docMk/>
             <pc:sldMk cId="4214054637" sldId="397"/>
             <ac:spMk id="2" creationId="{FCB102D8-1D22-4940-AF19-07CF3A0DC5F4}"/>
+          </ac:spMkLst>
+        </pc:spChg>
+        <pc:spChg chg="add mod">
+          <ac:chgData name="Sanjay Dabra" userId="d7382de46a8a3049" providerId="LiveId" clId="{397832AF-5EAF-458A-9FEC-C92CB404A3B7}" dt="2022-04-30T17:26:47.258" v="1041" actId="6549"/>
+          <ac:spMkLst>
+            <pc:docMk/>
+            <pc:sldMk cId="4214054637" sldId="397"/>
+            <ac:spMk id="6" creationId="{CA27D360-C505-539F-7D4E-D813CBFD19DA}"/>
           </ac:spMkLst>
         </pc:spChg>
         <pc:spChg chg="add mod">
@@ -455,14 +661,30 @@
           </ac:picMkLst>
         </pc:picChg>
       </pc:sldChg>
-      <pc:sldChg chg="modSp mod">
-        <pc:chgData name="Sanjay Dabra" userId="d7382de46a8a3049" providerId="LiveId" clId="{397832AF-5EAF-458A-9FEC-C92CB404A3B7}" dt="2022-04-30T15:43:15.953" v="210" actId="1076"/>
+      <pc:sldChg chg="addSp delSp modSp mod">
+        <pc:chgData name="Sanjay Dabra" userId="d7382de46a8a3049" providerId="LiveId" clId="{397832AF-5EAF-458A-9FEC-C92CB404A3B7}" dt="2022-04-30T17:37:42.258" v="1104" actId="122"/>
         <pc:sldMkLst>
           <pc:docMk/>
           <pc:sldMk cId="3059549935" sldId="399"/>
         </pc:sldMkLst>
+        <pc:spChg chg="del">
+          <ac:chgData name="Sanjay Dabra" userId="d7382de46a8a3049" providerId="LiveId" clId="{397832AF-5EAF-458A-9FEC-C92CB404A3B7}" dt="2022-04-30T17:33:38.554" v="1063" actId="478"/>
+          <ac:spMkLst>
+            <pc:docMk/>
+            <pc:sldMk cId="3059549935" sldId="399"/>
+            <ac:spMk id="2" creationId="{FCB102D8-1D22-4940-AF19-07CF3A0DC5F4}"/>
+          </ac:spMkLst>
+        </pc:spChg>
+        <pc:spChg chg="add mod">
+          <ac:chgData name="Sanjay Dabra" userId="d7382de46a8a3049" providerId="LiveId" clId="{397832AF-5EAF-458A-9FEC-C92CB404A3B7}" dt="2022-04-30T17:37:42.258" v="1104" actId="122"/>
+          <ac:spMkLst>
+            <pc:docMk/>
+            <pc:sldMk cId="3059549935" sldId="399"/>
+            <ac:spMk id="4" creationId="{141A5698-7010-9E4E-0CC3-4942CDBC15B3}"/>
+          </ac:spMkLst>
+        </pc:spChg>
         <pc:picChg chg="mod">
-          <ac:chgData name="Sanjay Dabra" userId="d7382de46a8a3049" providerId="LiveId" clId="{397832AF-5EAF-458A-9FEC-C92CB404A3B7}" dt="2022-04-30T15:43:15.953" v="210" actId="1076"/>
+          <ac:chgData name="Sanjay Dabra" userId="d7382de46a8a3049" providerId="LiveId" clId="{397832AF-5EAF-458A-9FEC-C92CB404A3B7}" dt="2022-04-30T17:37:32.635" v="1103" actId="14100"/>
           <ac:picMkLst>
             <pc:docMk/>
             <pc:sldMk cId="3059549935" sldId="399"/>
@@ -470,8 +692,78 @@
           </ac:picMkLst>
         </pc:picChg>
       </pc:sldChg>
-      <pc:sldChg chg="addSp delSp modSp new mod">
-        <pc:chgData name="Sanjay Dabra" userId="d7382de46a8a3049" providerId="LiveId" clId="{397832AF-5EAF-458A-9FEC-C92CB404A3B7}" dt="2022-04-30T15:17:38.755" v="48" actId="14100"/>
+      <pc:sldChg chg="delSp modSp mod">
+        <pc:chgData name="Sanjay Dabra" userId="d7382de46a8a3049" providerId="LiveId" clId="{397832AF-5EAF-458A-9FEC-C92CB404A3B7}" dt="2022-04-30T17:37:02.736" v="1100" actId="14100"/>
+        <pc:sldMkLst>
+          <pc:docMk/>
+          <pc:sldMk cId="32683463" sldId="400"/>
+        </pc:sldMkLst>
+        <pc:spChg chg="del mod">
+          <ac:chgData name="Sanjay Dabra" userId="d7382de46a8a3049" providerId="LiveId" clId="{397832AF-5EAF-458A-9FEC-C92CB404A3B7}" dt="2022-04-30T17:36:50.351" v="1098" actId="478"/>
+          <ac:spMkLst>
+            <pc:docMk/>
+            <pc:sldMk cId="32683463" sldId="400"/>
+            <ac:spMk id="2" creationId="{FCB102D8-1D22-4940-AF19-07CF3A0DC5F4}"/>
+          </ac:spMkLst>
+        </pc:spChg>
+        <pc:picChg chg="mod">
+          <ac:chgData name="Sanjay Dabra" userId="d7382de46a8a3049" providerId="LiveId" clId="{397832AF-5EAF-458A-9FEC-C92CB404A3B7}" dt="2022-04-30T17:37:02.736" v="1100" actId="14100"/>
+          <ac:picMkLst>
+            <pc:docMk/>
+            <pc:sldMk cId="32683463" sldId="400"/>
+            <ac:picMk id="4" creationId="{BE66E231-364B-174B-A3D9-FFE55F5189FB}"/>
+          </ac:picMkLst>
+        </pc:picChg>
+      </pc:sldChg>
+      <pc:sldChg chg="addSp delSp modSp mod">
+        <pc:chgData name="Sanjay Dabra" userId="d7382de46a8a3049" providerId="LiveId" clId="{397832AF-5EAF-458A-9FEC-C92CB404A3B7}" dt="2022-04-30T17:35:26.760" v="1096" actId="1076"/>
+        <pc:sldMkLst>
+          <pc:docMk/>
+          <pc:sldMk cId="4179457196" sldId="401"/>
+        </pc:sldMkLst>
+        <pc:spChg chg="del">
+          <ac:chgData name="Sanjay Dabra" userId="d7382de46a8a3049" providerId="LiveId" clId="{397832AF-5EAF-458A-9FEC-C92CB404A3B7}" dt="2022-04-30T17:34:34.922" v="1086" actId="478"/>
+          <ac:spMkLst>
+            <pc:docMk/>
+            <pc:sldMk cId="4179457196" sldId="401"/>
+            <ac:spMk id="3" creationId="{001F032B-0F96-F84A-93E7-B77E5A8D8A46}"/>
+          </ac:spMkLst>
+        </pc:spChg>
+        <pc:spChg chg="del mod">
+          <ac:chgData name="Sanjay Dabra" userId="d7382de46a8a3049" providerId="LiveId" clId="{397832AF-5EAF-458A-9FEC-C92CB404A3B7}" dt="2022-04-30T17:35:11.734" v="1092" actId="478"/>
+          <ac:spMkLst>
+            <pc:docMk/>
+            <pc:sldMk cId="4179457196" sldId="401"/>
+            <ac:spMk id="7" creationId="{3E174092-82D3-44E0-8948-4096232ED0A7}"/>
+          </ac:spMkLst>
+        </pc:spChg>
+        <pc:spChg chg="add del mod">
+          <ac:chgData name="Sanjay Dabra" userId="d7382de46a8a3049" providerId="LiveId" clId="{397832AF-5EAF-458A-9FEC-C92CB404A3B7}" dt="2022-04-30T17:35:22.886" v="1095" actId="478"/>
+          <ac:spMkLst>
+            <pc:docMk/>
+            <pc:sldMk cId="4179457196" sldId="401"/>
+            <ac:spMk id="9" creationId="{AA05AD60-C601-EBE0-832A-1928AD990957}"/>
+          </ac:spMkLst>
+        </pc:spChg>
+        <pc:picChg chg="add mod">
+          <ac:chgData name="Sanjay Dabra" userId="d7382de46a8a3049" providerId="LiveId" clId="{397832AF-5EAF-458A-9FEC-C92CB404A3B7}" dt="2022-04-30T17:35:26.760" v="1096" actId="1076"/>
+          <ac:picMkLst>
+            <pc:docMk/>
+            <pc:sldMk cId="4179457196" sldId="401"/>
+            <ac:picMk id="4" creationId="{D22B02BA-402A-886E-0779-B316497277A0}"/>
+          </ac:picMkLst>
+        </pc:picChg>
+        <pc:picChg chg="del">
+          <ac:chgData name="Sanjay Dabra" userId="d7382de46a8a3049" providerId="LiveId" clId="{397832AF-5EAF-458A-9FEC-C92CB404A3B7}" dt="2022-04-30T16:13:03.428" v="211" actId="478"/>
+          <ac:picMkLst>
+            <pc:docMk/>
+            <pc:sldMk cId="4179457196" sldId="401"/>
+            <ac:picMk id="8" creationId="{6A1DE3C5-ECCD-8EA5-211A-FED6EDE28D0C}"/>
+          </ac:picMkLst>
+        </pc:picChg>
+      </pc:sldChg>
+      <pc:sldChg chg="addSp delSp modSp new mod modNotesTx">
+        <pc:chgData name="Sanjay Dabra" userId="d7382de46a8a3049" providerId="LiveId" clId="{397832AF-5EAF-458A-9FEC-C92CB404A3B7}" dt="2022-04-30T16:32:16.916" v="438" actId="20577"/>
         <pc:sldMkLst>
           <pc:docMk/>
           <pc:sldMk cId="1942907802" sldId="402"/>
@@ -498,6 +790,265 @@
             <pc:docMk/>
             <pc:sldMk cId="1942907802" sldId="402"/>
             <ac:picMk id="8" creationId="{F9C6A07B-43B2-D565-B340-D3491DA0DFAB}"/>
+          </ac:picMkLst>
+        </pc:picChg>
+      </pc:sldChg>
+      <pc:sldChg chg="modSp new mod">
+        <pc:chgData name="Sanjay Dabra" userId="d7382de46a8a3049" providerId="LiveId" clId="{397832AF-5EAF-458A-9FEC-C92CB404A3B7}" dt="2022-04-30T17:16:01.250" v="943" actId="6549"/>
+        <pc:sldMkLst>
+          <pc:docMk/>
+          <pc:sldMk cId="4197711788" sldId="403"/>
+        </pc:sldMkLst>
+        <pc:spChg chg="mod">
+          <ac:chgData name="Sanjay Dabra" userId="d7382de46a8a3049" providerId="LiveId" clId="{397832AF-5EAF-458A-9FEC-C92CB404A3B7}" dt="2022-04-30T17:08:41.664" v="726" actId="20577"/>
+          <ac:spMkLst>
+            <pc:docMk/>
+            <pc:sldMk cId="4197711788" sldId="403"/>
+            <ac:spMk id="2" creationId="{E02B001F-6C4A-E302-017E-7BA653183A18}"/>
+          </ac:spMkLst>
+        </pc:spChg>
+        <pc:spChg chg="mod">
+          <ac:chgData name="Sanjay Dabra" userId="d7382de46a8a3049" providerId="LiveId" clId="{397832AF-5EAF-458A-9FEC-C92CB404A3B7}" dt="2022-04-30T17:16:01.250" v="943" actId="6549"/>
+          <ac:spMkLst>
+            <pc:docMk/>
+            <pc:sldMk cId="4197711788" sldId="403"/>
+            <ac:spMk id="3" creationId="{AAAE8505-7B27-15DC-A3CD-DC43A3EA0DB2}"/>
+          </ac:spMkLst>
+        </pc:spChg>
+      </pc:sldChg>
+      <pc:sldChg chg="addSp delSp modSp new mod modAnim">
+        <pc:chgData name="Sanjay Dabra" userId="d7382de46a8a3049" providerId="LiveId" clId="{397832AF-5EAF-458A-9FEC-C92CB404A3B7}" dt="2022-04-30T17:43:03.599" v="1127" actId="20577"/>
+        <pc:sldMkLst>
+          <pc:docMk/>
+          <pc:sldMk cId="1909787327" sldId="404"/>
+        </pc:sldMkLst>
+        <pc:spChg chg="mod">
+          <ac:chgData name="Sanjay Dabra" userId="d7382de46a8a3049" providerId="LiveId" clId="{397832AF-5EAF-458A-9FEC-C92CB404A3B7}" dt="2022-04-30T17:43:03.599" v="1127" actId="20577"/>
+          <ac:spMkLst>
+            <pc:docMk/>
+            <pc:sldMk cId="1909787327" sldId="404"/>
+            <ac:spMk id="2" creationId="{8A08E34F-D767-EE9C-65E2-CEE5CF31D825}"/>
+          </ac:spMkLst>
+        </pc:spChg>
+        <pc:spChg chg="del">
+          <ac:chgData name="Sanjay Dabra" userId="d7382de46a8a3049" providerId="LiveId" clId="{397832AF-5EAF-458A-9FEC-C92CB404A3B7}" dt="2022-04-30T17:29:24.693" v="1047"/>
+          <ac:spMkLst>
+            <pc:docMk/>
+            <pc:sldMk cId="1909787327" sldId="404"/>
+            <ac:spMk id="3" creationId="{6AA77CDE-8ECB-E016-8988-103D744DDD81}"/>
+          </ac:spMkLst>
+        </pc:spChg>
+        <pc:spChg chg="del">
+          <ac:chgData name="Sanjay Dabra" userId="d7382de46a8a3049" providerId="LiveId" clId="{397832AF-5EAF-458A-9FEC-C92CB404A3B7}" dt="2022-04-30T17:32:37.468" v="1060" actId="478"/>
+          <ac:spMkLst>
+            <pc:docMk/>
+            <pc:sldMk cId="1909787327" sldId="404"/>
+            <ac:spMk id="4" creationId="{DE205377-54A7-297D-5303-B92E2C7EA369}"/>
+          </ac:spMkLst>
+        </pc:spChg>
+        <pc:spChg chg="del mod">
+          <ac:chgData name="Sanjay Dabra" userId="d7382de46a8a3049" providerId="LiveId" clId="{397832AF-5EAF-458A-9FEC-C92CB404A3B7}" dt="2022-04-30T17:32:41.431" v="1062" actId="478"/>
+          <ac:spMkLst>
+            <pc:docMk/>
+            <pc:sldMk cId="1909787327" sldId="404"/>
+            <ac:spMk id="5" creationId="{347725FC-B581-1E75-D775-77A35ECC5793}"/>
+          </ac:spMkLst>
+        </pc:spChg>
+        <pc:spChg chg="add mod">
+          <ac:chgData name="Sanjay Dabra" userId="d7382de46a8a3049" providerId="LiveId" clId="{397832AF-5EAF-458A-9FEC-C92CB404A3B7}" dt="2022-04-30T17:30:54.981" v="1058" actId="1076"/>
+          <ac:spMkLst>
+            <pc:docMk/>
+            <pc:sldMk cId="1909787327" sldId="404"/>
+            <ac:spMk id="8" creationId="{BE25D07D-78BD-B089-82BD-D64AF99B2F06}"/>
+          </ac:spMkLst>
+        </pc:spChg>
+        <pc:spChg chg="add mod">
+          <ac:chgData name="Sanjay Dabra" userId="d7382de46a8a3049" providerId="LiveId" clId="{397832AF-5EAF-458A-9FEC-C92CB404A3B7}" dt="2022-04-30T17:30:50.521" v="1057" actId="1076"/>
+          <ac:spMkLst>
+            <pc:docMk/>
+            <pc:sldMk cId="1909787327" sldId="404"/>
+            <ac:spMk id="9" creationId="{DE057436-F239-5F50-9F68-DBB5763EB55F}"/>
+          </ac:spMkLst>
+        </pc:spChg>
+        <pc:picChg chg="add mod">
+          <ac:chgData name="Sanjay Dabra" userId="d7382de46a8a3049" providerId="LiveId" clId="{397832AF-5EAF-458A-9FEC-C92CB404A3B7}" dt="2022-04-30T17:30:09.817" v="1052" actId="14100"/>
+          <ac:picMkLst>
+            <pc:docMk/>
+            <pc:sldMk cId="1909787327" sldId="404"/>
+            <ac:picMk id="7" creationId="{8EC73D1F-4432-BFAE-BDAA-5C625A3AD3A1}"/>
+          </ac:picMkLst>
+        </pc:picChg>
+      </pc:sldChg>
+      <pc:sldChg chg="addSp delSp modSp add mod delAnim modAnim">
+        <pc:chgData name="Sanjay Dabra" userId="d7382de46a8a3049" providerId="LiveId" clId="{397832AF-5EAF-458A-9FEC-C92CB404A3B7}" dt="2022-04-30T17:46:28.018" v="1150"/>
+        <pc:sldMkLst>
+          <pc:docMk/>
+          <pc:sldMk cId="1688671486" sldId="405"/>
+        </pc:sldMkLst>
+        <pc:spChg chg="mod">
+          <ac:chgData name="Sanjay Dabra" userId="d7382de46a8a3049" providerId="LiveId" clId="{397832AF-5EAF-458A-9FEC-C92CB404A3B7}" dt="2022-04-30T17:45:17.390" v="1140" actId="20577"/>
+          <ac:spMkLst>
+            <pc:docMk/>
+            <pc:sldMk cId="1688671486" sldId="405"/>
+            <ac:spMk id="2" creationId="{8A08E34F-D767-EE9C-65E2-CEE5CF31D825}"/>
+          </ac:spMkLst>
+        </pc:spChg>
+        <pc:spChg chg="add del mod">
+          <ac:chgData name="Sanjay Dabra" userId="d7382de46a8a3049" providerId="LiveId" clId="{397832AF-5EAF-458A-9FEC-C92CB404A3B7}" dt="2022-04-30T17:45:33.909" v="1141" actId="478"/>
+          <ac:spMkLst>
+            <pc:docMk/>
+            <pc:sldMk cId="1688671486" sldId="405"/>
+            <ac:spMk id="4" creationId="{05EFD9D7-D61D-E513-FBEB-A8D3CCEAA7DE}"/>
+          </ac:spMkLst>
+        </pc:spChg>
+        <pc:spChg chg="mod">
+          <ac:chgData name="Sanjay Dabra" userId="d7382de46a8a3049" providerId="LiveId" clId="{397832AF-5EAF-458A-9FEC-C92CB404A3B7}" dt="2022-04-30T17:45:43.360" v="1144" actId="20577"/>
+          <ac:spMkLst>
+            <pc:docMk/>
+            <pc:sldMk cId="1688671486" sldId="405"/>
+            <ac:spMk id="8" creationId="{BE25D07D-78BD-B089-82BD-D64AF99B2F06}"/>
+          </ac:spMkLst>
+        </pc:spChg>
+        <pc:spChg chg="del mod">
+          <ac:chgData name="Sanjay Dabra" userId="d7382de46a8a3049" providerId="LiveId" clId="{397832AF-5EAF-458A-9FEC-C92CB404A3B7}" dt="2022-04-30T17:46:07.333" v="1148" actId="478"/>
+          <ac:spMkLst>
+            <pc:docMk/>
+            <pc:sldMk cId="1688671486" sldId="405"/>
+            <ac:spMk id="9" creationId="{DE057436-F239-5F50-9F68-DBB5763EB55F}"/>
+          </ac:spMkLst>
+        </pc:spChg>
+        <pc:spChg chg="add mod">
+          <ac:chgData name="Sanjay Dabra" userId="d7382de46a8a3049" providerId="LiveId" clId="{397832AF-5EAF-458A-9FEC-C92CB404A3B7}" dt="2022-04-30T17:46:13.116" v="1149" actId="1076"/>
+          <ac:spMkLst>
+            <pc:docMk/>
+            <pc:sldMk cId="1688671486" sldId="405"/>
+            <ac:spMk id="11" creationId="{3C7B1667-3867-63D7-7E2A-A12F7334E6D0}"/>
+          </ac:spMkLst>
+        </pc:spChg>
+        <pc:picChg chg="del">
+          <ac:chgData name="Sanjay Dabra" userId="d7382de46a8a3049" providerId="LiveId" clId="{397832AF-5EAF-458A-9FEC-C92CB404A3B7}" dt="2022-04-30T17:44:24.962" v="1133" actId="478"/>
+          <ac:picMkLst>
+            <pc:docMk/>
+            <pc:sldMk cId="1688671486" sldId="405"/>
+            <ac:picMk id="7" creationId="{8EC73D1F-4432-BFAE-BDAA-5C625A3AD3A1}"/>
+          </ac:picMkLst>
+        </pc:picChg>
+        <pc:picChg chg="add mod">
+          <ac:chgData name="Sanjay Dabra" userId="d7382de46a8a3049" providerId="LiveId" clId="{397832AF-5EAF-458A-9FEC-C92CB404A3B7}" dt="2022-04-30T17:45:03.407" v="1137" actId="1076"/>
+          <ac:picMkLst>
+            <pc:docMk/>
+            <pc:sldMk cId="1688671486" sldId="405"/>
+            <ac:picMk id="10" creationId="{6D228F06-FBAB-8023-549A-007DCDE08A9F}"/>
+          </ac:picMkLst>
+        </pc:picChg>
+      </pc:sldChg>
+      <pc:sldChg chg="addSp delSp modSp add mod">
+        <pc:chgData name="Sanjay Dabra" userId="d7382de46a8a3049" providerId="LiveId" clId="{397832AF-5EAF-458A-9FEC-C92CB404A3B7}" dt="2022-04-30T18:11:00.958" v="1203"/>
+        <pc:sldMkLst>
+          <pc:docMk/>
+          <pc:sldMk cId="906962926" sldId="406"/>
+        </pc:sldMkLst>
+        <pc:spChg chg="mod">
+          <ac:chgData name="Sanjay Dabra" userId="d7382de46a8a3049" providerId="LiveId" clId="{397832AF-5EAF-458A-9FEC-C92CB404A3B7}" dt="2022-04-30T18:10:03.712" v="1199" actId="1076"/>
+          <ac:spMkLst>
+            <pc:docMk/>
+            <pc:sldMk cId="906962926" sldId="406"/>
+            <ac:spMk id="2" creationId="{8A08E34F-D767-EE9C-65E2-CEE5CF31D825}"/>
+          </ac:spMkLst>
+        </pc:spChg>
+        <pc:spChg chg="add del mod">
+          <ac:chgData name="Sanjay Dabra" userId="d7382de46a8a3049" providerId="LiveId" clId="{397832AF-5EAF-458A-9FEC-C92CB404A3B7}" dt="2022-04-30T18:07:59.163" v="1166" actId="478"/>
+          <ac:spMkLst>
+            <pc:docMk/>
+            <pc:sldMk cId="906962926" sldId="406"/>
+            <ac:spMk id="4" creationId="{E7D222C2-E56C-8BF9-4D8D-FE93BDA6E68A}"/>
+          </ac:spMkLst>
+        </pc:spChg>
+        <pc:spChg chg="mod">
+          <ac:chgData name="Sanjay Dabra" userId="d7382de46a8a3049" providerId="LiveId" clId="{397832AF-5EAF-458A-9FEC-C92CB404A3B7}" dt="2022-04-30T18:10:36.529" v="1202" actId="20577"/>
+          <ac:spMkLst>
+            <pc:docMk/>
+            <pc:sldMk cId="906962926" sldId="406"/>
+            <ac:spMk id="8" creationId="{BE25D07D-78BD-B089-82BD-D64AF99B2F06}"/>
+          </ac:spMkLst>
+        </pc:spChg>
+        <pc:spChg chg="mod">
+          <ac:chgData name="Sanjay Dabra" userId="d7382de46a8a3049" providerId="LiveId" clId="{397832AF-5EAF-458A-9FEC-C92CB404A3B7}" dt="2022-04-30T18:11:00.958" v="1203"/>
+          <ac:spMkLst>
+            <pc:docMk/>
+            <pc:sldMk cId="906962926" sldId="406"/>
+            <ac:spMk id="9" creationId="{DE057436-F239-5F50-9F68-DBB5763EB55F}"/>
+          </ac:spMkLst>
+        </pc:spChg>
+        <pc:picChg chg="del">
+          <ac:chgData name="Sanjay Dabra" userId="d7382de46a8a3049" providerId="LiveId" clId="{397832AF-5EAF-458A-9FEC-C92CB404A3B7}" dt="2022-04-30T18:07:36.875" v="1161" actId="478"/>
+          <ac:picMkLst>
+            <pc:docMk/>
+            <pc:sldMk cId="906962926" sldId="406"/>
+            <ac:picMk id="7" creationId="{8EC73D1F-4432-BFAE-BDAA-5C625A3AD3A1}"/>
+          </ac:picMkLst>
+        </pc:picChg>
+        <pc:picChg chg="add mod">
+          <ac:chgData name="Sanjay Dabra" userId="d7382de46a8a3049" providerId="LiveId" clId="{397832AF-5EAF-458A-9FEC-C92CB404A3B7}" dt="2022-04-30T18:07:53.084" v="1165" actId="1076"/>
+          <ac:picMkLst>
+            <pc:docMk/>
+            <pc:sldMk cId="906962926" sldId="406"/>
+            <ac:picMk id="10" creationId="{922CE536-D655-A080-DF21-7AC27F358BE4}"/>
+          </ac:picMkLst>
+        </pc:picChg>
+      </pc:sldChg>
+      <pc:sldChg chg="addSp delSp modSp add mod">
+        <pc:chgData name="Sanjay Dabra" userId="d7382de46a8a3049" providerId="LiveId" clId="{397832AF-5EAF-458A-9FEC-C92CB404A3B7}" dt="2022-04-30T18:13:56.221" v="1213" actId="1076"/>
+        <pc:sldMkLst>
+          <pc:docMk/>
+          <pc:sldMk cId="409268385" sldId="407"/>
+        </pc:sldMkLst>
+        <pc:spChg chg="mod">
+          <ac:chgData name="Sanjay Dabra" userId="d7382de46a8a3049" providerId="LiveId" clId="{397832AF-5EAF-458A-9FEC-C92CB404A3B7}" dt="2022-04-30T18:11:40.344" v="1206" actId="1076"/>
+          <ac:spMkLst>
+            <pc:docMk/>
+            <pc:sldMk cId="409268385" sldId="407"/>
+            <ac:spMk id="2" creationId="{8A08E34F-D767-EE9C-65E2-CEE5CF31D825}"/>
+          </ac:spMkLst>
+        </pc:spChg>
+        <pc:spChg chg="add del mod">
+          <ac:chgData name="Sanjay Dabra" userId="d7382de46a8a3049" providerId="LiveId" clId="{397832AF-5EAF-458A-9FEC-C92CB404A3B7}" dt="2022-04-30T18:12:53.118" v="1208" actId="478"/>
+          <ac:spMkLst>
+            <pc:docMk/>
+            <pc:sldMk cId="409268385" sldId="407"/>
+            <ac:spMk id="4" creationId="{38D9CD1E-DCC2-CE04-EA13-FEDEE4194944}"/>
+          </ac:spMkLst>
+        </pc:spChg>
+        <pc:spChg chg="mod">
+          <ac:chgData name="Sanjay Dabra" userId="d7382de46a8a3049" providerId="LiveId" clId="{397832AF-5EAF-458A-9FEC-C92CB404A3B7}" dt="2022-04-30T18:13:38.305" v="1211" actId="1076"/>
+          <ac:spMkLst>
+            <pc:docMk/>
+            <pc:sldMk cId="409268385" sldId="407"/>
+            <ac:spMk id="8" creationId="{BE25D07D-78BD-B089-82BD-D64AF99B2F06}"/>
+          </ac:spMkLst>
+        </pc:spChg>
+        <pc:spChg chg="mod">
+          <ac:chgData name="Sanjay Dabra" userId="d7382de46a8a3049" providerId="LiveId" clId="{397832AF-5EAF-458A-9FEC-C92CB404A3B7}" dt="2022-04-30T18:13:56.221" v="1213" actId="1076"/>
+          <ac:spMkLst>
+            <pc:docMk/>
+            <pc:sldMk cId="409268385" sldId="407"/>
+            <ac:spMk id="9" creationId="{DE057436-F239-5F50-9F68-DBB5763EB55F}"/>
+          </ac:spMkLst>
+        </pc:spChg>
+        <pc:picChg chg="del">
+          <ac:chgData name="Sanjay Dabra" userId="d7382de46a8a3049" providerId="LiveId" clId="{397832AF-5EAF-458A-9FEC-C92CB404A3B7}" dt="2022-04-30T18:12:50.451" v="1207" actId="478"/>
+          <ac:picMkLst>
+            <pc:docMk/>
+            <pc:sldMk cId="409268385" sldId="407"/>
+            <ac:picMk id="7" creationId="{8EC73D1F-4432-BFAE-BDAA-5C625A3AD3A1}"/>
+          </ac:picMkLst>
+        </pc:picChg>
+        <pc:picChg chg="add mod">
+          <ac:chgData name="Sanjay Dabra" userId="d7382de46a8a3049" providerId="LiveId" clId="{397832AF-5EAF-458A-9FEC-C92CB404A3B7}" dt="2022-04-30T18:13:34.055" v="1210" actId="1076"/>
+          <ac:picMkLst>
+            <pc:docMk/>
+            <pc:sldMk cId="409268385" sldId="407"/>
+            <ac:picMk id="10" creationId="{46E90BDD-3474-8CA2-7E07-38E880DF67DB}"/>
           </ac:picMkLst>
         </pc:picChg>
       </pc:sldChg>
@@ -1128,174 +1679,6 @@
 </p:notes>
 </file>
 
-<file path=ppt/notesSlides/notesSlide10.xml><?xml version="1.0" encoding="utf-8"?>
-<p:notes xmlns:a="http://schemas.openxmlformats.org/drawingml/2006/main" xmlns:r="http://schemas.openxmlformats.org/officeDocument/2006/relationships" xmlns:p="http://schemas.openxmlformats.org/presentationml/2006/main">
-  <p:cSld>
-    <p:spTree>
-      <p:nvGrpSpPr>
-        <p:cNvPr id="1" name=""/>
-        <p:cNvGrpSpPr/>
-        <p:nvPr/>
-      </p:nvGrpSpPr>
-      <p:grpSpPr>
-        <a:xfrm>
-          <a:off x="0" y="0"/>
-          <a:ext cx="0" cy="0"/>
-          <a:chOff x="0" y="0"/>
-          <a:chExt cx="0" cy="0"/>
-        </a:xfrm>
-      </p:grpSpPr>
-      <p:sp>
-        <p:nvSpPr>
-          <p:cNvPr id="2" name="Slide Image Placeholder 1"/>
-          <p:cNvSpPr>
-            <a:spLocks noGrp="1" noRot="1" noChangeAspect="1"/>
-          </p:cNvSpPr>
-          <p:nvPr>
-            <p:ph type="sldImg"/>
-          </p:nvPr>
-        </p:nvSpPr>
-        <p:spPr/>
-      </p:sp>
-      <p:sp>
-        <p:nvSpPr>
-          <p:cNvPr id="3" name="Notes Placeholder 2"/>
-          <p:cNvSpPr>
-            <a:spLocks noGrp="1"/>
-          </p:cNvSpPr>
-          <p:nvPr>
-            <p:ph type="body" idx="1"/>
-          </p:nvPr>
-        </p:nvSpPr>
-        <p:spPr/>
-        <p:txBody>
-          <a:bodyPr/>
-          <a:lstStyle/>
-          <a:p>
-            <a:endParaRPr lang="en-US" dirty="0"/>
-          </a:p>
-        </p:txBody>
-      </p:sp>
-      <p:sp>
-        <p:nvSpPr>
-          <p:cNvPr id="4" name="Slide Number Placeholder 3"/>
-          <p:cNvSpPr>
-            <a:spLocks noGrp="1"/>
-          </p:cNvSpPr>
-          <p:nvPr>
-            <p:ph type="sldNum" sz="quarter" idx="5"/>
-          </p:nvPr>
-        </p:nvSpPr>
-        <p:spPr/>
-        <p:txBody>
-          <a:bodyPr/>
-          <a:lstStyle/>
-          <a:p>
-            <a:fld id="{E7CCE34D-CFF1-4FFE-815B-D050E7ED2DFD}" type="slidenum">
-              <a:rPr lang="en-US" smtClean="0"/>
-              <a:t>14</a:t>
-            </a:fld>
-            <a:endParaRPr lang="en-US"/>
-          </a:p>
-        </p:txBody>
-      </p:sp>
-    </p:spTree>
-    <p:extLst>
-      <p:ext uri="{BB962C8B-B14F-4D97-AF65-F5344CB8AC3E}">
-        <p14:creationId xmlns:p14="http://schemas.microsoft.com/office/powerpoint/2010/main" val="3991540256"/>
-      </p:ext>
-    </p:extLst>
-  </p:cSld>
-  <p:clrMapOvr>
-    <a:masterClrMapping/>
-  </p:clrMapOvr>
-</p:notes>
-</file>
-
-<file path=ppt/notesSlides/notesSlide11.xml><?xml version="1.0" encoding="utf-8"?>
-<p:notes xmlns:a="http://schemas.openxmlformats.org/drawingml/2006/main" xmlns:r="http://schemas.openxmlformats.org/officeDocument/2006/relationships" xmlns:p="http://schemas.openxmlformats.org/presentationml/2006/main">
-  <p:cSld>
-    <p:spTree>
-      <p:nvGrpSpPr>
-        <p:cNvPr id="1" name=""/>
-        <p:cNvGrpSpPr/>
-        <p:nvPr/>
-      </p:nvGrpSpPr>
-      <p:grpSpPr>
-        <a:xfrm>
-          <a:off x="0" y="0"/>
-          <a:ext cx="0" cy="0"/>
-          <a:chOff x="0" y="0"/>
-          <a:chExt cx="0" cy="0"/>
-        </a:xfrm>
-      </p:grpSpPr>
-      <p:sp>
-        <p:nvSpPr>
-          <p:cNvPr id="2" name="Slide Image Placeholder 1"/>
-          <p:cNvSpPr>
-            <a:spLocks noGrp="1" noRot="1" noChangeAspect="1"/>
-          </p:cNvSpPr>
-          <p:nvPr>
-            <p:ph type="sldImg"/>
-          </p:nvPr>
-        </p:nvSpPr>
-        <p:spPr/>
-      </p:sp>
-      <p:sp>
-        <p:nvSpPr>
-          <p:cNvPr id="3" name="Notes Placeholder 2"/>
-          <p:cNvSpPr>
-            <a:spLocks noGrp="1"/>
-          </p:cNvSpPr>
-          <p:nvPr>
-            <p:ph type="body" idx="1"/>
-          </p:nvPr>
-        </p:nvSpPr>
-        <p:spPr/>
-        <p:txBody>
-          <a:bodyPr/>
-          <a:lstStyle/>
-          <a:p>
-            <a:endParaRPr lang="en-US" dirty="0"/>
-          </a:p>
-        </p:txBody>
-      </p:sp>
-      <p:sp>
-        <p:nvSpPr>
-          <p:cNvPr id="4" name="Slide Number Placeholder 3"/>
-          <p:cNvSpPr>
-            <a:spLocks noGrp="1"/>
-          </p:cNvSpPr>
-          <p:nvPr>
-            <p:ph type="sldNum" sz="quarter" idx="5"/>
-          </p:nvPr>
-        </p:nvSpPr>
-        <p:spPr/>
-        <p:txBody>
-          <a:bodyPr/>
-          <a:lstStyle/>
-          <a:p>
-            <a:fld id="{1983A999-5E0E-42CA-8400-604AE921FF7C}" type="slidenum">
-              <a:rPr lang="en-US" smtClean="0"/>
-              <a:t>16</a:t>
-            </a:fld>
-            <a:endParaRPr lang="en-US"/>
-          </a:p>
-        </p:txBody>
-      </p:sp>
-    </p:spTree>
-    <p:extLst>
-      <p:ext uri="{BB962C8B-B14F-4D97-AF65-F5344CB8AC3E}">
-        <p14:creationId xmlns:p14="http://schemas.microsoft.com/office/powerpoint/2010/main" val="4150892672"/>
-      </p:ext>
-    </p:extLst>
-  </p:cSld>
-  <p:clrMapOvr>
-    <a:masterClrMapping/>
-  </p:clrMapOvr>
-</p:notes>
-</file>
-
 <file path=ppt/notesSlides/notesSlide2.xml><?xml version="1.0" encoding="utf-8"?>
 <p:notes xmlns:a="http://schemas.openxmlformats.org/drawingml/2006/main" xmlns:r="http://schemas.openxmlformats.org/officeDocument/2006/relationships" xmlns:p="http://schemas.openxmlformats.org/presentationml/2006/main">
   <p:cSld>
@@ -1445,7 +1828,7 @@
           <a:p>
             <a:fld id="{1983A999-5E0E-42CA-8400-604AE921FF7C}" type="slidenum">
               <a:rPr lang="en-US" smtClean="0"/>
-              <a:t>4</a:t>
+              <a:t>5</a:t>
             </a:fld>
             <a:endParaRPr lang="en-US"/>
           </a:p>
@@ -1565,7 +1948,7 @@
           <a:p>
             <a:fld id="{E7CCE34D-CFF1-4FFE-815B-D050E7ED2DFD}" type="slidenum">
               <a:rPr lang="en-US" smtClean="0"/>
-              <a:t>5</a:t>
+              <a:t>6</a:t>
             </a:fld>
             <a:endParaRPr lang="en-US"/>
           </a:p>
@@ -1630,7 +2013,7 @@
           <a:p>
             <a:r>
               <a:rPr lang="en-US" dirty="0"/>
-              <a:t>Based on the data, there is a weak positive correlation based on a r squared value of 0.3</a:t>
+              <a:t>5 km radius</a:t>
             </a:r>
           </a:p>
         </p:txBody>
@@ -1652,7 +2035,7 @@
           <a:p>
             <a:fld id="{E7CCE34D-CFF1-4FFE-815B-D050E7ED2DFD}" type="slidenum">
               <a:rPr lang="en-US" smtClean="0"/>
-              <a:t>9</a:t>
+              <a:t>8</a:t>
             </a:fld>
             <a:endParaRPr lang="en-US"/>
           </a:p>
@@ -1661,7 +2044,7 @@
     </p:spTree>
     <p:extLst>
       <p:ext uri="{BB962C8B-B14F-4D97-AF65-F5344CB8AC3E}">
-        <p14:creationId xmlns:p14="http://schemas.microsoft.com/office/powerpoint/2010/main" val="4001131345"/>
+        <p14:creationId xmlns:p14="http://schemas.microsoft.com/office/powerpoint/2010/main" val="313359611"/>
       </p:ext>
     </p:extLst>
   </p:cSld>
@@ -1717,17 +2100,13 @@
           <a:p>
             <a:r>
               <a:rPr lang="en-US" dirty="0"/>
-              <a:t>Based of the data, there is no correlation .</a:t>
+              <a:t>Most given review was 4.5, data was truly random and well </a:t>
             </a:r>
-          </a:p>
-          <a:p>
+            <a:r>
+              <a:rPr lang="en-US" dirty="0" err="1"/>
+              <a:t>distibuted</a:t>
+            </a:r>
             <a:endParaRPr lang="en-US" dirty="0"/>
-          </a:p>
-          <a:p>
-            <a:r>
-              <a:rPr lang="en-US" dirty="0"/>
-              <a:t>More people tend to got to a mid price restaurant than a high or low price restaurant. 2.0 has the most reviews</a:t>
-            </a:r>
           </a:p>
         </p:txBody>
       </p:sp>
@@ -1748,7 +2127,7 @@
           <a:p>
             <a:fld id="{E7CCE34D-CFF1-4FFE-815B-D050E7ED2DFD}" type="slidenum">
               <a:rPr lang="en-US" smtClean="0"/>
-              <a:t>10</a:t>
+              <a:t>14</a:t>
             </a:fld>
             <a:endParaRPr lang="en-US"/>
           </a:p>
@@ -1757,7 +2136,7 @@
     </p:spTree>
     <p:extLst>
       <p:ext uri="{BB962C8B-B14F-4D97-AF65-F5344CB8AC3E}">
-        <p14:creationId xmlns:p14="http://schemas.microsoft.com/office/powerpoint/2010/main" val="3177836222"/>
+        <p14:creationId xmlns:p14="http://schemas.microsoft.com/office/powerpoint/2010/main" val="2360033463"/>
       </p:ext>
     </p:extLst>
   </p:cSld>
@@ -1811,24 +2190,6 @@
           <a:bodyPr/>
           <a:lstStyle/>
           <a:p>
-            <a:r>
-              <a:rPr lang="en-US" dirty="0"/>
-              <a:t>Try to x axis rotate 45°</a:t>
-            </a:r>
-          </a:p>
-          <a:p>
-            <a:r>
-              <a:rPr lang="en-US" dirty="0"/>
-              <a:t>Not culture based</a:t>
-            </a:r>
-          </a:p>
-          <a:p>
-            <a:endParaRPr lang="en-US" dirty="0"/>
-          </a:p>
-          <a:p>
-            <a:endParaRPr lang="en-US" dirty="0"/>
-          </a:p>
-          <a:p>
             <a:endParaRPr lang="en-US" dirty="0"/>
           </a:p>
         </p:txBody>
@@ -1850,7 +2211,7 @@
           <a:p>
             <a:fld id="{E7CCE34D-CFF1-4FFE-815B-D050E7ED2DFD}" type="slidenum">
               <a:rPr lang="en-US" smtClean="0"/>
-              <a:t>11</a:t>
+              <a:t>15</a:t>
             </a:fld>
             <a:endParaRPr lang="en-US"/>
           </a:p>
@@ -1859,7 +2220,7 @@
     </p:spTree>
     <p:extLst>
       <p:ext uri="{BB962C8B-B14F-4D97-AF65-F5344CB8AC3E}">
-        <p14:creationId xmlns:p14="http://schemas.microsoft.com/office/powerpoint/2010/main" val="2990060940"/>
+        <p14:creationId xmlns:p14="http://schemas.microsoft.com/office/powerpoint/2010/main" val="3991540256"/>
       </p:ext>
     </p:extLst>
   </p:cSld>
@@ -1913,12 +2274,6 @@
           <a:bodyPr/>
           <a:lstStyle/>
           <a:p>
-            <a:r>
-              <a:rPr lang="en-US" dirty="0"/>
-              <a:t>Very weak correlation, larger populations tend to give lower ratings</a:t>
-            </a:r>
-          </a:p>
-          <a:p>
             <a:endParaRPr lang="en-US" dirty="0"/>
           </a:p>
         </p:txBody>
@@ -1938,9 +2293,9 @@
           <a:bodyPr/>
           <a:lstStyle/>
           <a:p>
-            <a:fld id="{E7CCE34D-CFF1-4FFE-815B-D050E7ED2DFD}" type="slidenum">
+            <a:fld id="{1983A999-5E0E-42CA-8400-604AE921FF7C}" type="slidenum">
               <a:rPr lang="en-US" smtClean="0"/>
-              <a:t>12</a:t>
+              <a:t>17</a:t>
             </a:fld>
             <a:endParaRPr lang="en-US"/>
           </a:p>
@@ -1949,99 +2304,7 @@
     </p:spTree>
     <p:extLst>
       <p:ext uri="{BB962C8B-B14F-4D97-AF65-F5344CB8AC3E}">
-        <p14:creationId xmlns:p14="http://schemas.microsoft.com/office/powerpoint/2010/main" val="2443123592"/>
-      </p:ext>
-    </p:extLst>
-  </p:cSld>
-  <p:clrMapOvr>
-    <a:masterClrMapping/>
-  </p:clrMapOvr>
-</p:notes>
-</file>
-
-<file path=ppt/notesSlides/notesSlide9.xml><?xml version="1.0" encoding="utf-8"?>
-<p:notes xmlns:a="http://schemas.openxmlformats.org/drawingml/2006/main" xmlns:r="http://schemas.openxmlformats.org/officeDocument/2006/relationships" xmlns:p="http://schemas.openxmlformats.org/presentationml/2006/main">
-  <p:cSld>
-    <p:spTree>
-      <p:nvGrpSpPr>
-        <p:cNvPr id="1" name=""/>
-        <p:cNvGrpSpPr/>
-        <p:nvPr/>
-      </p:nvGrpSpPr>
-      <p:grpSpPr>
-        <a:xfrm>
-          <a:off x="0" y="0"/>
-          <a:ext cx="0" cy="0"/>
-          <a:chOff x="0" y="0"/>
-          <a:chExt cx="0" cy="0"/>
-        </a:xfrm>
-      </p:grpSpPr>
-      <p:sp>
-        <p:nvSpPr>
-          <p:cNvPr id="2" name="Slide Image Placeholder 1"/>
-          <p:cNvSpPr>
-            <a:spLocks noGrp="1" noRot="1" noChangeAspect="1"/>
-          </p:cNvSpPr>
-          <p:nvPr>
-            <p:ph type="sldImg"/>
-          </p:nvPr>
-        </p:nvSpPr>
-        <p:spPr/>
-      </p:sp>
-      <p:sp>
-        <p:nvSpPr>
-          <p:cNvPr id="3" name="Notes Placeholder 2"/>
-          <p:cNvSpPr>
-            <a:spLocks noGrp="1"/>
-          </p:cNvSpPr>
-          <p:nvPr>
-            <p:ph type="body" idx="1"/>
-          </p:nvPr>
-        </p:nvSpPr>
-        <p:spPr/>
-        <p:txBody>
-          <a:bodyPr/>
-          <a:lstStyle/>
-          <a:p>
-            <a:r>
-              <a:rPr lang="en-US" dirty="0"/>
-              <a:t>Most given review was 4.5, data was truly random and well </a:t>
-            </a:r>
-            <a:r>
-              <a:rPr lang="en-US" dirty="0" err="1"/>
-              <a:t>distibuted</a:t>
-            </a:r>
-            <a:endParaRPr lang="en-US" dirty="0"/>
-          </a:p>
-        </p:txBody>
-      </p:sp>
-      <p:sp>
-        <p:nvSpPr>
-          <p:cNvPr id="4" name="Slide Number Placeholder 3"/>
-          <p:cNvSpPr>
-            <a:spLocks noGrp="1"/>
-          </p:cNvSpPr>
-          <p:nvPr>
-            <p:ph type="sldNum" sz="quarter" idx="5"/>
-          </p:nvPr>
-        </p:nvSpPr>
-        <p:spPr/>
-        <p:txBody>
-          <a:bodyPr/>
-          <a:lstStyle/>
-          <a:p>
-            <a:fld id="{E7CCE34D-CFF1-4FFE-815B-D050E7ED2DFD}" type="slidenum">
-              <a:rPr lang="en-US" smtClean="0"/>
-              <a:t>13</a:t>
-            </a:fld>
-            <a:endParaRPr lang="en-US"/>
-          </a:p>
-        </p:txBody>
-      </p:sp>
-    </p:spTree>
-    <p:extLst>
-      <p:ext uri="{BB962C8B-B14F-4D97-AF65-F5344CB8AC3E}">
-        <p14:creationId xmlns:p14="http://schemas.microsoft.com/office/powerpoint/2010/main" val="2360033463"/>
+        <p14:creationId xmlns:p14="http://schemas.microsoft.com/office/powerpoint/2010/main" val="4150892672"/>
       </p:ext>
     </p:extLst>
   </p:cSld>
@@ -15805,7 +16068,7 @@
           <p:cNvPr id="2" name="Title 1">
             <a:extLst>
               <a:ext uri="{FF2B5EF4-FFF2-40B4-BE49-F238E27FC236}">
-                <a16:creationId xmlns:a16="http://schemas.microsoft.com/office/drawing/2014/main" id="{FCB102D8-1D22-4940-AF19-07CF3A0DC5F4}"/>
+                <a16:creationId xmlns:a16="http://schemas.microsoft.com/office/drawing/2014/main" id="{8A08E34F-D767-EE9C-65E2-CEE5CF31D825}"/>
               </a:ext>
             </a:extLst>
           </p:cNvPr>
@@ -15816,36 +16079,28 @@
             <p:ph type="title"/>
           </p:nvPr>
         </p:nvSpPr>
-        <p:spPr>
-          <a:xfrm>
-            <a:off x="282868" y="558800"/>
-            <a:ext cx="3565524" cy="1927225"/>
-          </a:xfrm>
-        </p:spPr>
+        <p:spPr/>
         <p:txBody>
-          <a:bodyPr vert="horz" wrap="square" lIns="0" tIns="0" rIns="0" bIns="0" rtlCol="0" anchor="b" anchorCtr="0">
-            <a:normAutofit/>
-          </a:bodyPr>
+          <a:bodyPr/>
           <a:lstStyle/>
           <a:p>
-            <a:pPr>
-              <a:lnSpc>
-                <a:spcPct val="100000"/>
-              </a:lnSpc>
-            </a:pPr>
             <a:r>
-              <a:rPr lang="en-US" sz="3600" dirty="0"/>
-              <a:t>Does pricing influence the number of ratings</a:t>
+              <a:rPr lang="en-US" sz="4800" dirty="0"/>
+              <a:t>Does price level influence ratings?</a:t>
             </a:r>
+            <a:br>
+              <a:rPr lang="en-US" sz="4800" dirty="0"/>
+            </a:br>
+            <a:endParaRPr lang="en-US" dirty="0"/>
           </a:p>
         </p:txBody>
       </p:sp>
       <p:sp>
         <p:nvSpPr>
-          <p:cNvPr id="16" name="Slide Number Placeholder 15">
-            <a:extLst>
-              <a:ext uri="{FF2B5EF4-FFF2-40B4-BE49-F238E27FC236}">
-                <a16:creationId xmlns:a16="http://schemas.microsoft.com/office/drawing/2014/main" id="{3F8A62C8-5437-4C47-AC0F-0605F84CBA57}"/>
+          <p:cNvPr id="6" name="Slide Number Placeholder 5">
+            <a:extLst>
+              <a:ext uri="{FF2B5EF4-FFF2-40B4-BE49-F238E27FC236}">
+                <a16:creationId xmlns:a16="http://schemas.microsoft.com/office/drawing/2014/main" id="{CF47C235-64E1-99BC-50BE-35E53DE785C9}"/>
               </a:ext>
             </a:extLst>
           </p:cNvPr>
@@ -15856,72 +16111,45 @@
             <p:ph type="sldNum" sz="quarter" idx="12"/>
           </p:nvPr>
         </p:nvSpPr>
-        <p:spPr>
-          <a:xfrm>
-            <a:off x="9948863" y="6507212"/>
-            <a:ext cx="1692274" cy="153888"/>
-          </a:xfrm>
-        </p:spPr>
+        <p:spPr/>
         <p:txBody>
-          <a:bodyPr vert="horz" wrap="square" lIns="0" tIns="0" rIns="0" bIns="0" rtlCol="0" anchor="ctr">
-            <a:normAutofit/>
-          </a:bodyPr>
+          <a:bodyPr/>
           <a:lstStyle/>
           <a:p>
-            <a:pPr>
-              <a:spcAft>
-                <a:spcPts val="600"/>
-              </a:spcAft>
-            </a:pPr>
             <a:fld id="{DBA1B0FB-D917-4C8C-928F-313BD683BF39}" type="slidenum">
-              <a:rPr lang="en-US" smtClean="0">
-                <a:solidFill>
-                  <a:schemeClr val="tx1">
-                    <a:alpha val="80000"/>
-                  </a:schemeClr>
-                </a:solidFill>
-              </a:rPr>
-              <a:pPr>
-                <a:spcAft>
-                  <a:spcPts val="600"/>
-                </a:spcAft>
-              </a:pPr>
+              <a:rPr lang="en-US" smtClean="0"/>
               <a:t>10</a:t>
             </a:fld>
-            <a:endParaRPr lang="en-US">
-              <a:solidFill>
-                <a:schemeClr val="tx1">
-                  <a:alpha val="80000"/>
-                </a:schemeClr>
-              </a:solidFill>
-            </a:endParaRPr>
+            <a:endParaRPr lang="en-US"/>
           </a:p>
         </p:txBody>
       </p:sp>
       <p:pic>
         <p:nvPicPr>
-          <p:cNvPr id="24" name="Picture 23" descr="Chart, scatter chart&#10;&#10;Description automatically generated">
-            <a:extLst>
-              <a:ext uri="{FF2B5EF4-FFF2-40B4-BE49-F238E27FC236}">
-                <a16:creationId xmlns:a16="http://schemas.microsoft.com/office/drawing/2014/main" id="{70161D08-D57D-671B-FC5F-EC6A11113C4D}"/>
+          <p:cNvPr id="7" name="Content Placeholder 6" descr="Chart, scatter chart&#10;&#10;Description automatically generated">
+            <a:extLst>
+              <a:ext uri="{FF2B5EF4-FFF2-40B4-BE49-F238E27FC236}">
+                <a16:creationId xmlns:a16="http://schemas.microsoft.com/office/drawing/2014/main" id="{8EC73D1F-4432-BFAE-BDAA-5C625A3AD3A1}"/>
               </a:ext>
             </a:extLst>
           </p:cNvPr>
           <p:cNvPicPr>
-            <a:picLocks noChangeAspect="1"/>
+            <a:picLocks noGrp="1" noChangeAspect="1"/>
           </p:cNvPicPr>
-          <p:nvPr/>
+          <p:nvPr>
+            <p:ph idx="1"/>
+          </p:nvPr>
         </p:nvPicPr>
         <p:blipFill>
-          <a:blip r:embed="rId3"/>
+          <a:blip r:embed="rId2"/>
           <a:stretch>
             <a:fillRect/>
           </a:stretch>
         </p:blipFill>
         <p:spPr>
           <a:xfrm>
-            <a:off x="4116388" y="806797"/>
-            <a:ext cx="7792744" cy="5244406"/>
+            <a:off x="549538" y="1573515"/>
+            <a:ext cx="7176546" cy="4735210"/>
           </a:xfrm>
           <a:prstGeom prst="rect">
             <a:avLst/>
@@ -15930,10 +16158,10 @@
       </p:pic>
       <p:sp>
         <p:nvSpPr>
-          <p:cNvPr id="25" name="TextBox 24">
-            <a:extLst>
-              <a:ext uri="{FF2B5EF4-FFF2-40B4-BE49-F238E27FC236}">
-                <a16:creationId xmlns:a16="http://schemas.microsoft.com/office/drawing/2014/main" id="{FE4C1423-03F9-7376-632D-87F1601BAED3}"/>
+          <p:cNvPr id="8" name="TextBox 7">
+            <a:extLst>
+              <a:ext uri="{FF2B5EF4-FFF2-40B4-BE49-F238E27FC236}">
+                <a16:creationId xmlns:a16="http://schemas.microsoft.com/office/drawing/2014/main" id="{BE25D07D-78BD-B089-82BD-D64AF99B2F06}"/>
               </a:ext>
             </a:extLst>
           </p:cNvPr>
@@ -15942,7 +16170,7 @@
         </p:nvSpPr>
         <p:spPr>
           <a:xfrm>
-            <a:off x="282868" y="3198167"/>
+            <a:off x="8205116" y="3072426"/>
             <a:ext cx="3112035" cy="461665"/>
           </a:xfrm>
           <a:prstGeom prst="rect">
@@ -15958,7 +16186,42 @@
           <a:p>
             <a:r>
               <a:rPr lang="en-US" sz="2400" dirty="0"/>
-              <a:t>R-Square Value is: -0.21</a:t>
+              <a:t>R-Square Value is: 0.28</a:t>
+            </a:r>
+          </a:p>
+        </p:txBody>
+      </p:sp>
+      <p:sp>
+        <p:nvSpPr>
+          <p:cNvPr id="9" name="TextBox 8">
+            <a:extLst>
+              <a:ext uri="{FF2B5EF4-FFF2-40B4-BE49-F238E27FC236}">
+                <a16:creationId xmlns:a16="http://schemas.microsoft.com/office/drawing/2014/main" id="{DE057436-F239-5F50-9F68-DBB5763EB55F}"/>
+              </a:ext>
+            </a:extLst>
+          </p:cNvPr>
+          <p:cNvSpPr txBox="1"/>
+          <p:nvPr/>
+        </p:nvSpPr>
+        <p:spPr>
+          <a:xfrm>
+            <a:off x="8205116" y="3864167"/>
+            <a:ext cx="3487493" cy="461665"/>
+          </a:xfrm>
+          <a:prstGeom prst="rect">
+            <a:avLst/>
+          </a:prstGeom>
+          <a:noFill/>
+        </p:spPr>
+        <p:txBody>
+          <a:bodyPr wrap="none" rtlCol="0">
+            <a:spAutoFit/>
+          </a:bodyPr>
+          <a:lstStyle/>
+          <a:p>
+            <a:r>
+              <a:rPr lang="en-US" sz="2400" dirty="0"/>
+              <a:t>Weak Positive Correlation</a:t>
             </a:r>
           </a:p>
         </p:txBody>
@@ -15966,13 +16229,99 @@
     </p:spTree>
     <p:extLst>
       <p:ext uri="{BB962C8B-B14F-4D97-AF65-F5344CB8AC3E}">
-        <p14:creationId xmlns:p14="http://schemas.microsoft.com/office/powerpoint/2010/main" val="1732661267"/>
+        <p14:creationId xmlns:p14="http://schemas.microsoft.com/office/powerpoint/2010/main" val="1909787327"/>
       </p:ext>
     </p:extLst>
   </p:cSld>
   <p:clrMapOvr>
     <a:masterClrMapping/>
   </p:clrMapOvr>
+  <p:timing>
+    <p:tnLst>
+      <p:par>
+        <p:cTn id="1" dur="indefinite" restart="never" nodeType="tmRoot">
+          <p:childTnLst>
+            <p:seq concurrent="1" nextAc="seek">
+              <p:cTn id="2" dur="indefinite" nodeType="mainSeq">
+                <p:childTnLst>
+                  <p:par>
+                    <p:cTn id="3" fill="hold">
+                      <p:stCondLst>
+                        <p:cond delay="indefinite"/>
+                      </p:stCondLst>
+                      <p:childTnLst>
+                        <p:par>
+                          <p:cTn id="4" fill="hold">
+                            <p:stCondLst>
+                              <p:cond delay="0"/>
+                            </p:stCondLst>
+                            <p:childTnLst>
+                              <p:par>
+                                <p:cTn id="5" presetID="10" presetClass="entr" presetSubtype="0" fill="hold" grpId="0" nodeType="clickEffect">
+                                  <p:stCondLst>
+                                    <p:cond delay="0"/>
+                                  </p:stCondLst>
+                                  <p:childTnLst>
+                                    <p:set>
+                                      <p:cBhvr>
+                                        <p:cTn id="6" dur="1" fill="hold">
+                                          <p:stCondLst>
+                                            <p:cond delay="0"/>
+                                          </p:stCondLst>
+                                        </p:cTn>
+                                        <p:tgtEl>
+                                          <p:spTgt spid="9"/>
+                                        </p:tgtEl>
+                                        <p:attrNameLst>
+                                          <p:attrName>style.visibility</p:attrName>
+                                        </p:attrNameLst>
+                                      </p:cBhvr>
+                                      <p:to>
+                                        <p:strVal val="visible"/>
+                                      </p:to>
+                                    </p:set>
+                                    <p:animEffect transition="in" filter="fade">
+                                      <p:cBhvr>
+                                        <p:cTn id="7" dur="500"/>
+                                        <p:tgtEl>
+                                          <p:spTgt spid="9"/>
+                                        </p:tgtEl>
+                                      </p:cBhvr>
+                                    </p:animEffect>
+                                  </p:childTnLst>
+                                </p:cTn>
+                              </p:par>
+                            </p:childTnLst>
+                          </p:cTn>
+                        </p:par>
+                      </p:childTnLst>
+                    </p:cTn>
+                  </p:par>
+                </p:childTnLst>
+              </p:cTn>
+              <p:prevCondLst>
+                <p:cond evt="onPrev" delay="0">
+                  <p:tgtEl>
+                    <p:sldTgt/>
+                  </p:tgtEl>
+                </p:cond>
+              </p:prevCondLst>
+              <p:nextCondLst>
+                <p:cond evt="onNext" delay="0">
+                  <p:tgtEl>
+                    <p:sldTgt/>
+                  </p:tgtEl>
+                </p:cond>
+              </p:nextCondLst>
+            </p:seq>
+          </p:childTnLst>
+        </p:cTn>
+      </p:par>
+    </p:tnLst>
+    <p:bldLst>
+      <p:bldP spid="9" grpId="0"/>
+    </p:bldLst>
+  </p:timing>
 </p:sld>
 </file>
 
@@ -15998,7 +16347,7 @@
           <p:cNvPr id="2" name="Title 1">
             <a:extLst>
               <a:ext uri="{FF2B5EF4-FFF2-40B4-BE49-F238E27FC236}">
-                <a16:creationId xmlns:a16="http://schemas.microsoft.com/office/drawing/2014/main" id="{FCB102D8-1D22-4940-AF19-07CF3A0DC5F4}"/>
+                <a16:creationId xmlns:a16="http://schemas.microsoft.com/office/drawing/2014/main" id="{8A08E34F-D767-EE9C-65E2-CEE5CF31D825}"/>
               </a:ext>
             </a:extLst>
           </p:cNvPr>
@@ -16011,47 +16360,28 @@
         </p:nvSpPr>
         <p:spPr>
           <a:xfrm>
-            <a:off x="338321" y="466725"/>
-            <a:ext cx="3565524" cy="4143375"/>
+            <a:off x="550863" y="244805"/>
+            <a:ext cx="11091600" cy="1332000"/>
           </a:xfrm>
         </p:spPr>
         <p:txBody>
-          <a:bodyPr vert="horz" wrap="square" lIns="0" tIns="0" rIns="0" bIns="0" rtlCol="0" anchor="b" anchorCtr="0">
-            <a:normAutofit fontScale="90000"/>
-          </a:bodyPr>
+          <a:bodyPr/>
           <a:lstStyle/>
           <a:p>
-            <a:pPr>
-              <a:lnSpc>
-                <a:spcPct val="100000"/>
-              </a:lnSpc>
-            </a:pPr>
-            <a:br>
-              <a:rPr lang="en-US" dirty="0"/>
-            </a:br>
             <a:r>
-              <a:rPr lang="en-US" sz="3200" dirty="0"/>
-              <a:t>Does Population affect the number of reviews?</a:t>
+              <a:rPr lang="en-US" sz="4800" dirty="0"/>
+              <a:t>Does pricing influence the number of ratings?</a:t>
             </a:r>
-            <a:br>
-              <a:rPr lang="en-US" dirty="0"/>
-            </a:br>
-            <a:br>
-              <a:rPr lang="en-US" dirty="0"/>
-            </a:br>
-            <a:br>
-              <a:rPr lang="en-US" dirty="0"/>
-            </a:br>
             <a:endParaRPr lang="en-US" dirty="0"/>
           </a:p>
         </p:txBody>
       </p:sp>
       <p:sp>
         <p:nvSpPr>
-          <p:cNvPr id="16" name="Slide Number Placeholder 15">
-            <a:extLst>
-              <a:ext uri="{FF2B5EF4-FFF2-40B4-BE49-F238E27FC236}">
-                <a16:creationId xmlns:a16="http://schemas.microsoft.com/office/drawing/2014/main" id="{3F8A62C8-5437-4C47-AC0F-0605F84CBA57}"/>
+          <p:cNvPr id="6" name="Slide Number Placeholder 5">
+            <a:extLst>
+              <a:ext uri="{FF2B5EF4-FFF2-40B4-BE49-F238E27FC236}">
+                <a16:creationId xmlns:a16="http://schemas.microsoft.com/office/drawing/2014/main" id="{CF47C235-64E1-99BC-50BE-35E53DE785C9}"/>
               </a:ext>
             </a:extLst>
           </p:cNvPr>
@@ -16062,84 +16392,25 @@
             <p:ph type="sldNum" sz="quarter" idx="12"/>
           </p:nvPr>
         </p:nvSpPr>
-        <p:spPr>
-          <a:xfrm>
-            <a:off x="9948863" y="6507212"/>
-            <a:ext cx="1692274" cy="153888"/>
-          </a:xfrm>
-        </p:spPr>
+        <p:spPr/>
         <p:txBody>
-          <a:bodyPr vert="horz" wrap="square" lIns="0" tIns="0" rIns="0" bIns="0" rtlCol="0" anchor="ctr">
-            <a:normAutofit/>
-          </a:bodyPr>
+          <a:bodyPr/>
           <a:lstStyle/>
           <a:p>
-            <a:pPr>
-              <a:spcAft>
-                <a:spcPts val="600"/>
-              </a:spcAft>
-            </a:pPr>
             <a:fld id="{DBA1B0FB-D917-4C8C-928F-313BD683BF39}" type="slidenum">
-              <a:rPr lang="en-US" smtClean="0">
-                <a:solidFill>
-                  <a:schemeClr val="tx1">
-                    <a:alpha val="80000"/>
-                  </a:schemeClr>
-                </a:solidFill>
-              </a:rPr>
-              <a:pPr>
-                <a:spcAft>
-                  <a:spcPts val="600"/>
-                </a:spcAft>
-              </a:pPr>
+              <a:rPr lang="en-US" smtClean="0"/>
               <a:t>11</a:t>
             </a:fld>
-            <a:endParaRPr lang="en-US">
-              <a:solidFill>
-                <a:schemeClr val="tx1">
-                  <a:alpha val="80000"/>
-                </a:schemeClr>
-              </a:solidFill>
-            </a:endParaRPr>
+            <a:endParaRPr lang="en-US"/>
           </a:p>
         </p:txBody>
       </p:sp>
-      <p:pic>
-        <p:nvPicPr>
-          <p:cNvPr id="5" name="Picture 4" descr="Chart, scatter chart&#10;&#10;Description automatically generated">
-            <a:extLst>
-              <a:ext uri="{FF2B5EF4-FFF2-40B4-BE49-F238E27FC236}">
-                <a16:creationId xmlns:a16="http://schemas.microsoft.com/office/drawing/2014/main" id="{A899C08C-26BF-D443-D826-9E6ADA80644A}"/>
-              </a:ext>
-            </a:extLst>
-          </p:cNvPr>
-          <p:cNvPicPr>
-            <a:picLocks noChangeAspect="1"/>
-          </p:cNvPicPr>
-          <p:nvPr/>
-        </p:nvPicPr>
-        <p:blipFill>
-          <a:blip r:embed="rId3"/>
-          <a:stretch>
-            <a:fillRect/>
-          </a:stretch>
-        </p:blipFill>
-        <p:spPr>
-          <a:xfrm>
-            <a:off x="4112575" y="965921"/>
-            <a:ext cx="7741104" cy="4926157"/>
-          </a:xfrm>
-          <a:prstGeom prst="rect">
-            <a:avLst/>
-          </a:prstGeom>
-        </p:spPr>
-      </p:pic>
       <p:sp>
         <p:nvSpPr>
-          <p:cNvPr id="7" name="TextBox 6">
-            <a:extLst>
-              <a:ext uri="{FF2B5EF4-FFF2-40B4-BE49-F238E27FC236}">
-                <a16:creationId xmlns:a16="http://schemas.microsoft.com/office/drawing/2014/main" id="{0929AE6B-7180-C8C3-0EC7-E3995C742082}"/>
+          <p:cNvPr id="8" name="TextBox 7">
+            <a:extLst>
+              <a:ext uri="{FF2B5EF4-FFF2-40B4-BE49-F238E27FC236}">
+                <a16:creationId xmlns:a16="http://schemas.microsoft.com/office/drawing/2014/main" id="{BE25D07D-78BD-B089-82BD-D64AF99B2F06}"/>
               </a:ext>
             </a:extLst>
           </p:cNvPr>
@@ -16148,7 +16419,7 @@
         </p:nvSpPr>
         <p:spPr>
           <a:xfrm>
-            <a:off x="338321" y="3198166"/>
+            <a:off x="8205116" y="3072426"/>
             <a:ext cx="3112035" cy="461665"/>
           </a:xfrm>
           <a:prstGeom prst="rect">
@@ -16164,7 +16435,72 @@
           <a:p>
             <a:r>
               <a:rPr lang="en-US" sz="2400" dirty="0"/>
-              <a:t>R-Square Value is: 0.11</a:t>
+              <a:t>R-Square Value is: -0.21</a:t>
+            </a:r>
+          </a:p>
+        </p:txBody>
+      </p:sp>
+      <p:pic>
+        <p:nvPicPr>
+          <p:cNvPr id="10" name="Picture 9" descr="Chart, scatter chart&#10;&#10;Description automatically generated">
+            <a:extLst>
+              <a:ext uri="{FF2B5EF4-FFF2-40B4-BE49-F238E27FC236}">
+                <a16:creationId xmlns:a16="http://schemas.microsoft.com/office/drawing/2014/main" id="{6D228F06-FBAB-8023-549A-007DCDE08A9F}"/>
+              </a:ext>
+            </a:extLst>
+          </p:cNvPr>
+          <p:cNvPicPr>
+            <a:picLocks noChangeAspect="1"/>
+          </p:cNvPicPr>
+          <p:nvPr/>
+        </p:nvPicPr>
+        <p:blipFill>
+          <a:blip r:embed="rId2"/>
+          <a:stretch>
+            <a:fillRect/>
+          </a:stretch>
+        </p:blipFill>
+        <p:spPr>
+          <a:xfrm>
+            <a:off x="580160" y="1605072"/>
+            <a:ext cx="7425457" cy="5056028"/>
+          </a:xfrm>
+          <a:prstGeom prst="rect">
+            <a:avLst/>
+          </a:prstGeom>
+        </p:spPr>
+      </p:pic>
+      <p:sp>
+        <p:nvSpPr>
+          <p:cNvPr id="11" name="TextBox 10">
+            <a:extLst>
+              <a:ext uri="{FF2B5EF4-FFF2-40B4-BE49-F238E27FC236}">
+                <a16:creationId xmlns:a16="http://schemas.microsoft.com/office/drawing/2014/main" id="{3C7B1667-3867-63D7-7E2A-A12F7334E6D0}"/>
+              </a:ext>
+            </a:extLst>
+          </p:cNvPr>
+          <p:cNvSpPr txBox="1"/>
+          <p:nvPr/>
+        </p:nvSpPr>
+        <p:spPr>
+          <a:xfrm>
+            <a:off x="8205116" y="4021032"/>
+            <a:ext cx="3633046" cy="461665"/>
+          </a:xfrm>
+          <a:prstGeom prst="rect">
+            <a:avLst/>
+          </a:prstGeom>
+          <a:noFill/>
+        </p:spPr>
+        <p:txBody>
+          <a:bodyPr wrap="none" rtlCol="0">
+            <a:spAutoFit/>
+          </a:bodyPr>
+          <a:lstStyle/>
+          <a:p>
+            <a:r>
+              <a:rPr lang="en-US" sz="2400" dirty="0"/>
+              <a:t>Weak Negative Correlation</a:t>
             </a:r>
           </a:p>
         </p:txBody>
@@ -16172,13 +16508,99 @@
     </p:spTree>
     <p:extLst>
       <p:ext uri="{BB962C8B-B14F-4D97-AF65-F5344CB8AC3E}">
-        <p14:creationId xmlns:p14="http://schemas.microsoft.com/office/powerpoint/2010/main" val="2048102170"/>
+        <p14:creationId xmlns:p14="http://schemas.microsoft.com/office/powerpoint/2010/main" val="1688671486"/>
       </p:ext>
     </p:extLst>
   </p:cSld>
   <p:clrMapOvr>
     <a:masterClrMapping/>
   </p:clrMapOvr>
+  <p:timing>
+    <p:tnLst>
+      <p:par>
+        <p:cTn id="1" dur="indefinite" restart="never" nodeType="tmRoot">
+          <p:childTnLst>
+            <p:seq concurrent="1" nextAc="seek">
+              <p:cTn id="2" dur="indefinite" nodeType="mainSeq">
+                <p:childTnLst>
+                  <p:par>
+                    <p:cTn id="3" fill="hold">
+                      <p:stCondLst>
+                        <p:cond delay="indefinite"/>
+                      </p:stCondLst>
+                      <p:childTnLst>
+                        <p:par>
+                          <p:cTn id="4" fill="hold">
+                            <p:stCondLst>
+                              <p:cond delay="0"/>
+                            </p:stCondLst>
+                            <p:childTnLst>
+                              <p:par>
+                                <p:cTn id="5" presetID="10" presetClass="entr" presetSubtype="0" fill="hold" grpId="0" nodeType="clickEffect">
+                                  <p:stCondLst>
+                                    <p:cond delay="0"/>
+                                  </p:stCondLst>
+                                  <p:childTnLst>
+                                    <p:set>
+                                      <p:cBhvr>
+                                        <p:cTn id="6" dur="1" fill="hold">
+                                          <p:stCondLst>
+                                            <p:cond delay="0"/>
+                                          </p:stCondLst>
+                                        </p:cTn>
+                                        <p:tgtEl>
+                                          <p:spTgt spid="11"/>
+                                        </p:tgtEl>
+                                        <p:attrNameLst>
+                                          <p:attrName>style.visibility</p:attrName>
+                                        </p:attrNameLst>
+                                      </p:cBhvr>
+                                      <p:to>
+                                        <p:strVal val="visible"/>
+                                      </p:to>
+                                    </p:set>
+                                    <p:animEffect transition="in" filter="fade">
+                                      <p:cBhvr>
+                                        <p:cTn id="7" dur="500"/>
+                                        <p:tgtEl>
+                                          <p:spTgt spid="11"/>
+                                        </p:tgtEl>
+                                      </p:cBhvr>
+                                    </p:animEffect>
+                                  </p:childTnLst>
+                                </p:cTn>
+                              </p:par>
+                            </p:childTnLst>
+                          </p:cTn>
+                        </p:par>
+                      </p:childTnLst>
+                    </p:cTn>
+                  </p:par>
+                </p:childTnLst>
+              </p:cTn>
+              <p:prevCondLst>
+                <p:cond evt="onPrev" delay="0">
+                  <p:tgtEl>
+                    <p:sldTgt/>
+                  </p:tgtEl>
+                </p:cond>
+              </p:prevCondLst>
+              <p:nextCondLst>
+                <p:cond evt="onNext" delay="0">
+                  <p:tgtEl>
+                    <p:sldTgt/>
+                  </p:tgtEl>
+                </p:cond>
+              </p:nextCondLst>
+            </p:seq>
+          </p:childTnLst>
+        </p:cTn>
+      </p:par>
+    </p:tnLst>
+    <p:bldLst>
+      <p:bldP spid="11" grpId="0"/>
+    </p:bldLst>
+  </p:timing>
 </p:sld>
 </file>
 
@@ -16204,7 +16626,7 @@
           <p:cNvPr id="2" name="Title 1">
             <a:extLst>
               <a:ext uri="{FF2B5EF4-FFF2-40B4-BE49-F238E27FC236}">
-                <a16:creationId xmlns:a16="http://schemas.microsoft.com/office/drawing/2014/main" id="{FCB102D8-1D22-4940-AF19-07CF3A0DC5F4}"/>
+                <a16:creationId xmlns:a16="http://schemas.microsoft.com/office/drawing/2014/main" id="{8A08E34F-D767-EE9C-65E2-CEE5CF31D825}"/>
               </a:ext>
             </a:extLst>
           </p:cNvPr>
@@ -16217,34 +16639,31 @@
         </p:nvSpPr>
         <p:spPr>
           <a:xfrm>
-            <a:off x="265114" y="733988"/>
-            <a:ext cx="3565524" cy="1418903"/>
+            <a:off x="550200" y="444500"/>
+            <a:ext cx="11091600" cy="1332000"/>
           </a:xfrm>
         </p:spPr>
         <p:txBody>
-          <a:bodyPr vert="horz" wrap="square" lIns="0" tIns="0" rIns="0" bIns="0" rtlCol="0" anchor="b" anchorCtr="0">
-            <a:normAutofit/>
-          </a:bodyPr>
+          <a:bodyPr/>
           <a:lstStyle/>
           <a:p>
-            <a:pPr>
-              <a:lnSpc>
-                <a:spcPct val="100000"/>
-              </a:lnSpc>
-            </a:pPr>
             <a:r>
-              <a:rPr lang="en-US" sz="3600" dirty="0"/>
+              <a:rPr lang="en-US" sz="4800" dirty="0"/>
               <a:t>Does Population affect the rating?</a:t>
             </a:r>
+            <a:br>
+              <a:rPr lang="en-US" sz="4800" dirty="0"/>
+            </a:br>
+            <a:endParaRPr lang="en-US" dirty="0"/>
           </a:p>
         </p:txBody>
       </p:sp>
       <p:sp>
         <p:nvSpPr>
-          <p:cNvPr id="16" name="Slide Number Placeholder 15">
-            <a:extLst>
-              <a:ext uri="{FF2B5EF4-FFF2-40B4-BE49-F238E27FC236}">
-                <a16:creationId xmlns:a16="http://schemas.microsoft.com/office/drawing/2014/main" id="{3F8A62C8-5437-4C47-AC0F-0605F84CBA57}"/>
+          <p:cNvPr id="6" name="Slide Number Placeholder 5">
+            <a:extLst>
+              <a:ext uri="{FF2B5EF4-FFF2-40B4-BE49-F238E27FC236}">
+                <a16:creationId xmlns:a16="http://schemas.microsoft.com/office/drawing/2014/main" id="{CF47C235-64E1-99BC-50BE-35E53DE785C9}"/>
               </a:ext>
             </a:extLst>
           </p:cNvPr>
@@ -16255,84 +16674,25 @@
             <p:ph type="sldNum" sz="quarter" idx="12"/>
           </p:nvPr>
         </p:nvSpPr>
-        <p:spPr>
-          <a:xfrm>
-            <a:off x="9948863" y="6507212"/>
-            <a:ext cx="1692274" cy="153888"/>
-          </a:xfrm>
-        </p:spPr>
+        <p:spPr/>
         <p:txBody>
-          <a:bodyPr vert="horz" wrap="square" lIns="0" tIns="0" rIns="0" bIns="0" rtlCol="0" anchor="ctr">
-            <a:normAutofit/>
-          </a:bodyPr>
+          <a:bodyPr/>
           <a:lstStyle/>
           <a:p>
-            <a:pPr>
-              <a:spcAft>
-                <a:spcPts val="600"/>
-              </a:spcAft>
-            </a:pPr>
             <a:fld id="{DBA1B0FB-D917-4C8C-928F-313BD683BF39}" type="slidenum">
-              <a:rPr lang="en-US" smtClean="0">
-                <a:solidFill>
-                  <a:schemeClr val="tx1">
-                    <a:alpha val="80000"/>
-                  </a:schemeClr>
-                </a:solidFill>
-              </a:rPr>
-              <a:pPr>
-                <a:spcAft>
-                  <a:spcPts val="600"/>
-                </a:spcAft>
-              </a:pPr>
+              <a:rPr lang="en-US" smtClean="0"/>
               <a:t>12</a:t>
             </a:fld>
-            <a:endParaRPr lang="en-US">
-              <a:solidFill>
-                <a:schemeClr val="tx1">
-                  <a:alpha val="80000"/>
-                </a:schemeClr>
-              </a:solidFill>
-            </a:endParaRPr>
+            <a:endParaRPr lang="en-US"/>
           </a:p>
         </p:txBody>
       </p:sp>
-      <p:pic>
-        <p:nvPicPr>
-          <p:cNvPr id="4" name="Picture 3" descr="Chart, scatter chart&#10;&#10;Description automatically generated">
-            <a:extLst>
-              <a:ext uri="{FF2B5EF4-FFF2-40B4-BE49-F238E27FC236}">
-                <a16:creationId xmlns:a16="http://schemas.microsoft.com/office/drawing/2014/main" id="{536C8034-777C-2051-6393-D1E24471C7C2}"/>
-              </a:ext>
-            </a:extLst>
-          </p:cNvPr>
-          <p:cNvPicPr>
-            <a:picLocks noChangeAspect="1"/>
-          </p:cNvPicPr>
-          <p:nvPr/>
-        </p:nvPicPr>
-        <p:blipFill>
-          <a:blip r:embed="rId3"/>
-          <a:stretch>
-            <a:fillRect/>
-          </a:stretch>
-        </p:blipFill>
-        <p:spPr>
-          <a:xfrm>
-            <a:off x="4139022" y="651782"/>
-            <a:ext cx="7787864" cy="5554436"/>
-          </a:xfrm>
-          <a:prstGeom prst="rect">
-            <a:avLst/>
-          </a:prstGeom>
-        </p:spPr>
-      </p:pic>
       <p:sp>
         <p:nvSpPr>
-          <p:cNvPr id="7" name="TextBox 6">
-            <a:extLst>
-              <a:ext uri="{FF2B5EF4-FFF2-40B4-BE49-F238E27FC236}">
-                <a16:creationId xmlns:a16="http://schemas.microsoft.com/office/drawing/2014/main" id="{EF77DFF3-07DD-E607-65D3-73E1CCF2483E}"/>
+          <p:cNvPr id="8" name="TextBox 7">
+            <a:extLst>
+              <a:ext uri="{FF2B5EF4-FFF2-40B4-BE49-F238E27FC236}">
+                <a16:creationId xmlns:a16="http://schemas.microsoft.com/office/drawing/2014/main" id="{BE25D07D-78BD-B089-82BD-D64AF99B2F06}"/>
               </a:ext>
             </a:extLst>
           </p:cNvPr>
@@ -16341,7 +16701,7 @@
         </p:nvSpPr>
         <p:spPr>
           <a:xfrm>
-            <a:off x="338321" y="3198166"/>
+            <a:off x="8205116" y="3072426"/>
             <a:ext cx="3112035" cy="461665"/>
           </a:xfrm>
           <a:prstGeom prst="rect">
@@ -16357,21 +16717,178 @@
           <a:p>
             <a:r>
               <a:rPr lang="en-US" sz="2400" dirty="0"/>
-              <a:t>R-Square Value is: -0.21</a:t>
+              <a:t>R-Square Value is: -0.20</a:t>
             </a:r>
           </a:p>
         </p:txBody>
       </p:sp>
+      <p:sp>
+        <p:nvSpPr>
+          <p:cNvPr id="9" name="TextBox 8">
+            <a:extLst>
+              <a:ext uri="{FF2B5EF4-FFF2-40B4-BE49-F238E27FC236}">
+                <a16:creationId xmlns:a16="http://schemas.microsoft.com/office/drawing/2014/main" id="{DE057436-F239-5F50-9F68-DBB5763EB55F}"/>
+              </a:ext>
+            </a:extLst>
+          </p:cNvPr>
+          <p:cNvSpPr txBox="1"/>
+          <p:nvPr/>
+        </p:nvSpPr>
+        <p:spPr>
+          <a:xfrm>
+            <a:off x="8205116" y="3864167"/>
+            <a:ext cx="2700483" cy="830997"/>
+          </a:xfrm>
+          <a:prstGeom prst="rect">
+            <a:avLst/>
+          </a:prstGeom>
+          <a:noFill/>
+        </p:spPr>
+        <p:txBody>
+          <a:bodyPr wrap="none" rtlCol="0">
+            <a:spAutoFit/>
+          </a:bodyPr>
+          <a:lstStyle/>
+          <a:p>
+            <a:r>
+              <a:rPr lang="en-US" sz="2400" dirty="0"/>
+              <a:t>Very Weak Negative</a:t>
+            </a:r>
+          </a:p>
+          <a:p>
+            <a:r>
+              <a:rPr lang="en-US" sz="2400" dirty="0"/>
+              <a:t>Correlation</a:t>
+            </a:r>
+          </a:p>
+        </p:txBody>
+      </p:sp>
+      <p:pic>
+        <p:nvPicPr>
+          <p:cNvPr id="10" name="Picture 9" descr="Chart, scatter chart&#10;&#10;Description automatically generated">
+            <a:extLst>
+              <a:ext uri="{FF2B5EF4-FFF2-40B4-BE49-F238E27FC236}">
+                <a16:creationId xmlns:a16="http://schemas.microsoft.com/office/drawing/2014/main" id="{922CE536-D655-A080-DF21-7AC27F358BE4}"/>
+              </a:ext>
+            </a:extLst>
+          </p:cNvPr>
+          <p:cNvPicPr>
+            <a:picLocks noChangeAspect="1"/>
+          </p:cNvPicPr>
+          <p:nvPr/>
+        </p:nvPicPr>
+        <p:blipFill>
+          <a:blip r:embed="rId2"/>
+          <a:stretch>
+            <a:fillRect/>
+          </a:stretch>
+        </p:blipFill>
+        <p:spPr>
+          <a:xfrm>
+            <a:off x="549538" y="1326914"/>
+            <a:ext cx="7479052" cy="5334186"/>
+          </a:xfrm>
+          <a:prstGeom prst="rect">
+            <a:avLst/>
+          </a:prstGeom>
+        </p:spPr>
+      </p:pic>
     </p:spTree>
     <p:extLst>
       <p:ext uri="{BB962C8B-B14F-4D97-AF65-F5344CB8AC3E}">
-        <p14:creationId xmlns:p14="http://schemas.microsoft.com/office/powerpoint/2010/main" val="4214054637"/>
+        <p14:creationId xmlns:p14="http://schemas.microsoft.com/office/powerpoint/2010/main" val="906962926"/>
       </p:ext>
     </p:extLst>
   </p:cSld>
   <p:clrMapOvr>
     <a:masterClrMapping/>
   </p:clrMapOvr>
+  <p:timing>
+    <p:tnLst>
+      <p:par>
+        <p:cTn id="1" dur="indefinite" restart="never" nodeType="tmRoot">
+          <p:childTnLst>
+            <p:seq concurrent="1" nextAc="seek">
+              <p:cTn id="2" dur="indefinite" nodeType="mainSeq">
+                <p:childTnLst>
+                  <p:par>
+                    <p:cTn id="3" fill="hold">
+                      <p:stCondLst>
+                        <p:cond delay="indefinite"/>
+                      </p:stCondLst>
+                      <p:childTnLst>
+                        <p:par>
+                          <p:cTn id="4" fill="hold">
+                            <p:stCondLst>
+                              <p:cond delay="0"/>
+                            </p:stCondLst>
+                            <p:childTnLst>
+                              <p:par>
+                                <p:cTn id="5" presetID="10" presetClass="entr" presetSubtype="0" fill="hold" grpId="0" nodeType="clickEffect">
+                                  <p:stCondLst>
+                                    <p:cond delay="0"/>
+                                  </p:stCondLst>
+                                  <p:childTnLst>
+                                    <p:set>
+                                      <p:cBhvr>
+                                        <p:cTn id="6" dur="1" fill="hold">
+                                          <p:stCondLst>
+                                            <p:cond delay="0"/>
+                                          </p:stCondLst>
+                                        </p:cTn>
+                                        <p:tgtEl>
+                                          <p:spTgt spid="9"/>
+                                        </p:tgtEl>
+                                        <p:attrNameLst>
+                                          <p:attrName>style.visibility</p:attrName>
+                                        </p:attrNameLst>
+                                      </p:cBhvr>
+                                      <p:to>
+                                        <p:strVal val="visible"/>
+                                      </p:to>
+                                    </p:set>
+                                    <p:animEffect transition="in" filter="fade">
+                                      <p:cBhvr>
+                                        <p:cTn id="7" dur="500"/>
+                                        <p:tgtEl>
+                                          <p:spTgt spid="9"/>
+                                        </p:tgtEl>
+                                      </p:cBhvr>
+                                    </p:animEffect>
+                                  </p:childTnLst>
+                                </p:cTn>
+                              </p:par>
+                            </p:childTnLst>
+                          </p:cTn>
+                        </p:par>
+                      </p:childTnLst>
+                    </p:cTn>
+                  </p:par>
+                </p:childTnLst>
+              </p:cTn>
+              <p:prevCondLst>
+                <p:cond evt="onPrev" delay="0">
+                  <p:tgtEl>
+                    <p:sldTgt/>
+                  </p:tgtEl>
+                </p:cond>
+              </p:prevCondLst>
+              <p:nextCondLst>
+                <p:cond evt="onNext" delay="0">
+                  <p:tgtEl>
+                    <p:sldTgt/>
+                  </p:tgtEl>
+                </p:cond>
+              </p:nextCondLst>
+            </p:seq>
+          </p:childTnLst>
+        </p:cTn>
+      </p:par>
+    </p:tnLst>
+    <p:bldLst>
+      <p:bldP spid="9" grpId="0"/>
+    </p:bldLst>
+  </p:timing>
 </p:sld>
 </file>
 
@@ -16397,7 +16914,7 @@
           <p:cNvPr id="2" name="Title 1">
             <a:extLst>
               <a:ext uri="{FF2B5EF4-FFF2-40B4-BE49-F238E27FC236}">
-                <a16:creationId xmlns:a16="http://schemas.microsoft.com/office/drawing/2014/main" id="{FCB102D8-1D22-4940-AF19-07CF3A0DC5F4}"/>
+                <a16:creationId xmlns:a16="http://schemas.microsoft.com/office/drawing/2014/main" id="{8A08E34F-D767-EE9C-65E2-CEE5CF31D825}"/>
               </a:ext>
             </a:extLst>
           </p:cNvPr>
@@ -16410,34 +16927,28 @@
         </p:nvSpPr>
         <p:spPr>
           <a:xfrm>
-            <a:off x="281171" y="1473200"/>
-            <a:ext cx="3565524" cy="3034657"/>
+            <a:off x="549537" y="241515"/>
+            <a:ext cx="11091600" cy="1332000"/>
           </a:xfrm>
         </p:spPr>
         <p:txBody>
-          <a:bodyPr vert="horz" wrap="square" lIns="0" tIns="0" rIns="0" bIns="0" rtlCol="0" anchor="b" anchorCtr="0">
-            <a:normAutofit fontScale="90000"/>
-          </a:bodyPr>
+          <a:bodyPr/>
           <a:lstStyle/>
           <a:p>
-            <a:pPr>
-              <a:lnSpc>
-                <a:spcPct val="100000"/>
-              </a:lnSpc>
-            </a:pPr>
             <a:r>
-              <a:rPr lang="en-US" dirty="0"/>
+              <a:rPr lang="en-US" sz="4800"/>
               <a:t>Does Population affect the number of reviews?</a:t>
             </a:r>
+            <a:endParaRPr lang="en-US" dirty="0"/>
           </a:p>
         </p:txBody>
       </p:sp>
       <p:sp>
         <p:nvSpPr>
-          <p:cNvPr id="16" name="Slide Number Placeholder 15">
-            <a:extLst>
-              <a:ext uri="{FF2B5EF4-FFF2-40B4-BE49-F238E27FC236}">
-                <a16:creationId xmlns:a16="http://schemas.microsoft.com/office/drawing/2014/main" id="{3F8A62C8-5437-4C47-AC0F-0605F84CBA57}"/>
+          <p:cNvPr id="6" name="Slide Number Placeholder 5">
+            <a:extLst>
+              <a:ext uri="{FF2B5EF4-FFF2-40B4-BE49-F238E27FC236}">
+                <a16:creationId xmlns:a16="http://schemas.microsoft.com/office/drawing/2014/main" id="{CF47C235-64E1-99BC-50BE-35E53DE785C9}"/>
               </a:ext>
             </a:extLst>
           </p:cNvPr>
@@ -16448,54 +16959,95 @@
             <p:ph type="sldNum" sz="quarter" idx="12"/>
           </p:nvPr>
         </p:nvSpPr>
+        <p:spPr/>
+        <p:txBody>
+          <a:bodyPr/>
+          <a:lstStyle/>
+          <a:p>
+            <a:fld id="{DBA1B0FB-D917-4C8C-928F-313BD683BF39}" type="slidenum">
+              <a:rPr lang="en-US" smtClean="0"/>
+              <a:t>13</a:t>
+            </a:fld>
+            <a:endParaRPr lang="en-US"/>
+          </a:p>
+        </p:txBody>
+      </p:sp>
+      <p:sp>
+        <p:nvSpPr>
+          <p:cNvPr id="8" name="TextBox 7">
+            <a:extLst>
+              <a:ext uri="{FF2B5EF4-FFF2-40B4-BE49-F238E27FC236}">
+                <a16:creationId xmlns:a16="http://schemas.microsoft.com/office/drawing/2014/main" id="{BE25D07D-78BD-B089-82BD-D64AF99B2F06}"/>
+              </a:ext>
+            </a:extLst>
+          </p:cNvPr>
+          <p:cNvSpPr txBox="1"/>
+          <p:nvPr/>
+        </p:nvSpPr>
         <p:spPr>
           <a:xfrm>
-            <a:off x="9948863" y="6507212"/>
-            <a:ext cx="1692274" cy="153888"/>
+            <a:off x="8435607" y="3081951"/>
+            <a:ext cx="3112035" cy="461665"/>
           </a:xfrm>
+          <a:prstGeom prst="rect">
+            <a:avLst/>
+          </a:prstGeom>
+          <a:noFill/>
         </p:spPr>
         <p:txBody>
-          <a:bodyPr vert="horz" wrap="square" lIns="0" tIns="0" rIns="0" bIns="0" rtlCol="0" anchor="ctr">
-            <a:normAutofit/>
+          <a:bodyPr wrap="square" rtlCol="0">
+            <a:spAutoFit/>
           </a:bodyPr>
           <a:lstStyle/>
           <a:p>
-            <a:pPr>
-              <a:spcAft>
-                <a:spcPts val="600"/>
-              </a:spcAft>
-            </a:pPr>
-            <a:fld id="{DBA1B0FB-D917-4C8C-928F-313BD683BF39}" type="slidenum">
-              <a:rPr lang="en-US" smtClean="0">
-                <a:solidFill>
-                  <a:schemeClr val="tx1">
-                    <a:alpha val="80000"/>
-                  </a:schemeClr>
-                </a:solidFill>
-              </a:rPr>
-              <a:pPr>
-                <a:spcAft>
-                  <a:spcPts val="600"/>
-                </a:spcAft>
-              </a:pPr>
-              <a:t>13</a:t>
-            </a:fld>
-            <a:endParaRPr lang="en-US">
-              <a:solidFill>
-                <a:schemeClr val="tx1">
-                  <a:alpha val="80000"/>
-                </a:schemeClr>
-              </a:solidFill>
-            </a:endParaRPr>
+            <a:r>
+              <a:rPr lang="en-US" sz="2400" dirty="0"/>
+              <a:t>R-Square Value is: 0.28</a:t>
+            </a:r>
+          </a:p>
+        </p:txBody>
+      </p:sp>
+      <p:sp>
+        <p:nvSpPr>
+          <p:cNvPr id="9" name="TextBox 8">
+            <a:extLst>
+              <a:ext uri="{FF2B5EF4-FFF2-40B4-BE49-F238E27FC236}">
+                <a16:creationId xmlns:a16="http://schemas.microsoft.com/office/drawing/2014/main" id="{DE057436-F239-5F50-9F68-DBB5763EB55F}"/>
+              </a:ext>
+            </a:extLst>
+          </p:cNvPr>
+          <p:cNvSpPr txBox="1"/>
+          <p:nvPr/>
+        </p:nvSpPr>
+        <p:spPr>
+          <a:xfrm>
+            <a:off x="8435607" y="3902267"/>
+            <a:ext cx="2142381" cy="461665"/>
+          </a:xfrm>
+          <a:prstGeom prst="rect">
+            <a:avLst/>
+          </a:prstGeom>
+          <a:noFill/>
+        </p:spPr>
+        <p:txBody>
+          <a:bodyPr wrap="none" rtlCol="0">
+            <a:spAutoFit/>
+          </a:bodyPr>
+          <a:lstStyle/>
+          <a:p>
+            <a:r>
+              <a:rPr lang="en-US" sz="2400" dirty="0"/>
+              <a:t>No Correlation</a:t>
+            </a:r>
           </a:p>
         </p:txBody>
       </p:sp>
       <p:pic>
         <p:nvPicPr>
-          <p:cNvPr id="5" name="Picture 4" descr="Chart, histogram&#10;&#10;Description automatically generated">
-            <a:extLst>
-              <a:ext uri="{FF2B5EF4-FFF2-40B4-BE49-F238E27FC236}">
-                <a16:creationId xmlns:a16="http://schemas.microsoft.com/office/drawing/2014/main" id="{97527012-66B0-714E-1840-C105214068EB}"/>
+          <p:cNvPr id="10" name="Picture 9" descr="Chart, scatter chart&#10;&#10;Description automatically generated">
+            <a:extLst>
+              <a:ext uri="{FF2B5EF4-FFF2-40B4-BE49-F238E27FC236}">
+                <a16:creationId xmlns:a16="http://schemas.microsoft.com/office/drawing/2014/main" id="{46E90BDD-3474-8CA2-7E07-38E880DF67DB}"/>
               </a:ext>
             </a:extLst>
           </p:cNvPr>
@@ -16505,15 +17057,15 @@
           <p:nvPr/>
         </p:nvPicPr>
         <p:blipFill>
-          <a:blip r:embed="rId3"/>
+          <a:blip r:embed="rId2"/>
           <a:stretch>
             <a:fillRect/>
           </a:stretch>
         </p:blipFill>
         <p:spPr>
           <a:xfrm>
-            <a:off x="3202886" y="778905"/>
-            <a:ext cx="8520101" cy="5300190"/>
+            <a:off x="549537" y="1573515"/>
+            <a:ext cx="7741104" cy="4926157"/>
           </a:xfrm>
           <a:prstGeom prst="rect">
             <a:avLst/>
@@ -16523,13 +17075,99 @@
     </p:spTree>
     <p:extLst>
       <p:ext uri="{BB962C8B-B14F-4D97-AF65-F5344CB8AC3E}">
-        <p14:creationId xmlns:p14="http://schemas.microsoft.com/office/powerpoint/2010/main" val="3059549935"/>
+        <p14:creationId xmlns:p14="http://schemas.microsoft.com/office/powerpoint/2010/main" val="409268385"/>
       </p:ext>
     </p:extLst>
   </p:cSld>
   <p:clrMapOvr>
     <a:masterClrMapping/>
   </p:clrMapOvr>
+  <p:timing>
+    <p:tnLst>
+      <p:par>
+        <p:cTn id="1" dur="indefinite" restart="never" nodeType="tmRoot">
+          <p:childTnLst>
+            <p:seq concurrent="1" nextAc="seek">
+              <p:cTn id="2" dur="indefinite" nodeType="mainSeq">
+                <p:childTnLst>
+                  <p:par>
+                    <p:cTn id="3" fill="hold">
+                      <p:stCondLst>
+                        <p:cond delay="indefinite"/>
+                      </p:stCondLst>
+                      <p:childTnLst>
+                        <p:par>
+                          <p:cTn id="4" fill="hold">
+                            <p:stCondLst>
+                              <p:cond delay="0"/>
+                            </p:stCondLst>
+                            <p:childTnLst>
+                              <p:par>
+                                <p:cTn id="5" presetID="10" presetClass="entr" presetSubtype="0" fill="hold" grpId="0" nodeType="clickEffect">
+                                  <p:stCondLst>
+                                    <p:cond delay="0"/>
+                                  </p:stCondLst>
+                                  <p:childTnLst>
+                                    <p:set>
+                                      <p:cBhvr>
+                                        <p:cTn id="6" dur="1" fill="hold">
+                                          <p:stCondLst>
+                                            <p:cond delay="0"/>
+                                          </p:stCondLst>
+                                        </p:cTn>
+                                        <p:tgtEl>
+                                          <p:spTgt spid="9"/>
+                                        </p:tgtEl>
+                                        <p:attrNameLst>
+                                          <p:attrName>style.visibility</p:attrName>
+                                        </p:attrNameLst>
+                                      </p:cBhvr>
+                                      <p:to>
+                                        <p:strVal val="visible"/>
+                                      </p:to>
+                                    </p:set>
+                                    <p:animEffect transition="in" filter="fade">
+                                      <p:cBhvr>
+                                        <p:cTn id="7" dur="500"/>
+                                        <p:tgtEl>
+                                          <p:spTgt spid="9"/>
+                                        </p:tgtEl>
+                                      </p:cBhvr>
+                                    </p:animEffect>
+                                  </p:childTnLst>
+                                </p:cTn>
+                              </p:par>
+                            </p:childTnLst>
+                          </p:cTn>
+                        </p:par>
+                      </p:childTnLst>
+                    </p:cTn>
+                  </p:par>
+                </p:childTnLst>
+              </p:cTn>
+              <p:prevCondLst>
+                <p:cond evt="onPrev" delay="0">
+                  <p:tgtEl>
+                    <p:sldTgt/>
+                  </p:tgtEl>
+                </p:cond>
+              </p:prevCondLst>
+              <p:nextCondLst>
+                <p:cond evt="onNext" delay="0">
+                  <p:tgtEl>
+                    <p:sldTgt/>
+                  </p:tgtEl>
+                </p:cond>
+              </p:nextCondLst>
+            </p:seq>
+          </p:childTnLst>
+        </p:cTn>
+      </p:par>
+    </p:tnLst>
+    <p:bldLst>
+      <p:bldP spid="9" grpId="0"/>
+    </p:bldLst>
+  </p:timing>
 </p:sld>
 </file>
 
@@ -16550,47 +17188,6 @@
           <a:chExt cx="0" cy="0"/>
         </a:xfrm>
       </p:grpSpPr>
-      <p:sp>
-        <p:nvSpPr>
-          <p:cNvPr id="2" name="Title 1">
-            <a:extLst>
-              <a:ext uri="{FF2B5EF4-FFF2-40B4-BE49-F238E27FC236}">
-                <a16:creationId xmlns:a16="http://schemas.microsoft.com/office/drawing/2014/main" id="{FCB102D8-1D22-4940-AF19-07CF3A0DC5F4}"/>
-              </a:ext>
-            </a:extLst>
-          </p:cNvPr>
-          <p:cNvSpPr>
-            <a:spLocks noGrp="1"/>
-          </p:cNvSpPr>
-          <p:nvPr>
-            <p:ph type="title"/>
-          </p:nvPr>
-        </p:nvSpPr>
-        <p:spPr>
-          <a:xfrm>
-            <a:off x="265114" y="1196975"/>
-            <a:ext cx="3565524" cy="3034657"/>
-          </a:xfrm>
-        </p:spPr>
-        <p:txBody>
-          <a:bodyPr vert="horz" wrap="square" lIns="0" tIns="0" rIns="0" bIns="0" rtlCol="0" anchor="b" anchorCtr="0">
-            <a:normAutofit/>
-          </a:bodyPr>
-          <a:lstStyle/>
-          <a:p>
-            <a:pPr>
-              <a:lnSpc>
-                <a:spcPct val="100000"/>
-              </a:lnSpc>
-            </a:pPr>
-            <a:r>
-              <a:rPr lang="en-US"/>
-              <a:t>Does Population affect the rating?</a:t>
-            </a:r>
-            <a:endParaRPr lang="en-US" dirty="0"/>
-          </a:p>
-        </p:txBody>
-      </p:sp>
       <p:sp>
         <p:nvSpPr>
           <p:cNvPr id="16" name="Slide Number Placeholder 15">
@@ -16651,10 +17248,10 @@
       </p:sp>
       <p:pic>
         <p:nvPicPr>
-          <p:cNvPr id="4" name="Picture 3" descr="Chart, bar chart, histogram&#10;&#10;Description automatically generated">
-            <a:extLst>
-              <a:ext uri="{FF2B5EF4-FFF2-40B4-BE49-F238E27FC236}">
-                <a16:creationId xmlns:a16="http://schemas.microsoft.com/office/drawing/2014/main" id="{BE66E231-364B-174B-A3D9-FFE55F5189FB}"/>
+          <p:cNvPr id="5" name="Picture 4" descr="Chart, histogram&#10;&#10;Description automatically generated">
+            <a:extLst>
+              <a:ext uri="{FF2B5EF4-FFF2-40B4-BE49-F238E27FC236}">
+                <a16:creationId xmlns:a16="http://schemas.microsoft.com/office/drawing/2014/main" id="{97527012-66B0-714E-1840-C105214068EB}"/>
               </a:ext>
             </a:extLst>
           </p:cNvPr>
@@ -16671,18 +17268,47 @@
         </p:blipFill>
         <p:spPr>
           <a:xfrm>
-            <a:off x="3829049" y="809626"/>
-            <a:ext cx="7727857" cy="5617308"/>
+            <a:off x="2006864" y="1311688"/>
+            <a:ext cx="8242036" cy="5127211"/>
           </a:xfrm>
           <a:prstGeom prst="rect">
             <a:avLst/>
           </a:prstGeom>
         </p:spPr>
       </p:pic>
+      <p:sp>
+        <p:nvSpPr>
+          <p:cNvPr id="4" name="Title 3">
+            <a:extLst>
+              <a:ext uri="{FF2B5EF4-FFF2-40B4-BE49-F238E27FC236}">
+                <a16:creationId xmlns:a16="http://schemas.microsoft.com/office/drawing/2014/main" id="{141A5698-7010-9E4E-0CC3-4942CDBC15B3}"/>
+              </a:ext>
+            </a:extLst>
+          </p:cNvPr>
+          <p:cNvSpPr>
+            <a:spLocks noGrp="1"/>
+          </p:cNvSpPr>
+          <p:nvPr>
+            <p:ph type="title"/>
+          </p:nvPr>
+        </p:nvSpPr>
+        <p:spPr/>
+        <p:txBody>
+          <a:bodyPr/>
+          <a:lstStyle/>
+          <a:p>
+            <a:pPr algn="ctr"/>
+            <a:r>
+              <a:rPr lang="en-US" dirty="0"/>
+              <a:t>Rating Distribution</a:t>
+            </a:r>
+          </a:p>
+        </p:txBody>
+      </p:sp>
     </p:spTree>
     <p:extLst>
       <p:ext uri="{BB962C8B-B14F-4D97-AF65-F5344CB8AC3E}">
-        <p14:creationId xmlns:p14="http://schemas.microsoft.com/office/powerpoint/2010/main" val="32683463"/>
+        <p14:creationId xmlns:p14="http://schemas.microsoft.com/office/powerpoint/2010/main" val="3059549935"/>
       </p:ext>
     </p:extLst>
   </p:cSld>
@@ -16711,43 +17337,10 @@
       </p:grpSpPr>
       <p:sp>
         <p:nvSpPr>
-          <p:cNvPr id="7" name="Title 6">
-            <a:extLst>
-              <a:ext uri="{FF2B5EF4-FFF2-40B4-BE49-F238E27FC236}">
-                <a16:creationId xmlns:a16="http://schemas.microsoft.com/office/drawing/2014/main" id="{3E174092-82D3-44E0-8948-4096232ED0A7}"/>
-              </a:ext>
-            </a:extLst>
-          </p:cNvPr>
-          <p:cNvSpPr>
-            <a:spLocks noGrp="1"/>
-          </p:cNvSpPr>
-          <p:nvPr>
-            <p:ph type="title"/>
-          </p:nvPr>
-        </p:nvSpPr>
-        <p:spPr>
-          <a:xfrm>
-            <a:off x="550862" y="549275"/>
-            <a:ext cx="11091600" cy="1332000"/>
-          </a:xfrm>
-        </p:spPr>
-        <p:txBody>
-          <a:bodyPr/>
-          <a:lstStyle/>
-          <a:p>
-            <a:r>
-              <a:rPr lang="en-US" dirty="0"/>
-              <a:t>Conclusion</a:t>
-            </a:r>
-          </a:p>
-        </p:txBody>
-      </p:sp>
-      <p:sp>
-        <p:nvSpPr>
-          <p:cNvPr id="6" name="Slide Number Placeholder 5">
-            <a:extLst>
-              <a:ext uri="{FF2B5EF4-FFF2-40B4-BE49-F238E27FC236}">
-                <a16:creationId xmlns:a16="http://schemas.microsoft.com/office/drawing/2014/main" id="{705C33DF-36C9-49E9-B48D-A320B179C4D4}"/>
+          <p:cNvPr id="16" name="Slide Number Placeholder 15">
+            <a:extLst>
+              <a:ext uri="{FF2B5EF4-FFF2-40B4-BE49-F238E27FC236}">
+                <a16:creationId xmlns:a16="http://schemas.microsoft.com/office/drawing/2014/main" id="{3F8A62C8-5437-4C47-AC0F-0605F84CBA57}"/>
               </a:ext>
             </a:extLst>
           </p:cNvPr>
@@ -16765,55 +17358,47 @@
           </a:xfrm>
         </p:spPr>
         <p:txBody>
-          <a:bodyPr/>
+          <a:bodyPr vert="horz" wrap="square" lIns="0" tIns="0" rIns="0" bIns="0" rtlCol="0" anchor="ctr">
+            <a:normAutofit/>
+          </a:bodyPr>
           <a:lstStyle/>
           <a:p>
+            <a:pPr>
+              <a:spcAft>
+                <a:spcPts val="600"/>
+              </a:spcAft>
+            </a:pPr>
             <a:fld id="{DBA1B0FB-D917-4C8C-928F-313BD683BF39}" type="slidenum">
-              <a:rPr lang="en-US" smtClean="0"/>
-              <a:pPr/>
+              <a:rPr lang="en-US" smtClean="0">
+                <a:solidFill>
+                  <a:schemeClr val="tx1">
+                    <a:alpha val="80000"/>
+                  </a:schemeClr>
+                </a:solidFill>
+              </a:rPr>
+              <a:pPr>
+                <a:spcAft>
+                  <a:spcPts val="600"/>
+                </a:spcAft>
+              </a:pPr>
               <a:t>15</a:t>
             </a:fld>
-            <a:endParaRPr lang="en-US"/>
-          </a:p>
-        </p:txBody>
-      </p:sp>
-      <p:sp>
-        <p:nvSpPr>
-          <p:cNvPr id="3" name="Content Placeholder 2">
-            <a:extLst>
-              <a:ext uri="{FF2B5EF4-FFF2-40B4-BE49-F238E27FC236}">
-                <a16:creationId xmlns:a16="http://schemas.microsoft.com/office/drawing/2014/main" id="{001F032B-0F96-F84A-93E7-B77E5A8D8A46}"/>
-              </a:ext>
-            </a:extLst>
-          </p:cNvPr>
-          <p:cNvSpPr>
-            <a:spLocks noGrp="1"/>
-          </p:cNvSpPr>
-          <p:nvPr>
-            <p:ph idx="1"/>
-          </p:nvPr>
-        </p:nvSpPr>
-        <p:spPr/>
-        <p:txBody>
-          <a:bodyPr/>
-          <a:lstStyle/>
-          <a:p>
-            <a:pPr marL="0" indent="0">
-              <a:buNone/>
-            </a:pPr>
-            <a:r>
-              <a:rPr lang="en-US" dirty="0"/>
-              <a:t>Brief summary </a:t>
-            </a:r>
+            <a:endParaRPr lang="en-US">
+              <a:solidFill>
+                <a:schemeClr val="tx1">
+                  <a:alpha val="80000"/>
+                </a:schemeClr>
+              </a:solidFill>
+            </a:endParaRPr>
           </a:p>
         </p:txBody>
       </p:sp>
       <p:pic>
         <p:nvPicPr>
-          <p:cNvPr id="8" name="Picture 7" descr="Chart, bar chart, histogram&#10;&#10;Description automatically generated">
-            <a:extLst>
-              <a:ext uri="{FF2B5EF4-FFF2-40B4-BE49-F238E27FC236}">
-                <a16:creationId xmlns:a16="http://schemas.microsoft.com/office/drawing/2014/main" id="{6A1DE3C5-ECCD-8EA5-211A-FED6EDE28D0C}"/>
+          <p:cNvPr id="4" name="Picture 3" descr="Chart, bar chart, histogram&#10;&#10;Description automatically generated">
+            <a:extLst>
+              <a:ext uri="{FF2B5EF4-FFF2-40B4-BE49-F238E27FC236}">
+                <a16:creationId xmlns:a16="http://schemas.microsoft.com/office/drawing/2014/main" id="{BE66E231-364B-174B-A3D9-FFE55F5189FB}"/>
               </a:ext>
             </a:extLst>
           </p:cNvPr>
@@ -16823,15 +17408,15 @@
           <p:nvPr/>
         </p:nvPicPr>
         <p:blipFill>
-          <a:blip r:embed="rId2"/>
+          <a:blip r:embed="rId3"/>
           <a:stretch>
             <a:fillRect/>
           </a:stretch>
         </p:blipFill>
         <p:spPr>
           <a:xfrm>
-            <a:off x="3843337" y="549276"/>
-            <a:ext cx="8147855" cy="6046294"/>
+            <a:off x="1933574" y="333376"/>
+            <a:ext cx="8372476" cy="6085876"/>
           </a:xfrm>
           <a:prstGeom prst="rect">
             <a:avLst/>
@@ -16841,7 +17426,7 @@
     </p:spTree>
     <p:extLst>
       <p:ext uri="{BB962C8B-B14F-4D97-AF65-F5344CB8AC3E}">
-        <p14:creationId xmlns:p14="http://schemas.microsoft.com/office/powerpoint/2010/main" val="4179457196"/>
+        <p14:creationId xmlns:p14="http://schemas.microsoft.com/office/powerpoint/2010/main" val="32683463"/>
       </p:ext>
     </p:extLst>
   </p:cSld>
@@ -16870,6 +17455,101 @@
       </p:grpSpPr>
       <p:sp>
         <p:nvSpPr>
+          <p:cNvPr id="6" name="Slide Number Placeholder 5">
+            <a:extLst>
+              <a:ext uri="{FF2B5EF4-FFF2-40B4-BE49-F238E27FC236}">
+                <a16:creationId xmlns:a16="http://schemas.microsoft.com/office/drawing/2014/main" id="{705C33DF-36C9-49E9-B48D-A320B179C4D4}"/>
+              </a:ext>
+            </a:extLst>
+          </p:cNvPr>
+          <p:cNvSpPr>
+            <a:spLocks noGrp="1"/>
+          </p:cNvSpPr>
+          <p:nvPr>
+            <p:ph type="sldNum" sz="quarter" idx="12"/>
+          </p:nvPr>
+        </p:nvSpPr>
+        <p:spPr>
+          <a:xfrm>
+            <a:off x="9948863" y="6507212"/>
+            <a:ext cx="1692274" cy="153888"/>
+          </a:xfrm>
+        </p:spPr>
+        <p:txBody>
+          <a:bodyPr/>
+          <a:lstStyle/>
+          <a:p>
+            <a:fld id="{DBA1B0FB-D917-4C8C-928F-313BD683BF39}" type="slidenum">
+              <a:rPr lang="en-US" smtClean="0"/>
+              <a:pPr/>
+              <a:t>16</a:t>
+            </a:fld>
+            <a:endParaRPr lang="en-US"/>
+          </a:p>
+        </p:txBody>
+      </p:sp>
+      <p:pic>
+        <p:nvPicPr>
+          <p:cNvPr id="4" name="Picture 3" descr="Chart, histogram&#10;&#10;Description automatically generated">
+            <a:extLst>
+              <a:ext uri="{FF2B5EF4-FFF2-40B4-BE49-F238E27FC236}">
+                <a16:creationId xmlns:a16="http://schemas.microsoft.com/office/drawing/2014/main" id="{D22B02BA-402A-886E-0779-B316497277A0}"/>
+              </a:ext>
+            </a:extLst>
+          </p:cNvPr>
+          <p:cNvPicPr>
+            <a:picLocks noChangeAspect="1"/>
+          </p:cNvPicPr>
+          <p:nvPr/>
+        </p:nvPicPr>
+        <p:blipFill>
+          <a:blip r:embed="rId2"/>
+          <a:stretch>
+            <a:fillRect/>
+          </a:stretch>
+        </p:blipFill>
+        <p:spPr>
+          <a:xfrm>
+            <a:off x="1860681" y="446533"/>
+            <a:ext cx="8470638" cy="6137623"/>
+          </a:xfrm>
+          <a:prstGeom prst="rect">
+            <a:avLst/>
+          </a:prstGeom>
+        </p:spPr>
+      </p:pic>
+    </p:spTree>
+    <p:extLst>
+      <p:ext uri="{BB962C8B-B14F-4D97-AF65-F5344CB8AC3E}">
+        <p14:creationId xmlns:p14="http://schemas.microsoft.com/office/powerpoint/2010/main" val="4179457196"/>
+      </p:ext>
+    </p:extLst>
+  </p:cSld>
+  <p:clrMapOvr>
+    <a:masterClrMapping/>
+  </p:clrMapOvr>
+</p:sld>
+</file>
+
+<file path=ppt/slides/slide17.xml><?xml version="1.0" encoding="utf-8"?>
+<p:sld xmlns:a="http://schemas.openxmlformats.org/drawingml/2006/main" xmlns:r="http://schemas.openxmlformats.org/officeDocument/2006/relationships" xmlns:p="http://schemas.openxmlformats.org/presentationml/2006/main">
+  <p:cSld>
+    <p:spTree>
+      <p:nvGrpSpPr>
+        <p:cNvPr id="1" name=""/>
+        <p:cNvGrpSpPr/>
+        <p:nvPr/>
+      </p:nvGrpSpPr>
+      <p:grpSpPr>
+        <a:xfrm>
+          <a:off x="0" y="0"/>
+          <a:ext cx="0" cy="0"/>
+          <a:chOff x="0" y="0"/>
+          <a:chExt cx="0" cy="0"/>
+        </a:xfrm>
+      </p:grpSpPr>
+      <p:sp>
+        <p:nvSpPr>
           <p:cNvPr id="11" name="Title 10">
             <a:extLst>
               <a:ext uri="{FF2B5EF4-FFF2-40B4-BE49-F238E27FC236}">
@@ -16903,41 +17583,6 @@
       </p:sp>
       <p:sp>
         <p:nvSpPr>
-          <p:cNvPr id="13" name="Content Placeholder 12">
-            <a:extLst>
-              <a:ext uri="{FF2B5EF4-FFF2-40B4-BE49-F238E27FC236}">
-                <a16:creationId xmlns:a16="http://schemas.microsoft.com/office/drawing/2014/main" id="{C0287FEC-3826-4868-8D93-52429C6156F5}"/>
-              </a:ext>
-            </a:extLst>
-          </p:cNvPr>
-          <p:cNvSpPr>
-            <a:spLocks noGrp="1"/>
-          </p:cNvSpPr>
-          <p:nvPr>
-            <p:ph sz="quarter" idx="15"/>
-          </p:nvPr>
-        </p:nvSpPr>
-        <p:spPr>
-          <a:xfrm>
-            <a:off x="5262411" y="4508500"/>
-            <a:ext cx="6221412" cy="1563688"/>
-          </a:xfrm>
-        </p:spPr>
-        <p:txBody>
-          <a:bodyPr>
-            <a:normAutofit/>
-          </a:bodyPr>
-          <a:lstStyle/>
-          <a:p>
-            <a:r>
-              <a:rPr lang="en-US" dirty="0"/>
-              <a:t>From the data we collected, there are some weak correlations between XXX and YYY.  Further analysis is still required on a national scale to see if the correlation is stronger. </a:t>
-            </a:r>
-          </a:p>
-        </p:txBody>
-      </p:sp>
-      <p:sp>
-        <p:nvSpPr>
           <p:cNvPr id="6" name="Slide Number Placeholder 5">
             <a:extLst>
               <a:ext uri="{FF2B5EF4-FFF2-40B4-BE49-F238E27FC236}">
@@ -16965,7 +17610,7 @@
             <a:fld id="{DBA1B0FB-D917-4C8C-928F-313BD683BF39}" type="slidenum">
               <a:rPr lang="en-US" smtClean="0"/>
               <a:pPr/>
-              <a:t>16</a:t>
+              <a:t>17</a:t>
             </a:fld>
             <a:endParaRPr lang="en-US"/>
           </a:p>
@@ -17009,7 +17654,7 @@
 </p:sld>
 </file>
 
-<file path=ppt/slides/slide17.xml><?xml version="1.0" encoding="utf-8"?>
+<file path=ppt/slides/slide18.xml><?xml version="1.0" encoding="utf-8"?>
 <p:sld xmlns:a="http://schemas.openxmlformats.org/drawingml/2006/main" xmlns:r="http://schemas.openxmlformats.org/officeDocument/2006/relationships" xmlns:p="http://schemas.openxmlformats.org/presentationml/2006/main">
   <p:cSld>
     <p:bg>
@@ -18201,7 +18846,7 @@
                   <a:spcPts val="600"/>
                 </a:spcAft>
               </a:pPr>
-              <a:t>17</a:t>
+              <a:t>18</a:t>
             </a:fld>
             <a:endParaRPr lang="en-US">
               <a:solidFill>
@@ -18395,42 +19040,27 @@
           <a:lstStyle/>
           <a:p>
             <a:r>
-              <a:rPr lang="en-US" dirty="0"/>
-              <a:t>Introduction of Data</a:t>
+              <a:rPr lang="en-US" sz="3200" dirty="0"/>
+              <a:t>Introduction</a:t>
             </a:r>
           </a:p>
           <a:p>
             <a:r>
-              <a:rPr lang="en-US" dirty="0"/>
-              <a:t>Does Pricing influence Rating and Number of Reviews</a:t>
+              <a:rPr lang="en-US" sz="3200" dirty="0"/>
+              <a:t>Data Cleaning</a:t>
             </a:r>
           </a:p>
           <a:p>
             <a:r>
-              <a:rPr lang="en-US" dirty="0"/>
-              <a:t>Does Population Size influence Rating</a:t>
+              <a:rPr lang="en-US" sz="3200" dirty="0"/>
+              <a:t>Presentation of Data</a:t>
             </a:r>
           </a:p>
           <a:p>
             <a:r>
-              <a:rPr lang="en-US" dirty="0"/>
-              <a:t>Does Population affect the Number of Reviews</a:t>
+              <a:rPr lang="en-US" sz="3200" dirty="0"/>
+              <a:t>Summary</a:t>
             </a:r>
-          </a:p>
-          <a:p>
-            <a:r>
-              <a:rPr lang="en-US" dirty="0"/>
-              <a:t>Sample Biases</a:t>
-            </a:r>
-          </a:p>
-          <a:p>
-            <a:r>
-              <a:rPr lang="en-US" dirty="0"/>
-              <a:t>How can We Improve Our Analysis</a:t>
-            </a:r>
-          </a:p>
-          <a:p>
-            <a:endParaRPr lang="en-US" dirty="0"/>
           </a:p>
           <a:p>
             <a:endParaRPr lang="en-US" dirty="0"/>
@@ -18610,7 +19240,7 @@
         </p:nvSpPr>
         <p:spPr>
           <a:xfrm>
-            <a:off x="550863" y="4507929"/>
+            <a:off x="612775" y="307404"/>
             <a:ext cx="4500562" cy="1562959"/>
           </a:xfrm>
         </p:spPr>
@@ -18678,14 +19308,14 @@
         </p:nvSpPr>
         <p:spPr>
           <a:xfrm>
-            <a:off x="5262563" y="4508500"/>
+            <a:off x="612775" y="1451645"/>
             <a:ext cx="6221412" cy="1563688"/>
           </a:xfrm>
           <a:noFill/>
         </p:spPr>
         <p:txBody>
           <a:bodyPr>
-            <a:normAutofit fontScale="85000" lnSpcReduction="10000"/>
+            <a:normAutofit/>
           </a:bodyPr>
           <a:lstStyle/>
           <a:p>
@@ -18700,7 +19330,26 @@
                 <a:effectLst/>
                 <a:latin typeface="Slack-Lato"/>
               </a:rPr>
-              <a:t>The Cutlery Group conducted analysis to determine whether  ratings supported food quality . Also does the price point matter in determining what’s considered a great experience? Are there cities that review more than others?  This analysis will be conducted utilizing Google API for restaurant data and the Census API to determine the cities for comparison.</a:t>
+              <a:t>The Cutlery Group conducted analysis to determine whether  ratings supported food quality. This analysis was conducted utilizing Google API for restaurant data and </a:t>
+            </a:r>
+            <a:r>
+              <a:rPr lang="en-US" dirty="0">
+                <a:solidFill>
+                  <a:schemeClr val="tx1"/>
+                </a:solidFill>
+                <a:latin typeface="Slack-Lato"/>
+              </a:rPr>
+              <a:t>US city population data</a:t>
+            </a:r>
+            <a:r>
+              <a:rPr lang="en-US" b="0" i="0" dirty="0">
+                <a:solidFill>
+                  <a:schemeClr val="tx1"/>
+                </a:solidFill>
+                <a:effectLst/>
+                <a:latin typeface="Slack-Lato"/>
+              </a:rPr>
+              <a:t>.</a:t>
             </a:r>
             <a:endParaRPr lang="en-US" dirty="0">
               <a:solidFill>
@@ -18710,116 +19359,516 @@
           </a:p>
         </p:txBody>
       </p:sp>
-      <p:pic>
-        <p:nvPicPr>
-          <p:cNvPr id="7" name="Picture Placeholder 6">
-            <a:extLst>
-              <a:ext uri="{FF2B5EF4-FFF2-40B4-BE49-F238E27FC236}">
-                <a16:creationId xmlns:a16="http://schemas.microsoft.com/office/drawing/2014/main" id="{D43C7BC5-E64C-43A8-B39A-E7FF07B00088}"/>
-              </a:ext>
-            </a:extLst>
-          </p:cNvPr>
-          <p:cNvPicPr>
-            <a:picLocks noGrp="1" noChangeAspect="1"/>
-          </p:cNvPicPr>
+      <p:graphicFrame>
+        <p:nvGraphicFramePr>
+          <p:cNvPr id="14" name="Table 14">
+            <a:extLst>
+              <a:ext uri="{FF2B5EF4-FFF2-40B4-BE49-F238E27FC236}">
+                <a16:creationId xmlns:a16="http://schemas.microsoft.com/office/drawing/2014/main" id="{5E1ABB0D-3447-234D-09A8-536A5748CBBF}"/>
+              </a:ext>
+            </a:extLst>
+          </p:cNvPr>
+          <p:cNvGraphicFramePr>
+            <a:graphicFrameLocks noGrp="1"/>
+          </p:cNvGraphicFramePr>
           <p:nvPr>
-            <p:ph type="pic" sz="quarter" idx="16"/>
+            <p:extLst>
+              <p:ext uri="{D42A27DB-BD31-4B8C-83A1-F6EECF244321}">
+                <p14:modId xmlns:p14="http://schemas.microsoft.com/office/powerpoint/2010/main" val="3555958312"/>
+              </p:ext>
+            </p:extLst>
           </p:nvPr>
-        </p:nvPicPr>
-        <p:blipFill>
-          <a:blip r:embed="rId3"/>
-          <a:srcRect l="23062" r="23062"/>
-          <a:stretch>
-            <a:fillRect/>
-          </a:stretch>
-        </p:blipFill>
-        <p:spPr>
-          <a:prstGeom prst="rect">
-            <a:avLst/>
-          </a:prstGeom>
-        </p:spPr>
-      </p:pic>
-      <p:pic>
-        <p:nvPicPr>
-          <p:cNvPr id="16" name="Picture Placeholder 15">
-            <a:extLst>
-              <a:ext uri="{FF2B5EF4-FFF2-40B4-BE49-F238E27FC236}">
-                <a16:creationId xmlns:a16="http://schemas.microsoft.com/office/drawing/2014/main" id="{9DC4D358-43E8-4CE2-AD66-B822E594A2AA}"/>
-              </a:ext>
-            </a:extLst>
-          </p:cNvPr>
-          <p:cNvPicPr>
-            <a:picLocks noGrp="1" noChangeAspect="1"/>
-          </p:cNvPicPr>
-          <p:nvPr>
-            <p:ph type="pic" sz="quarter" idx="13"/>
-          </p:nvPr>
-        </p:nvPicPr>
-        <p:blipFill>
-          <a:blip r:embed="rId4"/>
-          <a:srcRect l="23091" r="23091"/>
-          <a:stretch>
-            <a:fillRect/>
-          </a:stretch>
-        </p:blipFill>
-        <p:spPr>
-          <a:prstGeom prst="rect">
-            <a:avLst/>
-          </a:prstGeom>
-        </p:spPr>
-      </p:pic>
-      <p:pic>
-        <p:nvPicPr>
-          <p:cNvPr id="21" name="Picture Placeholder 20">
-            <a:extLst>
-              <a:ext uri="{FF2B5EF4-FFF2-40B4-BE49-F238E27FC236}">
-                <a16:creationId xmlns:a16="http://schemas.microsoft.com/office/drawing/2014/main" id="{8519DCC3-4818-441A-A48B-5910B0B9BB3D}"/>
-              </a:ext>
-            </a:extLst>
-          </p:cNvPr>
-          <p:cNvPicPr>
-            <a:picLocks noGrp="1" noChangeAspect="1"/>
-          </p:cNvPicPr>
-          <p:nvPr>
-            <p:ph type="pic" sz="quarter" idx="15"/>
-          </p:nvPr>
-        </p:nvPicPr>
-        <p:blipFill>
-          <a:blip r:embed="rId5"/>
-          <a:srcRect l="24798" r="24798"/>
-          <a:stretch>
-            <a:fillRect/>
-          </a:stretch>
-        </p:blipFill>
-        <p:spPr>
-          <a:prstGeom prst="rect">
-            <a:avLst/>
-          </a:prstGeom>
-        </p:spPr>
-      </p:pic>
-      <p:pic>
-        <p:nvPicPr>
-          <p:cNvPr id="27" name="Picture Placeholder 26">
-            <a:extLst>
-              <a:ext uri="{FF2B5EF4-FFF2-40B4-BE49-F238E27FC236}">
-                <a16:creationId xmlns:a16="http://schemas.microsoft.com/office/drawing/2014/main" id="{79EAFAC4-78CE-4C20-8BC5-C04556E80BAB}"/>
-              </a:ext>
-            </a:extLst>
-          </p:cNvPr>
-          <p:cNvPicPr>
-            <a:picLocks noGrp="1" noChangeAspect="1"/>
-          </p:cNvPicPr>
-          <p:nvPr>
-            <p:ph type="pic" sz="quarter" idx="14"/>
-          </p:nvPr>
-        </p:nvPicPr>
-        <p:blipFill rotWithShape="1">
-          <a:blip r:embed="rId6"/>
-          <a:srcRect l="20062" r="20062"/>
-          <a:stretch/>
-        </p:blipFill>
-        <p:spPr/>
-      </p:pic>
+        </p:nvGraphicFramePr>
+        <p:xfrm>
+          <a:off x="612775" y="3922995"/>
+          <a:ext cx="8128000" cy="1483360"/>
+        </p:xfrm>
+        <a:graphic>
+          <a:graphicData uri="http://schemas.openxmlformats.org/drawingml/2006/table">
+            <a:tbl>
+              <a:tblPr firstRow="1" bandRow="1">
+                <a:tableStyleId>{5C22544A-7EE6-4342-B048-85BDC9FD1C3A}</a:tableStyleId>
+              </a:tblPr>
+              <a:tblGrid>
+                <a:gridCol w="4064000">
+                  <a:extLst>
+                    <a:ext uri="{9D8B030D-6E8A-4147-A177-3AD203B41FA5}">
+                      <a16:colId xmlns:a16="http://schemas.microsoft.com/office/drawing/2014/main" val="2509493431"/>
+                    </a:ext>
+                  </a:extLst>
+                </a:gridCol>
+                <a:gridCol w="4064000">
+                  <a:extLst>
+                    <a:ext uri="{9D8B030D-6E8A-4147-A177-3AD203B41FA5}">
+                      <a16:colId xmlns:a16="http://schemas.microsoft.com/office/drawing/2014/main" val="2183002606"/>
+                    </a:ext>
+                  </a:extLst>
+                </a:gridCol>
+              </a:tblGrid>
+              <a:tr h="370840">
+                <a:tc>
+                  <a:txBody>
+                    <a:bodyPr/>
+                    <a:lstStyle/>
+                    <a:p>
+                      <a:r>
+                        <a:rPr lang="en-US" dirty="0"/>
+                        <a:t>Team Member</a:t>
+                      </a:r>
+                    </a:p>
+                  </a:txBody>
+                  <a:tcPr>
+                    <a:lnL w="12700" cap="flat" cmpd="sng" algn="ctr">
+                      <a:solidFill>
+                        <a:schemeClr val="tx1"/>
+                      </a:solidFill>
+                      <a:prstDash val="solid"/>
+                      <a:round/>
+                      <a:headEnd type="none" w="med" len="med"/>
+                      <a:tailEnd type="none" w="med" len="med"/>
+                    </a:lnL>
+                    <a:lnR w="12700" cap="flat" cmpd="sng" algn="ctr">
+                      <a:solidFill>
+                        <a:schemeClr val="tx1"/>
+                      </a:solidFill>
+                      <a:prstDash val="solid"/>
+                      <a:round/>
+                      <a:headEnd type="none" w="med" len="med"/>
+                      <a:tailEnd type="none" w="med" len="med"/>
+                    </a:lnR>
+                    <a:lnT w="12700" cap="flat" cmpd="sng" algn="ctr">
+                      <a:solidFill>
+                        <a:schemeClr val="tx1"/>
+                      </a:solidFill>
+                      <a:prstDash val="solid"/>
+                      <a:round/>
+                      <a:headEnd type="none" w="med" len="med"/>
+                      <a:tailEnd type="none" w="med" len="med"/>
+                    </a:lnT>
+                    <a:lnB w="12700" cap="flat" cmpd="sng" algn="ctr">
+                      <a:solidFill>
+                        <a:schemeClr val="tx1"/>
+                      </a:solidFill>
+                      <a:prstDash val="solid"/>
+                      <a:round/>
+                      <a:headEnd type="none" w="med" len="med"/>
+                      <a:tailEnd type="none" w="med" len="med"/>
+                    </a:lnB>
+                    <a:noFill/>
+                  </a:tcPr>
+                </a:tc>
+                <a:tc>
+                  <a:txBody>
+                    <a:bodyPr/>
+                    <a:lstStyle/>
+                    <a:p>
+                      <a:r>
+                        <a:rPr lang="en-US" dirty="0"/>
+                        <a:t>Role</a:t>
+                      </a:r>
+                    </a:p>
+                  </a:txBody>
+                  <a:tcPr>
+                    <a:lnL w="12700" cap="flat" cmpd="sng" algn="ctr">
+                      <a:solidFill>
+                        <a:schemeClr val="tx1"/>
+                      </a:solidFill>
+                      <a:prstDash val="solid"/>
+                      <a:round/>
+                      <a:headEnd type="none" w="med" len="med"/>
+                      <a:tailEnd type="none" w="med" len="med"/>
+                    </a:lnL>
+                    <a:lnR w="12700" cap="flat" cmpd="sng" algn="ctr">
+                      <a:solidFill>
+                        <a:schemeClr val="tx1"/>
+                      </a:solidFill>
+                      <a:prstDash val="solid"/>
+                      <a:round/>
+                      <a:headEnd type="none" w="med" len="med"/>
+                      <a:tailEnd type="none" w="med" len="med"/>
+                    </a:lnR>
+                    <a:lnT w="12700" cap="flat" cmpd="sng" algn="ctr">
+                      <a:solidFill>
+                        <a:schemeClr val="tx1"/>
+                      </a:solidFill>
+                      <a:prstDash val="solid"/>
+                      <a:round/>
+                      <a:headEnd type="none" w="med" len="med"/>
+                      <a:tailEnd type="none" w="med" len="med"/>
+                    </a:lnT>
+                    <a:lnB w="12700" cap="flat" cmpd="sng" algn="ctr">
+                      <a:solidFill>
+                        <a:schemeClr val="tx1"/>
+                      </a:solidFill>
+                      <a:prstDash val="solid"/>
+                      <a:round/>
+                      <a:headEnd type="none" w="med" len="med"/>
+                      <a:tailEnd type="none" w="med" len="med"/>
+                    </a:lnB>
+                    <a:noFill/>
+                  </a:tcPr>
+                </a:tc>
+                <a:extLst>
+                  <a:ext uri="{0D108BD9-81ED-4DB2-BD59-A6C34878D82A}">
+                    <a16:rowId xmlns:a16="http://schemas.microsoft.com/office/drawing/2014/main" val="3080843781"/>
+                  </a:ext>
+                </a:extLst>
+              </a:tr>
+              <a:tr h="370840">
+                <a:tc>
+                  <a:txBody>
+                    <a:bodyPr/>
+                    <a:lstStyle/>
+                    <a:p>
+                      <a:r>
+                        <a:rPr lang="en-US" dirty="0">
+                          <a:solidFill>
+                            <a:schemeClr val="tx1"/>
+                          </a:solidFill>
+                        </a:rPr>
+                        <a:t>Sanjay Dabra</a:t>
+                      </a:r>
+                    </a:p>
+                  </a:txBody>
+                  <a:tcPr>
+                    <a:lnL w="12700" cap="flat" cmpd="sng" algn="ctr">
+                      <a:solidFill>
+                        <a:schemeClr val="tx1"/>
+                      </a:solidFill>
+                      <a:prstDash val="solid"/>
+                      <a:round/>
+                      <a:headEnd type="none" w="med" len="med"/>
+                      <a:tailEnd type="none" w="med" len="med"/>
+                    </a:lnL>
+                    <a:lnR w="12700" cap="flat" cmpd="sng" algn="ctr">
+                      <a:solidFill>
+                        <a:schemeClr val="tx1"/>
+                      </a:solidFill>
+                      <a:prstDash val="solid"/>
+                      <a:round/>
+                      <a:headEnd type="none" w="med" len="med"/>
+                      <a:tailEnd type="none" w="med" len="med"/>
+                    </a:lnR>
+                    <a:lnT w="12700" cap="flat" cmpd="sng" algn="ctr">
+                      <a:solidFill>
+                        <a:schemeClr val="tx1"/>
+                      </a:solidFill>
+                      <a:prstDash val="solid"/>
+                      <a:round/>
+                      <a:headEnd type="none" w="med" len="med"/>
+                      <a:tailEnd type="none" w="med" len="med"/>
+                    </a:lnT>
+                    <a:lnB w="12700" cap="flat" cmpd="sng" algn="ctr">
+                      <a:solidFill>
+                        <a:schemeClr val="tx1"/>
+                      </a:solidFill>
+                      <a:prstDash val="solid"/>
+                      <a:round/>
+                      <a:headEnd type="none" w="med" len="med"/>
+                      <a:tailEnd type="none" w="med" len="med"/>
+                    </a:lnB>
+                    <a:noFill/>
+                  </a:tcPr>
+                </a:tc>
+                <a:tc>
+                  <a:txBody>
+                    <a:bodyPr/>
+                    <a:lstStyle/>
+                    <a:p>
+                      <a:r>
+                        <a:rPr lang="en-US" dirty="0">
+                          <a:solidFill>
+                            <a:schemeClr val="tx1"/>
+                          </a:solidFill>
+                        </a:rPr>
+                        <a:t>Code Build and Visualization</a:t>
+                      </a:r>
+                    </a:p>
+                  </a:txBody>
+                  <a:tcPr>
+                    <a:lnL w="12700" cap="flat" cmpd="sng" algn="ctr">
+                      <a:solidFill>
+                        <a:schemeClr val="tx1"/>
+                      </a:solidFill>
+                      <a:prstDash val="solid"/>
+                      <a:round/>
+                      <a:headEnd type="none" w="med" len="med"/>
+                      <a:tailEnd type="none" w="med" len="med"/>
+                    </a:lnL>
+                    <a:lnR w="12700" cap="flat" cmpd="sng" algn="ctr">
+                      <a:solidFill>
+                        <a:schemeClr val="tx1"/>
+                      </a:solidFill>
+                      <a:prstDash val="solid"/>
+                      <a:round/>
+                      <a:headEnd type="none" w="med" len="med"/>
+                      <a:tailEnd type="none" w="med" len="med"/>
+                    </a:lnR>
+                    <a:lnT w="12700" cap="flat" cmpd="sng" algn="ctr">
+                      <a:solidFill>
+                        <a:schemeClr val="tx1"/>
+                      </a:solidFill>
+                      <a:prstDash val="solid"/>
+                      <a:round/>
+                      <a:headEnd type="none" w="med" len="med"/>
+                      <a:tailEnd type="none" w="med" len="med"/>
+                    </a:lnT>
+                    <a:lnB w="12700" cap="flat" cmpd="sng" algn="ctr">
+                      <a:solidFill>
+                        <a:schemeClr val="tx1"/>
+                      </a:solidFill>
+                      <a:prstDash val="solid"/>
+                      <a:round/>
+                      <a:headEnd type="none" w="med" len="med"/>
+                      <a:tailEnd type="none" w="med" len="med"/>
+                    </a:lnB>
+                    <a:noFill/>
+                  </a:tcPr>
+                </a:tc>
+                <a:extLst>
+                  <a:ext uri="{0D108BD9-81ED-4DB2-BD59-A6C34878D82A}">
+                    <a16:rowId xmlns:a16="http://schemas.microsoft.com/office/drawing/2014/main" val="3140641484"/>
+                  </a:ext>
+                </a:extLst>
+              </a:tr>
+              <a:tr h="370840">
+                <a:tc>
+                  <a:txBody>
+                    <a:bodyPr/>
+                    <a:lstStyle/>
+                    <a:p>
+                      <a:r>
+                        <a:rPr lang="en-US" dirty="0">
+                          <a:solidFill>
+                            <a:schemeClr val="tx1"/>
+                          </a:solidFill>
+                        </a:rPr>
+                        <a:t>Jeffrey Frazier</a:t>
+                      </a:r>
+                    </a:p>
+                  </a:txBody>
+                  <a:tcPr>
+                    <a:lnL w="12700" cap="flat" cmpd="sng" algn="ctr">
+                      <a:solidFill>
+                        <a:schemeClr val="tx1"/>
+                      </a:solidFill>
+                      <a:prstDash val="solid"/>
+                      <a:round/>
+                      <a:headEnd type="none" w="med" len="med"/>
+                      <a:tailEnd type="none" w="med" len="med"/>
+                    </a:lnL>
+                    <a:lnR w="12700" cap="flat" cmpd="sng" algn="ctr">
+                      <a:solidFill>
+                        <a:schemeClr val="tx1"/>
+                      </a:solidFill>
+                      <a:prstDash val="solid"/>
+                      <a:round/>
+                      <a:headEnd type="none" w="med" len="med"/>
+                      <a:tailEnd type="none" w="med" len="med"/>
+                    </a:lnR>
+                    <a:lnT w="12700" cap="flat" cmpd="sng" algn="ctr">
+                      <a:solidFill>
+                        <a:schemeClr val="tx1"/>
+                      </a:solidFill>
+                      <a:prstDash val="solid"/>
+                      <a:round/>
+                      <a:headEnd type="none" w="med" len="med"/>
+                      <a:tailEnd type="none" w="med" len="med"/>
+                    </a:lnT>
+                    <a:lnB w="12700" cap="flat" cmpd="sng" algn="ctr">
+                      <a:solidFill>
+                        <a:schemeClr val="tx1"/>
+                      </a:solidFill>
+                      <a:prstDash val="solid"/>
+                      <a:round/>
+                      <a:headEnd type="none" w="med" len="med"/>
+                      <a:tailEnd type="none" w="med" len="med"/>
+                    </a:lnB>
+                    <a:noFill/>
+                  </a:tcPr>
+                </a:tc>
+                <a:tc>
+                  <a:txBody>
+                    <a:bodyPr/>
+                    <a:lstStyle/>
+                    <a:p>
+                      <a:r>
+                        <a:rPr lang="en-US" dirty="0">
+                          <a:solidFill>
+                            <a:schemeClr val="tx1"/>
+                          </a:solidFill>
+                        </a:rPr>
+                        <a:t>Code Research and PowerPoint Creation</a:t>
+                      </a:r>
+                    </a:p>
+                  </a:txBody>
+                  <a:tcPr>
+                    <a:lnL w="12700" cap="flat" cmpd="sng" algn="ctr">
+                      <a:solidFill>
+                        <a:schemeClr val="tx1"/>
+                      </a:solidFill>
+                      <a:prstDash val="solid"/>
+                      <a:round/>
+                      <a:headEnd type="none" w="med" len="med"/>
+                      <a:tailEnd type="none" w="med" len="med"/>
+                    </a:lnL>
+                    <a:lnR w="12700" cap="flat" cmpd="sng" algn="ctr">
+                      <a:solidFill>
+                        <a:schemeClr val="tx1"/>
+                      </a:solidFill>
+                      <a:prstDash val="solid"/>
+                      <a:round/>
+                      <a:headEnd type="none" w="med" len="med"/>
+                      <a:tailEnd type="none" w="med" len="med"/>
+                    </a:lnR>
+                    <a:lnT w="12700" cap="flat" cmpd="sng" algn="ctr">
+                      <a:solidFill>
+                        <a:schemeClr val="tx1"/>
+                      </a:solidFill>
+                      <a:prstDash val="solid"/>
+                      <a:round/>
+                      <a:headEnd type="none" w="med" len="med"/>
+                      <a:tailEnd type="none" w="med" len="med"/>
+                    </a:lnT>
+                    <a:lnB w="12700" cap="flat" cmpd="sng" algn="ctr">
+                      <a:solidFill>
+                        <a:schemeClr val="tx1"/>
+                      </a:solidFill>
+                      <a:prstDash val="solid"/>
+                      <a:round/>
+                      <a:headEnd type="none" w="med" len="med"/>
+                      <a:tailEnd type="none" w="med" len="med"/>
+                    </a:lnB>
+                    <a:noFill/>
+                  </a:tcPr>
+                </a:tc>
+                <a:extLst>
+                  <a:ext uri="{0D108BD9-81ED-4DB2-BD59-A6C34878D82A}">
+                    <a16:rowId xmlns:a16="http://schemas.microsoft.com/office/drawing/2014/main" val="462459887"/>
+                  </a:ext>
+                </a:extLst>
+              </a:tr>
+              <a:tr h="370840">
+                <a:tc>
+                  <a:txBody>
+                    <a:bodyPr/>
+                    <a:lstStyle/>
+                    <a:p>
+                      <a:r>
+                        <a:rPr lang="en-US" dirty="0">
+                          <a:solidFill>
+                            <a:schemeClr val="tx1"/>
+                          </a:solidFill>
+                        </a:rPr>
+                        <a:t>Matthew Ward</a:t>
+                      </a:r>
+                    </a:p>
+                  </a:txBody>
+                  <a:tcPr>
+                    <a:lnL w="12700" cap="flat" cmpd="sng" algn="ctr">
+                      <a:solidFill>
+                        <a:schemeClr val="tx1"/>
+                      </a:solidFill>
+                      <a:prstDash val="solid"/>
+                      <a:round/>
+                      <a:headEnd type="none" w="med" len="med"/>
+                      <a:tailEnd type="none" w="med" len="med"/>
+                    </a:lnL>
+                    <a:lnR w="12700" cap="flat" cmpd="sng" algn="ctr">
+                      <a:solidFill>
+                        <a:schemeClr val="tx1"/>
+                      </a:solidFill>
+                      <a:prstDash val="solid"/>
+                      <a:round/>
+                      <a:headEnd type="none" w="med" len="med"/>
+                      <a:tailEnd type="none" w="med" len="med"/>
+                    </a:lnR>
+                    <a:lnT w="12700" cap="flat" cmpd="sng" algn="ctr">
+                      <a:solidFill>
+                        <a:schemeClr val="tx1"/>
+                      </a:solidFill>
+                      <a:prstDash val="solid"/>
+                      <a:round/>
+                      <a:headEnd type="none" w="med" len="med"/>
+                      <a:tailEnd type="none" w="med" len="med"/>
+                    </a:lnT>
+                    <a:lnB w="12700" cap="flat" cmpd="sng" algn="ctr">
+                      <a:solidFill>
+                        <a:schemeClr val="tx1"/>
+                      </a:solidFill>
+                      <a:prstDash val="solid"/>
+                      <a:round/>
+                      <a:headEnd type="none" w="med" len="med"/>
+                      <a:tailEnd type="none" w="med" len="med"/>
+                    </a:lnB>
+                    <a:noFill/>
+                  </a:tcPr>
+                </a:tc>
+                <a:tc>
+                  <a:txBody>
+                    <a:bodyPr/>
+                    <a:lstStyle/>
+                    <a:p>
+                      <a:r>
+                        <a:rPr lang="en-US" dirty="0">
+                          <a:solidFill>
+                            <a:schemeClr val="tx1"/>
+                          </a:solidFill>
+                        </a:rPr>
+                        <a:t>Code Build and Visualization</a:t>
+                      </a:r>
+                    </a:p>
+                  </a:txBody>
+                  <a:tcPr>
+                    <a:lnL w="12700" cap="flat" cmpd="sng" algn="ctr">
+                      <a:solidFill>
+                        <a:schemeClr val="tx1"/>
+                      </a:solidFill>
+                      <a:prstDash val="solid"/>
+                      <a:round/>
+                      <a:headEnd type="none" w="med" len="med"/>
+                      <a:tailEnd type="none" w="med" len="med"/>
+                    </a:lnL>
+                    <a:lnR w="12700" cap="flat" cmpd="sng" algn="ctr">
+                      <a:solidFill>
+                        <a:schemeClr val="tx1"/>
+                      </a:solidFill>
+                      <a:prstDash val="solid"/>
+                      <a:round/>
+                      <a:headEnd type="none" w="med" len="med"/>
+                      <a:tailEnd type="none" w="med" len="med"/>
+                    </a:lnR>
+                    <a:lnT w="12700" cap="flat" cmpd="sng" algn="ctr">
+                      <a:solidFill>
+                        <a:schemeClr val="tx1"/>
+                      </a:solidFill>
+                      <a:prstDash val="solid"/>
+                      <a:round/>
+                      <a:headEnd type="none" w="med" len="med"/>
+                      <a:tailEnd type="none" w="med" len="med"/>
+                    </a:lnT>
+                    <a:lnB w="12700" cap="flat" cmpd="sng" algn="ctr">
+                      <a:solidFill>
+                        <a:schemeClr val="tx1"/>
+                      </a:solidFill>
+                      <a:prstDash val="solid"/>
+                      <a:round/>
+                      <a:headEnd type="none" w="med" len="med"/>
+                      <a:tailEnd type="none" w="med" len="med"/>
+                    </a:lnB>
+                    <a:noFill/>
+                  </a:tcPr>
+                </a:tc>
+                <a:extLst>
+                  <a:ext uri="{0D108BD9-81ED-4DB2-BD59-A6C34878D82A}">
+                    <a16:rowId xmlns:a16="http://schemas.microsoft.com/office/drawing/2014/main" val="1909020500"/>
+                  </a:ext>
+                </a:extLst>
+              </a:tr>
+            </a:tbl>
+          </a:graphicData>
+        </a:graphic>
+      </p:graphicFrame>
     </p:spTree>
     <p:extLst>
       <p:ext uri="{BB962C8B-B14F-4D97-AF65-F5344CB8AC3E}">
@@ -18834,6 +19883,198 @@
 </file>
 
 <file path=ppt/slides/slide4.xml><?xml version="1.0" encoding="utf-8"?>
+<p:sld xmlns:a="http://schemas.openxmlformats.org/drawingml/2006/main" xmlns:r="http://schemas.openxmlformats.org/officeDocument/2006/relationships" xmlns:p="http://schemas.openxmlformats.org/presentationml/2006/main">
+  <p:cSld>
+    <p:spTree>
+      <p:nvGrpSpPr>
+        <p:cNvPr id="1" name=""/>
+        <p:cNvGrpSpPr/>
+        <p:nvPr/>
+      </p:nvGrpSpPr>
+      <p:grpSpPr>
+        <a:xfrm>
+          <a:off x="0" y="0"/>
+          <a:ext cx="0" cy="0"/>
+          <a:chOff x="0" y="0"/>
+          <a:chExt cx="0" cy="0"/>
+        </a:xfrm>
+      </p:grpSpPr>
+      <p:sp>
+        <p:nvSpPr>
+          <p:cNvPr id="2" name="Title 1">
+            <a:extLst>
+              <a:ext uri="{FF2B5EF4-FFF2-40B4-BE49-F238E27FC236}">
+                <a16:creationId xmlns:a16="http://schemas.microsoft.com/office/drawing/2014/main" id="{E02B001F-6C4A-E302-017E-7BA653183A18}"/>
+              </a:ext>
+            </a:extLst>
+          </p:cNvPr>
+          <p:cNvSpPr>
+            <a:spLocks noGrp="1"/>
+          </p:cNvSpPr>
+          <p:nvPr>
+            <p:ph type="title"/>
+          </p:nvPr>
+        </p:nvSpPr>
+        <p:spPr/>
+        <p:txBody>
+          <a:bodyPr/>
+          <a:lstStyle/>
+          <a:p>
+            <a:r>
+              <a:rPr lang="en-US" dirty="0"/>
+              <a:t>Questions to be answered:</a:t>
+            </a:r>
+          </a:p>
+        </p:txBody>
+      </p:sp>
+      <p:sp>
+        <p:nvSpPr>
+          <p:cNvPr id="3" name="Content Placeholder 2">
+            <a:extLst>
+              <a:ext uri="{FF2B5EF4-FFF2-40B4-BE49-F238E27FC236}">
+                <a16:creationId xmlns:a16="http://schemas.microsoft.com/office/drawing/2014/main" id="{AAAE8505-7B27-15DC-A3CD-DC43A3EA0DB2}"/>
+              </a:ext>
+            </a:extLst>
+          </p:cNvPr>
+          <p:cNvSpPr>
+            <a:spLocks noGrp="1"/>
+          </p:cNvSpPr>
+          <p:nvPr>
+            <p:ph idx="1"/>
+          </p:nvPr>
+        </p:nvSpPr>
+        <p:spPr/>
+        <p:txBody>
+          <a:bodyPr/>
+          <a:lstStyle/>
+          <a:p>
+            <a:r>
+              <a:rPr lang="en-US" sz="3600" dirty="0"/>
+              <a:t>Does pricing influence ratings?</a:t>
+            </a:r>
+          </a:p>
+          <a:p>
+            <a:r>
+              <a:rPr lang="en-US" sz="3600" dirty="0"/>
+              <a:t>Does pricing influence the number of reviews?</a:t>
+            </a:r>
+          </a:p>
+          <a:p>
+            <a:r>
+              <a:rPr lang="en-US" sz="3600" dirty="0"/>
+              <a:t>Does population influence rating?</a:t>
+            </a:r>
+          </a:p>
+          <a:p>
+            <a:r>
+              <a:rPr lang="en-US" sz="3600" dirty="0"/>
+              <a:t>Does population affect the number of reviews?</a:t>
+            </a:r>
+          </a:p>
+          <a:p>
+            <a:endParaRPr lang="en-US" sz="3600" dirty="0"/>
+          </a:p>
+        </p:txBody>
+      </p:sp>
+      <p:sp>
+        <p:nvSpPr>
+          <p:cNvPr id="4" name="Date Placeholder 3">
+            <a:extLst>
+              <a:ext uri="{FF2B5EF4-FFF2-40B4-BE49-F238E27FC236}">
+                <a16:creationId xmlns:a16="http://schemas.microsoft.com/office/drawing/2014/main" id="{1B88C503-22D2-AAF3-7849-A316707F5F45}"/>
+              </a:ext>
+            </a:extLst>
+          </p:cNvPr>
+          <p:cNvSpPr>
+            <a:spLocks noGrp="1"/>
+          </p:cNvSpPr>
+          <p:nvPr>
+            <p:ph type="dt" sz="half" idx="10"/>
+          </p:nvPr>
+        </p:nvSpPr>
+        <p:spPr/>
+        <p:txBody>
+          <a:bodyPr/>
+          <a:lstStyle/>
+          <a:p>
+            <a:r>
+              <a:rPr lang="en-US"/>
+              <a:t>Tuesday, February 2, 20XX</a:t>
+            </a:r>
+          </a:p>
+        </p:txBody>
+      </p:sp>
+      <p:sp>
+        <p:nvSpPr>
+          <p:cNvPr id="5" name="Footer Placeholder 4">
+            <a:extLst>
+              <a:ext uri="{FF2B5EF4-FFF2-40B4-BE49-F238E27FC236}">
+                <a16:creationId xmlns:a16="http://schemas.microsoft.com/office/drawing/2014/main" id="{2782C8A0-69E7-166E-4F64-AB7F37D97143}"/>
+              </a:ext>
+            </a:extLst>
+          </p:cNvPr>
+          <p:cNvSpPr>
+            <a:spLocks noGrp="1"/>
+          </p:cNvSpPr>
+          <p:nvPr>
+            <p:ph type="ftr" sz="quarter" idx="11"/>
+          </p:nvPr>
+        </p:nvSpPr>
+        <p:spPr/>
+        <p:txBody>
+          <a:bodyPr/>
+          <a:lstStyle/>
+          <a:p>
+            <a:r>
+              <a:rPr lang="en-US"/>
+              <a:t>Sample Footer Text</a:t>
+            </a:r>
+          </a:p>
+        </p:txBody>
+      </p:sp>
+      <p:sp>
+        <p:nvSpPr>
+          <p:cNvPr id="6" name="Slide Number Placeholder 5">
+            <a:extLst>
+              <a:ext uri="{FF2B5EF4-FFF2-40B4-BE49-F238E27FC236}">
+                <a16:creationId xmlns:a16="http://schemas.microsoft.com/office/drawing/2014/main" id="{9A908B6C-0B65-D0FC-BFA2-D8C759095ECE}"/>
+              </a:ext>
+            </a:extLst>
+          </p:cNvPr>
+          <p:cNvSpPr>
+            <a:spLocks noGrp="1"/>
+          </p:cNvSpPr>
+          <p:nvPr>
+            <p:ph type="sldNum" sz="quarter" idx="12"/>
+          </p:nvPr>
+        </p:nvSpPr>
+        <p:spPr/>
+        <p:txBody>
+          <a:bodyPr/>
+          <a:lstStyle/>
+          <a:p>
+            <a:fld id="{DBA1B0FB-D917-4C8C-928F-313BD683BF39}" type="slidenum">
+              <a:rPr lang="en-US" smtClean="0"/>
+              <a:t>4</a:t>
+            </a:fld>
+            <a:endParaRPr lang="en-US"/>
+          </a:p>
+        </p:txBody>
+      </p:sp>
+    </p:spTree>
+    <p:extLst>
+      <p:ext uri="{BB962C8B-B14F-4D97-AF65-F5344CB8AC3E}">
+        <p14:creationId xmlns:p14="http://schemas.microsoft.com/office/powerpoint/2010/main" val="4197711788"/>
+      </p:ext>
+    </p:extLst>
+  </p:cSld>
+  <p:clrMapOvr>
+    <a:masterClrMapping/>
+  </p:clrMapOvr>
+</p:sld>
+</file>
+
+<file path=ppt/slides/slide5.xml><?xml version="1.0" encoding="utf-8"?>
 <p:sld xmlns:a="http://schemas.openxmlformats.org/drawingml/2006/main" xmlns:r="http://schemas.openxmlformats.org/officeDocument/2006/relationships" xmlns:p="http://schemas.openxmlformats.org/presentationml/2006/main">
   <p:cSld>
     <p:bg>
@@ -20027,7 +21268,7 @@
                   <a:spcPts val="600"/>
                 </a:spcAft>
               </a:pPr>
-              <a:t>4</a:t>
+              <a:t>5</a:t>
             </a:fld>
             <a:endParaRPr lang="en-US">
               <a:solidFill>
@@ -20169,7 +21410,7 @@
 </p:sld>
 </file>
 
-<file path=ppt/slides/slide5.xml><?xml version="1.0" encoding="utf-8"?>
+<file path=ppt/slides/slide6.xml><?xml version="1.0" encoding="utf-8"?>
 <p:sld xmlns:a="http://schemas.openxmlformats.org/drawingml/2006/main" xmlns:r="http://schemas.openxmlformats.org/officeDocument/2006/relationships" xmlns:p="http://schemas.openxmlformats.org/presentationml/2006/main">
   <p:cSld>
     <p:spTree>
@@ -20372,7 +21613,7 @@
           <a:p>
             <a:fld id="{DBA1B0FB-D917-4C8C-928F-313BD683BF39}" type="slidenum">
               <a:rPr lang="en-US" smtClean="0"/>
-              <a:t>5</a:t>
+              <a:t>6</a:t>
             </a:fld>
             <a:endParaRPr lang="en-US"/>
           </a:p>
@@ -20391,7 +21632,7 @@
 </p:sld>
 </file>
 
-<file path=ppt/slides/slide6.xml><?xml version="1.0" encoding="utf-8"?>
+<file path=ppt/slides/slide7.xml><?xml version="1.0" encoding="utf-8"?>
 <p:sld xmlns:a="http://schemas.openxmlformats.org/drawingml/2006/main" xmlns:r="http://schemas.openxmlformats.org/officeDocument/2006/relationships" xmlns:p="http://schemas.openxmlformats.org/presentationml/2006/main">
   <p:cSld>
     <p:spTree>
@@ -20470,7 +21711,7 @@
             <a:fld id="{DBA1B0FB-D917-4C8C-928F-313BD683BF39}" type="slidenum">
               <a:rPr lang="en-US" smtClean="0"/>
               <a:pPr/>
-              <a:t>6</a:t>
+              <a:t>7</a:t>
             </a:fld>
             <a:endParaRPr lang="en-US"/>
           </a:p>
@@ -20518,7 +21759,7 @@
 </p:sld>
 </file>
 
-<file path=ppt/slides/slide7.xml><?xml version="1.0" encoding="utf-8"?>
+<file path=ppt/slides/slide8.xml><?xml version="1.0" encoding="utf-8"?>
 <p:sld xmlns:a="http://schemas.openxmlformats.org/drawingml/2006/main" xmlns:r="http://schemas.openxmlformats.org/officeDocument/2006/relationships" xmlns:p="http://schemas.openxmlformats.org/presentationml/2006/main">
   <p:cSld>
     <p:spTree>
@@ -20580,7 +21821,7 @@
           </p:nvPr>
         </p:nvPicPr>
         <p:blipFill>
-          <a:blip r:embed="rId2"/>
+          <a:blip r:embed="rId3"/>
           <a:stretch>
             <a:fillRect/>
           </a:stretch>
@@ -20671,7 +21912,7 @@
           <a:p>
             <a:fld id="{DBA1B0FB-D917-4C8C-928F-313BD683BF39}" type="slidenum">
               <a:rPr lang="en-US" smtClean="0"/>
-              <a:t>7</a:t>
+              <a:t>8</a:t>
             </a:fld>
             <a:endParaRPr lang="en-US"/>
           </a:p>
@@ -20690,7 +21931,7 @@
 </p:sld>
 </file>
 
-<file path=ppt/slides/slide8.xml><?xml version="1.0" encoding="utf-8"?>
+<file path=ppt/slides/slide9.xml><?xml version="1.0" encoding="utf-8"?>
 <p:sld xmlns:a="http://schemas.openxmlformats.org/drawingml/2006/main" xmlns:r="http://schemas.openxmlformats.org/officeDocument/2006/relationships" xmlns:p="http://schemas.openxmlformats.org/presentationml/2006/main">
   <p:cSld>
     <p:spTree>
@@ -20769,34 +22010,9 @@
             <a:fld id="{DBA1B0FB-D917-4C8C-928F-313BD683BF39}" type="slidenum">
               <a:rPr lang="en-US" smtClean="0"/>
               <a:pPr/>
-              <a:t>8</a:t>
+              <a:t>9</a:t>
             </a:fld>
             <a:endParaRPr lang="en-US"/>
-          </a:p>
-        </p:txBody>
-      </p:sp>
-      <p:sp>
-        <p:nvSpPr>
-          <p:cNvPr id="3" name="Content Placeholder 2">
-            <a:extLst>
-              <a:ext uri="{FF2B5EF4-FFF2-40B4-BE49-F238E27FC236}">
-                <a16:creationId xmlns:a16="http://schemas.microsoft.com/office/drawing/2014/main" id="{001F032B-0F96-F84A-93E7-B77E5A8D8A46}"/>
-              </a:ext>
-            </a:extLst>
-          </p:cNvPr>
-          <p:cNvSpPr>
-            <a:spLocks noGrp="1"/>
-          </p:cNvSpPr>
-          <p:nvPr>
-            <p:ph idx="1"/>
-          </p:nvPr>
-        </p:nvSpPr>
-        <p:spPr/>
-        <p:txBody>
-          <a:bodyPr/>
-          <a:lstStyle/>
-          <a:p>
-            <a:endParaRPr lang="en-US" dirty="0"/>
           </a:p>
         </p:txBody>
       </p:sp>
@@ -20834,2027 +22050,6 @@
     <p:extLst>
       <p:ext uri="{BB962C8B-B14F-4D97-AF65-F5344CB8AC3E}">
         <p14:creationId xmlns:p14="http://schemas.microsoft.com/office/powerpoint/2010/main" val="3715402759"/>
-      </p:ext>
-    </p:extLst>
-  </p:cSld>
-  <p:clrMapOvr>
-    <a:masterClrMapping/>
-  </p:clrMapOvr>
-</p:sld>
-</file>
-
-<file path=ppt/slides/slide9.xml><?xml version="1.0" encoding="utf-8"?>
-<p:sld xmlns:a="http://schemas.openxmlformats.org/drawingml/2006/main" xmlns:r="http://schemas.openxmlformats.org/officeDocument/2006/relationships" xmlns:p="http://schemas.openxmlformats.org/presentationml/2006/main">
-  <p:cSld>
-    <p:bg>
-      <p:bgPr>
-        <a:solidFill>
-          <a:schemeClr val="bg2"/>
-        </a:solidFill>
-        <a:effectLst/>
-      </p:bgPr>
-    </p:bg>
-    <p:spTree>
-      <p:nvGrpSpPr>
-        <p:cNvPr id="1" name=""/>
-        <p:cNvGrpSpPr/>
-        <p:nvPr/>
-      </p:nvGrpSpPr>
-      <p:grpSpPr>
-        <a:xfrm>
-          <a:off x="0" y="0"/>
-          <a:ext cx="0" cy="0"/>
-          <a:chOff x="0" y="0"/>
-          <a:chExt cx="0" cy="0"/>
-        </a:xfrm>
-      </p:grpSpPr>
-      <p:sp>
-        <p:nvSpPr>
-          <p:cNvPr id="21" name="Freeform: Shape 20">
-            <a:extLst>
-              <a:ext uri="{FF2B5EF4-FFF2-40B4-BE49-F238E27FC236}">
-                <a16:creationId xmlns:a16="http://schemas.microsoft.com/office/drawing/2014/main" id="{82184FF4-7029-4ED7-813A-192E60608764}"/>
-              </a:ext>
-              <a:ext uri="{C183D7F6-B498-43B3-948B-1728B52AA6E4}">
-                <adec:decorative xmlns:adec="http://schemas.microsoft.com/office/drawing/2017/decorative" val="1"/>
-              </a:ext>
-            </a:extLst>
-          </p:cNvPr>
-          <p:cNvSpPr>
-            <a:spLocks noGrp="1" noRot="1" noChangeAspect="1" noMove="1" noResize="1" noEditPoints="1" noAdjustHandles="1" noChangeArrowheads="1" noChangeShapeType="1" noTextEdit="1"/>
-          </p:cNvSpPr>
-          <p:nvPr>
-            <p:extLst>
-              <p:ext uri="{386F3935-93C4-4BCD-93E2-E3B085C9AB24}">
-                <p16:designElem xmlns:p16="http://schemas.microsoft.com/office/powerpoint/2015/main" val="1"/>
-              </p:ext>
-            </p:extLst>
-          </p:nvPr>
-        </p:nvSpPr>
-        <p:spPr>
-          <a:xfrm rot="2700000">
-            <a:off x="612445" y="481888"/>
-            <a:ext cx="1080000" cy="1262947"/>
-          </a:xfrm>
-          <a:custGeom>
-            <a:avLst/>
-            <a:gdLst/>
-            <a:ahLst/>
-            <a:cxnLst/>
-            <a:rect l="l" t="t" r="r" b="b"/>
-            <a:pathLst>
-              <a:path w="1080000" h="1262947">
-                <a:moveTo>
-                  <a:pt x="540000" y="0"/>
-                </a:moveTo>
-                <a:lnTo>
-                  <a:pt x="1064374" y="931034"/>
-                </a:lnTo>
-                <a:lnTo>
-                  <a:pt x="1069029" y="938533"/>
-                </a:lnTo>
-                <a:cubicBezTo>
-                  <a:pt x="1076223" y="956109"/>
-                  <a:pt x="1080000" y="974307"/>
-                  <a:pt x="1080000" y="992947"/>
-                </a:cubicBezTo>
-                <a:cubicBezTo>
-                  <a:pt x="1080000" y="1142064"/>
-                  <a:pt x="838234" y="1262947"/>
-                  <a:pt x="540000" y="1262947"/>
-                </a:cubicBezTo>
-                <a:cubicBezTo>
-                  <a:pt x="241766" y="1262947"/>
-                  <a:pt x="0" y="1142064"/>
-                  <a:pt x="0" y="992947"/>
-                </a:cubicBezTo>
-                <a:cubicBezTo>
-                  <a:pt x="0" y="974307"/>
-                  <a:pt x="3778" y="956109"/>
-                  <a:pt x="10971" y="938533"/>
-                </a:cubicBezTo>
-                <a:lnTo>
-                  <a:pt x="15626" y="931034"/>
-                </a:lnTo>
-                <a:lnTo>
-                  <a:pt x="540000" y="0"/>
-                </a:lnTo>
-                <a:close/>
-              </a:path>
-            </a:pathLst>
-          </a:custGeom>
-          <a:gradFill>
-            <a:gsLst>
-              <a:gs pos="60000">
-                <a:schemeClr val="bg2">
-                  <a:lumMod val="90000"/>
-                  <a:lumOff val="10000"/>
-                </a:schemeClr>
-              </a:gs>
-              <a:gs pos="30000">
-                <a:schemeClr val="bg2">
-                  <a:lumMod val="90000"/>
-                  <a:lumOff val="10000"/>
-                </a:schemeClr>
-              </a:gs>
-              <a:gs pos="40000">
-                <a:schemeClr val="bg2">
-                  <a:lumMod val="75000"/>
-                  <a:lumOff val="25000"/>
-                </a:schemeClr>
-              </a:gs>
-              <a:gs pos="100000">
-                <a:schemeClr val="bg2"/>
-              </a:gs>
-            </a:gsLst>
-            <a:lin ang="600000" scaled="0"/>
-          </a:gradFill>
-          <a:ln>
-            <a:noFill/>
-          </a:ln>
-          <a:effectLst>
-            <a:innerShdw blurRad="254000" dist="101600" dir="2700000">
-              <a:schemeClr val="accent1">
-                <a:lumMod val="60000"/>
-                <a:lumOff val="40000"/>
-                <a:alpha val="40000"/>
-              </a:schemeClr>
-            </a:innerShdw>
-          </a:effectLst>
-        </p:spPr>
-        <p:style>
-          <a:lnRef idx="2">
-            <a:schemeClr val="accent1">
-              <a:shade val="50000"/>
-            </a:schemeClr>
-          </a:lnRef>
-          <a:fillRef idx="1">
-            <a:schemeClr val="accent1"/>
-          </a:fillRef>
-          <a:effectRef idx="0">
-            <a:schemeClr val="accent1"/>
-          </a:effectRef>
-          <a:fontRef idx="minor">
-            <a:schemeClr val="lt1"/>
-          </a:fontRef>
-        </p:style>
-        <p:txBody>
-          <a:bodyPr rot="0" spcFirstLastPara="0" vertOverflow="overflow" horzOverflow="overflow" vert="horz" wrap="square" lIns="91440" tIns="45720" rIns="91440" bIns="45720" numCol="1" spcCol="0" rtlCol="0" fromWordArt="0" anchor="ctr" anchorCtr="0" forceAA="0" compatLnSpc="1">
-            <a:prstTxWarp prst="textNoShape">
-              <a:avLst/>
-            </a:prstTxWarp>
-            <a:noAutofit/>
-          </a:bodyPr>
-          <a:lstStyle/>
-          <a:p>
-            <a:pPr algn="ctr"/>
-            <a:endParaRPr lang="en-US"/>
-          </a:p>
-        </p:txBody>
-      </p:sp>
-      <p:sp>
-        <p:nvSpPr>
-          <p:cNvPr id="23" name="Oval 22">
-            <a:extLst>
-              <a:ext uri="{FF2B5EF4-FFF2-40B4-BE49-F238E27FC236}">
-                <a16:creationId xmlns:a16="http://schemas.microsoft.com/office/drawing/2014/main" id="{AAA7AB09-557C-41AD-9113-FF9F68FA1035}"/>
-              </a:ext>
-              <a:ext uri="{C183D7F6-B498-43B3-948B-1728B52AA6E4}">
-                <adec:decorative xmlns:adec="http://schemas.microsoft.com/office/drawing/2017/decorative" val="1"/>
-              </a:ext>
-            </a:extLst>
-          </p:cNvPr>
-          <p:cNvSpPr>
-            <a:spLocks noGrp="1" noRot="1" noChangeAspect="1" noMove="1" noResize="1" noEditPoints="1" noAdjustHandles="1" noChangeArrowheads="1" noChangeShapeType="1" noTextEdit="1"/>
-          </p:cNvSpPr>
-          <p:nvPr>
-            <p:extLst>
-              <p:ext uri="{386F3935-93C4-4BCD-93E2-E3B085C9AB24}">
-                <p16:designElem xmlns:p16="http://schemas.microsoft.com/office/powerpoint/2015/main" val="1"/>
-              </p:ext>
-            </p:extLst>
-          </p:nvPr>
-        </p:nvSpPr>
-        <p:spPr>
-          <a:xfrm rot="8100000">
-            <a:off x="626845" y="828962"/>
-            <a:ext cx="540000" cy="1080000"/>
-          </a:xfrm>
-          <a:prstGeom prst="ellipse">
-            <a:avLst/>
-          </a:prstGeom>
-          <a:gradFill>
-            <a:gsLst>
-              <a:gs pos="100000">
-                <a:schemeClr val="bg2">
-                  <a:lumMod val="90000"/>
-                  <a:lumOff val="10000"/>
-                </a:schemeClr>
-              </a:gs>
-              <a:gs pos="50000">
-                <a:schemeClr val="bg2">
-                  <a:lumMod val="95000"/>
-                  <a:lumOff val="5000"/>
-                </a:schemeClr>
-              </a:gs>
-            </a:gsLst>
-            <a:lin ang="5400000" scaled="0"/>
-          </a:gradFill>
-          <a:ln>
-            <a:noFill/>
-          </a:ln>
-          <a:effectLst>
-            <a:innerShdw blurRad="1270000" dist="2540000">
-              <a:schemeClr val="accent1">
-                <a:lumMod val="60000"/>
-                <a:lumOff val="40000"/>
-                <a:alpha val="0"/>
-              </a:schemeClr>
-            </a:innerShdw>
-          </a:effectLst>
-        </p:spPr>
-        <p:style>
-          <a:lnRef idx="2">
-            <a:schemeClr val="accent1">
-              <a:shade val="50000"/>
-            </a:schemeClr>
-          </a:lnRef>
-          <a:fillRef idx="1">
-            <a:schemeClr val="accent1"/>
-          </a:fillRef>
-          <a:effectRef idx="0">
-            <a:schemeClr val="accent1"/>
-          </a:effectRef>
-          <a:fontRef idx="minor">
-            <a:schemeClr val="lt1"/>
-          </a:fontRef>
-        </p:style>
-        <p:txBody>
-          <a:bodyPr rot="0" spcFirstLastPara="0" vertOverflow="overflow" horzOverflow="overflow" vert="horz" wrap="square" lIns="91440" tIns="45720" rIns="91440" bIns="45720" numCol="1" spcCol="0" rtlCol="0" fromWordArt="0" anchor="ctr" anchorCtr="0" forceAA="0" compatLnSpc="1">
-            <a:prstTxWarp prst="textNoShape">
-              <a:avLst/>
-            </a:prstTxWarp>
-            <a:noAutofit/>
-          </a:bodyPr>
-          <a:lstStyle/>
-          <a:p>
-            <a:pPr algn="ctr"/>
-            <a:endParaRPr lang="en-US"/>
-          </a:p>
-        </p:txBody>
-      </p:sp>
-      <p:sp>
-        <p:nvSpPr>
-          <p:cNvPr id="25" name="Oval 24">
-            <a:extLst>
-              <a:ext uri="{FF2B5EF4-FFF2-40B4-BE49-F238E27FC236}">
-                <a16:creationId xmlns:a16="http://schemas.microsoft.com/office/drawing/2014/main" id="{EF99ECAA-1F11-4937-BBA6-51935AB44C9D}"/>
-              </a:ext>
-              <a:ext uri="{C183D7F6-B498-43B3-948B-1728B52AA6E4}">
-                <adec:decorative xmlns:adec="http://schemas.microsoft.com/office/drawing/2017/decorative" val="1"/>
-              </a:ext>
-            </a:extLst>
-          </p:cNvPr>
-          <p:cNvSpPr>
-            <a:spLocks noGrp="1" noRot="1" noChangeAspect="1" noMove="1" noResize="1" noEditPoints="1" noAdjustHandles="1" noChangeArrowheads="1" noChangeShapeType="1" noTextEdit="1"/>
-          </p:cNvSpPr>
-          <p:nvPr>
-            <p:extLst>
-              <p:ext uri="{386F3935-93C4-4BCD-93E2-E3B085C9AB24}">
-                <p16:designElem xmlns:p16="http://schemas.microsoft.com/office/powerpoint/2015/main" val="1"/>
-              </p:ext>
-            </p:extLst>
-          </p:nvPr>
-        </p:nvSpPr>
-        <p:spPr>
-          <a:xfrm>
-            <a:off x="1800802" y="2472855"/>
-            <a:ext cx="360000" cy="360000"/>
-          </a:xfrm>
-          <a:prstGeom prst="ellipse">
-            <a:avLst/>
-          </a:prstGeom>
-          <a:gradFill flip="none" rotWithShape="1">
-            <a:gsLst>
-              <a:gs pos="100000">
-                <a:schemeClr val="bg2">
-                  <a:lumMod val="50000"/>
-                  <a:lumOff val="50000"/>
-                </a:schemeClr>
-              </a:gs>
-              <a:gs pos="60000">
-                <a:schemeClr val="bg2"/>
-              </a:gs>
-            </a:gsLst>
-            <a:path path="circle">
-              <a:fillToRect l="100000" b="100000"/>
-            </a:path>
-            <a:tileRect t="-100000" r="-100000"/>
-          </a:gradFill>
-          <a:ln>
-            <a:noFill/>
-          </a:ln>
-          <a:effectLst>
-            <a:innerShdw blurRad="127000" dist="63500" dir="2700000">
-              <a:schemeClr val="accent1">
-                <a:lumMod val="60000"/>
-                <a:lumOff val="40000"/>
-                <a:alpha val="20000"/>
-              </a:schemeClr>
-            </a:innerShdw>
-            <a:softEdge rad="0"/>
-          </a:effectLst>
-        </p:spPr>
-        <p:style>
-          <a:lnRef idx="2">
-            <a:schemeClr val="accent1">
-              <a:shade val="50000"/>
-            </a:schemeClr>
-          </a:lnRef>
-          <a:fillRef idx="1">
-            <a:schemeClr val="accent1"/>
-          </a:fillRef>
-          <a:effectRef idx="0">
-            <a:schemeClr val="accent1"/>
-          </a:effectRef>
-          <a:fontRef idx="minor">
-            <a:schemeClr val="lt1"/>
-          </a:fontRef>
-        </p:style>
-        <p:txBody>
-          <a:bodyPr rot="0" spcFirstLastPara="0" vertOverflow="overflow" horzOverflow="overflow" vert="horz" wrap="square" lIns="91440" tIns="45720" rIns="91440" bIns="45720" numCol="1" spcCol="0" rtlCol="0" fromWordArt="0" anchor="ctr" anchorCtr="0" forceAA="0" compatLnSpc="1">
-            <a:prstTxWarp prst="textNoShape">
-              <a:avLst/>
-            </a:prstTxWarp>
-            <a:noAutofit/>
-          </a:bodyPr>
-          <a:lstStyle/>
-          <a:p>
-            <a:pPr algn="ctr"/>
-            <a:endParaRPr lang="en-US"/>
-          </a:p>
-        </p:txBody>
-      </p:sp>
-      <p:grpSp>
-        <p:nvGrpSpPr>
-          <p:cNvPr id="27" name="Group 26">
-            <a:extLst>
-              <a:ext uri="{FF2B5EF4-FFF2-40B4-BE49-F238E27FC236}">
-                <a16:creationId xmlns:a16="http://schemas.microsoft.com/office/drawing/2014/main" id="{79DE9FAB-6BBA-4CFE-B67D-77B47F01ECA4}"/>
-              </a:ext>
-              <a:ext uri="{C183D7F6-B498-43B3-948B-1728B52AA6E4}">
-                <adec:decorative xmlns:adec="http://schemas.microsoft.com/office/drawing/2017/decorative" val="1"/>
-              </a:ext>
-            </a:extLst>
-          </p:cNvPr>
-          <p:cNvGrpSpPr>
-            <a:grpSpLocks noGrp="1" noUngrp="1" noRot="1" noChangeAspect="1" noMove="1" noResize="1"/>
-          </p:cNvGrpSpPr>
-          <p:nvPr>
-            <p:extLst>
-              <p:ext uri="{386F3935-93C4-4BCD-93E2-E3B085C9AB24}">
-                <p16:designElem xmlns:p16="http://schemas.microsoft.com/office/powerpoint/2015/main" val="1"/>
-              </p:ext>
-            </p:extLst>
-          </p:nvPr>
-        </p:nvGrpSpPr>
-        <p:grpSpPr>
-          <a:xfrm>
-            <a:off x="1329952" y="4524379"/>
-            <a:ext cx="1980001" cy="1363916"/>
-            <a:chOff x="4879602" y="3781429"/>
-            <a:chExt cx="1980001" cy="1363916"/>
-          </a:xfrm>
-        </p:grpSpPr>
-        <p:sp>
-          <p:nvSpPr>
-            <p:cNvPr id="28" name="Freeform: Shape 27">
-              <a:extLst>
-                <a:ext uri="{FF2B5EF4-FFF2-40B4-BE49-F238E27FC236}">
-                  <a16:creationId xmlns:a16="http://schemas.microsoft.com/office/drawing/2014/main" id="{79FAC916-D9BB-4794-81B4-7C47C67E850D}"/>
-                </a:ext>
-                <a:ext uri="{C183D7F6-B498-43B3-948B-1728B52AA6E4}">
-                  <adec:decorative xmlns:adec="http://schemas.microsoft.com/office/drawing/2017/decorative" val="1"/>
-                </a:ext>
-              </a:extLst>
-            </p:cNvPr>
-            <p:cNvSpPr>
-              <a:spLocks noChangeAspect="1"/>
-            </p:cNvSpPr>
-            <p:nvPr>
-              <p:extLst>
-                <p:ext uri="{386F3935-93C4-4BCD-93E2-E3B085C9AB24}">
-                  <p16:designElem xmlns:p16="http://schemas.microsoft.com/office/powerpoint/2015/main" val="1"/>
-                </p:ext>
-              </p:extLst>
-            </p:nvPr>
-          </p:nvSpPr>
-          <p:spPr>
-            <a:xfrm rot="18900000" flipV="1">
-              <a:off x="5005634" y="4191206"/>
-              <a:ext cx="1853969" cy="926985"/>
-            </a:xfrm>
-            <a:custGeom>
-              <a:avLst/>
-              <a:gdLst>
-                <a:gd name="connsiteX0" fmla="*/ 1329373 w 2658746"/>
-                <a:gd name="connsiteY0" fmla="*/ 0 h 1329373"/>
-                <a:gd name="connsiteX1" fmla="*/ 2658746 w 2658746"/>
-                <a:gd name="connsiteY1" fmla="*/ 1329373 h 1329373"/>
-                <a:gd name="connsiteX2" fmla="*/ 1994059 w 2658746"/>
-                <a:gd name="connsiteY2" fmla="*/ 1329373 h 1329373"/>
-                <a:gd name="connsiteX3" fmla="*/ 1329373 w 2658746"/>
-                <a:gd name="connsiteY3" fmla="*/ 664687 h 1329373"/>
-                <a:gd name="connsiteX4" fmla="*/ 664687 w 2658746"/>
-                <a:gd name="connsiteY4" fmla="*/ 1329373 h 1329373"/>
-                <a:gd name="connsiteX5" fmla="*/ 0 w 2658746"/>
-                <a:gd name="connsiteY5" fmla="*/ 1329373 h 1329373"/>
-                <a:gd name="connsiteX6" fmla="*/ 1329373 w 2658746"/>
-                <a:gd name="connsiteY6" fmla="*/ 0 h 1329373"/>
-              </a:gdLst>
-              <a:ahLst/>
-              <a:cxnLst>
-                <a:cxn ang="0">
-                  <a:pos x="connsiteX0" y="connsiteY0"/>
-                </a:cxn>
-                <a:cxn ang="0">
-                  <a:pos x="connsiteX1" y="connsiteY1"/>
-                </a:cxn>
-                <a:cxn ang="0">
-                  <a:pos x="connsiteX2" y="connsiteY2"/>
-                </a:cxn>
-                <a:cxn ang="0">
-                  <a:pos x="connsiteX3" y="connsiteY3"/>
-                </a:cxn>
-                <a:cxn ang="0">
-                  <a:pos x="connsiteX4" y="connsiteY4"/>
-                </a:cxn>
-                <a:cxn ang="0">
-                  <a:pos x="connsiteX5" y="connsiteY5"/>
-                </a:cxn>
-                <a:cxn ang="0">
-                  <a:pos x="connsiteX6" y="connsiteY6"/>
-                </a:cxn>
-              </a:cxnLst>
-              <a:rect l="l" t="t" r="r" b="b"/>
-              <a:pathLst>
-                <a:path w="2658746" h="1329373">
-                  <a:moveTo>
-                    <a:pt x="1329373" y="0"/>
-                  </a:moveTo>
-                  <a:cubicBezTo>
-                    <a:pt x="2063565" y="0"/>
-                    <a:pt x="2658746" y="595181"/>
-                    <a:pt x="2658746" y="1329373"/>
-                  </a:cubicBezTo>
-                  <a:lnTo>
-                    <a:pt x="1994059" y="1329373"/>
-                  </a:lnTo>
-                  <a:cubicBezTo>
-                    <a:pt x="1994059" y="962277"/>
-                    <a:pt x="1696469" y="664687"/>
-                    <a:pt x="1329373" y="664687"/>
-                  </a:cubicBezTo>
-                  <a:cubicBezTo>
-                    <a:pt x="962277" y="664687"/>
-                    <a:pt x="664687" y="962277"/>
-                    <a:pt x="664687" y="1329373"/>
-                  </a:cubicBezTo>
-                  <a:lnTo>
-                    <a:pt x="0" y="1329373"/>
-                  </a:lnTo>
-                  <a:cubicBezTo>
-                    <a:pt x="0" y="595181"/>
-                    <a:pt x="595181" y="0"/>
-                    <a:pt x="1329373" y="0"/>
-                  </a:cubicBezTo>
-                  <a:close/>
-                </a:path>
-              </a:pathLst>
-            </a:custGeom>
-            <a:solidFill>
-              <a:schemeClr val="bg2"/>
-            </a:solidFill>
-            <a:ln>
-              <a:noFill/>
-            </a:ln>
-            <a:effectLst>
-              <a:innerShdw blurRad="254000" dist="50800" dir="16200000">
-                <a:schemeClr val="accent1">
-                  <a:lumMod val="40000"/>
-                  <a:lumOff val="60000"/>
-                  <a:alpha val="40000"/>
-                </a:schemeClr>
-              </a:innerShdw>
-            </a:effectLst>
-          </p:spPr>
-          <p:style>
-            <a:lnRef idx="2">
-              <a:schemeClr val="accent1">
-                <a:shade val="50000"/>
-              </a:schemeClr>
-            </a:lnRef>
-            <a:fillRef idx="1">
-              <a:schemeClr val="accent1"/>
-            </a:fillRef>
-            <a:effectRef idx="0">
-              <a:schemeClr val="accent1"/>
-            </a:effectRef>
-            <a:fontRef idx="minor">
-              <a:schemeClr val="lt1"/>
-            </a:fontRef>
-          </p:style>
-          <p:txBody>
-            <a:bodyPr rtlCol="0" anchor="ctr"/>
-            <a:lstStyle/>
-            <a:p>
-              <a:pPr algn="ctr"/>
-              <a:endParaRPr lang="en-US" dirty="0"/>
-            </a:p>
-          </p:txBody>
-        </p:sp>
-        <p:sp>
-          <p:nvSpPr>
-            <p:cNvPr id="29" name="Freeform: Shape 28">
-              <a:extLst>
-                <a:ext uri="{FF2B5EF4-FFF2-40B4-BE49-F238E27FC236}">
-                  <a16:creationId xmlns:a16="http://schemas.microsoft.com/office/drawing/2014/main" id="{B5CA2231-7A65-4D16-8400-A210CC41DB73}"/>
-                </a:ext>
-                <a:ext uri="{C183D7F6-B498-43B3-948B-1728B52AA6E4}">
-                  <adec:decorative xmlns:adec="http://schemas.microsoft.com/office/drawing/2017/decorative" val="1"/>
-                </a:ext>
-              </a:extLst>
-            </p:cNvPr>
-            <p:cNvSpPr>
-              <a:spLocks noChangeAspect="1"/>
-            </p:cNvSpPr>
-            <p:nvPr>
-              <p:extLst>
-                <p:ext uri="{386F3935-93C4-4BCD-93E2-E3B085C9AB24}">
-                  <p16:designElem xmlns:p16="http://schemas.microsoft.com/office/powerpoint/2015/main" val="1"/>
-                </p:ext>
-              </p:extLst>
-            </p:nvPr>
-          </p:nvSpPr>
-          <p:spPr>
-            <a:xfrm rot="18900000" flipV="1">
-              <a:off x="4957101" y="4052255"/>
-              <a:ext cx="1853969" cy="1093090"/>
-            </a:xfrm>
-            <a:custGeom>
-              <a:avLst/>
-              <a:gdLst>
-                <a:gd name="connsiteX0" fmla="*/ 1329373 w 2658746"/>
-                <a:gd name="connsiteY0" fmla="*/ 0 h 1329373"/>
-                <a:gd name="connsiteX1" fmla="*/ 2658746 w 2658746"/>
-                <a:gd name="connsiteY1" fmla="*/ 1329373 h 1329373"/>
-                <a:gd name="connsiteX2" fmla="*/ 1994059 w 2658746"/>
-                <a:gd name="connsiteY2" fmla="*/ 1329373 h 1329373"/>
-                <a:gd name="connsiteX3" fmla="*/ 1329373 w 2658746"/>
-                <a:gd name="connsiteY3" fmla="*/ 664687 h 1329373"/>
-                <a:gd name="connsiteX4" fmla="*/ 664687 w 2658746"/>
-                <a:gd name="connsiteY4" fmla="*/ 1329373 h 1329373"/>
-                <a:gd name="connsiteX5" fmla="*/ 0 w 2658746"/>
-                <a:gd name="connsiteY5" fmla="*/ 1329373 h 1329373"/>
-                <a:gd name="connsiteX6" fmla="*/ 1329373 w 2658746"/>
-                <a:gd name="connsiteY6" fmla="*/ 0 h 1329373"/>
-              </a:gdLst>
-              <a:ahLst/>
-              <a:cxnLst>
-                <a:cxn ang="0">
-                  <a:pos x="connsiteX0" y="connsiteY0"/>
-                </a:cxn>
-                <a:cxn ang="0">
-                  <a:pos x="connsiteX1" y="connsiteY1"/>
-                </a:cxn>
-                <a:cxn ang="0">
-                  <a:pos x="connsiteX2" y="connsiteY2"/>
-                </a:cxn>
-                <a:cxn ang="0">
-                  <a:pos x="connsiteX3" y="connsiteY3"/>
-                </a:cxn>
-                <a:cxn ang="0">
-                  <a:pos x="connsiteX4" y="connsiteY4"/>
-                </a:cxn>
-                <a:cxn ang="0">
-                  <a:pos x="connsiteX5" y="connsiteY5"/>
-                </a:cxn>
-                <a:cxn ang="0">
-                  <a:pos x="connsiteX6" y="connsiteY6"/>
-                </a:cxn>
-              </a:cxnLst>
-              <a:rect l="l" t="t" r="r" b="b"/>
-              <a:pathLst>
-                <a:path w="2658746" h="1329373">
-                  <a:moveTo>
-                    <a:pt x="1329373" y="0"/>
-                  </a:moveTo>
-                  <a:cubicBezTo>
-                    <a:pt x="2063565" y="0"/>
-                    <a:pt x="2658746" y="595181"/>
-                    <a:pt x="2658746" y="1329373"/>
-                  </a:cubicBezTo>
-                  <a:lnTo>
-                    <a:pt x="1994059" y="1329373"/>
-                  </a:lnTo>
-                  <a:cubicBezTo>
-                    <a:pt x="1994059" y="962277"/>
-                    <a:pt x="1696469" y="664687"/>
-                    <a:pt x="1329373" y="664687"/>
-                  </a:cubicBezTo>
-                  <a:cubicBezTo>
-                    <a:pt x="962277" y="664687"/>
-                    <a:pt x="664687" y="962277"/>
-                    <a:pt x="664687" y="1329373"/>
-                  </a:cubicBezTo>
-                  <a:lnTo>
-                    <a:pt x="0" y="1329373"/>
-                  </a:lnTo>
-                  <a:cubicBezTo>
-                    <a:pt x="0" y="595181"/>
-                    <a:pt x="595181" y="0"/>
-                    <a:pt x="1329373" y="0"/>
-                  </a:cubicBezTo>
-                  <a:close/>
-                </a:path>
-              </a:pathLst>
-            </a:custGeom>
-            <a:solidFill>
-              <a:schemeClr val="bg2">
-                <a:lumMod val="50000"/>
-                <a:lumOff val="50000"/>
-                <a:alpha val="40000"/>
-              </a:schemeClr>
-            </a:solidFill>
-            <a:ln>
-              <a:noFill/>
-            </a:ln>
-            <a:effectLst>
-              <a:softEdge rad="190500"/>
-            </a:effectLst>
-          </p:spPr>
-          <p:style>
-            <a:lnRef idx="2">
-              <a:schemeClr val="accent1">
-                <a:shade val="50000"/>
-              </a:schemeClr>
-            </a:lnRef>
-            <a:fillRef idx="1">
-              <a:schemeClr val="accent1"/>
-            </a:fillRef>
-            <a:effectRef idx="0">
-              <a:schemeClr val="accent1"/>
-            </a:effectRef>
-            <a:fontRef idx="minor">
-              <a:schemeClr val="lt1"/>
-            </a:fontRef>
-          </p:style>
-          <p:txBody>
-            <a:bodyPr rtlCol="0" anchor="ctr"/>
-            <a:lstStyle/>
-            <a:p>
-              <a:pPr algn="ctr"/>
-              <a:endParaRPr lang="en-US" dirty="0">
-                <a:solidFill>
-                  <a:schemeClr val="tx1"/>
-                </a:solidFill>
-              </a:endParaRPr>
-            </a:p>
-          </p:txBody>
-        </p:sp>
-        <p:sp>
-          <p:nvSpPr>
-            <p:cNvPr id="30" name="Oval 29">
-              <a:extLst>
-                <a:ext uri="{FF2B5EF4-FFF2-40B4-BE49-F238E27FC236}">
-                  <a16:creationId xmlns:a16="http://schemas.microsoft.com/office/drawing/2014/main" id="{4B089C8C-B82B-4704-88E2-E857A5E21529}"/>
-                </a:ext>
-                <a:ext uri="{C183D7F6-B498-43B3-948B-1728B52AA6E4}">
-                  <adec:decorative xmlns:adec="http://schemas.microsoft.com/office/drawing/2017/decorative" val="1"/>
-                </a:ext>
-              </a:extLst>
-            </p:cNvPr>
-            <p:cNvSpPr/>
-            <p:nvPr>
-              <p:extLst>
-                <p:ext uri="{386F3935-93C4-4BCD-93E2-E3B085C9AB24}">
-                  <p16:designElem xmlns:p16="http://schemas.microsoft.com/office/powerpoint/2015/main" val="1"/>
-                </p:ext>
-              </p:extLst>
-            </p:nvPr>
-          </p:nvSpPr>
-          <p:spPr>
-            <a:xfrm rot="13500000" flipV="1">
-              <a:off x="6040374" y="3601683"/>
-              <a:ext cx="107098" cy="466589"/>
-            </a:xfrm>
-            <a:prstGeom prst="ellipse">
-              <a:avLst/>
-            </a:prstGeom>
-            <a:solidFill>
-              <a:schemeClr val="bg2">
-                <a:lumMod val="90000"/>
-                <a:lumOff val="10000"/>
-              </a:schemeClr>
-            </a:solidFill>
-            <a:ln>
-              <a:noFill/>
-            </a:ln>
-            <a:effectLst>
-              <a:innerShdw blurRad="63500" dist="2540000">
-                <a:schemeClr val="accent1">
-                  <a:lumMod val="60000"/>
-                  <a:lumOff val="40000"/>
-                  <a:alpha val="0"/>
-                </a:schemeClr>
-              </a:innerShdw>
-            </a:effectLst>
-          </p:spPr>
-          <p:style>
-            <a:lnRef idx="2">
-              <a:schemeClr val="accent1">
-                <a:shade val="50000"/>
-              </a:schemeClr>
-            </a:lnRef>
-            <a:fillRef idx="1">
-              <a:schemeClr val="accent1"/>
-            </a:fillRef>
-            <a:effectRef idx="0">
-              <a:schemeClr val="accent1"/>
-            </a:effectRef>
-            <a:fontRef idx="minor">
-              <a:schemeClr val="lt1"/>
-            </a:fontRef>
-          </p:style>
-          <p:txBody>
-            <a:bodyPr rot="0" spcFirstLastPara="0" vertOverflow="overflow" horzOverflow="overflow" vert="horz" wrap="square" lIns="91440" tIns="45720" rIns="91440" bIns="45720" numCol="1" spcCol="0" rtlCol="0" fromWordArt="0" anchor="ctr" anchorCtr="0" forceAA="0" compatLnSpc="1">
-              <a:prstTxWarp prst="textNoShape">
-                <a:avLst/>
-              </a:prstTxWarp>
-              <a:noAutofit/>
-            </a:bodyPr>
-            <a:lstStyle/>
-            <a:p>
-              <a:pPr algn="ctr"/>
-              <a:endParaRPr lang="en-US"/>
-            </a:p>
-          </p:txBody>
-        </p:sp>
-        <p:sp>
-          <p:nvSpPr>
-            <p:cNvPr id="31" name="Oval 30">
-              <a:extLst>
-                <a:ext uri="{FF2B5EF4-FFF2-40B4-BE49-F238E27FC236}">
-                  <a16:creationId xmlns:a16="http://schemas.microsoft.com/office/drawing/2014/main" id="{434B90C8-5B4D-456E-AD99-80EF748FDD72}"/>
-                </a:ext>
-                <a:ext uri="{C183D7F6-B498-43B3-948B-1728B52AA6E4}">
-                  <adec:decorative xmlns:adec="http://schemas.microsoft.com/office/drawing/2017/decorative" val="1"/>
-                </a:ext>
-              </a:extLst>
-            </p:cNvPr>
-            <p:cNvSpPr/>
-            <p:nvPr>
-              <p:extLst>
-                <p:ext uri="{386F3935-93C4-4BCD-93E2-E3B085C9AB24}">
-                  <p16:designElem xmlns:p16="http://schemas.microsoft.com/office/powerpoint/2015/main" val="1"/>
-                </p:ext>
-              </p:extLst>
-            </p:nvPr>
-          </p:nvSpPr>
-          <p:spPr>
-            <a:xfrm rot="13500000" flipV="1">
-              <a:off x="5059348" y="4582709"/>
-              <a:ext cx="107098" cy="466589"/>
-            </a:xfrm>
-            <a:prstGeom prst="ellipse">
-              <a:avLst/>
-            </a:prstGeom>
-            <a:solidFill>
-              <a:schemeClr val="bg2">
-                <a:lumMod val="90000"/>
-                <a:lumOff val="10000"/>
-              </a:schemeClr>
-            </a:solidFill>
-            <a:ln>
-              <a:noFill/>
-            </a:ln>
-            <a:effectLst>
-              <a:innerShdw blurRad="63500" dist="2540000">
-                <a:schemeClr val="accent1">
-                  <a:lumMod val="60000"/>
-                  <a:lumOff val="40000"/>
-                  <a:alpha val="0"/>
-                </a:schemeClr>
-              </a:innerShdw>
-            </a:effectLst>
-          </p:spPr>
-          <p:style>
-            <a:lnRef idx="2">
-              <a:schemeClr val="accent1">
-                <a:shade val="50000"/>
-              </a:schemeClr>
-            </a:lnRef>
-            <a:fillRef idx="1">
-              <a:schemeClr val="accent1"/>
-            </a:fillRef>
-            <a:effectRef idx="0">
-              <a:schemeClr val="accent1"/>
-            </a:effectRef>
-            <a:fontRef idx="minor">
-              <a:schemeClr val="lt1"/>
-            </a:fontRef>
-          </p:style>
-          <p:txBody>
-            <a:bodyPr rot="0" spcFirstLastPara="0" vertOverflow="overflow" horzOverflow="overflow" vert="horz" wrap="square" lIns="91440" tIns="45720" rIns="91440" bIns="45720" numCol="1" spcCol="0" rtlCol="0" fromWordArt="0" anchor="ctr" anchorCtr="0" forceAA="0" compatLnSpc="1">
-              <a:prstTxWarp prst="textNoShape">
-                <a:avLst/>
-              </a:prstTxWarp>
-              <a:noAutofit/>
-            </a:bodyPr>
-            <a:lstStyle/>
-            <a:p>
-              <a:pPr algn="ctr"/>
-              <a:endParaRPr lang="en-US"/>
-            </a:p>
-          </p:txBody>
-        </p:sp>
-      </p:grpSp>
-      <p:sp useBgFill="1">
-        <p:nvSpPr>
-          <p:cNvPr id="33" name="Rectangle 32">
-            <a:extLst>
-              <a:ext uri="{FF2B5EF4-FFF2-40B4-BE49-F238E27FC236}">
-                <a16:creationId xmlns:a16="http://schemas.microsoft.com/office/drawing/2014/main" id="{1DB043B4-68C6-45B9-82AC-A5800EADB8DB}"/>
-              </a:ext>
-              <a:ext uri="{C183D7F6-B498-43B3-948B-1728B52AA6E4}">
-                <adec:decorative xmlns:adec="http://schemas.microsoft.com/office/drawing/2017/decorative" val="1"/>
-              </a:ext>
-            </a:extLst>
-          </p:cNvPr>
-          <p:cNvSpPr>
-            <a:spLocks noGrp="1" noRot="1" noChangeAspect="1" noMove="1" noResize="1" noEditPoints="1" noAdjustHandles="1" noChangeArrowheads="1" noChangeShapeType="1" noTextEdit="1"/>
-          </p:cNvSpPr>
-          <p:nvPr>
-            <p:extLst>
-              <p:ext uri="{386F3935-93C4-4BCD-93E2-E3B085C9AB24}">
-                <p16:designElem xmlns:p16="http://schemas.microsoft.com/office/powerpoint/2015/main" val="1"/>
-              </p:ext>
-            </p:extLst>
-          </p:nvPr>
-        </p:nvSpPr>
-        <p:spPr>
-          <a:xfrm>
-            <a:off x="0" y="0"/>
-            <a:ext cx="12192000" cy="6858000"/>
-          </a:xfrm>
-          <a:prstGeom prst="rect">
-            <a:avLst/>
-          </a:prstGeom>
-          <a:ln w="12700" cap="flat" cmpd="sng" algn="ctr">
-            <a:noFill/>
-            <a:prstDash val="solid"/>
-            <a:miter lim="800000"/>
-          </a:ln>
-          <a:effectLst/>
-          <a:extLst>
-            <a:ext uri="{91240B29-F687-4F45-9708-019B960494DF}">
-              <a14:hiddenLine xmlns:a14="http://schemas.microsoft.com/office/drawing/2010/main" w="12700" cap="flat" cmpd="sng" algn="ctr">
-                <a:solidFill>
-                  <a:schemeClr val="accent1">
-                    <a:shade val="50000"/>
-                  </a:schemeClr>
-                </a:solidFill>
-                <a:prstDash val="solid"/>
-                <a:miter lim="800000"/>
-              </a14:hiddenLine>
-            </a:ext>
-          </a:extLst>
-        </p:spPr>
-        <p:style>
-          <a:lnRef idx="2">
-            <a:schemeClr val="accent1">
-              <a:shade val="50000"/>
-            </a:schemeClr>
-          </a:lnRef>
-          <a:fillRef idx="1">
-            <a:schemeClr val="accent1"/>
-          </a:fillRef>
-          <a:effectRef idx="0">
-            <a:schemeClr val="accent1"/>
-          </a:effectRef>
-          <a:fontRef idx="minor">
-            <a:schemeClr val="lt1"/>
-          </a:fontRef>
-        </p:style>
-        <p:txBody>
-          <a:bodyPr rtlCol="0" anchor="ctr"/>
-          <a:lstStyle/>
-          <a:p>
-            <a:pPr algn="ctr"/>
-            <a:endParaRPr lang="en-US"/>
-          </a:p>
-        </p:txBody>
-      </p:sp>
-      <p:sp>
-        <p:nvSpPr>
-          <p:cNvPr id="35" name="Oval 34">
-            <a:extLst>
-              <a:ext uri="{FF2B5EF4-FFF2-40B4-BE49-F238E27FC236}">
-                <a16:creationId xmlns:a16="http://schemas.microsoft.com/office/drawing/2014/main" id="{28A00A08-E4E6-4184-B484-E0E034072AE0}"/>
-              </a:ext>
-              <a:ext uri="{C183D7F6-B498-43B3-948B-1728B52AA6E4}">
-                <adec:decorative xmlns:adec="http://schemas.microsoft.com/office/drawing/2017/decorative" val="1"/>
-              </a:ext>
-            </a:extLst>
-          </p:cNvPr>
-          <p:cNvSpPr>
-            <a:spLocks noGrp="1" noRot="1" noChangeAspect="1" noMove="1" noResize="1" noEditPoints="1" noAdjustHandles="1" noChangeArrowheads="1" noChangeShapeType="1" noTextEdit="1"/>
-          </p:cNvSpPr>
-          <p:nvPr>
-            <p:extLst>
-              <p:ext uri="{386F3935-93C4-4BCD-93E2-E3B085C9AB24}">
-                <p16:designElem xmlns:p16="http://schemas.microsoft.com/office/powerpoint/2015/main" val="1"/>
-              </p:ext>
-            </p:extLst>
-          </p:nvPr>
-        </p:nvSpPr>
-        <p:spPr>
-          <a:xfrm>
-            <a:off x="281171" y="1388266"/>
-            <a:ext cx="360000" cy="360000"/>
-          </a:xfrm>
-          <a:prstGeom prst="ellipse">
-            <a:avLst/>
-          </a:prstGeom>
-          <a:gradFill flip="none" rotWithShape="1">
-            <a:gsLst>
-              <a:gs pos="100000">
-                <a:schemeClr val="bg2">
-                  <a:lumMod val="50000"/>
-                  <a:lumOff val="50000"/>
-                </a:schemeClr>
-              </a:gs>
-              <a:gs pos="60000">
-                <a:schemeClr val="bg2"/>
-              </a:gs>
-            </a:gsLst>
-            <a:path path="circle">
-              <a:fillToRect l="100000" b="100000"/>
-            </a:path>
-            <a:tileRect t="-100000" r="-100000"/>
-          </a:gradFill>
-          <a:ln>
-            <a:noFill/>
-          </a:ln>
-          <a:effectLst>
-            <a:innerShdw blurRad="127000" dist="63500" dir="2700000">
-              <a:schemeClr val="accent1">
-                <a:lumMod val="60000"/>
-                <a:lumOff val="40000"/>
-                <a:alpha val="20000"/>
-              </a:schemeClr>
-            </a:innerShdw>
-            <a:softEdge rad="0"/>
-          </a:effectLst>
-        </p:spPr>
-        <p:style>
-          <a:lnRef idx="2">
-            <a:schemeClr val="accent1">
-              <a:shade val="50000"/>
-            </a:schemeClr>
-          </a:lnRef>
-          <a:fillRef idx="1">
-            <a:schemeClr val="accent1"/>
-          </a:fillRef>
-          <a:effectRef idx="0">
-            <a:schemeClr val="accent1"/>
-          </a:effectRef>
-          <a:fontRef idx="minor">
-            <a:schemeClr val="lt1"/>
-          </a:fontRef>
-        </p:style>
-        <p:txBody>
-          <a:bodyPr rot="0" spcFirstLastPara="0" vertOverflow="overflow" horzOverflow="overflow" vert="horz" wrap="square" lIns="91440" tIns="45720" rIns="91440" bIns="45720" numCol="1" spcCol="0" rtlCol="0" fromWordArt="0" anchor="ctr" anchorCtr="0" forceAA="0" compatLnSpc="1">
-            <a:prstTxWarp prst="textNoShape">
-              <a:avLst/>
-            </a:prstTxWarp>
-            <a:noAutofit/>
-          </a:bodyPr>
-          <a:lstStyle/>
-          <a:p>
-            <a:pPr algn="ctr"/>
-            <a:endParaRPr lang="en-US"/>
-          </a:p>
-        </p:txBody>
-      </p:sp>
-      <p:grpSp>
-        <p:nvGrpSpPr>
-          <p:cNvPr id="37" name="Group 36">
-            <a:extLst>
-              <a:ext uri="{FF2B5EF4-FFF2-40B4-BE49-F238E27FC236}">
-                <a16:creationId xmlns:a16="http://schemas.microsoft.com/office/drawing/2014/main" id="{0780E404-3121-4F33-AF2D-65F659A97798}"/>
-              </a:ext>
-              <a:ext uri="{C183D7F6-B498-43B3-948B-1728B52AA6E4}">
-                <adec:decorative xmlns:adec="http://schemas.microsoft.com/office/drawing/2017/decorative" val="1"/>
-              </a:ext>
-            </a:extLst>
-          </p:cNvPr>
-          <p:cNvGrpSpPr>
-            <a:grpSpLocks noGrp="1" noUngrp="1" noRot="1" noChangeAspect="1" noMove="1" noResize="1"/>
-          </p:cNvGrpSpPr>
-          <p:nvPr>
-            <p:extLst>
-              <p:ext uri="{386F3935-93C4-4BCD-93E2-E3B085C9AB24}">
-                <p16:designElem xmlns:p16="http://schemas.microsoft.com/office/powerpoint/2015/main" val="1"/>
-              </p:ext>
-            </p:extLst>
-          </p:nvPr>
-        </p:nvGrpSpPr>
-        <p:grpSpPr>
-          <a:xfrm>
-            <a:off x="2727675" y="288981"/>
-            <a:ext cx="1262947" cy="1335600"/>
-            <a:chOff x="2678417" y="2427951"/>
-            <a:chExt cx="1262947" cy="1335600"/>
-          </a:xfrm>
-        </p:grpSpPr>
-        <p:sp>
-          <p:nvSpPr>
-            <p:cNvPr id="38" name="Freeform: Shape 37">
-              <a:extLst>
-                <a:ext uri="{FF2B5EF4-FFF2-40B4-BE49-F238E27FC236}">
-                  <a16:creationId xmlns:a16="http://schemas.microsoft.com/office/drawing/2014/main" id="{2339341D-8322-49F1-91DA-6D115CCAE7AB}"/>
-                </a:ext>
-                <a:ext uri="{C183D7F6-B498-43B3-948B-1728B52AA6E4}">
-                  <adec:decorative xmlns:adec="http://schemas.microsoft.com/office/drawing/2017/decorative" val="1"/>
-                </a:ext>
-              </a:extLst>
-            </p:cNvPr>
-            <p:cNvSpPr>
-              <a:spLocks noChangeAspect="1"/>
-            </p:cNvSpPr>
-            <p:nvPr>
-              <p:extLst>
-                <p:ext uri="{386F3935-93C4-4BCD-93E2-E3B085C9AB24}">
-                  <p16:designElem xmlns:p16="http://schemas.microsoft.com/office/powerpoint/2015/main" val="1"/>
-                </p:ext>
-              </p:extLst>
-            </p:nvPr>
-          </p:nvSpPr>
-          <p:spPr>
-            <a:xfrm rot="2700000">
-              <a:off x="2769891" y="2336477"/>
-              <a:ext cx="1080000" cy="1262947"/>
-            </a:xfrm>
-            <a:custGeom>
-              <a:avLst/>
-              <a:gdLst>
-                <a:gd name="connsiteX0" fmla="*/ 540000 w 1080000"/>
-                <a:gd name="connsiteY0" fmla="*/ 0 h 1262947"/>
-                <a:gd name="connsiteX1" fmla="*/ 1080000 w 1080000"/>
-                <a:gd name="connsiteY1" fmla="*/ 931034 h 1262947"/>
-                <a:gd name="connsiteX2" fmla="*/ 1064374 w 1080000"/>
-                <a:gd name="connsiteY2" fmla="*/ 931034 h 1262947"/>
-                <a:gd name="connsiteX3" fmla="*/ 1069029 w 1080000"/>
-                <a:gd name="connsiteY3" fmla="*/ 938533 h 1262947"/>
-                <a:gd name="connsiteX4" fmla="*/ 1080000 w 1080000"/>
-                <a:gd name="connsiteY4" fmla="*/ 992947 h 1262947"/>
-                <a:gd name="connsiteX5" fmla="*/ 540000 w 1080000"/>
-                <a:gd name="connsiteY5" fmla="*/ 1262947 h 1262947"/>
-                <a:gd name="connsiteX6" fmla="*/ 0 w 1080000"/>
-                <a:gd name="connsiteY6" fmla="*/ 992947 h 1262947"/>
-                <a:gd name="connsiteX7" fmla="*/ 10971 w 1080000"/>
-                <a:gd name="connsiteY7" fmla="*/ 938533 h 1262947"/>
-                <a:gd name="connsiteX8" fmla="*/ 15626 w 1080000"/>
-                <a:gd name="connsiteY8" fmla="*/ 931034 h 1262947"/>
-                <a:gd name="connsiteX9" fmla="*/ 0 w 1080000"/>
-                <a:gd name="connsiteY9" fmla="*/ 931034 h 1262947"/>
-                <a:gd name="connsiteX0" fmla="*/ 540000 w 1080000"/>
-                <a:gd name="connsiteY0" fmla="*/ 0 h 1262947"/>
-                <a:gd name="connsiteX1" fmla="*/ 1080000 w 1080000"/>
-                <a:gd name="connsiteY1" fmla="*/ 931034 h 1262947"/>
-                <a:gd name="connsiteX2" fmla="*/ 1064374 w 1080000"/>
-                <a:gd name="connsiteY2" fmla="*/ 931034 h 1262947"/>
-                <a:gd name="connsiteX3" fmla="*/ 1069029 w 1080000"/>
-                <a:gd name="connsiteY3" fmla="*/ 938533 h 1262947"/>
-                <a:gd name="connsiteX4" fmla="*/ 1080000 w 1080000"/>
-                <a:gd name="connsiteY4" fmla="*/ 992947 h 1262947"/>
-                <a:gd name="connsiteX5" fmla="*/ 540000 w 1080000"/>
-                <a:gd name="connsiteY5" fmla="*/ 1262947 h 1262947"/>
-                <a:gd name="connsiteX6" fmla="*/ 0 w 1080000"/>
-                <a:gd name="connsiteY6" fmla="*/ 992947 h 1262947"/>
-                <a:gd name="connsiteX7" fmla="*/ 10971 w 1080000"/>
-                <a:gd name="connsiteY7" fmla="*/ 938533 h 1262947"/>
-                <a:gd name="connsiteX8" fmla="*/ 15626 w 1080000"/>
-                <a:gd name="connsiteY8" fmla="*/ 931034 h 1262947"/>
-                <a:gd name="connsiteX9" fmla="*/ 540000 w 1080000"/>
-                <a:gd name="connsiteY9" fmla="*/ 0 h 1262947"/>
-                <a:gd name="connsiteX0" fmla="*/ 540000 w 1080000"/>
-                <a:gd name="connsiteY0" fmla="*/ 0 h 1262947"/>
-                <a:gd name="connsiteX1" fmla="*/ 1064374 w 1080000"/>
-                <a:gd name="connsiteY1" fmla="*/ 931034 h 1262947"/>
-                <a:gd name="connsiteX2" fmla="*/ 1069029 w 1080000"/>
-                <a:gd name="connsiteY2" fmla="*/ 938533 h 1262947"/>
-                <a:gd name="connsiteX3" fmla="*/ 1080000 w 1080000"/>
-                <a:gd name="connsiteY3" fmla="*/ 992947 h 1262947"/>
-                <a:gd name="connsiteX4" fmla="*/ 540000 w 1080000"/>
-                <a:gd name="connsiteY4" fmla="*/ 1262947 h 1262947"/>
-                <a:gd name="connsiteX5" fmla="*/ 0 w 1080000"/>
-                <a:gd name="connsiteY5" fmla="*/ 992947 h 1262947"/>
-                <a:gd name="connsiteX6" fmla="*/ 10971 w 1080000"/>
-                <a:gd name="connsiteY6" fmla="*/ 938533 h 1262947"/>
-                <a:gd name="connsiteX7" fmla="*/ 15626 w 1080000"/>
-                <a:gd name="connsiteY7" fmla="*/ 931034 h 1262947"/>
-                <a:gd name="connsiteX8" fmla="*/ 540000 w 1080000"/>
-                <a:gd name="connsiteY8" fmla="*/ 0 h 1262947"/>
-              </a:gdLst>
-              <a:ahLst/>
-              <a:cxnLst>
-                <a:cxn ang="0">
-                  <a:pos x="connsiteX0" y="connsiteY0"/>
-                </a:cxn>
-                <a:cxn ang="0">
-                  <a:pos x="connsiteX1" y="connsiteY1"/>
-                </a:cxn>
-                <a:cxn ang="0">
-                  <a:pos x="connsiteX2" y="connsiteY2"/>
-                </a:cxn>
-                <a:cxn ang="0">
-                  <a:pos x="connsiteX3" y="connsiteY3"/>
-                </a:cxn>
-                <a:cxn ang="0">
-                  <a:pos x="connsiteX4" y="connsiteY4"/>
-                </a:cxn>
-                <a:cxn ang="0">
-                  <a:pos x="connsiteX5" y="connsiteY5"/>
-                </a:cxn>
-                <a:cxn ang="0">
-                  <a:pos x="connsiteX6" y="connsiteY6"/>
-                </a:cxn>
-                <a:cxn ang="0">
-                  <a:pos x="connsiteX7" y="connsiteY7"/>
-                </a:cxn>
-                <a:cxn ang="0">
-                  <a:pos x="connsiteX8" y="connsiteY8"/>
-                </a:cxn>
-              </a:cxnLst>
-              <a:rect l="l" t="t" r="r" b="b"/>
-              <a:pathLst>
-                <a:path w="1080000" h="1262947">
-                  <a:moveTo>
-                    <a:pt x="540000" y="0"/>
-                  </a:moveTo>
-                  <a:lnTo>
-                    <a:pt x="1064374" y="931034"/>
-                  </a:lnTo>
-                  <a:lnTo>
-                    <a:pt x="1069029" y="938533"/>
-                  </a:lnTo>
-                  <a:cubicBezTo>
-                    <a:pt x="1076223" y="956109"/>
-                    <a:pt x="1080000" y="974307"/>
-                    <a:pt x="1080000" y="992947"/>
-                  </a:cubicBezTo>
-                  <a:cubicBezTo>
-                    <a:pt x="1080000" y="1142064"/>
-                    <a:pt x="838234" y="1262947"/>
-                    <a:pt x="540000" y="1262947"/>
-                  </a:cubicBezTo>
-                  <a:cubicBezTo>
-                    <a:pt x="241766" y="1262947"/>
-                    <a:pt x="0" y="1142064"/>
-                    <a:pt x="0" y="992947"/>
-                  </a:cubicBezTo>
-                  <a:cubicBezTo>
-                    <a:pt x="0" y="974307"/>
-                    <a:pt x="3778" y="956109"/>
-                    <a:pt x="10971" y="938533"/>
-                  </a:cubicBezTo>
-                  <a:lnTo>
-                    <a:pt x="15626" y="931034"/>
-                  </a:lnTo>
-                  <a:lnTo>
-                    <a:pt x="540000" y="0"/>
-                  </a:lnTo>
-                  <a:close/>
-                </a:path>
-              </a:pathLst>
-            </a:custGeom>
-            <a:gradFill>
-              <a:gsLst>
-                <a:gs pos="60000">
-                  <a:schemeClr val="bg2">
-                    <a:lumMod val="90000"/>
-                    <a:lumOff val="10000"/>
-                  </a:schemeClr>
-                </a:gs>
-                <a:gs pos="30000">
-                  <a:schemeClr val="bg2">
-                    <a:lumMod val="90000"/>
-                    <a:lumOff val="10000"/>
-                  </a:schemeClr>
-                </a:gs>
-                <a:gs pos="40000">
-                  <a:schemeClr val="bg2">
-                    <a:lumMod val="75000"/>
-                    <a:lumOff val="25000"/>
-                  </a:schemeClr>
-                </a:gs>
-                <a:gs pos="100000">
-                  <a:schemeClr val="bg2"/>
-                </a:gs>
-              </a:gsLst>
-              <a:lin ang="600000" scaled="0"/>
-            </a:gradFill>
-            <a:ln>
-              <a:noFill/>
-            </a:ln>
-            <a:effectLst>
-              <a:innerShdw blurRad="254000" dist="101600" dir="2700000">
-                <a:schemeClr val="accent1">
-                  <a:lumMod val="60000"/>
-                  <a:lumOff val="40000"/>
-                  <a:alpha val="40000"/>
-                </a:schemeClr>
-              </a:innerShdw>
-            </a:effectLst>
-          </p:spPr>
-          <p:style>
-            <a:lnRef idx="2">
-              <a:schemeClr val="accent1">
-                <a:shade val="50000"/>
-              </a:schemeClr>
-            </a:lnRef>
-            <a:fillRef idx="1">
-              <a:schemeClr val="accent1"/>
-            </a:fillRef>
-            <a:effectRef idx="0">
-              <a:schemeClr val="accent1"/>
-            </a:effectRef>
-            <a:fontRef idx="minor">
-              <a:schemeClr val="lt1"/>
-            </a:fontRef>
-          </p:style>
-          <p:txBody>
-            <a:bodyPr rot="0" spcFirstLastPara="0" vertOverflow="overflow" horzOverflow="overflow" vert="horz" wrap="square" lIns="91440" tIns="45720" rIns="91440" bIns="45720" numCol="1" spcCol="0" rtlCol="0" fromWordArt="0" anchor="ctr" anchorCtr="0" forceAA="0" compatLnSpc="1">
-              <a:prstTxWarp prst="textNoShape">
-                <a:avLst/>
-              </a:prstTxWarp>
-              <a:noAutofit/>
-            </a:bodyPr>
-            <a:lstStyle/>
-            <a:p>
-              <a:pPr algn="ctr"/>
-              <a:endParaRPr lang="en-US"/>
-            </a:p>
-          </p:txBody>
-        </p:sp>
-        <p:sp>
-          <p:nvSpPr>
-            <p:cNvPr id="39" name="Oval 38">
-              <a:extLst>
-                <a:ext uri="{FF2B5EF4-FFF2-40B4-BE49-F238E27FC236}">
-                  <a16:creationId xmlns:a16="http://schemas.microsoft.com/office/drawing/2014/main" id="{7EB9DB0E-3B0E-411A-9274-448D565CA491}"/>
-                </a:ext>
-                <a:ext uri="{C183D7F6-B498-43B3-948B-1728B52AA6E4}">
-                  <adec:decorative xmlns:adec="http://schemas.microsoft.com/office/drawing/2017/decorative" val="1"/>
-                </a:ext>
-              </a:extLst>
-            </p:cNvPr>
-            <p:cNvSpPr/>
-            <p:nvPr>
-              <p:extLst>
-                <p:ext uri="{386F3935-93C4-4BCD-93E2-E3B085C9AB24}">
-                  <p16:designElem xmlns:p16="http://schemas.microsoft.com/office/powerpoint/2015/main" val="1"/>
-                </p:ext>
-              </p:extLst>
-            </p:nvPr>
-          </p:nvSpPr>
-          <p:spPr>
-            <a:xfrm rot="8100000">
-              <a:off x="2784291" y="2683551"/>
-              <a:ext cx="540000" cy="1080000"/>
-            </a:xfrm>
-            <a:prstGeom prst="ellipse">
-              <a:avLst/>
-            </a:prstGeom>
-            <a:gradFill>
-              <a:gsLst>
-                <a:gs pos="100000">
-                  <a:schemeClr val="bg2">
-                    <a:lumMod val="90000"/>
-                    <a:lumOff val="10000"/>
-                  </a:schemeClr>
-                </a:gs>
-                <a:gs pos="50000">
-                  <a:schemeClr val="bg2">
-                    <a:lumMod val="95000"/>
-                    <a:lumOff val="5000"/>
-                  </a:schemeClr>
-                </a:gs>
-              </a:gsLst>
-              <a:lin ang="5400000" scaled="0"/>
-            </a:gradFill>
-            <a:ln>
-              <a:noFill/>
-            </a:ln>
-            <a:effectLst>
-              <a:innerShdw blurRad="1270000" dist="2540000">
-                <a:schemeClr val="accent1">
-                  <a:lumMod val="60000"/>
-                  <a:lumOff val="40000"/>
-                  <a:alpha val="0"/>
-                </a:schemeClr>
-              </a:innerShdw>
-            </a:effectLst>
-          </p:spPr>
-          <p:style>
-            <a:lnRef idx="2">
-              <a:schemeClr val="accent1">
-                <a:shade val="50000"/>
-              </a:schemeClr>
-            </a:lnRef>
-            <a:fillRef idx="1">
-              <a:schemeClr val="accent1"/>
-            </a:fillRef>
-            <a:effectRef idx="0">
-              <a:schemeClr val="accent1"/>
-            </a:effectRef>
-            <a:fontRef idx="minor">
-              <a:schemeClr val="lt1"/>
-            </a:fontRef>
-          </p:style>
-          <p:txBody>
-            <a:bodyPr rot="0" spcFirstLastPara="0" vertOverflow="overflow" horzOverflow="overflow" vert="horz" wrap="square" lIns="91440" tIns="45720" rIns="91440" bIns="45720" numCol="1" spcCol="0" rtlCol="0" fromWordArt="0" anchor="ctr" anchorCtr="0" forceAA="0" compatLnSpc="1">
-              <a:prstTxWarp prst="textNoShape">
-                <a:avLst/>
-              </a:prstTxWarp>
-              <a:noAutofit/>
-            </a:bodyPr>
-            <a:lstStyle/>
-            <a:p>
-              <a:pPr algn="ctr"/>
-              <a:endParaRPr lang="en-US"/>
-            </a:p>
-          </p:txBody>
-        </p:sp>
-      </p:grpSp>
-      <p:sp>
-        <p:nvSpPr>
-          <p:cNvPr id="2" name="Title 1">
-            <a:extLst>
-              <a:ext uri="{FF2B5EF4-FFF2-40B4-BE49-F238E27FC236}">
-                <a16:creationId xmlns:a16="http://schemas.microsoft.com/office/drawing/2014/main" id="{FCB102D8-1D22-4940-AF19-07CF3A0DC5F4}"/>
-              </a:ext>
-            </a:extLst>
-          </p:cNvPr>
-          <p:cNvSpPr>
-            <a:spLocks noGrp="1"/>
-          </p:cNvSpPr>
-          <p:nvPr>
-            <p:ph type="title"/>
-          </p:nvPr>
-        </p:nvSpPr>
-        <p:spPr>
-          <a:xfrm>
-            <a:off x="146098" y="925847"/>
-            <a:ext cx="3565524" cy="1558071"/>
-          </a:xfrm>
-        </p:spPr>
-        <p:txBody>
-          <a:bodyPr vert="horz" wrap="square" lIns="0" tIns="0" rIns="0" bIns="0" rtlCol="0" anchor="ctr" anchorCtr="0">
-            <a:normAutofit/>
-          </a:bodyPr>
-          <a:lstStyle/>
-          <a:p>
-            <a:pPr>
-              <a:lnSpc>
-                <a:spcPct val="100000"/>
-              </a:lnSpc>
-            </a:pPr>
-            <a:r>
-              <a:rPr lang="en-US" sz="4000" dirty="0"/>
-              <a:t>Does Pricing influence rating</a:t>
-            </a:r>
-          </a:p>
-        </p:txBody>
-      </p:sp>
-      <p:grpSp>
-        <p:nvGrpSpPr>
-          <p:cNvPr id="41" name="Group 40">
-            <a:extLst>
-              <a:ext uri="{FF2B5EF4-FFF2-40B4-BE49-F238E27FC236}">
-                <a16:creationId xmlns:a16="http://schemas.microsoft.com/office/drawing/2014/main" id="{4B158E9A-DBF4-4AA7-B6B7-8C8EB2FBDD68}"/>
-              </a:ext>
-              <a:ext uri="{C183D7F6-B498-43B3-948B-1728B52AA6E4}">
-                <adec:decorative xmlns:adec="http://schemas.microsoft.com/office/drawing/2017/decorative" val="1"/>
-              </a:ext>
-            </a:extLst>
-          </p:cNvPr>
-          <p:cNvGrpSpPr>
-            <a:grpSpLocks noGrp="1" noUngrp="1" noRot="1" noChangeAspect="1" noMove="1" noResize="1"/>
-          </p:cNvGrpSpPr>
-          <p:nvPr>
-            <p:extLst>
-              <p:ext uri="{386F3935-93C4-4BCD-93E2-E3B085C9AB24}">
-                <p16:designElem xmlns:p16="http://schemas.microsoft.com/office/powerpoint/2015/main" val="1"/>
-              </p:ext>
-            </p:extLst>
-          </p:nvPr>
-        </p:nvGrpSpPr>
-        <p:grpSpPr>
-          <a:xfrm>
-            <a:off x="2125249" y="5435090"/>
-            <a:ext cx="762805" cy="734873"/>
-            <a:chOff x="7950336" y="1300590"/>
-            <a:chExt cx="762805" cy="734873"/>
-          </a:xfrm>
-        </p:grpSpPr>
-        <p:sp>
-          <p:nvSpPr>
-            <p:cNvPr id="42" name="Freeform 5">
-              <a:extLst>
-                <a:ext uri="{FF2B5EF4-FFF2-40B4-BE49-F238E27FC236}">
-                  <a16:creationId xmlns:a16="http://schemas.microsoft.com/office/drawing/2014/main" id="{6150ACFD-AEC6-42A3-A5A7-E7AD6B13E03E}"/>
-                </a:ext>
-                <a:ext uri="{C183D7F6-B498-43B3-948B-1728B52AA6E4}">
-                  <adec:decorative xmlns:adec="http://schemas.microsoft.com/office/drawing/2017/decorative" val="1"/>
-                </a:ext>
-              </a:extLst>
-            </p:cNvPr>
-            <p:cNvSpPr>
-              <a:spLocks/>
-            </p:cNvSpPr>
-            <p:nvPr>
-              <p:extLst>
-                <p:ext uri="{386F3935-93C4-4BCD-93E2-E3B085C9AB24}">
-                  <p16:designElem xmlns:p16="http://schemas.microsoft.com/office/powerpoint/2015/main" val="1"/>
-                </p:ext>
-              </p:extLst>
-            </p:nvPr>
-          </p:nvSpPr>
-          <p:spPr bwMode="auto">
-            <a:xfrm rot="3600000">
-              <a:off x="8220298" y="1428832"/>
-              <a:ext cx="621086" cy="364601"/>
-            </a:xfrm>
-            <a:custGeom>
-              <a:avLst/>
-              <a:gdLst>
-                <a:gd name="T0" fmla="*/ 266 w 540"/>
-                <a:gd name="T1" fmla="*/ 0 h 317"/>
-                <a:gd name="T2" fmla="*/ 0 w 540"/>
-                <a:gd name="T3" fmla="*/ 158 h 317"/>
-                <a:gd name="T4" fmla="*/ 266 w 540"/>
-                <a:gd name="T5" fmla="*/ 317 h 317"/>
-                <a:gd name="T6" fmla="*/ 540 w 540"/>
-                <a:gd name="T7" fmla="*/ 158 h 317"/>
-                <a:gd name="T8" fmla="*/ 266 w 540"/>
-                <a:gd name="T9" fmla="*/ 0 h 317"/>
-              </a:gdLst>
-              <a:ahLst/>
-              <a:cxnLst>
-                <a:cxn ang="0">
-                  <a:pos x="T0" y="T1"/>
-                </a:cxn>
-                <a:cxn ang="0">
-                  <a:pos x="T2" y="T3"/>
-                </a:cxn>
-                <a:cxn ang="0">
-                  <a:pos x="T4" y="T5"/>
-                </a:cxn>
-                <a:cxn ang="0">
-                  <a:pos x="T6" y="T7"/>
-                </a:cxn>
-                <a:cxn ang="0">
-                  <a:pos x="T8" y="T9"/>
-                </a:cxn>
-              </a:cxnLst>
-              <a:rect l="0" t="0" r="r" b="b"/>
-              <a:pathLst>
-                <a:path w="540" h="317">
-                  <a:moveTo>
-                    <a:pt x="266" y="0"/>
-                  </a:moveTo>
-                  <a:lnTo>
-                    <a:pt x="0" y="158"/>
-                  </a:lnTo>
-                  <a:lnTo>
-                    <a:pt x="266" y="317"/>
-                  </a:lnTo>
-                  <a:lnTo>
-                    <a:pt x="540" y="158"/>
-                  </a:lnTo>
-                  <a:lnTo>
-                    <a:pt x="266" y="0"/>
-                  </a:lnTo>
-                  <a:close/>
-                </a:path>
-              </a:pathLst>
-            </a:custGeom>
-            <a:gradFill flip="none" rotWithShape="1">
-              <a:gsLst>
-                <a:gs pos="20000">
-                  <a:schemeClr val="bg2">
-                    <a:lumMod val="90000"/>
-                    <a:lumOff val="10000"/>
-                    <a:alpha val="60000"/>
-                  </a:schemeClr>
-                </a:gs>
-                <a:gs pos="100000">
-                  <a:schemeClr val="accent1">
-                    <a:lumMod val="60000"/>
-                    <a:lumOff val="40000"/>
-                    <a:alpha val="60000"/>
-                  </a:schemeClr>
-                </a:gs>
-              </a:gsLst>
-              <a:lin ang="0" scaled="0"/>
-              <a:tileRect/>
-            </a:gradFill>
-            <a:ln>
-              <a:noFill/>
-            </a:ln>
-            <a:effectLst>
-              <a:innerShdw blurRad="254000">
-                <a:schemeClr val="bg2"/>
-              </a:innerShdw>
-            </a:effectLst>
-          </p:spPr>
-          <p:style>
-            <a:lnRef idx="2">
-              <a:schemeClr val="accent1">
-                <a:shade val="50000"/>
-              </a:schemeClr>
-            </a:lnRef>
-            <a:fillRef idx="1">
-              <a:schemeClr val="accent1"/>
-            </a:fillRef>
-            <a:effectRef idx="0">
-              <a:schemeClr val="accent1"/>
-            </a:effectRef>
-            <a:fontRef idx="minor">
-              <a:schemeClr val="lt1"/>
-            </a:fontRef>
-          </p:style>
-          <p:txBody>
-            <a:bodyPr rot="0" spcFirstLastPara="0" vertOverflow="overflow" horzOverflow="overflow" vert="horz" wrap="square" lIns="91440" tIns="45720" rIns="91440" bIns="45720" numCol="1" spcCol="0" rtlCol="0" fromWordArt="0" anchor="ctr" anchorCtr="0" forceAA="0" compatLnSpc="1">
-              <a:prstTxWarp prst="textNoShape">
-                <a:avLst/>
-              </a:prstTxWarp>
-              <a:noAutofit/>
-            </a:bodyPr>
-            <a:lstStyle/>
-            <a:p>
-              <a:pPr algn="ctr"/>
-              <a:endParaRPr lang="en-US"/>
-            </a:p>
-          </p:txBody>
-        </p:sp>
-        <p:sp>
-          <p:nvSpPr>
-            <p:cNvPr id="43" name="Freeform 6">
-              <a:extLst>
-                <a:ext uri="{FF2B5EF4-FFF2-40B4-BE49-F238E27FC236}">
-                  <a16:creationId xmlns:a16="http://schemas.microsoft.com/office/drawing/2014/main" id="{DB4D1217-FEB1-4D2A-80F4-C227B66D72C6}"/>
-                </a:ext>
-                <a:ext uri="{C183D7F6-B498-43B3-948B-1728B52AA6E4}">
-                  <adec:decorative xmlns:adec="http://schemas.microsoft.com/office/drawing/2017/decorative" val="1"/>
-                </a:ext>
-              </a:extLst>
-            </p:cNvPr>
-            <p:cNvSpPr>
-              <a:spLocks/>
-            </p:cNvSpPr>
-            <p:nvPr>
-              <p:extLst>
-                <p:ext uri="{386F3935-93C4-4BCD-93E2-E3B085C9AB24}">
-                  <p16:designElem xmlns:p16="http://schemas.microsoft.com/office/powerpoint/2015/main" val="1"/>
-                </p:ext>
-              </p:extLst>
-            </p:nvPr>
-          </p:nvSpPr>
-          <p:spPr bwMode="auto">
-            <a:xfrm rot="3600000">
-              <a:off x="8066503" y="1339815"/>
-              <a:ext cx="305942" cy="538275"/>
-            </a:xfrm>
-            <a:custGeom>
-              <a:avLst/>
-              <a:gdLst>
-                <a:gd name="T0" fmla="*/ 266 w 266"/>
-                <a:gd name="T1" fmla="*/ 468 h 468"/>
-                <a:gd name="T2" fmla="*/ 0 w 266"/>
-                <a:gd name="T3" fmla="*/ 310 h 468"/>
-                <a:gd name="T4" fmla="*/ 0 w 266"/>
-                <a:gd name="T5" fmla="*/ 310 h 468"/>
-                <a:gd name="T6" fmla="*/ 0 w 266"/>
-                <a:gd name="T7" fmla="*/ 0 h 468"/>
-                <a:gd name="T8" fmla="*/ 0 w 266"/>
-                <a:gd name="T9" fmla="*/ 0 h 468"/>
-                <a:gd name="T10" fmla="*/ 266 w 266"/>
-                <a:gd name="T11" fmla="*/ 159 h 468"/>
-                <a:gd name="T12" fmla="*/ 266 w 266"/>
-                <a:gd name="T13" fmla="*/ 468 h 468"/>
-              </a:gdLst>
-              <a:ahLst/>
-              <a:cxnLst>
-                <a:cxn ang="0">
-                  <a:pos x="T0" y="T1"/>
-                </a:cxn>
-                <a:cxn ang="0">
-                  <a:pos x="T2" y="T3"/>
-                </a:cxn>
-                <a:cxn ang="0">
-                  <a:pos x="T4" y="T5"/>
-                </a:cxn>
-                <a:cxn ang="0">
-                  <a:pos x="T6" y="T7"/>
-                </a:cxn>
-                <a:cxn ang="0">
-                  <a:pos x="T8" y="T9"/>
-                </a:cxn>
-                <a:cxn ang="0">
-                  <a:pos x="T10" y="T11"/>
-                </a:cxn>
-                <a:cxn ang="0">
-                  <a:pos x="T12" y="T13"/>
-                </a:cxn>
-              </a:cxnLst>
-              <a:rect l="0" t="0" r="r" b="b"/>
-              <a:pathLst>
-                <a:path w="266" h="468">
-                  <a:moveTo>
-                    <a:pt x="266" y="468"/>
-                  </a:moveTo>
-                  <a:lnTo>
-                    <a:pt x="0" y="310"/>
-                  </a:lnTo>
-                  <a:lnTo>
-                    <a:pt x="0" y="310"/>
-                  </a:lnTo>
-                  <a:lnTo>
-                    <a:pt x="0" y="0"/>
-                  </a:lnTo>
-                  <a:lnTo>
-                    <a:pt x="0" y="0"/>
-                  </a:lnTo>
-                  <a:lnTo>
-                    <a:pt x="266" y="159"/>
-                  </a:lnTo>
-                  <a:lnTo>
-                    <a:pt x="266" y="468"/>
-                  </a:lnTo>
-                  <a:close/>
-                </a:path>
-              </a:pathLst>
-            </a:custGeom>
-            <a:gradFill flip="none" rotWithShape="1">
-              <a:gsLst>
-                <a:gs pos="20000">
-                  <a:schemeClr val="bg2">
-                    <a:lumMod val="90000"/>
-                    <a:lumOff val="10000"/>
-                    <a:alpha val="60000"/>
-                  </a:schemeClr>
-                </a:gs>
-                <a:gs pos="100000">
-                  <a:schemeClr val="accent1">
-                    <a:lumMod val="60000"/>
-                    <a:lumOff val="40000"/>
-                  </a:schemeClr>
-                </a:gs>
-              </a:gsLst>
-              <a:lin ang="18000000" scaled="0"/>
-              <a:tileRect/>
-            </a:gradFill>
-            <a:ln>
-              <a:noFill/>
-            </a:ln>
-            <a:effectLst>
-              <a:innerShdw blurRad="254000">
-                <a:schemeClr val="bg2">
-                  <a:lumMod val="90000"/>
-                  <a:lumOff val="10000"/>
-                </a:schemeClr>
-              </a:innerShdw>
-            </a:effectLst>
-          </p:spPr>
-          <p:style>
-            <a:lnRef idx="2">
-              <a:schemeClr val="accent1">
-                <a:shade val="50000"/>
-              </a:schemeClr>
-            </a:lnRef>
-            <a:fillRef idx="1">
-              <a:schemeClr val="accent1"/>
-            </a:fillRef>
-            <a:effectRef idx="0">
-              <a:schemeClr val="accent1"/>
-            </a:effectRef>
-            <a:fontRef idx="minor">
-              <a:schemeClr val="lt1"/>
-            </a:fontRef>
-          </p:style>
-          <p:txBody>
-            <a:bodyPr rot="0" spcFirstLastPara="0" vertOverflow="overflow" horzOverflow="overflow" vert="horz" wrap="square" lIns="91440" tIns="45720" rIns="91440" bIns="45720" numCol="1" spcCol="0" rtlCol="0" fromWordArt="0" anchor="ctr" anchorCtr="0" forceAA="0" compatLnSpc="1">
-              <a:prstTxWarp prst="textNoShape">
-                <a:avLst/>
-              </a:prstTxWarp>
-              <a:noAutofit/>
-            </a:bodyPr>
-            <a:lstStyle/>
-            <a:p>
-              <a:pPr algn="ctr"/>
-              <a:endParaRPr lang="en-US"/>
-            </a:p>
-          </p:txBody>
-        </p:sp>
-        <p:sp>
-          <p:nvSpPr>
-            <p:cNvPr id="44" name="Freeform 8">
-              <a:extLst>
-                <a:ext uri="{FF2B5EF4-FFF2-40B4-BE49-F238E27FC236}">
-                  <a16:creationId xmlns:a16="http://schemas.microsoft.com/office/drawing/2014/main" id="{0BCA7138-22BA-4785-8B3D-9D45213E85C9}"/>
-                </a:ext>
-                <a:ext uri="{C183D7F6-B498-43B3-948B-1728B52AA6E4}">
-                  <adec:decorative xmlns:adec="http://schemas.microsoft.com/office/drawing/2017/decorative" val="1"/>
-                </a:ext>
-              </a:extLst>
-            </p:cNvPr>
-            <p:cNvSpPr>
-              <a:spLocks/>
-            </p:cNvSpPr>
-            <p:nvPr>
-              <p:extLst>
-                <p:ext uri="{386F3935-93C4-4BCD-93E2-E3B085C9AB24}">
-                  <p16:designElem xmlns:p16="http://schemas.microsoft.com/office/powerpoint/2015/main" val="1"/>
-                </p:ext>
-              </p:extLst>
-            </p:nvPr>
-          </p:nvSpPr>
-          <p:spPr bwMode="auto">
-            <a:xfrm rot="3600000">
-              <a:off x="8217173" y="1608753"/>
-              <a:ext cx="315144" cy="538275"/>
-            </a:xfrm>
-            <a:custGeom>
-              <a:avLst/>
-              <a:gdLst>
-                <a:gd name="T0" fmla="*/ 274 w 274"/>
-                <a:gd name="T1" fmla="*/ 0 h 468"/>
-                <a:gd name="T2" fmla="*/ 274 w 274"/>
-                <a:gd name="T3" fmla="*/ 310 h 468"/>
-                <a:gd name="T4" fmla="*/ 274 w 274"/>
-                <a:gd name="T5" fmla="*/ 310 h 468"/>
-                <a:gd name="T6" fmla="*/ 0 w 274"/>
-                <a:gd name="T7" fmla="*/ 468 h 468"/>
-                <a:gd name="T8" fmla="*/ 0 w 274"/>
-                <a:gd name="T9" fmla="*/ 159 h 468"/>
-                <a:gd name="T10" fmla="*/ 274 w 274"/>
-                <a:gd name="T11" fmla="*/ 0 h 468"/>
-                <a:gd name="T12" fmla="*/ 274 w 274"/>
-                <a:gd name="T13" fmla="*/ 0 h 468"/>
-              </a:gdLst>
-              <a:ahLst/>
-              <a:cxnLst>
-                <a:cxn ang="0">
-                  <a:pos x="T0" y="T1"/>
-                </a:cxn>
-                <a:cxn ang="0">
-                  <a:pos x="T2" y="T3"/>
-                </a:cxn>
-                <a:cxn ang="0">
-                  <a:pos x="T4" y="T5"/>
-                </a:cxn>
-                <a:cxn ang="0">
-                  <a:pos x="T6" y="T7"/>
-                </a:cxn>
-                <a:cxn ang="0">
-                  <a:pos x="T8" y="T9"/>
-                </a:cxn>
-                <a:cxn ang="0">
-                  <a:pos x="T10" y="T11"/>
-                </a:cxn>
-                <a:cxn ang="0">
-                  <a:pos x="T12" y="T13"/>
-                </a:cxn>
-              </a:cxnLst>
-              <a:rect l="0" t="0" r="r" b="b"/>
-              <a:pathLst>
-                <a:path w="274" h="468">
-                  <a:moveTo>
-                    <a:pt x="274" y="0"/>
-                  </a:moveTo>
-                  <a:lnTo>
-                    <a:pt x="274" y="310"/>
-                  </a:lnTo>
-                  <a:lnTo>
-                    <a:pt x="274" y="310"/>
-                  </a:lnTo>
-                  <a:lnTo>
-                    <a:pt x="0" y="468"/>
-                  </a:lnTo>
-                  <a:lnTo>
-                    <a:pt x="0" y="159"/>
-                  </a:lnTo>
-                  <a:lnTo>
-                    <a:pt x="274" y="0"/>
-                  </a:lnTo>
-                  <a:lnTo>
-                    <a:pt x="274" y="0"/>
-                  </a:lnTo>
-                  <a:close/>
-                </a:path>
-              </a:pathLst>
-            </a:custGeom>
-            <a:gradFill flip="none" rotWithShape="1">
-              <a:gsLst>
-                <a:gs pos="20000">
-                  <a:schemeClr val="bg2">
-                    <a:lumMod val="90000"/>
-                    <a:lumOff val="10000"/>
-                    <a:alpha val="60000"/>
-                  </a:schemeClr>
-                </a:gs>
-                <a:gs pos="100000">
-                  <a:schemeClr val="accent1">
-                    <a:lumMod val="60000"/>
-                    <a:lumOff val="40000"/>
-                    <a:alpha val="60000"/>
-                  </a:schemeClr>
-                </a:gs>
-              </a:gsLst>
-              <a:lin ang="18000000" scaled="0"/>
-              <a:tileRect/>
-            </a:gradFill>
-            <a:ln>
-              <a:noFill/>
-            </a:ln>
-            <a:effectLst>
-              <a:innerShdw blurRad="508000">
-                <a:schemeClr val="bg2"/>
-              </a:innerShdw>
-            </a:effectLst>
-          </p:spPr>
-          <p:style>
-            <a:lnRef idx="2">
-              <a:schemeClr val="accent1">
-                <a:shade val="50000"/>
-              </a:schemeClr>
-            </a:lnRef>
-            <a:fillRef idx="1">
-              <a:schemeClr val="accent1"/>
-            </a:fillRef>
-            <a:effectRef idx="0">
-              <a:schemeClr val="accent1"/>
-            </a:effectRef>
-            <a:fontRef idx="minor">
-              <a:schemeClr val="lt1"/>
-            </a:fontRef>
-          </p:style>
-          <p:txBody>
-            <a:bodyPr rot="0" spcFirstLastPara="0" vertOverflow="overflow" horzOverflow="overflow" vert="horz" wrap="square" lIns="91440" tIns="45720" rIns="91440" bIns="45720" numCol="1" spcCol="0" rtlCol="0" fromWordArt="0" anchor="ctr" anchorCtr="0" forceAA="0" compatLnSpc="1">
-              <a:prstTxWarp prst="textNoShape">
-                <a:avLst/>
-              </a:prstTxWarp>
-              <a:noAutofit/>
-            </a:bodyPr>
-            <a:lstStyle/>
-            <a:p>
-              <a:pPr algn="ctr"/>
-              <a:endParaRPr lang="en-US"/>
-            </a:p>
-          </p:txBody>
-        </p:sp>
-      </p:grpSp>
-      <p:sp>
-        <p:nvSpPr>
-          <p:cNvPr id="16" name="Slide Number Placeholder 15">
-            <a:extLst>
-              <a:ext uri="{FF2B5EF4-FFF2-40B4-BE49-F238E27FC236}">
-                <a16:creationId xmlns:a16="http://schemas.microsoft.com/office/drawing/2014/main" id="{3F8A62C8-5437-4C47-AC0F-0605F84CBA57}"/>
-              </a:ext>
-            </a:extLst>
-          </p:cNvPr>
-          <p:cNvSpPr>
-            <a:spLocks noGrp="1"/>
-          </p:cNvSpPr>
-          <p:nvPr>
-            <p:ph type="sldNum" sz="quarter" idx="12"/>
-          </p:nvPr>
-        </p:nvSpPr>
-        <p:spPr>
-          <a:xfrm>
-            <a:off x="9948863" y="6507212"/>
-            <a:ext cx="1692274" cy="153888"/>
-          </a:xfrm>
-        </p:spPr>
-        <p:txBody>
-          <a:bodyPr vert="horz" wrap="square" lIns="0" tIns="0" rIns="0" bIns="0" rtlCol="0" anchor="ctr">
-            <a:normAutofit/>
-          </a:bodyPr>
-          <a:lstStyle/>
-          <a:p>
-            <a:pPr>
-              <a:spcAft>
-                <a:spcPts val="600"/>
-              </a:spcAft>
-            </a:pPr>
-            <a:fld id="{DBA1B0FB-D917-4C8C-928F-313BD683BF39}" type="slidenum">
-              <a:rPr lang="en-US" smtClean="0">
-                <a:solidFill>
-                  <a:schemeClr val="tx1">
-                    <a:alpha val="80000"/>
-                  </a:schemeClr>
-                </a:solidFill>
-              </a:rPr>
-              <a:pPr>
-                <a:spcAft>
-                  <a:spcPts val="600"/>
-                </a:spcAft>
-              </a:pPr>
-              <a:t>9</a:t>
-            </a:fld>
-            <a:endParaRPr lang="en-US">
-              <a:solidFill>
-                <a:schemeClr val="tx1">
-                  <a:alpha val="80000"/>
-                </a:schemeClr>
-              </a:solidFill>
-            </a:endParaRPr>
-          </a:p>
-        </p:txBody>
-      </p:sp>
-      <p:pic>
-        <p:nvPicPr>
-          <p:cNvPr id="6" name="Picture 5" descr="Chart, scatter chart&#10;&#10;Description automatically generated">
-            <a:extLst>
-              <a:ext uri="{FF2B5EF4-FFF2-40B4-BE49-F238E27FC236}">
-                <a16:creationId xmlns:a16="http://schemas.microsoft.com/office/drawing/2014/main" id="{73537540-7E2A-DC02-872C-9001D570A8D5}"/>
-              </a:ext>
-            </a:extLst>
-          </p:cNvPr>
-          <p:cNvPicPr>
-            <a:picLocks noChangeAspect="1"/>
-          </p:cNvPicPr>
-          <p:nvPr/>
-        </p:nvPicPr>
-        <p:blipFill>
-          <a:blip r:embed="rId3"/>
-          <a:stretch>
-            <a:fillRect/>
-          </a:stretch>
-        </p:blipFill>
-        <p:spPr>
-          <a:xfrm>
-            <a:off x="4023071" y="921219"/>
-            <a:ext cx="7857480" cy="5184502"/>
-          </a:xfrm>
-          <a:prstGeom prst="rect">
-            <a:avLst/>
-          </a:prstGeom>
-        </p:spPr>
-      </p:pic>
-      <p:sp>
-        <p:nvSpPr>
-          <p:cNvPr id="7" name="TextBox 6">
-            <a:extLst>
-              <a:ext uri="{FF2B5EF4-FFF2-40B4-BE49-F238E27FC236}">
-                <a16:creationId xmlns:a16="http://schemas.microsoft.com/office/drawing/2014/main" id="{2368CB51-60EB-DF8D-7943-9CD1DB307A1A}"/>
-              </a:ext>
-            </a:extLst>
-          </p:cNvPr>
-          <p:cNvSpPr txBox="1"/>
-          <p:nvPr/>
-        </p:nvSpPr>
-        <p:spPr>
-          <a:xfrm>
-            <a:off x="164565" y="3456168"/>
-            <a:ext cx="3112035" cy="461665"/>
-          </a:xfrm>
-          <a:prstGeom prst="rect">
-            <a:avLst/>
-          </a:prstGeom>
-          <a:noFill/>
-        </p:spPr>
-        <p:txBody>
-          <a:bodyPr wrap="square" rtlCol="0">
-            <a:spAutoFit/>
-          </a:bodyPr>
-          <a:lstStyle/>
-          <a:p>
-            <a:r>
-              <a:rPr lang="en-US" sz="2400" dirty="0"/>
-              <a:t>R-Square Value is: 0.28</a:t>
-            </a:r>
-          </a:p>
-        </p:txBody>
-      </p:sp>
-    </p:spTree>
-    <p:extLst>
-      <p:ext uri="{BB962C8B-B14F-4D97-AF65-F5344CB8AC3E}">
-        <p14:creationId xmlns:p14="http://schemas.microsoft.com/office/powerpoint/2010/main" val="2496947791"/>
       </p:ext>
     </p:extLst>
   </p:cSld>
@@ -23656,15 +22851,6 @@
 </file>
 
 <file path=customXml/item1.xml><?xml version="1.0" encoding="utf-8"?>
-<?mso-contentType ?>
-<FormTemplates xmlns="http://schemas.microsoft.com/sharepoint/v3/contenttype/forms">
-  <Display>DocumentLibraryForm</Display>
-  <Edit>DocumentLibraryForm</Edit>
-  <New>DocumentLibraryForm</New>
-</FormTemplates>
-</file>
-
-<file path=customXml/item2.xml><?xml version="1.0" encoding="utf-8"?>
 <ct:contentTypeSchema xmlns:ct="http://schemas.microsoft.com/office/2006/metadata/contentType" xmlns:ma="http://schemas.microsoft.com/office/2006/metadata/properties/metaAttributes" ct:_="" ma:_="" ma:contentTypeName="Document" ma:contentTypeID="0x01010079F111ED35F8CC479449609E8A0923A6" ma:contentTypeVersion="18" ma:contentTypeDescription="Create a new document." ma:contentTypeScope="" ma:versionID="22a266b9fa9a230c5a512669d8b298c3">
   <xsd:schema xmlns:xsd="http://www.w3.org/2001/XMLSchema" xmlns:xs="http://www.w3.org/2001/XMLSchema" xmlns:p="http://schemas.microsoft.com/office/2006/metadata/properties" xmlns:ns1="http://schemas.microsoft.com/sharepoint/v3" xmlns:ns2="71af3243-3dd4-4a8d-8c0d-dd76da1f02a5" xmlns:ns3="16c05727-aa75-4e4a-9b5f-8a80a1165891" xmlns:ns4="230e9df3-be65-4c73-a93b-d1236ebd677e" targetNamespace="http://schemas.microsoft.com/office/2006/metadata/properties" ma:root="true" ma:fieldsID="eddc33fff6b14141ee5c74a0d29ea6a1" ns1:_="" ns2:_="" ns3:_="" ns4:_="">
     <xsd:import namespace="http://schemas.microsoft.com/sharepoint/v3"/>
@@ -23940,6 +23126,15 @@
 </ct:contentTypeSchema>
 </file>
 
+<file path=customXml/item2.xml><?xml version="1.0" encoding="utf-8"?>
+<?mso-contentType ?>
+<FormTemplates xmlns="http://schemas.microsoft.com/sharepoint/v3/contenttype/forms">
+  <Display>DocumentLibraryForm</Display>
+  <Edit>DocumentLibraryForm</Edit>
+  <New>DocumentLibraryForm</New>
+</FormTemplates>
+</file>
+
 <file path=customXml/item3.xml><?xml version="1.0" encoding="utf-8"?>
 <p:properties xmlns:p="http://schemas.microsoft.com/office/2006/metadata/properties" xmlns:xsi="http://www.w3.org/2001/XMLSchema-instance" xmlns:pc="http://schemas.microsoft.com/office/infopath/2007/PartnerControls">
   <documentManagement>
@@ -23960,14 +23155,6 @@
 </file>
 
 <file path=customXml/itemProps1.xml><?xml version="1.0" encoding="utf-8"?>
-<ds:datastoreItem xmlns:ds="http://schemas.openxmlformats.org/officeDocument/2006/customXml" ds:itemID="{904751AB-E840-446F-8D49-E697067EC887}">
-  <ds:schemaRefs>
-    <ds:schemaRef ds:uri="http://schemas.microsoft.com/sharepoint/v3/contenttype/forms"/>
-  </ds:schemaRefs>
-</ds:datastoreItem>
-</file>
-
-<file path=customXml/itemProps2.xml><?xml version="1.0" encoding="utf-8"?>
 <ds:datastoreItem xmlns:ds="http://schemas.openxmlformats.org/officeDocument/2006/customXml" ds:itemID="{DE4876F9-7AE1-498D-B8FE-1E3AD703D2AF}">
   <ds:schemaRefs>
     <ds:schemaRef ds:uri="http://schemas.microsoft.com/office/2006/metadata/contentType"/>
@@ -23984,6 +23171,14 @@
     <ds:schemaRef ds:uri="http://purl.org/dc/elements/1.1/"/>
     <ds:schemaRef ds:uri="http://purl.org/dc/terms/"/>
     <ds:schemaRef ds:uri="http://schemas.microsoft.com/internal/obd"/>
+  </ds:schemaRefs>
+</ds:datastoreItem>
+</file>
+
+<file path=customXml/itemProps2.xml><?xml version="1.0" encoding="utf-8"?>
+<ds:datastoreItem xmlns:ds="http://schemas.openxmlformats.org/officeDocument/2006/customXml" ds:itemID="{904751AB-E840-446F-8D49-E697067EC887}">
+  <ds:schemaRefs>
+    <ds:schemaRef ds:uri="http://schemas.microsoft.com/sharepoint/v3/contenttype/forms"/>
   </ds:schemaRefs>
 </ds:datastoreItem>
 </file>

--- a/Sanjay Dabra/Presentation1.pptx
+++ b/Sanjay Dabra/Presentation1.pptx
@@ -5,10 +5,10 @@
     <p:sldMasterId id="2147483684" r:id="rId4"/>
   </p:sldMasterIdLst>
   <p:notesMasterIdLst>
-    <p:notesMasterId r:id="rId23"/>
+    <p:notesMasterId r:id="rId22"/>
   </p:notesMasterIdLst>
   <p:handoutMasterIdLst>
-    <p:handoutMasterId r:id="rId24"/>
+    <p:handoutMasterId r:id="rId23"/>
   </p:handoutMasterIdLst>
   <p:sldIdLst>
     <p:sldId id="257" r:id="rId5"/>
@@ -16,19 +16,18 @@
     <p:sldId id="384" r:id="rId7"/>
     <p:sldId id="403" r:id="rId8"/>
     <p:sldId id="317" r:id="rId9"/>
-    <p:sldId id="392" r:id="rId10"/>
-    <p:sldId id="277" r:id="rId11"/>
-    <p:sldId id="402" r:id="rId12"/>
-    <p:sldId id="393" r:id="rId13"/>
-    <p:sldId id="404" r:id="rId14"/>
-    <p:sldId id="405" r:id="rId15"/>
-    <p:sldId id="406" r:id="rId16"/>
-    <p:sldId id="407" r:id="rId17"/>
-    <p:sldId id="399" r:id="rId18"/>
-    <p:sldId id="400" r:id="rId19"/>
-    <p:sldId id="401" r:id="rId20"/>
-    <p:sldId id="321" r:id="rId21"/>
-    <p:sldId id="391" r:id="rId22"/>
+    <p:sldId id="408" r:id="rId10"/>
+    <p:sldId id="409" r:id="rId11"/>
+    <p:sldId id="393" r:id="rId12"/>
+    <p:sldId id="404" r:id="rId13"/>
+    <p:sldId id="405" r:id="rId14"/>
+    <p:sldId id="406" r:id="rId15"/>
+    <p:sldId id="407" r:id="rId16"/>
+    <p:sldId id="399" r:id="rId17"/>
+    <p:sldId id="400" r:id="rId18"/>
+    <p:sldId id="401" r:id="rId19"/>
+    <p:sldId id="321" r:id="rId20"/>
+    <p:sldId id="391" r:id="rId21"/>
   </p:sldIdLst>
   <p:sldSz cx="12192000" cy="6858000"/>
   <p:notesSz cx="6858000" cy="9144000"/>
@@ -152,7 +151,7 @@
 <file path=ppt/revisionInfo.xml><?xml version="1.0" encoding="utf-8"?>
 <p1510:revInfo xmlns:a="http://schemas.openxmlformats.org/drawingml/2006/main" xmlns:r="http://schemas.openxmlformats.org/officeDocument/2006/relationships" xmlns:p1510="http://schemas.microsoft.com/office/powerpoint/2015/10/main">
   <p1510:revLst>
-    <p1510:client id="{397832AF-5EAF-458A-9FEC-C92CB404A3B7}" v="96" dt="2022-04-30T18:13:52.812"/>
+    <p1510:client id="{397832AF-5EAF-458A-9FEC-C92CB404A3B7}" v="99" dt="2022-05-01T12:48:51.062"/>
   </p1510:revLst>
 </p1510:revInfo>
 </file>
@@ -161,13 +160,13 @@
 <pc:chgInfo xmlns:a="http://schemas.openxmlformats.org/drawingml/2006/main" xmlns:r="http://schemas.openxmlformats.org/officeDocument/2006/relationships" xmlns:ac="http://schemas.microsoft.com/office/drawing/2013/main/command" xmlns:pc="http://schemas.microsoft.com/office/powerpoint/2013/main/command">
   <pc:docChgLst>
     <pc:chgData name="Sanjay Dabra" userId="d7382de46a8a3049" providerId="LiveId" clId="{397832AF-5EAF-458A-9FEC-C92CB404A3B7}"/>
-    <pc:docChg chg="undo custSel addSld delSld modSld sldOrd">
-      <pc:chgData name="Sanjay Dabra" userId="d7382de46a8a3049" providerId="LiveId" clId="{397832AF-5EAF-458A-9FEC-C92CB404A3B7}" dt="2022-04-30T18:14:50.588" v="1214" actId="47"/>
+    <pc:docChg chg="undo redo custSel addSld delSld modSld sldOrd">
+      <pc:chgData name="Sanjay Dabra" userId="d7382de46a8a3049" providerId="LiveId" clId="{397832AF-5EAF-458A-9FEC-C92CB404A3B7}" dt="2022-05-01T12:57:19.419" v="1755" actId="47"/>
       <pc:docMkLst>
         <pc:docMk/>
       </pc:docMkLst>
-      <pc:sldChg chg="addSp delSp modSp mod">
-        <pc:chgData name="Sanjay Dabra" userId="d7382de46a8a3049" providerId="LiveId" clId="{397832AF-5EAF-458A-9FEC-C92CB404A3B7}" dt="2022-04-30T15:15:38.959" v="21" actId="14100"/>
+      <pc:sldChg chg="addSp delSp modSp del mod">
+        <pc:chgData name="Sanjay Dabra" userId="d7382de46a8a3049" providerId="LiveId" clId="{397832AF-5EAF-458A-9FEC-C92CB404A3B7}" dt="2022-05-01T12:48:28.688" v="1359" actId="47"/>
         <pc:sldMkLst>
           <pc:docMk/>
           <pc:sldMk cId="3740286033" sldId="277"/>
@@ -181,15 +180,23 @@
           </ac:spMkLst>
         </pc:spChg>
         <pc:spChg chg="mod">
-          <ac:chgData name="Sanjay Dabra" userId="d7382de46a8a3049" providerId="LiveId" clId="{397832AF-5EAF-458A-9FEC-C92CB404A3B7}" dt="2022-04-30T15:13:29.509" v="3" actId="20577"/>
+          <ac:chgData name="Sanjay Dabra" userId="d7382de46a8a3049" providerId="LiveId" clId="{397832AF-5EAF-458A-9FEC-C92CB404A3B7}" dt="2022-05-01T12:44:26.302" v="1230" actId="6549"/>
           <ac:spMkLst>
             <pc:docMk/>
             <pc:sldMk cId="3740286033" sldId="277"/>
             <ac:spMk id="7" creationId="{3E174092-82D3-44E0-8948-4096232ED0A7}"/>
           </ac:spMkLst>
         </pc:spChg>
+        <pc:spChg chg="add del mod">
+          <ac:chgData name="Sanjay Dabra" userId="d7382de46a8a3049" providerId="LiveId" clId="{397832AF-5EAF-458A-9FEC-C92CB404A3B7}" dt="2022-05-01T12:45:47.112" v="1235" actId="478"/>
+          <ac:spMkLst>
+            <pc:docMk/>
+            <pc:sldMk cId="3740286033" sldId="277"/>
+            <ac:spMk id="8" creationId="{AAC72A1A-42A1-17BC-A2BC-FFC502EFC706}"/>
+          </ac:spMkLst>
+        </pc:spChg>
         <pc:picChg chg="add mod">
-          <ac:chgData name="Sanjay Dabra" userId="d7382de46a8a3049" providerId="LiveId" clId="{397832AF-5EAF-458A-9FEC-C92CB404A3B7}" dt="2022-04-30T15:15:38.959" v="21" actId="14100"/>
+          <ac:chgData name="Sanjay Dabra" userId="d7382de46a8a3049" providerId="LiveId" clId="{397832AF-5EAF-458A-9FEC-C92CB404A3B7}" dt="2022-05-01T12:44:12.660" v="1227" actId="1076"/>
           <ac:picMkLst>
             <pc:docMk/>
             <pc:sldMk cId="3740286033" sldId="277"/>
@@ -251,6 +258,21 @@
             <ac:picMk id="8" creationId="{16FCC329-569A-EEA7-FF60-FFACCFC28109}"/>
           </ac:picMkLst>
         </pc:picChg>
+      </pc:sldChg>
+      <pc:sldChg chg="delSp mod">
+        <pc:chgData name="Sanjay Dabra" userId="d7382de46a8a3049" providerId="LiveId" clId="{397832AF-5EAF-458A-9FEC-C92CB404A3B7}" dt="2022-05-01T12:43:44.368" v="1225" actId="478"/>
+        <pc:sldMkLst>
+          <pc:docMk/>
+          <pc:sldMk cId="560021826" sldId="317"/>
+        </pc:sldMkLst>
+        <pc:spChg chg="del">
+          <ac:chgData name="Sanjay Dabra" userId="d7382de46a8a3049" providerId="LiveId" clId="{397832AF-5EAF-458A-9FEC-C92CB404A3B7}" dt="2022-05-01T12:43:44.368" v="1225" actId="478"/>
+          <ac:spMkLst>
+            <pc:docMk/>
+            <pc:sldMk cId="560021826" sldId="317"/>
+            <ac:spMk id="4" creationId="{E1E7D98D-6710-41D2-B258-E1A1059D29F8}"/>
+          </ac:spMkLst>
+        </pc:spChg>
       </pc:sldChg>
       <pc:sldChg chg="addSp delSp modSp mod">
         <pc:chgData name="Sanjay Dabra" userId="d7382de46a8a3049" providerId="LiveId" clId="{397832AF-5EAF-458A-9FEC-C92CB404A3B7}" dt="2022-04-30T17:40:49.903" v="1116" actId="478"/>
@@ -384,6 +406,13 @@
             <ac:spMk id="3" creationId="{D3B60D6F-4D0F-4D33-B2A7-159C8583FF00}"/>
           </ac:spMkLst>
         </pc:spChg>
+      </pc:sldChg>
+      <pc:sldChg chg="del">
+        <pc:chgData name="Sanjay Dabra" userId="d7382de46a8a3049" providerId="LiveId" clId="{397832AF-5EAF-458A-9FEC-C92CB404A3B7}" dt="2022-05-01T12:57:19.419" v="1755" actId="47"/>
+        <pc:sldMkLst>
+          <pc:docMk/>
+          <pc:sldMk cId="3808926450" sldId="392"/>
+        </pc:sldMkLst>
       </pc:sldChg>
       <pc:sldChg chg="addSp delSp modSp mod">
         <pc:chgData name="Sanjay Dabra" userId="d7382de46a8a3049" providerId="LiveId" clId="{397832AF-5EAF-458A-9FEC-C92CB404A3B7}" dt="2022-04-30T17:42:36.974" v="1117" actId="478"/>
@@ -762,8 +791,8 @@
           </ac:picMkLst>
         </pc:picChg>
       </pc:sldChg>
-      <pc:sldChg chg="addSp delSp modSp new mod modNotesTx">
-        <pc:chgData name="Sanjay Dabra" userId="d7382de46a8a3049" providerId="LiveId" clId="{397832AF-5EAF-458A-9FEC-C92CB404A3B7}" dt="2022-04-30T16:32:16.916" v="438" actId="20577"/>
+      <pc:sldChg chg="addSp delSp modSp new del mod modNotesTx">
+        <pc:chgData name="Sanjay Dabra" userId="d7382de46a8a3049" providerId="LiveId" clId="{397832AF-5EAF-458A-9FEC-C92CB404A3B7}" dt="2022-05-01T12:49:09.462" v="1374" actId="47"/>
         <pc:sldMkLst>
           <pc:docMk/>
           <pc:sldMk cId="1942907802" sldId="402"/>
@@ -784,8 +813,24 @@
             <ac:spMk id="3" creationId="{3F704A1F-25B1-D094-5E58-44E8D502EF64}"/>
           </ac:spMkLst>
         </pc:spChg>
+        <pc:spChg chg="del">
+          <ac:chgData name="Sanjay Dabra" userId="d7382de46a8a3049" providerId="LiveId" clId="{397832AF-5EAF-458A-9FEC-C92CB404A3B7}" dt="2022-05-01T12:43:20.260" v="1224" actId="478"/>
+          <ac:spMkLst>
+            <pc:docMk/>
+            <pc:sldMk cId="1942907802" sldId="402"/>
+            <ac:spMk id="4" creationId="{5CAADC1D-4303-661E-514D-2F7C2531544B}"/>
+          </ac:spMkLst>
+        </pc:spChg>
+        <pc:spChg chg="del mod">
+          <ac:chgData name="Sanjay Dabra" userId="d7382de46a8a3049" providerId="LiveId" clId="{397832AF-5EAF-458A-9FEC-C92CB404A3B7}" dt="2022-05-01T12:43:17.399" v="1223" actId="478"/>
+          <ac:spMkLst>
+            <pc:docMk/>
+            <pc:sldMk cId="1942907802" sldId="402"/>
+            <ac:spMk id="5" creationId="{15E9B311-CCA7-42BB-9930-AA1A154B07C9}"/>
+          </ac:spMkLst>
+        </pc:spChg>
         <pc:picChg chg="add mod">
-          <ac:chgData name="Sanjay Dabra" userId="d7382de46a8a3049" providerId="LiveId" clId="{397832AF-5EAF-458A-9FEC-C92CB404A3B7}" dt="2022-04-30T15:17:38.755" v="48" actId="14100"/>
+          <ac:chgData name="Sanjay Dabra" userId="d7382de46a8a3049" providerId="LiveId" clId="{397832AF-5EAF-458A-9FEC-C92CB404A3B7}" dt="2022-05-01T12:43:12.615" v="1221" actId="1076"/>
           <ac:picMkLst>
             <pc:docMk/>
             <pc:sldMk cId="1942907802" sldId="402"/>
@@ -1052,6 +1097,92 @@
           </ac:picMkLst>
         </pc:picChg>
       </pc:sldChg>
+      <pc:sldChg chg="addSp delSp modSp new mod">
+        <pc:chgData name="Sanjay Dabra" userId="d7382de46a8a3049" providerId="LiveId" clId="{397832AF-5EAF-458A-9FEC-C92CB404A3B7}" dt="2022-05-01T12:48:15.132" v="1358" actId="20577"/>
+        <pc:sldMkLst>
+          <pc:docMk/>
+          <pc:sldMk cId="1723666472" sldId="408"/>
+        </pc:sldMkLst>
+        <pc:spChg chg="mod">
+          <ac:chgData name="Sanjay Dabra" userId="d7382de46a8a3049" providerId="LiveId" clId="{397832AF-5EAF-458A-9FEC-C92CB404A3B7}" dt="2022-05-01T12:46:07.429" v="1242" actId="255"/>
+          <ac:spMkLst>
+            <pc:docMk/>
+            <pc:sldMk cId="1723666472" sldId="408"/>
+            <ac:spMk id="2" creationId="{1C5C694D-096C-A03D-02C0-E43912AC49D7}"/>
+          </ac:spMkLst>
+        </pc:spChg>
+        <pc:spChg chg="del">
+          <ac:chgData name="Sanjay Dabra" userId="d7382de46a8a3049" providerId="LiveId" clId="{397832AF-5EAF-458A-9FEC-C92CB404A3B7}" dt="2022-05-01T12:45:17.342" v="1232"/>
+          <ac:spMkLst>
+            <pc:docMk/>
+            <pc:sldMk cId="1723666472" sldId="408"/>
+            <ac:spMk id="3" creationId="{D27619DE-D3F4-98C8-ED47-19CA016B1504}"/>
+          </ac:spMkLst>
+        </pc:spChg>
+        <pc:spChg chg="mod">
+          <ac:chgData name="Sanjay Dabra" userId="d7382de46a8a3049" providerId="LiveId" clId="{397832AF-5EAF-458A-9FEC-C92CB404A3B7}" dt="2022-05-01T12:48:15.132" v="1358" actId="20577"/>
+          <ac:spMkLst>
+            <pc:docMk/>
+            <pc:sldMk cId="1723666472" sldId="408"/>
+            <ac:spMk id="4" creationId="{85B5FA63-1F46-6642-A5C4-F9C307B89572}"/>
+          </ac:spMkLst>
+        </pc:spChg>
+        <pc:picChg chg="add mod">
+          <ac:chgData name="Sanjay Dabra" userId="d7382de46a8a3049" providerId="LiveId" clId="{397832AF-5EAF-458A-9FEC-C92CB404A3B7}" dt="2022-05-01T12:45:17.342" v="1232"/>
+          <ac:picMkLst>
+            <pc:docMk/>
+            <pc:sldMk cId="1723666472" sldId="408"/>
+            <ac:picMk id="8" creationId="{8FA58034-4E69-739A-9518-F0FD48E4EC41}"/>
+          </ac:picMkLst>
+        </pc:picChg>
+      </pc:sldChg>
+      <pc:sldChg chg="addSp delSp modSp add mod">
+        <pc:chgData name="Sanjay Dabra" userId="d7382de46a8a3049" providerId="LiveId" clId="{397832AF-5EAF-458A-9FEC-C92CB404A3B7}" dt="2022-05-01T12:54:09.578" v="1754" actId="20577"/>
+        <pc:sldMkLst>
+          <pc:docMk/>
+          <pc:sldMk cId="2825429155" sldId="409"/>
+        </pc:sldMkLst>
+        <pc:spChg chg="mod">
+          <ac:chgData name="Sanjay Dabra" userId="d7382de46a8a3049" providerId="LiveId" clId="{397832AF-5EAF-458A-9FEC-C92CB404A3B7}" dt="2022-05-01T12:49:03.191" v="1373" actId="20577"/>
+          <ac:spMkLst>
+            <pc:docMk/>
+            <pc:sldMk cId="2825429155" sldId="409"/>
+            <ac:spMk id="2" creationId="{1C5C694D-096C-A03D-02C0-E43912AC49D7}"/>
+          </ac:spMkLst>
+        </pc:spChg>
+        <pc:spChg chg="mod">
+          <ac:chgData name="Sanjay Dabra" userId="d7382de46a8a3049" providerId="LiveId" clId="{397832AF-5EAF-458A-9FEC-C92CB404A3B7}" dt="2022-05-01T12:54:09.578" v="1754" actId="20577"/>
+          <ac:spMkLst>
+            <pc:docMk/>
+            <pc:sldMk cId="2825429155" sldId="409"/>
+            <ac:spMk id="4" creationId="{85B5FA63-1F46-6642-A5C4-F9C307B89572}"/>
+          </ac:spMkLst>
+        </pc:spChg>
+        <pc:spChg chg="add del mod">
+          <ac:chgData name="Sanjay Dabra" userId="d7382de46a8a3049" providerId="LiveId" clId="{397832AF-5EAF-458A-9FEC-C92CB404A3B7}" dt="2022-05-01T12:48:51.062" v="1362"/>
+          <ac:spMkLst>
+            <pc:docMk/>
+            <pc:sldMk cId="2825429155" sldId="409"/>
+            <ac:spMk id="9" creationId="{805C0425-B68D-174A-C014-1DCE8D279A86}"/>
+          </ac:spMkLst>
+        </pc:spChg>
+        <pc:picChg chg="del">
+          <ac:chgData name="Sanjay Dabra" userId="d7382de46a8a3049" providerId="LiveId" clId="{397832AF-5EAF-458A-9FEC-C92CB404A3B7}" dt="2022-05-01T12:48:47.534" v="1361" actId="478"/>
+          <ac:picMkLst>
+            <pc:docMk/>
+            <pc:sldMk cId="2825429155" sldId="409"/>
+            <ac:picMk id="8" creationId="{8FA58034-4E69-739A-9518-F0FD48E4EC41}"/>
+          </ac:picMkLst>
+        </pc:picChg>
+        <pc:picChg chg="add mod">
+          <ac:chgData name="Sanjay Dabra" userId="d7382de46a8a3049" providerId="LiveId" clId="{397832AF-5EAF-458A-9FEC-C92CB404A3B7}" dt="2022-05-01T12:48:51.062" v="1362"/>
+          <ac:picMkLst>
+            <pc:docMk/>
+            <pc:sldMk cId="2825429155" sldId="409"/>
+            <ac:picMk id="10" creationId="{4C41EE0D-8512-AC3B-3B5C-914CD949937C}"/>
+          </ac:picMkLst>
+        </pc:picChg>
+      </pc:sldChg>
     </pc:docChg>
   </pc:docChgLst>
 </pc:chgInfo>
@@ -1151,7 +1282,7 @@
           <a:p>
             <a:fld id="{C17F2C1D-F243-42AB-ADF2-E7CB4E04900E}" type="datetimeFigureOut">
               <a:rPr lang="en-US" smtClean="0"/>
-              <a:t>4/30/2022</a:t>
+              <a:t>5/1/2022</a:t>
             </a:fld>
             <a:endParaRPr lang="en-US"/>
           </a:p>
@@ -1328,7 +1459,7 @@
           <a:p>
             <a:fld id="{020CE34E-5667-4A32-A6BA-10C7A552BC63}" type="datetimeFigureOut">
               <a:rPr lang="en-US" smtClean="0"/>
-              <a:t>4/30/2022</a:t>
+              <a:t>5/1/2022</a:t>
             </a:fld>
             <a:endParaRPr lang="en-US"/>
           </a:p>
@@ -1893,41 +2024,13 @@
           <a:p>
             <a:r>
               <a:rPr lang="en-US" dirty="0"/>
-              <a:t>World population gave population size with latitudes and longitudes which allowed a merge into the Google API</a:t>
+              <a:t>Most given review was 4.5, data was truly random and well </a:t>
             </a:r>
-          </a:p>
-          <a:p>
+            <a:r>
+              <a:rPr lang="en-US" dirty="0" err="1"/>
+              <a:t>distibuted</a:t>
+            </a:r>
             <a:endParaRPr lang="en-US" dirty="0"/>
-          </a:p>
-          <a:p>
-            <a:r>
-              <a:rPr lang="en-US" dirty="0"/>
-              <a:t>Google API was used since it contained the rating and review information desired for analysis</a:t>
-            </a:r>
-          </a:p>
-          <a:p>
-            <a:r>
-              <a:rPr lang="en-US" dirty="0"/>
-              <a:t>The reason for 10 cities is to show proof of concept before expanding</a:t>
-            </a:r>
-          </a:p>
-          <a:p>
-            <a:r>
-              <a:rPr lang="en-US" dirty="0"/>
-              <a:t>-Quantify if correlation truly exists, costs deemed starting with 10 then expanding nation wide</a:t>
-            </a:r>
-          </a:p>
-          <a:p>
-            <a:r>
-              <a:rPr lang="en-US" dirty="0"/>
-              <a:t>Filtered restaurants to focus on a rating above 4.0 to differentiate between a good review and great review</a:t>
-            </a:r>
-          </a:p>
-          <a:p>
-            <a:r>
-              <a:rPr lang="en-US" dirty="0"/>
-              <a:t>&gt;250 reviews give restaurants with a well established review base and reputation</a:t>
-            </a:r>
           </a:p>
         </p:txBody>
       </p:sp>
@@ -1948,7 +2051,7 @@
           <a:p>
             <a:fld id="{E7CCE34D-CFF1-4FFE-815B-D050E7ED2DFD}" type="slidenum">
               <a:rPr lang="en-US" smtClean="0"/>
-              <a:t>6</a:t>
+              <a:t>13</a:t>
             </a:fld>
             <a:endParaRPr lang="en-US"/>
           </a:p>
@@ -1957,7 +2060,7 @@
     </p:spTree>
     <p:extLst>
       <p:ext uri="{BB962C8B-B14F-4D97-AF65-F5344CB8AC3E}">
-        <p14:creationId xmlns:p14="http://schemas.microsoft.com/office/powerpoint/2010/main" val="3365640325"/>
+        <p14:creationId xmlns:p14="http://schemas.microsoft.com/office/powerpoint/2010/main" val="2360033463"/>
       </p:ext>
     </p:extLst>
   </p:cSld>
@@ -2011,10 +2114,7 @@
           <a:bodyPr/>
           <a:lstStyle/>
           <a:p>
-            <a:r>
-              <a:rPr lang="en-US" dirty="0"/>
-              <a:t>5 km radius</a:t>
-            </a:r>
+            <a:endParaRPr lang="en-US" dirty="0"/>
           </a:p>
         </p:txBody>
       </p:sp>
@@ -2035,7 +2135,7 @@
           <a:p>
             <a:fld id="{E7CCE34D-CFF1-4FFE-815B-D050E7ED2DFD}" type="slidenum">
               <a:rPr lang="en-US" smtClean="0"/>
-              <a:t>8</a:t>
+              <a:t>14</a:t>
             </a:fld>
             <a:endParaRPr lang="en-US"/>
           </a:p>
@@ -2044,7 +2144,7 @@
     </p:spTree>
     <p:extLst>
       <p:ext uri="{BB962C8B-B14F-4D97-AF65-F5344CB8AC3E}">
-        <p14:creationId xmlns:p14="http://schemas.microsoft.com/office/powerpoint/2010/main" val="313359611"/>
+        <p14:creationId xmlns:p14="http://schemas.microsoft.com/office/powerpoint/2010/main" val="3991540256"/>
       </p:ext>
     </p:extLst>
   </p:cSld>
@@ -2098,14 +2198,6 @@
           <a:bodyPr/>
           <a:lstStyle/>
           <a:p>
-            <a:r>
-              <a:rPr lang="en-US" dirty="0"/>
-              <a:t>Most given review was 4.5, data was truly random and well </a:t>
-            </a:r>
-            <a:r>
-              <a:rPr lang="en-US" dirty="0" err="1"/>
-              <a:t>distibuted</a:t>
-            </a:r>
             <a:endParaRPr lang="en-US" dirty="0"/>
           </a:p>
         </p:txBody>
@@ -2125,177 +2217,9 @@
           <a:bodyPr/>
           <a:lstStyle/>
           <a:p>
-            <a:fld id="{E7CCE34D-CFF1-4FFE-815B-D050E7ED2DFD}" type="slidenum">
-              <a:rPr lang="en-US" smtClean="0"/>
-              <a:t>14</a:t>
-            </a:fld>
-            <a:endParaRPr lang="en-US"/>
-          </a:p>
-        </p:txBody>
-      </p:sp>
-    </p:spTree>
-    <p:extLst>
-      <p:ext uri="{BB962C8B-B14F-4D97-AF65-F5344CB8AC3E}">
-        <p14:creationId xmlns:p14="http://schemas.microsoft.com/office/powerpoint/2010/main" val="2360033463"/>
-      </p:ext>
-    </p:extLst>
-  </p:cSld>
-  <p:clrMapOvr>
-    <a:masterClrMapping/>
-  </p:clrMapOvr>
-</p:notes>
-</file>
-
-<file path=ppt/notesSlides/notesSlide7.xml><?xml version="1.0" encoding="utf-8"?>
-<p:notes xmlns:a="http://schemas.openxmlformats.org/drawingml/2006/main" xmlns:r="http://schemas.openxmlformats.org/officeDocument/2006/relationships" xmlns:p="http://schemas.openxmlformats.org/presentationml/2006/main">
-  <p:cSld>
-    <p:spTree>
-      <p:nvGrpSpPr>
-        <p:cNvPr id="1" name=""/>
-        <p:cNvGrpSpPr/>
-        <p:nvPr/>
-      </p:nvGrpSpPr>
-      <p:grpSpPr>
-        <a:xfrm>
-          <a:off x="0" y="0"/>
-          <a:ext cx="0" cy="0"/>
-          <a:chOff x="0" y="0"/>
-          <a:chExt cx="0" cy="0"/>
-        </a:xfrm>
-      </p:grpSpPr>
-      <p:sp>
-        <p:nvSpPr>
-          <p:cNvPr id="2" name="Slide Image Placeholder 1"/>
-          <p:cNvSpPr>
-            <a:spLocks noGrp="1" noRot="1" noChangeAspect="1"/>
-          </p:cNvSpPr>
-          <p:nvPr>
-            <p:ph type="sldImg"/>
-          </p:nvPr>
-        </p:nvSpPr>
-        <p:spPr/>
-      </p:sp>
-      <p:sp>
-        <p:nvSpPr>
-          <p:cNvPr id="3" name="Notes Placeholder 2"/>
-          <p:cNvSpPr>
-            <a:spLocks noGrp="1"/>
-          </p:cNvSpPr>
-          <p:nvPr>
-            <p:ph type="body" idx="1"/>
-          </p:nvPr>
-        </p:nvSpPr>
-        <p:spPr/>
-        <p:txBody>
-          <a:bodyPr/>
-          <a:lstStyle/>
-          <a:p>
-            <a:endParaRPr lang="en-US" dirty="0"/>
-          </a:p>
-        </p:txBody>
-      </p:sp>
-      <p:sp>
-        <p:nvSpPr>
-          <p:cNvPr id="4" name="Slide Number Placeholder 3"/>
-          <p:cNvSpPr>
-            <a:spLocks noGrp="1"/>
-          </p:cNvSpPr>
-          <p:nvPr>
-            <p:ph type="sldNum" sz="quarter" idx="5"/>
-          </p:nvPr>
-        </p:nvSpPr>
-        <p:spPr/>
-        <p:txBody>
-          <a:bodyPr/>
-          <a:lstStyle/>
-          <a:p>
-            <a:fld id="{E7CCE34D-CFF1-4FFE-815B-D050E7ED2DFD}" type="slidenum">
-              <a:rPr lang="en-US" smtClean="0"/>
-              <a:t>15</a:t>
-            </a:fld>
-            <a:endParaRPr lang="en-US"/>
-          </a:p>
-        </p:txBody>
-      </p:sp>
-    </p:spTree>
-    <p:extLst>
-      <p:ext uri="{BB962C8B-B14F-4D97-AF65-F5344CB8AC3E}">
-        <p14:creationId xmlns:p14="http://schemas.microsoft.com/office/powerpoint/2010/main" val="3991540256"/>
-      </p:ext>
-    </p:extLst>
-  </p:cSld>
-  <p:clrMapOvr>
-    <a:masterClrMapping/>
-  </p:clrMapOvr>
-</p:notes>
-</file>
-
-<file path=ppt/notesSlides/notesSlide8.xml><?xml version="1.0" encoding="utf-8"?>
-<p:notes xmlns:a="http://schemas.openxmlformats.org/drawingml/2006/main" xmlns:r="http://schemas.openxmlformats.org/officeDocument/2006/relationships" xmlns:p="http://schemas.openxmlformats.org/presentationml/2006/main">
-  <p:cSld>
-    <p:spTree>
-      <p:nvGrpSpPr>
-        <p:cNvPr id="1" name=""/>
-        <p:cNvGrpSpPr/>
-        <p:nvPr/>
-      </p:nvGrpSpPr>
-      <p:grpSpPr>
-        <a:xfrm>
-          <a:off x="0" y="0"/>
-          <a:ext cx="0" cy="0"/>
-          <a:chOff x="0" y="0"/>
-          <a:chExt cx="0" cy="0"/>
-        </a:xfrm>
-      </p:grpSpPr>
-      <p:sp>
-        <p:nvSpPr>
-          <p:cNvPr id="2" name="Slide Image Placeholder 1"/>
-          <p:cNvSpPr>
-            <a:spLocks noGrp="1" noRot="1" noChangeAspect="1"/>
-          </p:cNvSpPr>
-          <p:nvPr>
-            <p:ph type="sldImg"/>
-          </p:nvPr>
-        </p:nvSpPr>
-        <p:spPr/>
-      </p:sp>
-      <p:sp>
-        <p:nvSpPr>
-          <p:cNvPr id="3" name="Notes Placeholder 2"/>
-          <p:cNvSpPr>
-            <a:spLocks noGrp="1"/>
-          </p:cNvSpPr>
-          <p:nvPr>
-            <p:ph type="body" idx="1"/>
-          </p:nvPr>
-        </p:nvSpPr>
-        <p:spPr/>
-        <p:txBody>
-          <a:bodyPr/>
-          <a:lstStyle/>
-          <a:p>
-            <a:endParaRPr lang="en-US" dirty="0"/>
-          </a:p>
-        </p:txBody>
-      </p:sp>
-      <p:sp>
-        <p:nvSpPr>
-          <p:cNvPr id="4" name="Slide Number Placeholder 3"/>
-          <p:cNvSpPr>
-            <a:spLocks noGrp="1"/>
-          </p:cNvSpPr>
-          <p:nvPr>
-            <p:ph type="sldNum" sz="quarter" idx="5"/>
-          </p:nvPr>
-        </p:nvSpPr>
-        <p:spPr/>
-        <p:txBody>
-          <a:bodyPr/>
-          <a:lstStyle/>
-          <a:p>
             <a:fld id="{1983A999-5E0E-42CA-8400-604AE921FF7C}" type="slidenum">
               <a:rPr lang="en-US" smtClean="0"/>
-              <a:t>17</a:t>
+              <a:t>16</a:t>
             </a:fld>
             <a:endParaRPr lang="en-US"/>
           </a:p>
@@ -16079,18 +16003,20 @@
             <p:ph type="title"/>
           </p:nvPr>
         </p:nvSpPr>
-        <p:spPr/>
+        <p:spPr>
+          <a:xfrm>
+            <a:off x="550863" y="244805"/>
+            <a:ext cx="11091600" cy="1332000"/>
+          </a:xfrm>
+        </p:spPr>
         <p:txBody>
           <a:bodyPr/>
           <a:lstStyle/>
           <a:p>
             <a:r>
               <a:rPr lang="en-US" sz="4800" dirty="0"/>
-              <a:t>Does price level influence ratings?</a:t>
+              <a:t>Does pricing influence the number of ratings?</a:t>
             </a:r>
-            <a:br>
-              <a:rPr lang="en-US" sz="4800" dirty="0"/>
-            </a:br>
             <a:endParaRPr lang="en-US" dirty="0"/>
           </a:p>
         </p:txBody>
@@ -16119,287 +16045,6 @@
             <a:fld id="{DBA1B0FB-D917-4C8C-928F-313BD683BF39}" type="slidenum">
               <a:rPr lang="en-US" smtClean="0"/>
               <a:t>10</a:t>
-            </a:fld>
-            <a:endParaRPr lang="en-US"/>
-          </a:p>
-        </p:txBody>
-      </p:sp>
-      <p:pic>
-        <p:nvPicPr>
-          <p:cNvPr id="7" name="Content Placeholder 6" descr="Chart, scatter chart&#10;&#10;Description automatically generated">
-            <a:extLst>
-              <a:ext uri="{FF2B5EF4-FFF2-40B4-BE49-F238E27FC236}">
-                <a16:creationId xmlns:a16="http://schemas.microsoft.com/office/drawing/2014/main" id="{8EC73D1F-4432-BFAE-BDAA-5C625A3AD3A1}"/>
-              </a:ext>
-            </a:extLst>
-          </p:cNvPr>
-          <p:cNvPicPr>
-            <a:picLocks noGrp="1" noChangeAspect="1"/>
-          </p:cNvPicPr>
-          <p:nvPr>
-            <p:ph idx="1"/>
-          </p:nvPr>
-        </p:nvPicPr>
-        <p:blipFill>
-          <a:blip r:embed="rId2"/>
-          <a:stretch>
-            <a:fillRect/>
-          </a:stretch>
-        </p:blipFill>
-        <p:spPr>
-          <a:xfrm>
-            <a:off x="549538" y="1573515"/>
-            <a:ext cx="7176546" cy="4735210"/>
-          </a:xfrm>
-          <a:prstGeom prst="rect">
-            <a:avLst/>
-          </a:prstGeom>
-        </p:spPr>
-      </p:pic>
-      <p:sp>
-        <p:nvSpPr>
-          <p:cNvPr id="8" name="TextBox 7">
-            <a:extLst>
-              <a:ext uri="{FF2B5EF4-FFF2-40B4-BE49-F238E27FC236}">
-                <a16:creationId xmlns:a16="http://schemas.microsoft.com/office/drawing/2014/main" id="{BE25D07D-78BD-B089-82BD-D64AF99B2F06}"/>
-              </a:ext>
-            </a:extLst>
-          </p:cNvPr>
-          <p:cNvSpPr txBox="1"/>
-          <p:nvPr/>
-        </p:nvSpPr>
-        <p:spPr>
-          <a:xfrm>
-            <a:off x="8205116" y="3072426"/>
-            <a:ext cx="3112035" cy="461665"/>
-          </a:xfrm>
-          <a:prstGeom prst="rect">
-            <a:avLst/>
-          </a:prstGeom>
-          <a:noFill/>
-        </p:spPr>
-        <p:txBody>
-          <a:bodyPr wrap="square" rtlCol="0">
-            <a:spAutoFit/>
-          </a:bodyPr>
-          <a:lstStyle/>
-          <a:p>
-            <a:r>
-              <a:rPr lang="en-US" sz="2400" dirty="0"/>
-              <a:t>R-Square Value is: 0.28</a:t>
-            </a:r>
-          </a:p>
-        </p:txBody>
-      </p:sp>
-      <p:sp>
-        <p:nvSpPr>
-          <p:cNvPr id="9" name="TextBox 8">
-            <a:extLst>
-              <a:ext uri="{FF2B5EF4-FFF2-40B4-BE49-F238E27FC236}">
-                <a16:creationId xmlns:a16="http://schemas.microsoft.com/office/drawing/2014/main" id="{DE057436-F239-5F50-9F68-DBB5763EB55F}"/>
-              </a:ext>
-            </a:extLst>
-          </p:cNvPr>
-          <p:cNvSpPr txBox="1"/>
-          <p:nvPr/>
-        </p:nvSpPr>
-        <p:spPr>
-          <a:xfrm>
-            <a:off x="8205116" y="3864167"/>
-            <a:ext cx="3487493" cy="461665"/>
-          </a:xfrm>
-          <a:prstGeom prst="rect">
-            <a:avLst/>
-          </a:prstGeom>
-          <a:noFill/>
-        </p:spPr>
-        <p:txBody>
-          <a:bodyPr wrap="none" rtlCol="0">
-            <a:spAutoFit/>
-          </a:bodyPr>
-          <a:lstStyle/>
-          <a:p>
-            <a:r>
-              <a:rPr lang="en-US" sz="2400" dirty="0"/>
-              <a:t>Weak Positive Correlation</a:t>
-            </a:r>
-          </a:p>
-        </p:txBody>
-      </p:sp>
-    </p:spTree>
-    <p:extLst>
-      <p:ext uri="{BB962C8B-B14F-4D97-AF65-F5344CB8AC3E}">
-        <p14:creationId xmlns:p14="http://schemas.microsoft.com/office/powerpoint/2010/main" val="1909787327"/>
-      </p:ext>
-    </p:extLst>
-  </p:cSld>
-  <p:clrMapOvr>
-    <a:masterClrMapping/>
-  </p:clrMapOvr>
-  <p:timing>
-    <p:tnLst>
-      <p:par>
-        <p:cTn id="1" dur="indefinite" restart="never" nodeType="tmRoot">
-          <p:childTnLst>
-            <p:seq concurrent="1" nextAc="seek">
-              <p:cTn id="2" dur="indefinite" nodeType="mainSeq">
-                <p:childTnLst>
-                  <p:par>
-                    <p:cTn id="3" fill="hold">
-                      <p:stCondLst>
-                        <p:cond delay="indefinite"/>
-                      </p:stCondLst>
-                      <p:childTnLst>
-                        <p:par>
-                          <p:cTn id="4" fill="hold">
-                            <p:stCondLst>
-                              <p:cond delay="0"/>
-                            </p:stCondLst>
-                            <p:childTnLst>
-                              <p:par>
-                                <p:cTn id="5" presetID="10" presetClass="entr" presetSubtype="0" fill="hold" grpId="0" nodeType="clickEffect">
-                                  <p:stCondLst>
-                                    <p:cond delay="0"/>
-                                  </p:stCondLst>
-                                  <p:childTnLst>
-                                    <p:set>
-                                      <p:cBhvr>
-                                        <p:cTn id="6" dur="1" fill="hold">
-                                          <p:stCondLst>
-                                            <p:cond delay="0"/>
-                                          </p:stCondLst>
-                                        </p:cTn>
-                                        <p:tgtEl>
-                                          <p:spTgt spid="9"/>
-                                        </p:tgtEl>
-                                        <p:attrNameLst>
-                                          <p:attrName>style.visibility</p:attrName>
-                                        </p:attrNameLst>
-                                      </p:cBhvr>
-                                      <p:to>
-                                        <p:strVal val="visible"/>
-                                      </p:to>
-                                    </p:set>
-                                    <p:animEffect transition="in" filter="fade">
-                                      <p:cBhvr>
-                                        <p:cTn id="7" dur="500"/>
-                                        <p:tgtEl>
-                                          <p:spTgt spid="9"/>
-                                        </p:tgtEl>
-                                      </p:cBhvr>
-                                    </p:animEffect>
-                                  </p:childTnLst>
-                                </p:cTn>
-                              </p:par>
-                            </p:childTnLst>
-                          </p:cTn>
-                        </p:par>
-                      </p:childTnLst>
-                    </p:cTn>
-                  </p:par>
-                </p:childTnLst>
-              </p:cTn>
-              <p:prevCondLst>
-                <p:cond evt="onPrev" delay="0">
-                  <p:tgtEl>
-                    <p:sldTgt/>
-                  </p:tgtEl>
-                </p:cond>
-              </p:prevCondLst>
-              <p:nextCondLst>
-                <p:cond evt="onNext" delay="0">
-                  <p:tgtEl>
-                    <p:sldTgt/>
-                  </p:tgtEl>
-                </p:cond>
-              </p:nextCondLst>
-            </p:seq>
-          </p:childTnLst>
-        </p:cTn>
-      </p:par>
-    </p:tnLst>
-    <p:bldLst>
-      <p:bldP spid="9" grpId="0"/>
-    </p:bldLst>
-  </p:timing>
-</p:sld>
-</file>
-
-<file path=ppt/slides/slide11.xml><?xml version="1.0" encoding="utf-8"?>
-<p:sld xmlns:a="http://schemas.openxmlformats.org/drawingml/2006/main" xmlns:r="http://schemas.openxmlformats.org/officeDocument/2006/relationships" xmlns:p="http://schemas.openxmlformats.org/presentationml/2006/main">
-  <p:cSld>
-    <p:spTree>
-      <p:nvGrpSpPr>
-        <p:cNvPr id="1" name=""/>
-        <p:cNvGrpSpPr/>
-        <p:nvPr/>
-      </p:nvGrpSpPr>
-      <p:grpSpPr>
-        <a:xfrm>
-          <a:off x="0" y="0"/>
-          <a:ext cx="0" cy="0"/>
-          <a:chOff x="0" y="0"/>
-          <a:chExt cx="0" cy="0"/>
-        </a:xfrm>
-      </p:grpSpPr>
-      <p:sp>
-        <p:nvSpPr>
-          <p:cNvPr id="2" name="Title 1">
-            <a:extLst>
-              <a:ext uri="{FF2B5EF4-FFF2-40B4-BE49-F238E27FC236}">
-                <a16:creationId xmlns:a16="http://schemas.microsoft.com/office/drawing/2014/main" id="{8A08E34F-D767-EE9C-65E2-CEE5CF31D825}"/>
-              </a:ext>
-            </a:extLst>
-          </p:cNvPr>
-          <p:cNvSpPr>
-            <a:spLocks noGrp="1"/>
-          </p:cNvSpPr>
-          <p:nvPr>
-            <p:ph type="title"/>
-          </p:nvPr>
-        </p:nvSpPr>
-        <p:spPr>
-          <a:xfrm>
-            <a:off x="550863" y="244805"/>
-            <a:ext cx="11091600" cy="1332000"/>
-          </a:xfrm>
-        </p:spPr>
-        <p:txBody>
-          <a:bodyPr/>
-          <a:lstStyle/>
-          <a:p>
-            <a:r>
-              <a:rPr lang="en-US" sz="4800" dirty="0"/>
-              <a:t>Does pricing influence the number of ratings?</a:t>
-            </a:r>
-            <a:endParaRPr lang="en-US" dirty="0"/>
-          </a:p>
-        </p:txBody>
-      </p:sp>
-      <p:sp>
-        <p:nvSpPr>
-          <p:cNvPr id="6" name="Slide Number Placeholder 5">
-            <a:extLst>
-              <a:ext uri="{FF2B5EF4-FFF2-40B4-BE49-F238E27FC236}">
-                <a16:creationId xmlns:a16="http://schemas.microsoft.com/office/drawing/2014/main" id="{CF47C235-64E1-99BC-50BE-35E53DE785C9}"/>
-              </a:ext>
-            </a:extLst>
-          </p:cNvPr>
-          <p:cNvSpPr>
-            <a:spLocks noGrp="1"/>
-          </p:cNvSpPr>
-          <p:nvPr>
-            <p:ph type="sldNum" sz="quarter" idx="12"/>
-          </p:nvPr>
-        </p:nvSpPr>
-        <p:spPr/>
-        <p:txBody>
-          <a:bodyPr/>
-          <a:lstStyle/>
-          <a:p>
-            <a:fld id="{DBA1B0FB-D917-4C8C-928F-313BD683BF39}" type="slidenum">
-              <a:rPr lang="en-US" smtClean="0"/>
-              <a:t>11</a:t>
             </a:fld>
             <a:endParaRPr lang="en-US"/>
           </a:p>
@@ -16604,7 +16249,7 @@
 </p:sld>
 </file>
 
-<file path=ppt/slides/slide12.xml><?xml version="1.0" encoding="utf-8"?>
+<file path=ppt/slides/slide11.xml><?xml version="1.0" encoding="utf-8"?>
 <p:sld xmlns:a="http://schemas.openxmlformats.org/drawingml/2006/main" xmlns:r="http://schemas.openxmlformats.org/officeDocument/2006/relationships" xmlns:p="http://schemas.openxmlformats.org/presentationml/2006/main">
   <p:cSld>
     <p:spTree>
@@ -16681,7 +16326,7 @@
           <a:p>
             <a:fld id="{DBA1B0FB-D917-4C8C-928F-313BD683BF39}" type="slidenum">
               <a:rPr lang="en-US" smtClean="0"/>
-              <a:t>12</a:t>
+              <a:t>11</a:t>
             </a:fld>
             <a:endParaRPr lang="en-US"/>
           </a:p>
@@ -16892,7 +16537,7 @@
 </p:sld>
 </file>
 
-<file path=ppt/slides/slide13.xml><?xml version="1.0" encoding="utf-8"?>
+<file path=ppt/slides/slide12.xml><?xml version="1.0" encoding="utf-8"?>
 <p:sld xmlns:a="http://schemas.openxmlformats.org/drawingml/2006/main" xmlns:r="http://schemas.openxmlformats.org/officeDocument/2006/relationships" xmlns:p="http://schemas.openxmlformats.org/presentationml/2006/main">
   <p:cSld>
     <p:spTree>
@@ -16966,7 +16611,7 @@
           <a:p>
             <a:fld id="{DBA1B0FB-D917-4C8C-928F-313BD683BF39}" type="slidenum">
               <a:rPr lang="en-US" smtClean="0"/>
-              <a:t>13</a:t>
+              <a:t>12</a:t>
             </a:fld>
             <a:endParaRPr lang="en-US"/>
           </a:p>
@@ -17171,7 +16816,7 @@
 </p:sld>
 </file>
 
-<file path=ppt/slides/slide14.xml><?xml version="1.0" encoding="utf-8"?>
+<file path=ppt/slides/slide13.xml><?xml version="1.0" encoding="utf-8"?>
 <p:sld xmlns:a="http://schemas.openxmlformats.org/drawingml/2006/main" xmlns:r="http://schemas.openxmlformats.org/officeDocument/2006/relationships" xmlns:p="http://schemas.openxmlformats.org/presentationml/2006/main">
   <p:cSld>
     <p:spTree>
@@ -17234,7 +16879,7 @@
                   <a:spcPts val="600"/>
                 </a:spcAft>
               </a:pPr>
-              <a:t>14</a:t>
+              <a:t>13</a:t>
             </a:fld>
             <a:endParaRPr lang="en-US">
               <a:solidFill>
@@ -17318,7 +16963,7 @@
 </p:sld>
 </file>
 
-<file path=ppt/slides/slide15.xml><?xml version="1.0" encoding="utf-8"?>
+<file path=ppt/slides/slide14.xml><?xml version="1.0" encoding="utf-8"?>
 <p:sld xmlns:a="http://schemas.openxmlformats.org/drawingml/2006/main" xmlns:r="http://schemas.openxmlformats.org/officeDocument/2006/relationships" xmlns:p="http://schemas.openxmlformats.org/presentationml/2006/main">
   <p:cSld>
     <p:spTree>
@@ -17381,7 +17026,7 @@
                   <a:spcPts val="600"/>
                 </a:spcAft>
               </a:pPr>
-              <a:t>15</a:t>
+              <a:t>14</a:t>
             </a:fld>
             <a:endParaRPr lang="en-US">
               <a:solidFill>
@@ -17436,7 +17081,7 @@
 </p:sld>
 </file>
 
-<file path=ppt/slides/slide16.xml><?xml version="1.0" encoding="utf-8"?>
+<file path=ppt/slides/slide15.xml><?xml version="1.0" encoding="utf-8"?>
 <p:sld xmlns:a="http://schemas.openxmlformats.org/drawingml/2006/main" xmlns:r="http://schemas.openxmlformats.org/officeDocument/2006/relationships" xmlns:p="http://schemas.openxmlformats.org/presentationml/2006/main">
   <p:cSld>
     <p:spTree>
@@ -17482,7 +17127,7 @@
             <a:fld id="{DBA1B0FB-D917-4C8C-928F-313BD683BF39}" type="slidenum">
               <a:rPr lang="en-US" smtClean="0"/>
               <a:pPr/>
-              <a:t>16</a:t>
+              <a:t>15</a:t>
             </a:fld>
             <a:endParaRPr lang="en-US"/>
           </a:p>
@@ -17531,7 +17176,7 @@
 </p:sld>
 </file>
 
-<file path=ppt/slides/slide17.xml><?xml version="1.0" encoding="utf-8"?>
+<file path=ppt/slides/slide16.xml><?xml version="1.0" encoding="utf-8"?>
 <p:sld xmlns:a="http://schemas.openxmlformats.org/drawingml/2006/main" xmlns:r="http://schemas.openxmlformats.org/officeDocument/2006/relationships" xmlns:p="http://schemas.openxmlformats.org/presentationml/2006/main">
   <p:cSld>
     <p:spTree>
@@ -17610,7 +17255,7 @@
             <a:fld id="{DBA1B0FB-D917-4C8C-928F-313BD683BF39}" type="slidenum">
               <a:rPr lang="en-US" smtClean="0"/>
               <a:pPr/>
-              <a:t>17</a:t>
+              <a:t>16</a:t>
             </a:fld>
             <a:endParaRPr lang="en-US"/>
           </a:p>
@@ -17654,7 +17299,7 @@
 </p:sld>
 </file>
 
-<file path=ppt/slides/slide18.xml><?xml version="1.0" encoding="utf-8"?>
+<file path=ppt/slides/slide17.xml><?xml version="1.0" encoding="utf-8"?>
 <p:sld xmlns:a="http://schemas.openxmlformats.org/drawingml/2006/main" xmlns:r="http://schemas.openxmlformats.org/officeDocument/2006/relationships" xmlns:p="http://schemas.openxmlformats.org/presentationml/2006/main">
   <p:cSld>
     <p:bg>
@@ -18846,7 +18491,7 @@
                   <a:spcPts val="600"/>
                 </a:spcAft>
               </a:pPr>
-              <a:t>18</a:t>
+              <a:t>17</a:t>
             </a:fld>
             <a:endParaRPr lang="en-US">
               <a:solidFill>
@@ -21224,64 +20869,6 @@
       </p:sp>
       <p:sp>
         <p:nvSpPr>
-          <p:cNvPr id="4" name="Slide Number Placeholder 3">
-            <a:extLst>
-              <a:ext uri="{FF2B5EF4-FFF2-40B4-BE49-F238E27FC236}">
-                <a16:creationId xmlns:a16="http://schemas.microsoft.com/office/drawing/2014/main" id="{E1E7D98D-6710-41D2-B258-E1A1059D29F8}"/>
-              </a:ext>
-            </a:extLst>
-          </p:cNvPr>
-          <p:cNvSpPr>
-            <a:spLocks noGrp="1"/>
-          </p:cNvSpPr>
-          <p:nvPr>
-            <p:ph type="sldNum" sz="quarter" idx="12"/>
-          </p:nvPr>
-        </p:nvSpPr>
-        <p:spPr>
-          <a:xfrm>
-            <a:off x="9948863" y="6507212"/>
-            <a:ext cx="1692274" cy="153888"/>
-          </a:xfrm>
-        </p:spPr>
-        <p:txBody>
-          <a:bodyPr vert="horz" wrap="square" lIns="0" tIns="0" rIns="0" bIns="0" rtlCol="0" anchor="ctr">
-            <a:normAutofit/>
-          </a:bodyPr>
-          <a:lstStyle/>
-          <a:p>
-            <a:pPr>
-              <a:spcAft>
-                <a:spcPts val="600"/>
-              </a:spcAft>
-            </a:pPr>
-            <a:fld id="{DBA1B0FB-D917-4C8C-928F-313BD683BF39}" type="slidenum">
-              <a:rPr lang="en-US" smtClean="0">
-                <a:solidFill>
-                  <a:schemeClr val="tx1">
-                    <a:alpha val="80000"/>
-                  </a:schemeClr>
-                </a:solidFill>
-              </a:rPr>
-              <a:pPr>
-                <a:spcAft>
-                  <a:spcPts val="600"/>
-                </a:spcAft>
-              </a:pPr>
-              <a:t>5</a:t>
-            </a:fld>
-            <a:endParaRPr lang="en-US">
-              <a:solidFill>
-                <a:schemeClr val="tx1">
-                  <a:alpha val="80000"/>
-                </a:schemeClr>
-              </a:solidFill>
-            </a:endParaRPr>
-          </a:p>
-        </p:txBody>
-      </p:sp>
-      <p:sp>
-        <p:nvSpPr>
           <p:cNvPr id="3" name="Subtitle 2">
             <a:extLst>
               <a:ext uri="{FF2B5EF4-FFF2-40B4-BE49-F238E27FC236}">
@@ -21432,7 +21019,7 @@
           <p:cNvPr id="2" name="Title 1">
             <a:extLst>
               <a:ext uri="{FF2B5EF4-FFF2-40B4-BE49-F238E27FC236}">
-                <a16:creationId xmlns:a16="http://schemas.microsoft.com/office/drawing/2014/main" id="{7D5591FD-11A7-606F-3062-F78C364938FB}"/>
+                <a16:creationId xmlns:a16="http://schemas.microsoft.com/office/drawing/2014/main" id="{1C5C694D-096C-A03D-02C0-E43912AC49D7}"/>
               </a:ext>
             </a:extLst>
           </p:cNvPr>
@@ -21449,18 +21036,18 @@
           <a:lstStyle/>
           <a:p>
             <a:r>
-              <a:rPr lang="en-US" dirty="0"/>
-              <a:t>Data Cleaning</a:t>
+              <a:rPr lang="en-US" sz="4800" dirty="0"/>
+              <a:t>Cities</a:t>
             </a:r>
           </a:p>
         </p:txBody>
       </p:sp>
       <p:sp>
         <p:nvSpPr>
-          <p:cNvPr id="3" name="Content Placeholder 2">
-            <a:extLst>
-              <a:ext uri="{FF2B5EF4-FFF2-40B4-BE49-F238E27FC236}">
-                <a16:creationId xmlns:a16="http://schemas.microsoft.com/office/drawing/2014/main" id="{0572757E-629F-BB59-75A8-E5B3DBCCD130}"/>
+          <p:cNvPr id="4" name="Text Placeholder 3">
+            <a:extLst>
+              <a:ext uri="{FF2B5EF4-FFF2-40B4-BE49-F238E27FC236}">
+                <a16:creationId xmlns:a16="http://schemas.microsoft.com/office/drawing/2014/main" id="{85B5FA63-1F46-6642-A5C4-F9C307B89572}"/>
               </a:ext>
             </a:extLst>
           </p:cNvPr>
@@ -21468,7 +21055,7 @@
             <a:spLocks noGrp="1"/>
           </p:cNvSpPr>
           <p:nvPr>
-            <p:ph idx="1"/>
+            <p:ph type="body" sz="half" idx="2"/>
           </p:nvPr>
         </p:nvSpPr>
         <p:spPr/>
@@ -21476,58 +21063,118 @@
           <a:bodyPr/>
           <a:lstStyle/>
           <a:p>
-            <a:pPr marL="457200" indent="-457200">
+            <a:pPr marL="457200" marR="0" lvl="0" indent="-457200" algn="l" defTabSz="914400" rtl="0" eaLnBrk="1" fontAlgn="auto" latinLnBrk="0" hangingPunct="1">
+              <a:lnSpc>
+                <a:spcPct val="110000"/>
+              </a:lnSpc>
+              <a:spcBef>
+                <a:spcPts val="1000"/>
+              </a:spcBef>
+              <a:spcAft>
+                <a:spcPts val="800"/>
+              </a:spcAft>
+              <a:buClrTx/>
+              <a:buSzTx/>
               <a:buFont typeface="+mj-lt"/>
               <a:buAutoNum type="arabicPeriod"/>
+              <a:tabLst/>
+              <a:defRPr/>
             </a:pPr>
             <a:r>
-              <a:rPr lang="en-US" dirty="0"/>
-              <a:t>Pulled city populations from World Population Review (worldpopulationreview.com)</a:t>
+              <a:rPr kumimoji="0" lang="en-US" sz="2000" b="0" i="0" u="none" strike="noStrike" kern="1200" cap="none" spc="0" normalizeH="0" baseline="0" noProof="0" dirty="0">
+                <a:ln>
+                  <a:noFill/>
+                </a:ln>
+                <a:solidFill>
+                  <a:prstClr val="white">
+                    <a:alpha val="60000"/>
+                  </a:prstClr>
+                </a:solidFill>
+                <a:effectLst/>
+                <a:uLnTx/>
+                <a:uFillTx/>
+                <a:latin typeface="Gill Sans MT"/>
+                <a:ea typeface="+mn-ea"/>
+                <a:cs typeface="+mn-cs"/>
+              </a:rPr>
+              <a:t>Pulled city populations and location from World Population Review (worldpopulationreview.com)</a:t>
             </a:r>
           </a:p>
           <a:p>
-            <a:pPr marL="457200" indent="-457200">
+            <a:pPr marL="457200" marR="0" lvl="0" indent="-457200" algn="l" defTabSz="914400" rtl="0" eaLnBrk="1" fontAlgn="auto" latinLnBrk="0" hangingPunct="1">
+              <a:lnSpc>
+                <a:spcPct val="110000"/>
+              </a:lnSpc>
+              <a:spcBef>
+                <a:spcPts val="1000"/>
+              </a:spcBef>
+              <a:spcAft>
+                <a:spcPts val="800"/>
+              </a:spcAft>
+              <a:buClrTx/>
+              <a:buSzTx/>
               <a:buFont typeface="+mj-lt"/>
               <a:buAutoNum type="arabicPeriod"/>
+              <a:tabLst/>
+              <a:defRPr/>
             </a:pPr>
             <a:r>
-              <a:rPr lang="en-US" dirty="0"/>
-              <a:t>Pulled restaurant information from Google API</a:t>
+              <a:rPr kumimoji="0" lang="en-US" sz="2000" b="0" i="0" u="none" strike="noStrike" kern="1200" cap="none" spc="0" normalizeH="0" baseline="0" noProof="0" dirty="0">
+                <a:ln>
+                  <a:noFill/>
+                </a:ln>
+                <a:solidFill>
+                  <a:prstClr val="white">
+                    <a:alpha val="60000"/>
+                  </a:prstClr>
+                </a:solidFill>
+                <a:effectLst/>
+                <a:uLnTx/>
+                <a:uFillTx/>
+                <a:latin typeface="Gill Sans MT"/>
+                <a:ea typeface="+mn-ea"/>
+                <a:cs typeface="+mn-cs"/>
+              </a:rPr>
+              <a:t>Removed all cities with population &lt; 1MM</a:t>
             </a:r>
           </a:p>
           <a:p>
-            <a:pPr marL="457200" indent="-457200">
+            <a:pPr marL="457200" marR="0" lvl="0" indent="-457200" algn="l" defTabSz="914400" rtl="0" eaLnBrk="1" fontAlgn="auto" latinLnBrk="0" hangingPunct="1">
+              <a:lnSpc>
+                <a:spcPct val="110000"/>
+              </a:lnSpc>
+              <a:spcBef>
+                <a:spcPts val="1000"/>
+              </a:spcBef>
+              <a:spcAft>
+                <a:spcPts val="800"/>
+              </a:spcAft>
+              <a:buClrTx/>
+              <a:buSzTx/>
               <a:buFont typeface="+mj-lt"/>
               <a:buAutoNum type="arabicPeriod"/>
+              <a:tabLst/>
+              <a:defRPr/>
             </a:pPr>
             <a:r>
-              <a:rPr lang="en-US" dirty="0"/>
-              <a:t>Filtered cities by population (&gt;1,000,000) and randomly pulled 10 cities</a:t>
+              <a:rPr kumimoji="0" lang="en-US" sz="2000" b="0" i="0" u="none" strike="noStrike" kern="1200" cap="none" spc="0" normalizeH="0" baseline="0" noProof="0" dirty="0">
+                <a:ln>
+                  <a:noFill/>
+                </a:ln>
+                <a:solidFill>
+                  <a:prstClr val="white">
+                    <a:alpha val="60000"/>
+                  </a:prstClr>
+                </a:solidFill>
+                <a:effectLst/>
+                <a:uLnTx/>
+                <a:uFillTx/>
+                <a:latin typeface="Gill Sans MT"/>
+                <a:ea typeface="+mn-ea"/>
+                <a:cs typeface="+mn-cs"/>
+              </a:rPr>
+              <a:t>Randomly chose 10 cities</a:t>
             </a:r>
-          </a:p>
-          <a:p>
-            <a:pPr marL="457200" indent="-457200">
-              <a:buFont typeface="+mj-lt"/>
-              <a:buAutoNum type="arabicPeriod"/>
-            </a:pPr>
-            <a:r>
-              <a:rPr lang="en-US" dirty="0"/>
-              <a:t>Filtered restaurants by Rating (&gt;4.0) and Number of Reviews (&gt;250)</a:t>
-            </a:r>
-          </a:p>
-          <a:p>
-            <a:pPr marL="457200" indent="-457200">
-              <a:buFont typeface="+mj-lt"/>
-              <a:buAutoNum type="arabicPeriod"/>
-            </a:pPr>
-            <a:endParaRPr lang="en-US" dirty="0"/>
-          </a:p>
-          <a:p>
-            <a:pPr marL="457200" indent="-457200">
-              <a:buFont typeface="+mj-lt"/>
-              <a:buAutoNum type="arabicPeriod"/>
-            </a:pPr>
-            <a:endParaRPr lang="en-US" dirty="0"/>
           </a:p>
           <a:p>
             <a:endParaRPr lang="en-US" dirty="0"/>
@@ -21536,10 +21183,10 @@
       </p:sp>
       <p:sp>
         <p:nvSpPr>
-          <p:cNvPr id="4" name="Date Placeholder 3">
-            <a:extLst>
-              <a:ext uri="{FF2B5EF4-FFF2-40B4-BE49-F238E27FC236}">
-                <a16:creationId xmlns:a16="http://schemas.microsoft.com/office/drawing/2014/main" id="{919AC501-070E-FEEE-5A63-A870DFDB4889}"/>
+          <p:cNvPr id="5" name="Date Placeholder 4">
+            <a:extLst>
+              <a:ext uri="{FF2B5EF4-FFF2-40B4-BE49-F238E27FC236}">
+                <a16:creationId xmlns:a16="http://schemas.microsoft.com/office/drawing/2014/main" id="{A8F12AB0-1315-C1D6-9581-3DE084D08C48}"/>
               </a:ext>
             </a:extLst>
           </p:cNvPr>
@@ -21564,10 +21211,10 @@
       </p:sp>
       <p:sp>
         <p:nvSpPr>
-          <p:cNvPr id="5" name="Footer Placeholder 4">
-            <a:extLst>
-              <a:ext uri="{FF2B5EF4-FFF2-40B4-BE49-F238E27FC236}">
-                <a16:creationId xmlns:a16="http://schemas.microsoft.com/office/drawing/2014/main" id="{A946CA68-5F7C-D1A9-8852-5526A3237576}"/>
+          <p:cNvPr id="6" name="Footer Placeholder 5">
+            <a:extLst>
+              <a:ext uri="{FF2B5EF4-FFF2-40B4-BE49-F238E27FC236}">
+                <a16:creationId xmlns:a16="http://schemas.microsoft.com/office/drawing/2014/main" id="{DD0EDA90-6D4C-E028-3F4A-BB0C5AF1507C}"/>
               </a:ext>
             </a:extLst>
           </p:cNvPr>
@@ -21592,10 +21239,10 @@
       </p:sp>
       <p:sp>
         <p:nvSpPr>
-          <p:cNvPr id="6" name="Slide Number Placeholder 5">
-            <a:extLst>
-              <a:ext uri="{FF2B5EF4-FFF2-40B4-BE49-F238E27FC236}">
-                <a16:creationId xmlns:a16="http://schemas.microsoft.com/office/drawing/2014/main" id="{06E36388-C934-BA43-CC0F-5E31D322C533}"/>
+          <p:cNvPr id="7" name="Slide Number Placeholder 6">
+            <a:extLst>
+              <a:ext uri="{FF2B5EF4-FFF2-40B4-BE49-F238E27FC236}">
+                <a16:creationId xmlns:a16="http://schemas.microsoft.com/office/drawing/2014/main" id="{B2631D0E-800A-CAF0-1294-F28FC8E94972}"/>
               </a:ext>
             </a:extLst>
           </p:cNvPr>
@@ -21619,10 +21266,39 @@
           </a:p>
         </p:txBody>
       </p:sp>
+      <p:pic>
+        <p:nvPicPr>
+          <p:cNvPr id="8" name="Content Placeholder 3" descr="Map&#10;&#10;Description automatically generated">
+            <a:extLst>
+              <a:ext uri="{FF2B5EF4-FFF2-40B4-BE49-F238E27FC236}">
+                <a16:creationId xmlns:a16="http://schemas.microsoft.com/office/drawing/2014/main" id="{8FA58034-4E69-739A-9518-F0FD48E4EC41}"/>
+              </a:ext>
+            </a:extLst>
+          </p:cNvPr>
+          <p:cNvPicPr>
+            <a:picLocks noGrp="1" noChangeAspect="1"/>
+          </p:cNvPicPr>
+          <p:nvPr>
+            <p:ph idx="1"/>
+          </p:nvPr>
+        </p:nvPicPr>
+        <p:blipFill>
+          <a:blip r:embed="rId2"/>
+          <a:stretch>
+            <a:fillRect/>
+          </a:stretch>
+        </p:blipFill>
+        <p:spPr>
+          <a:xfrm>
+            <a:off x="4295775" y="2436084"/>
+            <a:ext cx="7345363" cy="2970081"/>
+          </a:xfrm>
+        </p:spPr>
+      </p:pic>
     </p:spTree>
     <p:extLst>
       <p:ext uri="{BB962C8B-B14F-4D97-AF65-F5344CB8AC3E}">
-        <p14:creationId xmlns:p14="http://schemas.microsoft.com/office/powerpoint/2010/main" val="3808926450"/>
+        <p14:creationId xmlns:p14="http://schemas.microsoft.com/office/powerpoint/2010/main" val="1723666472"/>
       </p:ext>
     </p:extLst>
   </p:cSld>
@@ -21651,10 +21327,10 @@
       </p:grpSpPr>
       <p:sp>
         <p:nvSpPr>
-          <p:cNvPr id="7" name="Title 6">
-            <a:extLst>
-              <a:ext uri="{FF2B5EF4-FFF2-40B4-BE49-F238E27FC236}">
-                <a16:creationId xmlns:a16="http://schemas.microsoft.com/office/drawing/2014/main" id="{3E174092-82D3-44E0-8948-4096232ED0A7}"/>
+          <p:cNvPr id="2" name="Title 1">
+            <a:extLst>
+              <a:ext uri="{FF2B5EF4-FFF2-40B4-BE49-F238E27FC236}">
+                <a16:creationId xmlns:a16="http://schemas.microsoft.com/office/drawing/2014/main" id="{1C5C694D-096C-A03D-02C0-E43912AC49D7}"/>
               </a:ext>
             </a:extLst>
           </p:cNvPr>
@@ -21665,29 +21341,212 @@
             <p:ph type="title"/>
           </p:nvPr>
         </p:nvSpPr>
-        <p:spPr>
-          <a:xfrm>
-            <a:off x="550862" y="549275"/>
-            <a:ext cx="11091600" cy="1332000"/>
-          </a:xfrm>
-        </p:spPr>
+        <p:spPr/>
         <p:txBody>
           <a:bodyPr/>
           <a:lstStyle/>
           <a:p>
             <a:r>
-              <a:rPr lang="en-US" dirty="0"/>
-              <a:t>Location of Cities</a:t>
+              <a:rPr lang="en-US" sz="4800" dirty="0"/>
+              <a:t>Restaurants</a:t>
             </a:r>
           </a:p>
         </p:txBody>
       </p:sp>
       <p:sp>
         <p:nvSpPr>
-          <p:cNvPr id="6" name="Slide Number Placeholder 5">
-            <a:extLst>
-              <a:ext uri="{FF2B5EF4-FFF2-40B4-BE49-F238E27FC236}">
-                <a16:creationId xmlns:a16="http://schemas.microsoft.com/office/drawing/2014/main" id="{705C33DF-36C9-49E9-B48D-A320B179C4D4}"/>
+          <p:cNvPr id="4" name="Text Placeholder 3">
+            <a:extLst>
+              <a:ext uri="{FF2B5EF4-FFF2-40B4-BE49-F238E27FC236}">
+                <a16:creationId xmlns:a16="http://schemas.microsoft.com/office/drawing/2014/main" id="{85B5FA63-1F46-6642-A5C4-F9C307B89572}"/>
+              </a:ext>
+            </a:extLst>
+          </p:cNvPr>
+          <p:cNvSpPr>
+            <a:spLocks noGrp="1"/>
+          </p:cNvSpPr>
+          <p:nvPr>
+            <p:ph type="body" sz="half" idx="2"/>
+          </p:nvPr>
+        </p:nvSpPr>
+        <p:spPr/>
+        <p:txBody>
+          <a:bodyPr/>
+          <a:lstStyle/>
+          <a:p>
+            <a:pPr marL="457200" marR="0" lvl="0" indent="-457200" algn="l" defTabSz="914400" rtl="0" eaLnBrk="1" fontAlgn="auto" latinLnBrk="0" hangingPunct="1">
+              <a:lnSpc>
+                <a:spcPct val="110000"/>
+              </a:lnSpc>
+              <a:spcBef>
+                <a:spcPts val="1000"/>
+              </a:spcBef>
+              <a:spcAft>
+                <a:spcPts val="800"/>
+              </a:spcAft>
+              <a:buClrTx/>
+              <a:buSzTx/>
+              <a:buFont typeface="+mj-lt"/>
+              <a:buAutoNum type="arabicPeriod"/>
+              <a:tabLst/>
+              <a:defRPr/>
+            </a:pPr>
+            <a:r>
+              <a:rPr lang="en-US" sz="2000" dirty="0">
+                <a:solidFill>
+                  <a:prstClr val="white">
+                    <a:alpha val="60000"/>
+                  </a:prstClr>
+                </a:solidFill>
+                <a:latin typeface="Gill Sans MT"/>
+              </a:rPr>
+              <a:t>Used Google API to locate and pull data for  restaurants within 5 KM based on coordinates from </a:t>
+            </a:r>
+            <a:r>
+              <a:rPr kumimoji="0" lang="en-US" sz="2000" b="0" i="0" u="none" strike="noStrike" kern="1200" cap="none" spc="0" normalizeH="0" baseline="0" noProof="0" dirty="0">
+                <a:ln>
+                  <a:noFill/>
+                </a:ln>
+                <a:solidFill>
+                  <a:prstClr val="white">
+                    <a:alpha val="60000"/>
+                  </a:prstClr>
+                </a:solidFill>
+                <a:effectLst/>
+                <a:uLnTx/>
+                <a:uFillTx/>
+                <a:latin typeface="Gill Sans MT"/>
+                <a:ea typeface="+mn-ea"/>
+                <a:cs typeface="+mn-cs"/>
+              </a:rPr>
+              <a:t>World Population Review</a:t>
+            </a:r>
+          </a:p>
+          <a:p>
+            <a:pPr marL="457200" marR="0" lvl="0" indent="-457200" algn="l" defTabSz="914400" rtl="0" eaLnBrk="1" fontAlgn="auto" latinLnBrk="0" hangingPunct="1">
+              <a:lnSpc>
+                <a:spcPct val="110000"/>
+              </a:lnSpc>
+              <a:spcBef>
+                <a:spcPts val="1000"/>
+              </a:spcBef>
+              <a:spcAft>
+                <a:spcPts val="800"/>
+              </a:spcAft>
+              <a:buClrTx/>
+              <a:buSzTx/>
+              <a:buFont typeface="+mj-lt"/>
+              <a:buAutoNum type="arabicPeriod"/>
+              <a:tabLst/>
+              <a:defRPr/>
+            </a:pPr>
+            <a:r>
+              <a:rPr lang="en-US" sz="2000" dirty="0">
+                <a:solidFill>
+                  <a:prstClr val="white">
+                    <a:alpha val="60000"/>
+                  </a:prstClr>
+                </a:solidFill>
+                <a:latin typeface="Gill Sans MT"/>
+              </a:rPr>
+              <a:t>Removed restaurants with a Rating &lt;4.0 </a:t>
+            </a:r>
+          </a:p>
+          <a:p>
+            <a:pPr marL="457200" marR="0" lvl="0" indent="-457200" algn="l" defTabSz="914400" rtl="0" eaLnBrk="1" fontAlgn="auto" latinLnBrk="0" hangingPunct="1">
+              <a:lnSpc>
+                <a:spcPct val="110000"/>
+              </a:lnSpc>
+              <a:spcBef>
+                <a:spcPts val="1000"/>
+              </a:spcBef>
+              <a:spcAft>
+                <a:spcPts val="800"/>
+              </a:spcAft>
+              <a:buClrTx/>
+              <a:buSzTx/>
+              <a:buFont typeface="+mj-lt"/>
+              <a:buAutoNum type="arabicPeriod"/>
+              <a:tabLst/>
+              <a:defRPr/>
+            </a:pPr>
+            <a:r>
+              <a:rPr lang="en-US" sz="2000" dirty="0">
+                <a:solidFill>
+                  <a:prstClr val="white">
+                    <a:alpha val="60000"/>
+                  </a:prstClr>
+                </a:solidFill>
+                <a:latin typeface="Gill Sans MT"/>
+              </a:rPr>
+              <a:t>Removed restaurants that had less than &lt;250 Reviews</a:t>
+            </a:r>
+            <a:endParaRPr lang="en-US" dirty="0"/>
+          </a:p>
+        </p:txBody>
+      </p:sp>
+      <p:sp>
+        <p:nvSpPr>
+          <p:cNvPr id="5" name="Date Placeholder 4">
+            <a:extLst>
+              <a:ext uri="{FF2B5EF4-FFF2-40B4-BE49-F238E27FC236}">
+                <a16:creationId xmlns:a16="http://schemas.microsoft.com/office/drawing/2014/main" id="{A8F12AB0-1315-C1D6-9581-3DE084D08C48}"/>
+              </a:ext>
+            </a:extLst>
+          </p:cNvPr>
+          <p:cNvSpPr>
+            <a:spLocks noGrp="1"/>
+          </p:cNvSpPr>
+          <p:nvPr>
+            <p:ph type="dt" sz="half" idx="10"/>
+          </p:nvPr>
+        </p:nvSpPr>
+        <p:spPr/>
+        <p:txBody>
+          <a:bodyPr/>
+          <a:lstStyle/>
+          <a:p>
+            <a:r>
+              <a:rPr lang="en-US"/>
+              <a:t>Tuesday, February 2, 20XX</a:t>
+            </a:r>
+          </a:p>
+        </p:txBody>
+      </p:sp>
+      <p:sp>
+        <p:nvSpPr>
+          <p:cNvPr id="6" name="Footer Placeholder 5">
+            <a:extLst>
+              <a:ext uri="{FF2B5EF4-FFF2-40B4-BE49-F238E27FC236}">
+                <a16:creationId xmlns:a16="http://schemas.microsoft.com/office/drawing/2014/main" id="{DD0EDA90-6D4C-E028-3F4A-BB0C5AF1507C}"/>
+              </a:ext>
+            </a:extLst>
+          </p:cNvPr>
+          <p:cNvSpPr>
+            <a:spLocks noGrp="1"/>
+          </p:cNvSpPr>
+          <p:nvPr>
+            <p:ph type="ftr" sz="quarter" idx="11"/>
+          </p:nvPr>
+        </p:nvSpPr>
+        <p:spPr/>
+        <p:txBody>
+          <a:bodyPr/>
+          <a:lstStyle/>
+          <a:p>
+            <a:r>
+              <a:rPr lang="en-US"/>
+              <a:t>Sample Footer Text</a:t>
+            </a:r>
+          </a:p>
+        </p:txBody>
+      </p:sp>
+      <p:sp>
+        <p:nvSpPr>
+          <p:cNvPr id="7" name="Slide Number Placeholder 6">
+            <a:extLst>
+              <a:ext uri="{FF2B5EF4-FFF2-40B4-BE49-F238E27FC236}">
+                <a16:creationId xmlns:a16="http://schemas.microsoft.com/office/drawing/2014/main" id="{B2631D0E-800A-CAF0-1294-F28FC8E94972}"/>
               </a:ext>
             </a:extLst>
           </p:cNvPr>
@@ -21698,19 +21557,13 @@
             <p:ph type="sldNum" sz="quarter" idx="12"/>
           </p:nvPr>
         </p:nvSpPr>
-        <p:spPr>
-          <a:xfrm>
-            <a:off x="9948863" y="6507212"/>
-            <a:ext cx="1692274" cy="153888"/>
-          </a:xfrm>
-        </p:spPr>
+        <p:spPr/>
         <p:txBody>
           <a:bodyPr/>
           <a:lstStyle/>
           <a:p>
             <a:fld id="{DBA1B0FB-D917-4C8C-928F-313BD683BF39}" type="slidenum">
               <a:rPr lang="en-US" smtClean="0"/>
-              <a:pPr/>
               <a:t>7</a:t>
             </a:fld>
             <a:endParaRPr lang="en-US"/>
@@ -21719,10 +21572,10 @@
       </p:sp>
       <p:pic>
         <p:nvPicPr>
-          <p:cNvPr id="4" name="Content Placeholder 3" descr="Map&#10;&#10;Description automatically generated">
-            <a:extLst>
-              <a:ext uri="{FF2B5EF4-FFF2-40B4-BE49-F238E27FC236}">
-                <a16:creationId xmlns:a16="http://schemas.microsoft.com/office/drawing/2014/main" id="{94927B50-2ED0-4164-3A1C-1FFD0C34562D}"/>
+          <p:cNvPr id="10" name="Content Placeholder 7" descr="Map&#10;&#10;Description automatically generated">
+            <a:extLst>
+              <a:ext uri="{FF2B5EF4-FFF2-40B4-BE49-F238E27FC236}">
+                <a16:creationId xmlns:a16="http://schemas.microsoft.com/office/drawing/2014/main" id="{4C41EE0D-8512-AC3B-3B5C-914CD949937C}"/>
               </a:ext>
             </a:extLst>
           </p:cNvPr>
@@ -21741,15 +21594,15 @@
         </p:blipFill>
         <p:spPr>
           <a:xfrm>
-            <a:off x="618909" y="1438275"/>
-            <a:ext cx="10971418" cy="4436269"/>
+            <a:off x="4295775" y="2408140"/>
+            <a:ext cx="7345363" cy="3025970"/>
           </a:xfrm>
         </p:spPr>
       </p:pic>
     </p:spTree>
     <p:extLst>
       <p:ext uri="{BB962C8B-B14F-4D97-AF65-F5344CB8AC3E}">
-        <p14:creationId xmlns:p14="http://schemas.microsoft.com/office/powerpoint/2010/main" val="3740286033"/>
+        <p14:creationId xmlns:p14="http://schemas.microsoft.com/office/powerpoint/2010/main" val="2825429155"/>
       </p:ext>
     </p:extLst>
   </p:cSld>
@@ -21778,178 +21631,6 @@
       </p:grpSpPr>
       <p:sp>
         <p:nvSpPr>
-          <p:cNvPr id="2" name="Title 1">
-            <a:extLst>
-              <a:ext uri="{FF2B5EF4-FFF2-40B4-BE49-F238E27FC236}">
-                <a16:creationId xmlns:a16="http://schemas.microsoft.com/office/drawing/2014/main" id="{06947E62-A2A2-EFA0-2504-2B8F0EA6B461}"/>
-              </a:ext>
-            </a:extLst>
-          </p:cNvPr>
-          <p:cNvSpPr>
-            <a:spLocks noGrp="1"/>
-          </p:cNvSpPr>
-          <p:nvPr>
-            <p:ph type="title"/>
-          </p:nvPr>
-        </p:nvSpPr>
-        <p:spPr/>
-        <p:txBody>
-          <a:bodyPr/>
-          <a:lstStyle/>
-          <a:p>
-            <a:r>
-              <a:rPr lang="en-US" dirty="0"/>
-              <a:t>Restaurants in Cities</a:t>
-            </a:r>
-          </a:p>
-        </p:txBody>
-      </p:sp>
-      <p:pic>
-        <p:nvPicPr>
-          <p:cNvPr id="8" name="Content Placeholder 7" descr="Map&#10;&#10;Description automatically generated">
-            <a:extLst>
-              <a:ext uri="{FF2B5EF4-FFF2-40B4-BE49-F238E27FC236}">
-                <a16:creationId xmlns:a16="http://schemas.microsoft.com/office/drawing/2014/main" id="{F9C6A07B-43B2-D565-B340-D3491DA0DFAB}"/>
-              </a:ext>
-            </a:extLst>
-          </p:cNvPr>
-          <p:cNvPicPr>
-            <a:picLocks noGrp="1" noChangeAspect="1"/>
-          </p:cNvPicPr>
-          <p:nvPr>
-            <p:ph idx="1"/>
-          </p:nvPr>
-        </p:nvPicPr>
-        <p:blipFill>
-          <a:blip r:embed="rId3"/>
-          <a:stretch>
-            <a:fillRect/>
-          </a:stretch>
-        </p:blipFill>
-        <p:spPr>
-          <a:xfrm>
-            <a:off x="541089" y="1818538"/>
-            <a:ext cx="11100047" cy="4572737"/>
-          </a:xfrm>
-        </p:spPr>
-      </p:pic>
-      <p:sp>
-        <p:nvSpPr>
-          <p:cNvPr id="4" name="Date Placeholder 3">
-            <a:extLst>
-              <a:ext uri="{FF2B5EF4-FFF2-40B4-BE49-F238E27FC236}">
-                <a16:creationId xmlns:a16="http://schemas.microsoft.com/office/drawing/2014/main" id="{5CAADC1D-4303-661E-514D-2F7C2531544B}"/>
-              </a:ext>
-            </a:extLst>
-          </p:cNvPr>
-          <p:cNvSpPr>
-            <a:spLocks noGrp="1"/>
-          </p:cNvSpPr>
-          <p:nvPr>
-            <p:ph type="dt" sz="half" idx="10"/>
-          </p:nvPr>
-        </p:nvSpPr>
-        <p:spPr/>
-        <p:txBody>
-          <a:bodyPr/>
-          <a:lstStyle/>
-          <a:p>
-            <a:r>
-              <a:rPr lang="en-US"/>
-              <a:t>Tuesday, February 2, 20XX</a:t>
-            </a:r>
-          </a:p>
-        </p:txBody>
-      </p:sp>
-      <p:sp>
-        <p:nvSpPr>
-          <p:cNvPr id="5" name="Footer Placeholder 4">
-            <a:extLst>
-              <a:ext uri="{FF2B5EF4-FFF2-40B4-BE49-F238E27FC236}">
-                <a16:creationId xmlns:a16="http://schemas.microsoft.com/office/drawing/2014/main" id="{15E9B311-CCA7-42BB-9930-AA1A154B07C9}"/>
-              </a:ext>
-            </a:extLst>
-          </p:cNvPr>
-          <p:cNvSpPr>
-            <a:spLocks noGrp="1"/>
-          </p:cNvSpPr>
-          <p:nvPr>
-            <p:ph type="ftr" sz="quarter" idx="11"/>
-          </p:nvPr>
-        </p:nvSpPr>
-        <p:spPr/>
-        <p:txBody>
-          <a:bodyPr/>
-          <a:lstStyle/>
-          <a:p>
-            <a:r>
-              <a:rPr lang="en-US"/>
-              <a:t>Sample Footer Text</a:t>
-            </a:r>
-          </a:p>
-        </p:txBody>
-      </p:sp>
-      <p:sp>
-        <p:nvSpPr>
-          <p:cNvPr id="6" name="Slide Number Placeholder 5">
-            <a:extLst>
-              <a:ext uri="{FF2B5EF4-FFF2-40B4-BE49-F238E27FC236}">
-                <a16:creationId xmlns:a16="http://schemas.microsoft.com/office/drawing/2014/main" id="{E0B41759-C945-0C32-B004-F7320C3E9C26}"/>
-              </a:ext>
-            </a:extLst>
-          </p:cNvPr>
-          <p:cNvSpPr>
-            <a:spLocks noGrp="1"/>
-          </p:cNvSpPr>
-          <p:nvPr>
-            <p:ph type="sldNum" sz="quarter" idx="12"/>
-          </p:nvPr>
-        </p:nvSpPr>
-        <p:spPr/>
-        <p:txBody>
-          <a:bodyPr/>
-          <a:lstStyle/>
-          <a:p>
-            <a:fld id="{DBA1B0FB-D917-4C8C-928F-313BD683BF39}" type="slidenum">
-              <a:rPr lang="en-US" smtClean="0"/>
-              <a:t>8</a:t>
-            </a:fld>
-            <a:endParaRPr lang="en-US"/>
-          </a:p>
-        </p:txBody>
-      </p:sp>
-    </p:spTree>
-    <p:extLst>
-      <p:ext uri="{BB962C8B-B14F-4D97-AF65-F5344CB8AC3E}">
-        <p14:creationId xmlns:p14="http://schemas.microsoft.com/office/powerpoint/2010/main" val="1942907802"/>
-      </p:ext>
-    </p:extLst>
-  </p:cSld>
-  <p:clrMapOvr>
-    <a:masterClrMapping/>
-  </p:clrMapOvr>
-</p:sld>
-</file>
-
-<file path=ppt/slides/slide9.xml><?xml version="1.0" encoding="utf-8"?>
-<p:sld xmlns:a="http://schemas.openxmlformats.org/drawingml/2006/main" xmlns:r="http://schemas.openxmlformats.org/officeDocument/2006/relationships" xmlns:p="http://schemas.openxmlformats.org/presentationml/2006/main">
-  <p:cSld>
-    <p:spTree>
-      <p:nvGrpSpPr>
-        <p:cNvPr id="1" name=""/>
-        <p:cNvGrpSpPr/>
-        <p:nvPr/>
-      </p:nvGrpSpPr>
-      <p:grpSpPr>
-        <a:xfrm>
-          <a:off x="0" y="0"/>
-          <a:ext cx="0" cy="0"/>
-          <a:chOff x="0" y="0"/>
-          <a:chExt cx="0" cy="0"/>
-        </a:xfrm>
-      </p:grpSpPr>
-      <p:sp>
-        <p:nvSpPr>
           <p:cNvPr id="7" name="Title 6">
             <a:extLst>
               <a:ext uri="{FF2B5EF4-FFF2-40B4-BE49-F238E27FC236}">
@@ -22010,7 +21691,7 @@
             <a:fld id="{DBA1B0FB-D917-4C8C-928F-313BD683BF39}" type="slidenum">
               <a:rPr lang="en-US" smtClean="0"/>
               <a:pPr/>
-              <a:t>9</a:t>
+              <a:t>8</a:t>
             </a:fld>
             <a:endParaRPr lang="en-US"/>
           </a:p>
@@ -22056,6 +21737,285 @@
   <p:clrMapOvr>
     <a:masterClrMapping/>
   </p:clrMapOvr>
+</p:sld>
+</file>
+
+<file path=ppt/slides/slide9.xml><?xml version="1.0" encoding="utf-8"?>
+<p:sld xmlns:a="http://schemas.openxmlformats.org/drawingml/2006/main" xmlns:r="http://schemas.openxmlformats.org/officeDocument/2006/relationships" xmlns:p="http://schemas.openxmlformats.org/presentationml/2006/main">
+  <p:cSld>
+    <p:spTree>
+      <p:nvGrpSpPr>
+        <p:cNvPr id="1" name=""/>
+        <p:cNvGrpSpPr/>
+        <p:nvPr/>
+      </p:nvGrpSpPr>
+      <p:grpSpPr>
+        <a:xfrm>
+          <a:off x="0" y="0"/>
+          <a:ext cx="0" cy="0"/>
+          <a:chOff x="0" y="0"/>
+          <a:chExt cx="0" cy="0"/>
+        </a:xfrm>
+      </p:grpSpPr>
+      <p:sp>
+        <p:nvSpPr>
+          <p:cNvPr id="2" name="Title 1">
+            <a:extLst>
+              <a:ext uri="{FF2B5EF4-FFF2-40B4-BE49-F238E27FC236}">
+                <a16:creationId xmlns:a16="http://schemas.microsoft.com/office/drawing/2014/main" id="{8A08E34F-D767-EE9C-65E2-CEE5CF31D825}"/>
+              </a:ext>
+            </a:extLst>
+          </p:cNvPr>
+          <p:cNvSpPr>
+            <a:spLocks noGrp="1"/>
+          </p:cNvSpPr>
+          <p:nvPr>
+            <p:ph type="title"/>
+          </p:nvPr>
+        </p:nvSpPr>
+        <p:spPr/>
+        <p:txBody>
+          <a:bodyPr/>
+          <a:lstStyle/>
+          <a:p>
+            <a:r>
+              <a:rPr lang="en-US" sz="4800" dirty="0"/>
+              <a:t>Does price level influence ratings?</a:t>
+            </a:r>
+            <a:br>
+              <a:rPr lang="en-US" sz="4800" dirty="0"/>
+            </a:br>
+            <a:endParaRPr lang="en-US" dirty="0"/>
+          </a:p>
+        </p:txBody>
+      </p:sp>
+      <p:sp>
+        <p:nvSpPr>
+          <p:cNvPr id="6" name="Slide Number Placeholder 5">
+            <a:extLst>
+              <a:ext uri="{FF2B5EF4-FFF2-40B4-BE49-F238E27FC236}">
+                <a16:creationId xmlns:a16="http://schemas.microsoft.com/office/drawing/2014/main" id="{CF47C235-64E1-99BC-50BE-35E53DE785C9}"/>
+              </a:ext>
+            </a:extLst>
+          </p:cNvPr>
+          <p:cNvSpPr>
+            <a:spLocks noGrp="1"/>
+          </p:cNvSpPr>
+          <p:nvPr>
+            <p:ph type="sldNum" sz="quarter" idx="12"/>
+          </p:nvPr>
+        </p:nvSpPr>
+        <p:spPr/>
+        <p:txBody>
+          <a:bodyPr/>
+          <a:lstStyle/>
+          <a:p>
+            <a:fld id="{DBA1B0FB-D917-4C8C-928F-313BD683BF39}" type="slidenum">
+              <a:rPr lang="en-US" smtClean="0"/>
+              <a:t>9</a:t>
+            </a:fld>
+            <a:endParaRPr lang="en-US"/>
+          </a:p>
+        </p:txBody>
+      </p:sp>
+      <p:pic>
+        <p:nvPicPr>
+          <p:cNvPr id="7" name="Content Placeholder 6" descr="Chart, scatter chart&#10;&#10;Description automatically generated">
+            <a:extLst>
+              <a:ext uri="{FF2B5EF4-FFF2-40B4-BE49-F238E27FC236}">
+                <a16:creationId xmlns:a16="http://schemas.microsoft.com/office/drawing/2014/main" id="{8EC73D1F-4432-BFAE-BDAA-5C625A3AD3A1}"/>
+              </a:ext>
+            </a:extLst>
+          </p:cNvPr>
+          <p:cNvPicPr>
+            <a:picLocks noGrp="1" noChangeAspect="1"/>
+          </p:cNvPicPr>
+          <p:nvPr>
+            <p:ph idx="1"/>
+          </p:nvPr>
+        </p:nvPicPr>
+        <p:blipFill>
+          <a:blip r:embed="rId2"/>
+          <a:stretch>
+            <a:fillRect/>
+          </a:stretch>
+        </p:blipFill>
+        <p:spPr>
+          <a:xfrm>
+            <a:off x="549538" y="1573515"/>
+            <a:ext cx="7176546" cy="4735210"/>
+          </a:xfrm>
+          <a:prstGeom prst="rect">
+            <a:avLst/>
+          </a:prstGeom>
+        </p:spPr>
+      </p:pic>
+      <p:sp>
+        <p:nvSpPr>
+          <p:cNvPr id="8" name="TextBox 7">
+            <a:extLst>
+              <a:ext uri="{FF2B5EF4-FFF2-40B4-BE49-F238E27FC236}">
+                <a16:creationId xmlns:a16="http://schemas.microsoft.com/office/drawing/2014/main" id="{BE25D07D-78BD-B089-82BD-D64AF99B2F06}"/>
+              </a:ext>
+            </a:extLst>
+          </p:cNvPr>
+          <p:cNvSpPr txBox="1"/>
+          <p:nvPr/>
+        </p:nvSpPr>
+        <p:spPr>
+          <a:xfrm>
+            <a:off x="8205116" y="3072426"/>
+            <a:ext cx="3112035" cy="461665"/>
+          </a:xfrm>
+          <a:prstGeom prst="rect">
+            <a:avLst/>
+          </a:prstGeom>
+          <a:noFill/>
+        </p:spPr>
+        <p:txBody>
+          <a:bodyPr wrap="square" rtlCol="0">
+            <a:spAutoFit/>
+          </a:bodyPr>
+          <a:lstStyle/>
+          <a:p>
+            <a:r>
+              <a:rPr lang="en-US" sz="2400" dirty="0"/>
+              <a:t>R-Square Value is: 0.28</a:t>
+            </a:r>
+          </a:p>
+        </p:txBody>
+      </p:sp>
+      <p:sp>
+        <p:nvSpPr>
+          <p:cNvPr id="9" name="TextBox 8">
+            <a:extLst>
+              <a:ext uri="{FF2B5EF4-FFF2-40B4-BE49-F238E27FC236}">
+                <a16:creationId xmlns:a16="http://schemas.microsoft.com/office/drawing/2014/main" id="{DE057436-F239-5F50-9F68-DBB5763EB55F}"/>
+              </a:ext>
+            </a:extLst>
+          </p:cNvPr>
+          <p:cNvSpPr txBox="1"/>
+          <p:nvPr/>
+        </p:nvSpPr>
+        <p:spPr>
+          <a:xfrm>
+            <a:off x="8205116" y="3864167"/>
+            <a:ext cx="3487493" cy="461665"/>
+          </a:xfrm>
+          <a:prstGeom prst="rect">
+            <a:avLst/>
+          </a:prstGeom>
+          <a:noFill/>
+        </p:spPr>
+        <p:txBody>
+          <a:bodyPr wrap="none" rtlCol="0">
+            <a:spAutoFit/>
+          </a:bodyPr>
+          <a:lstStyle/>
+          <a:p>
+            <a:r>
+              <a:rPr lang="en-US" sz="2400" dirty="0"/>
+              <a:t>Weak Positive Correlation</a:t>
+            </a:r>
+          </a:p>
+        </p:txBody>
+      </p:sp>
+    </p:spTree>
+    <p:extLst>
+      <p:ext uri="{BB962C8B-B14F-4D97-AF65-F5344CB8AC3E}">
+        <p14:creationId xmlns:p14="http://schemas.microsoft.com/office/powerpoint/2010/main" val="1909787327"/>
+      </p:ext>
+    </p:extLst>
+  </p:cSld>
+  <p:clrMapOvr>
+    <a:masterClrMapping/>
+  </p:clrMapOvr>
+  <p:timing>
+    <p:tnLst>
+      <p:par>
+        <p:cTn id="1" dur="indefinite" restart="never" nodeType="tmRoot">
+          <p:childTnLst>
+            <p:seq concurrent="1" nextAc="seek">
+              <p:cTn id="2" dur="indefinite" nodeType="mainSeq">
+                <p:childTnLst>
+                  <p:par>
+                    <p:cTn id="3" fill="hold">
+                      <p:stCondLst>
+                        <p:cond delay="indefinite"/>
+                      </p:stCondLst>
+                      <p:childTnLst>
+                        <p:par>
+                          <p:cTn id="4" fill="hold">
+                            <p:stCondLst>
+                              <p:cond delay="0"/>
+                            </p:stCondLst>
+                            <p:childTnLst>
+                              <p:par>
+                                <p:cTn id="5" presetID="10" presetClass="entr" presetSubtype="0" fill="hold" grpId="0" nodeType="clickEffect">
+                                  <p:stCondLst>
+                                    <p:cond delay="0"/>
+                                  </p:stCondLst>
+                                  <p:childTnLst>
+                                    <p:set>
+                                      <p:cBhvr>
+                                        <p:cTn id="6" dur="1" fill="hold">
+                                          <p:stCondLst>
+                                            <p:cond delay="0"/>
+                                          </p:stCondLst>
+                                        </p:cTn>
+                                        <p:tgtEl>
+                                          <p:spTgt spid="9"/>
+                                        </p:tgtEl>
+                                        <p:attrNameLst>
+                                          <p:attrName>style.visibility</p:attrName>
+                                        </p:attrNameLst>
+                                      </p:cBhvr>
+                                      <p:to>
+                                        <p:strVal val="visible"/>
+                                      </p:to>
+                                    </p:set>
+                                    <p:animEffect transition="in" filter="fade">
+                                      <p:cBhvr>
+                                        <p:cTn id="7" dur="500"/>
+                                        <p:tgtEl>
+                                          <p:spTgt spid="9"/>
+                                        </p:tgtEl>
+                                      </p:cBhvr>
+                                    </p:animEffect>
+                                  </p:childTnLst>
+                                </p:cTn>
+                              </p:par>
+                            </p:childTnLst>
+                          </p:cTn>
+                        </p:par>
+                      </p:childTnLst>
+                    </p:cTn>
+                  </p:par>
+                </p:childTnLst>
+              </p:cTn>
+              <p:prevCondLst>
+                <p:cond evt="onPrev" delay="0">
+                  <p:tgtEl>
+                    <p:sldTgt/>
+                  </p:tgtEl>
+                </p:cond>
+              </p:prevCondLst>
+              <p:nextCondLst>
+                <p:cond evt="onNext" delay="0">
+                  <p:tgtEl>
+                    <p:sldTgt/>
+                  </p:tgtEl>
+                </p:cond>
+              </p:nextCondLst>
+            </p:seq>
+          </p:childTnLst>
+        </p:cTn>
+      </p:par>
+    </p:tnLst>
+    <p:bldLst>
+      <p:bldP spid="9" grpId="0"/>
+    </p:bldLst>
+  </p:timing>
 </p:sld>
 </file>
 
@@ -22851,6 +22811,15 @@
 </file>
 
 <file path=customXml/item1.xml><?xml version="1.0" encoding="utf-8"?>
+<?mso-contentType ?>
+<FormTemplates xmlns="http://schemas.microsoft.com/sharepoint/v3/contenttype/forms">
+  <Display>DocumentLibraryForm</Display>
+  <Edit>DocumentLibraryForm</Edit>
+  <New>DocumentLibraryForm</New>
+</FormTemplates>
+</file>
+
+<file path=customXml/item2.xml><?xml version="1.0" encoding="utf-8"?>
 <ct:contentTypeSchema xmlns:ct="http://schemas.microsoft.com/office/2006/metadata/contentType" xmlns:ma="http://schemas.microsoft.com/office/2006/metadata/properties/metaAttributes" ct:_="" ma:_="" ma:contentTypeName="Document" ma:contentTypeID="0x01010079F111ED35F8CC479449609E8A0923A6" ma:contentTypeVersion="18" ma:contentTypeDescription="Create a new document." ma:contentTypeScope="" ma:versionID="22a266b9fa9a230c5a512669d8b298c3">
   <xsd:schema xmlns:xsd="http://www.w3.org/2001/XMLSchema" xmlns:xs="http://www.w3.org/2001/XMLSchema" xmlns:p="http://schemas.microsoft.com/office/2006/metadata/properties" xmlns:ns1="http://schemas.microsoft.com/sharepoint/v3" xmlns:ns2="71af3243-3dd4-4a8d-8c0d-dd76da1f02a5" xmlns:ns3="16c05727-aa75-4e4a-9b5f-8a80a1165891" xmlns:ns4="230e9df3-be65-4c73-a93b-d1236ebd677e" targetNamespace="http://schemas.microsoft.com/office/2006/metadata/properties" ma:root="true" ma:fieldsID="eddc33fff6b14141ee5c74a0d29ea6a1" ns1:_="" ns2:_="" ns3:_="" ns4:_="">
     <xsd:import namespace="http://schemas.microsoft.com/sharepoint/v3"/>
@@ -23126,15 +23095,6 @@
 </ct:contentTypeSchema>
 </file>
 
-<file path=customXml/item2.xml><?xml version="1.0" encoding="utf-8"?>
-<?mso-contentType ?>
-<FormTemplates xmlns="http://schemas.microsoft.com/sharepoint/v3/contenttype/forms">
-  <Display>DocumentLibraryForm</Display>
-  <Edit>DocumentLibraryForm</Edit>
-  <New>DocumentLibraryForm</New>
-</FormTemplates>
-</file>
-
 <file path=customXml/item3.xml><?xml version="1.0" encoding="utf-8"?>
 <p:properties xmlns:p="http://schemas.microsoft.com/office/2006/metadata/properties" xmlns:xsi="http://www.w3.org/2001/XMLSchema-instance" xmlns:pc="http://schemas.microsoft.com/office/infopath/2007/PartnerControls">
   <documentManagement>
@@ -23155,6 +23115,14 @@
 </file>
 
 <file path=customXml/itemProps1.xml><?xml version="1.0" encoding="utf-8"?>
+<ds:datastoreItem xmlns:ds="http://schemas.openxmlformats.org/officeDocument/2006/customXml" ds:itemID="{904751AB-E840-446F-8D49-E697067EC887}">
+  <ds:schemaRefs>
+    <ds:schemaRef ds:uri="http://schemas.microsoft.com/sharepoint/v3/contenttype/forms"/>
+  </ds:schemaRefs>
+</ds:datastoreItem>
+</file>
+
+<file path=customXml/itemProps2.xml><?xml version="1.0" encoding="utf-8"?>
 <ds:datastoreItem xmlns:ds="http://schemas.openxmlformats.org/officeDocument/2006/customXml" ds:itemID="{DE4876F9-7AE1-498D-B8FE-1E3AD703D2AF}">
   <ds:schemaRefs>
     <ds:schemaRef ds:uri="http://schemas.microsoft.com/office/2006/metadata/contentType"/>
@@ -23171,14 +23139,6 @@
     <ds:schemaRef ds:uri="http://purl.org/dc/elements/1.1/"/>
     <ds:schemaRef ds:uri="http://purl.org/dc/terms/"/>
     <ds:schemaRef ds:uri="http://schemas.microsoft.com/internal/obd"/>
-  </ds:schemaRefs>
-</ds:datastoreItem>
-</file>
-
-<file path=customXml/itemProps2.xml><?xml version="1.0" encoding="utf-8"?>
-<ds:datastoreItem xmlns:ds="http://schemas.openxmlformats.org/officeDocument/2006/customXml" ds:itemID="{904751AB-E840-446F-8D49-E697067EC887}">
-  <ds:schemaRefs>
-    <ds:schemaRef ds:uri="http://schemas.microsoft.com/sharepoint/v3/contenttype/forms"/>
   </ds:schemaRefs>
 </ds:datastoreItem>
 </file>

--- a/Sanjay Dabra/Presentation1.pptx
+++ b/Sanjay Dabra/Presentation1.pptx
@@ -5,10 +5,10 @@
     <p:sldMasterId id="2147483684" r:id="rId4"/>
   </p:sldMasterIdLst>
   <p:notesMasterIdLst>
-    <p:notesMasterId r:id="rId22"/>
+    <p:notesMasterId r:id="rId23"/>
   </p:notesMasterIdLst>
   <p:handoutMasterIdLst>
-    <p:handoutMasterId r:id="rId23"/>
+    <p:handoutMasterId r:id="rId24"/>
   </p:handoutMasterIdLst>
   <p:sldIdLst>
     <p:sldId id="257" r:id="rId5"/>
@@ -26,8 +26,9 @@
     <p:sldId id="399" r:id="rId17"/>
     <p:sldId id="400" r:id="rId18"/>
     <p:sldId id="401" r:id="rId19"/>
-    <p:sldId id="321" r:id="rId20"/>
-    <p:sldId id="391" r:id="rId21"/>
+    <p:sldId id="410" r:id="rId20"/>
+    <p:sldId id="321" r:id="rId21"/>
+    <p:sldId id="391" r:id="rId22"/>
   </p:sldIdLst>
   <p:sldSz cx="12192000" cy="6858000"/>
   <p:notesSz cx="6858000" cy="9144000"/>
@@ -151,7 +152,7 @@
 <file path=ppt/revisionInfo.xml><?xml version="1.0" encoding="utf-8"?>
 <p1510:revInfo xmlns:a="http://schemas.openxmlformats.org/drawingml/2006/main" xmlns:r="http://schemas.openxmlformats.org/officeDocument/2006/relationships" xmlns:p1510="http://schemas.microsoft.com/office/powerpoint/2015/10/main">
   <p1510:revLst>
-    <p1510:client id="{397832AF-5EAF-458A-9FEC-C92CB404A3B7}" v="99" dt="2022-05-01T12:48:51.062"/>
+    <p1510:client id="{397832AF-5EAF-458A-9FEC-C92CB404A3B7}" v="264" dt="2022-05-01T14:14:57.317"/>
   </p1510:revLst>
 </p1510:revInfo>
 </file>
@@ -161,7 +162,7 @@
   <pc:docChgLst>
     <pc:chgData name="Sanjay Dabra" userId="d7382de46a8a3049" providerId="LiveId" clId="{397832AF-5EAF-458A-9FEC-C92CB404A3B7}"/>
     <pc:docChg chg="undo redo custSel addSld delSld modSld sldOrd">
-      <pc:chgData name="Sanjay Dabra" userId="d7382de46a8a3049" providerId="LiveId" clId="{397832AF-5EAF-458A-9FEC-C92CB404A3B7}" dt="2022-05-01T12:57:19.419" v="1755" actId="47"/>
+      <pc:chgData name="Sanjay Dabra" userId="d7382de46a8a3049" providerId="LiveId" clId="{397832AF-5EAF-458A-9FEC-C92CB404A3B7}" dt="2022-05-01T14:14:57.316" v="2983" actId="20577"/>
       <pc:docMkLst>
         <pc:docMk/>
       </pc:docMkLst>
@@ -274,18 +275,34 @@
           </ac:spMkLst>
         </pc:spChg>
       </pc:sldChg>
-      <pc:sldChg chg="addSp delSp modSp mod">
-        <pc:chgData name="Sanjay Dabra" userId="d7382de46a8a3049" providerId="LiveId" clId="{397832AF-5EAF-458A-9FEC-C92CB404A3B7}" dt="2022-04-30T17:40:49.903" v="1116" actId="478"/>
+      <pc:sldChg chg="addSp delSp modSp add del mod">
+        <pc:chgData name="Sanjay Dabra" userId="d7382de46a8a3049" providerId="LiveId" clId="{397832AF-5EAF-458A-9FEC-C92CB404A3B7}" dt="2022-05-01T13:15:56.311" v="2051" actId="6549"/>
         <pc:sldMkLst>
           <pc:docMk/>
           <pc:sldMk cId="3521561301" sldId="321"/>
         </pc:sldMkLst>
+        <pc:spChg chg="add mod">
+          <ac:chgData name="Sanjay Dabra" userId="d7382de46a8a3049" providerId="LiveId" clId="{397832AF-5EAF-458A-9FEC-C92CB404A3B7}" dt="2022-05-01T13:15:56.311" v="2051" actId="6549"/>
+          <ac:spMkLst>
+            <pc:docMk/>
+            <pc:sldMk cId="3521561301" sldId="321"/>
+            <ac:spMk id="2" creationId="{D5C1ABBA-EB47-658D-7B0D-E910124AB1C8}"/>
+          </ac:spMkLst>
+        </pc:spChg>
         <pc:spChg chg="add del mod">
           <ac:chgData name="Sanjay Dabra" userId="d7382de46a8a3049" providerId="LiveId" clId="{397832AF-5EAF-458A-9FEC-C92CB404A3B7}" dt="2022-04-30T17:40:49.903" v="1116" actId="478"/>
           <ac:spMkLst>
             <pc:docMk/>
             <pc:sldMk cId="3521561301" sldId="321"/>
             <ac:spMk id="3" creationId="{AB4718FF-4E15-7292-EAF4-56A0EA60347A}"/>
+          </ac:spMkLst>
+        </pc:spChg>
+        <pc:spChg chg="mod">
+          <ac:chgData name="Sanjay Dabra" userId="d7382de46a8a3049" providerId="LiveId" clId="{397832AF-5EAF-458A-9FEC-C92CB404A3B7}" dt="2022-05-01T13:14:06.481" v="2003" actId="20577"/>
+          <ac:spMkLst>
+            <pc:docMk/>
+            <pc:sldMk cId="3521561301" sldId="321"/>
+            <ac:spMk id="11" creationId="{581E8936-2270-47FE-94A4-398CB123EF90}"/>
           </ac:spMkLst>
         </pc:spChg>
         <pc:spChg chg="del mod">
@@ -298,7 +315,7 @@
         </pc:spChg>
       </pc:sldChg>
       <pc:sldChg chg="addSp delSp modSp mod">
-        <pc:chgData name="Sanjay Dabra" userId="d7382de46a8a3049" providerId="LiveId" clId="{397832AF-5EAF-458A-9FEC-C92CB404A3B7}" dt="2022-04-30T18:01:40.391" v="1160" actId="6549"/>
+        <pc:chgData name="Sanjay Dabra" userId="d7382de46a8a3049" providerId="LiveId" clId="{397832AF-5EAF-458A-9FEC-C92CB404A3B7}" dt="2022-05-01T13:03:21.232" v="1857" actId="6549"/>
         <pc:sldMkLst>
           <pc:docMk/>
           <pc:sldMk cId="2158886557" sldId="384"/>
@@ -336,7 +353,7 @@
           </ac:spMkLst>
         </pc:spChg>
         <pc:spChg chg="mod">
-          <ac:chgData name="Sanjay Dabra" userId="d7382de46a8a3049" providerId="LiveId" clId="{397832AF-5EAF-458A-9FEC-C92CB404A3B7}" dt="2022-04-30T18:01:40.391" v="1160" actId="6549"/>
+          <ac:chgData name="Sanjay Dabra" userId="d7382de46a8a3049" providerId="LiveId" clId="{397832AF-5EAF-458A-9FEC-C92CB404A3B7}" dt="2022-05-01T13:03:21.232" v="1857" actId="6549"/>
           <ac:spMkLst>
             <pc:docMk/>
             <pc:sldMk cId="2158886557" sldId="384"/>
@@ -393,13 +410,13 @@
         </pc:picChg>
       </pc:sldChg>
       <pc:sldChg chg="modSp mod">
-        <pc:chgData name="Sanjay Dabra" userId="d7382de46a8a3049" providerId="LiveId" clId="{397832AF-5EAF-458A-9FEC-C92CB404A3B7}" dt="2022-04-30T17:04:01.664" v="612" actId="255"/>
+        <pc:chgData name="Sanjay Dabra" userId="d7382de46a8a3049" providerId="LiveId" clId="{397832AF-5EAF-458A-9FEC-C92CB404A3B7}" dt="2022-05-01T13:27:10.664" v="2076" actId="20577"/>
         <pc:sldMkLst>
           <pc:docMk/>
           <pc:sldMk cId="2313234867" sldId="389"/>
         </pc:sldMkLst>
         <pc:spChg chg="mod">
-          <ac:chgData name="Sanjay Dabra" userId="d7382de46a8a3049" providerId="LiveId" clId="{397832AF-5EAF-458A-9FEC-C92CB404A3B7}" dt="2022-04-30T17:04:01.664" v="612" actId="255"/>
+          <ac:chgData name="Sanjay Dabra" userId="d7382de46a8a3049" providerId="LiveId" clId="{397832AF-5EAF-458A-9FEC-C92CB404A3B7}" dt="2022-05-01T13:27:10.664" v="2076" actId="20577"/>
           <ac:spMkLst>
             <pc:docMk/>
             <pc:sldMk cId="2313234867" sldId="389"/>
@@ -862,7 +879,7 @@
         </pc:spChg>
       </pc:sldChg>
       <pc:sldChg chg="addSp delSp modSp new mod modAnim">
-        <pc:chgData name="Sanjay Dabra" userId="d7382de46a8a3049" providerId="LiveId" clId="{397832AF-5EAF-458A-9FEC-C92CB404A3B7}" dt="2022-04-30T17:43:03.599" v="1127" actId="20577"/>
+        <pc:chgData name="Sanjay Dabra" userId="d7382de46a8a3049" providerId="LiveId" clId="{397832AF-5EAF-458A-9FEC-C92CB404A3B7}" dt="2022-05-01T14:08:00.863" v="2825"/>
         <pc:sldMkLst>
           <pc:docMk/>
           <pc:sldMk cId="1909787327" sldId="404"/>
@@ -883,6 +900,14 @@
             <ac:spMk id="3" creationId="{6AA77CDE-8ECB-E016-8988-103D744DDD81}"/>
           </ac:spMkLst>
         </pc:spChg>
+        <pc:spChg chg="add mod">
+          <ac:chgData name="Sanjay Dabra" userId="d7382de46a8a3049" providerId="LiveId" clId="{397832AF-5EAF-458A-9FEC-C92CB404A3B7}" dt="2022-05-01T13:30:46.884" v="2182" actId="255"/>
+          <ac:spMkLst>
+            <pc:docMk/>
+            <pc:sldMk cId="1909787327" sldId="404"/>
+            <ac:spMk id="3" creationId="{EEDEB89E-5693-E4DA-DA89-68F046F56020}"/>
+          </ac:spMkLst>
+        </pc:spChg>
         <pc:spChg chg="del">
           <ac:chgData name="Sanjay Dabra" userId="d7382de46a8a3049" providerId="LiveId" clId="{397832AF-5EAF-458A-9FEC-C92CB404A3B7}" dt="2022-04-30T17:32:37.468" v="1060" actId="478"/>
           <ac:spMkLst>
@@ -900,7 +925,7 @@
           </ac:spMkLst>
         </pc:spChg>
         <pc:spChg chg="add mod">
-          <ac:chgData name="Sanjay Dabra" userId="d7382de46a8a3049" providerId="LiveId" clId="{397832AF-5EAF-458A-9FEC-C92CB404A3B7}" dt="2022-04-30T17:30:54.981" v="1058" actId="1076"/>
+          <ac:chgData name="Sanjay Dabra" userId="d7382de46a8a3049" providerId="LiveId" clId="{397832AF-5EAF-458A-9FEC-C92CB404A3B7}" dt="2022-05-01T13:31:32.883" v="2187" actId="1076"/>
           <ac:spMkLst>
             <pc:docMk/>
             <pc:sldMk cId="1909787327" sldId="404"/>
@@ -908,7 +933,7 @@
           </ac:spMkLst>
         </pc:spChg>
         <pc:spChg chg="add mod">
-          <ac:chgData name="Sanjay Dabra" userId="d7382de46a8a3049" providerId="LiveId" clId="{397832AF-5EAF-458A-9FEC-C92CB404A3B7}" dt="2022-04-30T17:30:50.521" v="1057" actId="1076"/>
+          <ac:chgData name="Sanjay Dabra" userId="d7382de46a8a3049" providerId="LiveId" clId="{397832AF-5EAF-458A-9FEC-C92CB404A3B7}" dt="2022-05-01T13:31:09.127" v="2186" actId="1076"/>
           <ac:spMkLst>
             <pc:docMk/>
             <pc:sldMk cId="1909787327" sldId="404"/>
@@ -916,7 +941,7 @@
           </ac:spMkLst>
         </pc:spChg>
         <pc:picChg chg="add mod">
-          <ac:chgData name="Sanjay Dabra" userId="d7382de46a8a3049" providerId="LiveId" clId="{397832AF-5EAF-458A-9FEC-C92CB404A3B7}" dt="2022-04-30T17:30:09.817" v="1052" actId="14100"/>
+          <ac:chgData name="Sanjay Dabra" userId="d7382de46a8a3049" providerId="LiveId" clId="{397832AF-5EAF-458A-9FEC-C92CB404A3B7}" dt="2022-05-01T13:29:56.755" v="2175" actId="14100"/>
           <ac:picMkLst>
             <pc:docMk/>
             <pc:sldMk cId="1909787327" sldId="404"/>
@@ -925,7 +950,7 @@
         </pc:picChg>
       </pc:sldChg>
       <pc:sldChg chg="addSp delSp modSp add mod delAnim modAnim">
-        <pc:chgData name="Sanjay Dabra" userId="d7382de46a8a3049" providerId="LiveId" clId="{397832AF-5EAF-458A-9FEC-C92CB404A3B7}" dt="2022-04-30T17:46:28.018" v="1150"/>
+        <pc:chgData name="Sanjay Dabra" userId="d7382de46a8a3049" providerId="LiveId" clId="{397832AF-5EAF-458A-9FEC-C92CB404A3B7}" dt="2022-05-01T14:08:10.045" v="2826"/>
         <pc:sldMkLst>
           <pc:docMk/>
           <pc:sldMk cId="1688671486" sldId="405"/>
@@ -944,6 +969,14 @@
             <pc:docMk/>
             <pc:sldMk cId="1688671486" sldId="405"/>
             <ac:spMk id="4" creationId="{05EFD9D7-D61D-E513-FBEB-A8D3CCEAA7DE}"/>
+          </ac:spMkLst>
+        </pc:spChg>
+        <pc:spChg chg="add mod">
+          <ac:chgData name="Sanjay Dabra" userId="d7382de46a8a3049" providerId="LiveId" clId="{397832AF-5EAF-458A-9FEC-C92CB404A3B7}" dt="2022-05-01T14:04:23.203" v="2824" actId="20577"/>
+          <ac:spMkLst>
+            <pc:docMk/>
+            <pc:sldMk cId="1688671486" sldId="405"/>
+            <ac:spMk id="7" creationId="{3EEEA306-D231-F18F-F74D-4FE45E445045}"/>
           </ac:spMkLst>
         </pc:spChg>
         <pc:spChg chg="mod">
@@ -979,7 +1012,7 @@
           </ac:picMkLst>
         </pc:picChg>
         <pc:picChg chg="add mod">
-          <ac:chgData name="Sanjay Dabra" userId="d7382de46a8a3049" providerId="LiveId" clId="{397832AF-5EAF-458A-9FEC-C92CB404A3B7}" dt="2022-04-30T17:45:03.407" v="1137" actId="1076"/>
+          <ac:chgData name="Sanjay Dabra" userId="d7382de46a8a3049" providerId="LiveId" clId="{397832AF-5EAF-458A-9FEC-C92CB404A3B7}" dt="2022-05-01T13:32:01.023" v="2188" actId="14100"/>
           <ac:picMkLst>
             <pc:docMk/>
             <pc:sldMk cId="1688671486" sldId="405"/>
@@ -987,8 +1020,8 @@
           </ac:picMkLst>
         </pc:picChg>
       </pc:sldChg>
-      <pc:sldChg chg="addSp delSp modSp add mod">
-        <pc:chgData name="Sanjay Dabra" userId="d7382de46a8a3049" providerId="LiveId" clId="{397832AF-5EAF-458A-9FEC-C92CB404A3B7}" dt="2022-04-30T18:11:00.958" v="1203"/>
+      <pc:sldChg chg="addSp delSp modSp add mod modAnim">
+        <pc:chgData name="Sanjay Dabra" userId="d7382de46a8a3049" providerId="LiveId" clId="{397832AF-5EAF-458A-9FEC-C92CB404A3B7}" dt="2022-05-01T14:14:57.316" v="2983" actId="20577"/>
         <pc:sldMkLst>
           <pc:docMk/>
           <pc:sldMk cId="906962926" sldId="406"/>
@@ -1007,6 +1040,14 @@
             <pc:docMk/>
             <pc:sldMk cId="906962926" sldId="406"/>
             <ac:spMk id="4" creationId="{E7D222C2-E56C-8BF9-4D8D-FE93BDA6E68A}"/>
+          </ac:spMkLst>
+        </pc:spChg>
+        <pc:spChg chg="add mod">
+          <ac:chgData name="Sanjay Dabra" userId="d7382de46a8a3049" providerId="LiveId" clId="{397832AF-5EAF-458A-9FEC-C92CB404A3B7}" dt="2022-05-01T14:14:57.316" v="2983" actId="20577"/>
+          <ac:spMkLst>
+            <pc:docMk/>
+            <pc:sldMk cId="906962926" sldId="406"/>
+            <ac:spMk id="7" creationId="{5BB85B5B-8AEB-23F2-EF43-C005DFF6F7AB}"/>
           </ac:spMkLst>
         </pc:spChg>
         <pc:spChg chg="mod">
@@ -1034,7 +1075,7 @@
           </ac:picMkLst>
         </pc:picChg>
         <pc:picChg chg="add mod">
-          <ac:chgData name="Sanjay Dabra" userId="d7382de46a8a3049" providerId="LiveId" clId="{397832AF-5EAF-458A-9FEC-C92CB404A3B7}" dt="2022-04-30T18:07:53.084" v="1165" actId="1076"/>
+          <ac:chgData name="Sanjay Dabra" userId="d7382de46a8a3049" providerId="LiveId" clId="{397832AF-5EAF-458A-9FEC-C92CB404A3B7}" dt="2022-05-01T13:34:36.039" v="2263" actId="14100"/>
           <ac:picMkLst>
             <pc:docMk/>
             <pc:sldMk cId="906962926" sldId="406"/>
@@ -1042,8 +1083,8 @@
           </ac:picMkLst>
         </pc:picChg>
       </pc:sldChg>
-      <pc:sldChg chg="addSp delSp modSp add mod">
-        <pc:chgData name="Sanjay Dabra" userId="d7382de46a8a3049" providerId="LiveId" clId="{397832AF-5EAF-458A-9FEC-C92CB404A3B7}" dt="2022-04-30T18:13:56.221" v="1213" actId="1076"/>
+      <pc:sldChg chg="addSp delSp modSp add mod modAnim">
+        <pc:chgData name="Sanjay Dabra" userId="d7382de46a8a3049" providerId="LiveId" clId="{397832AF-5EAF-458A-9FEC-C92CB404A3B7}" dt="2022-05-01T14:10:47.650" v="2918"/>
         <pc:sldMkLst>
           <pc:docMk/>
           <pc:sldMk cId="409268385" sldId="407"/>
@@ -1064,8 +1105,16 @@
             <ac:spMk id="4" creationId="{38D9CD1E-DCC2-CE04-EA13-FEDEE4194944}"/>
           </ac:spMkLst>
         </pc:spChg>
+        <pc:spChg chg="add mod">
+          <ac:chgData name="Sanjay Dabra" userId="d7382de46a8a3049" providerId="LiveId" clId="{397832AF-5EAF-458A-9FEC-C92CB404A3B7}" dt="2022-05-01T13:46:36.096" v="2732" actId="20577"/>
+          <ac:spMkLst>
+            <pc:docMk/>
+            <pc:sldMk cId="409268385" sldId="407"/>
+            <ac:spMk id="7" creationId="{FFC688F9-1ED1-77A1-8411-EA5BE33BC7D3}"/>
+          </ac:spMkLst>
+        </pc:spChg>
         <pc:spChg chg="mod">
-          <ac:chgData name="Sanjay Dabra" userId="d7382de46a8a3049" providerId="LiveId" clId="{397832AF-5EAF-458A-9FEC-C92CB404A3B7}" dt="2022-04-30T18:13:38.305" v="1211" actId="1076"/>
+          <ac:chgData name="Sanjay Dabra" userId="d7382de46a8a3049" providerId="LiveId" clId="{397832AF-5EAF-458A-9FEC-C92CB404A3B7}" dt="2022-05-01T13:26:19.385" v="2059" actId="20577"/>
           <ac:spMkLst>
             <pc:docMk/>
             <pc:sldMk cId="409268385" sldId="407"/>
@@ -1089,7 +1138,7 @@
           </ac:picMkLst>
         </pc:picChg>
         <pc:picChg chg="add mod">
-          <ac:chgData name="Sanjay Dabra" userId="d7382de46a8a3049" providerId="LiveId" clId="{397832AF-5EAF-458A-9FEC-C92CB404A3B7}" dt="2022-04-30T18:13:34.055" v="1210" actId="1076"/>
+          <ac:chgData name="Sanjay Dabra" userId="d7382de46a8a3049" providerId="LiveId" clId="{397832AF-5EAF-458A-9FEC-C92CB404A3B7}" dt="2022-05-01T13:37:29.066" v="2393" actId="14100"/>
           <ac:picMkLst>
             <pc:docMk/>
             <pc:sldMk cId="409268385" sldId="407"/>
@@ -1098,7 +1147,7 @@
         </pc:picChg>
       </pc:sldChg>
       <pc:sldChg chg="addSp delSp modSp new mod">
-        <pc:chgData name="Sanjay Dabra" userId="d7382de46a8a3049" providerId="LiveId" clId="{397832AF-5EAF-458A-9FEC-C92CB404A3B7}" dt="2022-05-01T12:48:15.132" v="1358" actId="20577"/>
+        <pc:chgData name="Sanjay Dabra" userId="d7382de46a8a3049" providerId="LiveId" clId="{397832AF-5EAF-458A-9FEC-C92CB404A3B7}" dt="2022-05-01T13:04:03.782" v="1858" actId="1076"/>
         <pc:sldMkLst>
           <pc:docMk/>
           <pc:sldMk cId="1723666472" sldId="408"/>
@@ -1128,7 +1177,7 @@
           </ac:spMkLst>
         </pc:spChg>
         <pc:picChg chg="add mod">
-          <ac:chgData name="Sanjay Dabra" userId="d7382de46a8a3049" providerId="LiveId" clId="{397832AF-5EAF-458A-9FEC-C92CB404A3B7}" dt="2022-05-01T12:45:17.342" v="1232"/>
+          <ac:chgData name="Sanjay Dabra" userId="d7382de46a8a3049" providerId="LiveId" clId="{397832AF-5EAF-458A-9FEC-C92CB404A3B7}" dt="2022-05-01T13:04:03.782" v="1858" actId="1076"/>
           <ac:picMkLst>
             <pc:docMk/>
             <pc:sldMk cId="1723666472" sldId="408"/>
@@ -1137,7 +1186,7 @@
         </pc:picChg>
       </pc:sldChg>
       <pc:sldChg chg="addSp delSp modSp add mod">
-        <pc:chgData name="Sanjay Dabra" userId="d7382de46a8a3049" providerId="LiveId" clId="{397832AF-5EAF-458A-9FEC-C92CB404A3B7}" dt="2022-05-01T12:54:09.578" v="1754" actId="20577"/>
+        <pc:chgData name="Sanjay Dabra" userId="d7382de46a8a3049" providerId="LiveId" clId="{397832AF-5EAF-458A-9FEC-C92CB404A3B7}" dt="2022-05-01T13:04:08.562" v="1859" actId="1076"/>
         <pc:sldMkLst>
           <pc:docMk/>
           <pc:sldMk cId="2825429155" sldId="409"/>
@@ -1175,11 +1224,58 @@
           </ac:picMkLst>
         </pc:picChg>
         <pc:picChg chg="add mod">
-          <ac:chgData name="Sanjay Dabra" userId="d7382de46a8a3049" providerId="LiveId" clId="{397832AF-5EAF-458A-9FEC-C92CB404A3B7}" dt="2022-05-01T12:48:51.062" v="1362"/>
+          <ac:chgData name="Sanjay Dabra" userId="d7382de46a8a3049" providerId="LiveId" clId="{397832AF-5EAF-458A-9FEC-C92CB404A3B7}" dt="2022-05-01T13:04:08.562" v="1859" actId="1076"/>
           <ac:picMkLst>
             <pc:docMk/>
             <pc:sldMk cId="2825429155" sldId="409"/>
             <ac:picMk id="10" creationId="{4C41EE0D-8512-AC3B-3B5C-914CD949937C}"/>
+          </ac:picMkLst>
+        </pc:picChg>
+      </pc:sldChg>
+      <pc:sldChg chg="modSp add mod">
+        <pc:chgData name="Sanjay Dabra" userId="d7382de46a8a3049" providerId="LiveId" clId="{397832AF-5EAF-458A-9FEC-C92CB404A3B7}" dt="2022-05-01T13:47:58.579" v="2733" actId="11"/>
+        <pc:sldMkLst>
+          <pc:docMk/>
+          <pc:sldMk cId="4039864226" sldId="410"/>
+        </pc:sldMkLst>
+        <pc:spChg chg="mod">
+          <ac:chgData name="Sanjay Dabra" userId="d7382de46a8a3049" providerId="LiveId" clId="{397832AF-5EAF-458A-9FEC-C92CB404A3B7}" dt="2022-05-01T13:11:04.321" v="1961" actId="20577"/>
+          <ac:spMkLst>
+            <pc:docMk/>
+            <pc:sldMk cId="4039864226" sldId="410"/>
+            <ac:spMk id="2" creationId="{0046426E-F6F6-4A7C-9181-8C3090996261}"/>
+          </ac:spMkLst>
+        </pc:spChg>
+        <pc:spChg chg="mod">
+          <ac:chgData name="Sanjay Dabra" userId="d7382de46a8a3049" providerId="LiveId" clId="{397832AF-5EAF-458A-9FEC-C92CB404A3B7}" dt="2022-05-01T13:47:58.579" v="2733" actId="11"/>
+          <ac:spMkLst>
+            <pc:docMk/>
+            <pc:sldMk cId="4039864226" sldId="410"/>
+            <ac:spMk id="3" creationId="{D3B60D6F-4D0F-4D33-B2A7-159C8583FF00}"/>
+          </ac:spMkLst>
+        </pc:spChg>
+        <pc:picChg chg="mod">
+          <ac:chgData name="Sanjay Dabra" userId="d7382de46a8a3049" providerId="LiveId" clId="{397832AF-5EAF-458A-9FEC-C92CB404A3B7}" dt="2022-05-01T13:09:07.893" v="1939" actId="1076"/>
+          <ac:picMkLst>
+            <pc:docMk/>
+            <pc:sldMk cId="4039864226" sldId="410"/>
+            <ac:picMk id="18" creationId="{2ED1D4C1-F5D8-4480-BD72-14594BD87FB8}"/>
+          </ac:picMkLst>
+        </pc:picChg>
+        <pc:picChg chg="mod">
+          <ac:chgData name="Sanjay Dabra" userId="d7382de46a8a3049" providerId="LiveId" clId="{397832AF-5EAF-458A-9FEC-C92CB404A3B7}" dt="2022-05-01T13:09:09.917" v="1940" actId="1076"/>
+          <ac:picMkLst>
+            <pc:docMk/>
+            <pc:sldMk cId="4039864226" sldId="410"/>
+            <ac:picMk id="26" creationId="{5C766FE3-CB33-4D30-AE19-A99ED930FFFE}"/>
+          </ac:picMkLst>
+        </pc:picChg>
+        <pc:picChg chg="mod">
+          <ac:chgData name="Sanjay Dabra" userId="d7382de46a8a3049" providerId="LiveId" clId="{397832AF-5EAF-458A-9FEC-C92CB404A3B7}" dt="2022-05-01T13:09:06.377" v="1937" actId="1076"/>
+          <ac:picMkLst>
+            <pc:docMk/>
+            <pc:sldMk cId="4039864226" sldId="410"/>
+            <ac:picMk id="31" creationId="{818F0905-50D0-4675-AD6A-28EDC1F915F1}"/>
           </ac:picMkLst>
         </pc:picChg>
       </pc:sldChg>
@@ -2219,7 +2315,7 @@
           <a:p>
             <a:fld id="{1983A999-5E0E-42CA-8400-604AE921FF7C}" type="slidenum">
               <a:rPr lang="en-US" smtClean="0"/>
-              <a:t>16</a:t>
+              <a:t>17</a:t>
             </a:fld>
             <a:endParaRPr lang="en-US"/>
           </a:p>
@@ -16107,8 +16203,8 @@
         </p:blipFill>
         <p:spPr>
           <a:xfrm>
-            <a:off x="580160" y="1605072"/>
-            <a:ext cx="7425457" cy="5056028"/>
+            <a:off x="580161" y="1605072"/>
+            <a:ext cx="6239740" cy="4248668"/>
           </a:xfrm>
           <a:prstGeom prst="rect">
             <a:avLst/>
@@ -16146,6 +16242,43 @@
             <a:r>
               <a:rPr lang="en-US" sz="2400" dirty="0"/>
               <a:t>Weak Negative Correlation</a:t>
+            </a:r>
+          </a:p>
+        </p:txBody>
+      </p:sp>
+      <p:sp>
+        <p:nvSpPr>
+          <p:cNvPr id="7" name="TextBox 6">
+            <a:extLst>
+              <a:ext uri="{FF2B5EF4-FFF2-40B4-BE49-F238E27FC236}">
+                <a16:creationId xmlns:a16="http://schemas.microsoft.com/office/drawing/2014/main" id="{3EEEA306-D231-F18F-F74D-4FE45E445045}"/>
+              </a:ext>
+            </a:extLst>
+          </p:cNvPr>
+          <p:cNvSpPr txBox="1"/>
+          <p:nvPr/>
+        </p:nvSpPr>
+        <p:spPr>
+          <a:xfrm>
+            <a:off x="549538" y="5984408"/>
+            <a:ext cx="11091599" cy="707886"/>
+          </a:xfrm>
+          <a:prstGeom prst="rect">
+            <a:avLst/>
+          </a:prstGeom>
+          <a:noFill/>
+        </p:spPr>
+        <p:txBody>
+          <a:bodyPr wrap="square" rtlCol="0">
+            <a:spAutoFit/>
+          </a:bodyPr>
+          <a:lstStyle/>
+          <a:p>
+            <a:r>
+              <a:rPr lang="en-US" sz="2000" dirty="0">
+                <a:latin typeface="+mj-lt"/>
+              </a:rPr>
+              <a:t>Interpretation: As Price Levels increases, the number of reviews decrease, which would contribute to Mid Price Restaurants tend to have a higher Number of Reviews.</a:t>
             </a:r>
           </a:p>
         </p:txBody>
@@ -16221,6 +16354,59 @@
                       </p:childTnLst>
                     </p:cTn>
                   </p:par>
+                  <p:par>
+                    <p:cTn id="8" fill="hold">
+                      <p:stCondLst>
+                        <p:cond delay="indefinite"/>
+                      </p:stCondLst>
+                      <p:childTnLst>
+                        <p:par>
+                          <p:cTn id="9" fill="hold">
+                            <p:stCondLst>
+                              <p:cond delay="0"/>
+                            </p:stCondLst>
+                            <p:childTnLst>
+                              <p:par>
+                                <p:cTn id="10" presetID="10" presetClass="entr" presetSubtype="0" fill="hold" grpId="0" nodeType="clickEffect">
+                                  <p:stCondLst>
+                                    <p:cond delay="0"/>
+                                  </p:stCondLst>
+                                  <p:childTnLst>
+                                    <p:set>
+                                      <p:cBhvr>
+                                        <p:cTn id="11" dur="1" fill="hold">
+                                          <p:stCondLst>
+                                            <p:cond delay="0"/>
+                                          </p:stCondLst>
+                                        </p:cTn>
+                                        <p:tgtEl>
+                                          <p:spTgt spid="7"/>
+                                        </p:tgtEl>
+                                        <p:attrNameLst>
+                                          <p:attrName>style.visibility</p:attrName>
+                                        </p:attrNameLst>
+                                      </p:cBhvr>
+                                      <p:to>
+                                        <p:strVal val="visible"/>
+                                      </p:to>
+                                    </p:set>
+                                    <p:animEffect transition="in" filter="fade">
+                                      <p:cBhvr>
+                                        <p:cTn id="12" dur="500"/>
+                                        <p:tgtEl>
+                                          <p:spTgt spid="7"/>
+                                        </p:tgtEl>
+                                      </p:cBhvr>
+                                    </p:animEffect>
+                                  </p:childTnLst>
+                                </p:cTn>
+                              </p:par>
+                            </p:childTnLst>
+                          </p:cTn>
+                        </p:par>
+                      </p:childTnLst>
+                    </p:cTn>
+                  </p:par>
                 </p:childTnLst>
               </p:cTn>
               <p:prevCondLst>
@@ -16244,6 +16430,7 @@
     </p:tnLst>
     <p:bldLst>
       <p:bldP spid="11" grpId="0"/>
+      <p:bldP spid="7" grpId="0"/>
     </p:bldLst>
   </p:timing>
 </p:sld>
@@ -16431,13 +16618,59 @@
         <p:spPr>
           <a:xfrm>
             <a:off x="549538" y="1326914"/>
-            <a:ext cx="7479052" cy="5334186"/>
+            <a:ext cx="6260837" cy="4465335"/>
           </a:xfrm>
           <a:prstGeom prst="rect">
             <a:avLst/>
           </a:prstGeom>
         </p:spPr>
       </p:pic>
+      <p:sp>
+        <p:nvSpPr>
+          <p:cNvPr id="7" name="TextBox 6">
+            <a:extLst>
+              <a:ext uri="{FF2B5EF4-FFF2-40B4-BE49-F238E27FC236}">
+                <a16:creationId xmlns:a16="http://schemas.microsoft.com/office/drawing/2014/main" id="{5BB85B5B-8AEB-23F2-EF43-C005DFF6F7AB}"/>
+              </a:ext>
+            </a:extLst>
+          </p:cNvPr>
+          <p:cNvSpPr txBox="1"/>
+          <p:nvPr/>
+        </p:nvSpPr>
+        <p:spPr>
+          <a:xfrm>
+            <a:off x="549538" y="5984408"/>
+            <a:ext cx="11091599" cy="707886"/>
+          </a:xfrm>
+          <a:prstGeom prst="rect">
+            <a:avLst/>
+          </a:prstGeom>
+          <a:noFill/>
+        </p:spPr>
+        <p:txBody>
+          <a:bodyPr wrap="square" rtlCol="0">
+            <a:spAutoFit/>
+          </a:bodyPr>
+          <a:lstStyle/>
+          <a:p>
+            <a:r>
+              <a:rPr lang="en-US" sz="2000" dirty="0">
+                <a:latin typeface="+mj-lt"/>
+              </a:rPr>
+              <a:t>Interpretation: As population increases, Ratings decrease. Larger populations tend to be more diverse, which would give a wider range </a:t>
+            </a:r>
+            <a:r>
+              <a:rPr lang="en-US" sz="2000">
+                <a:latin typeface="+mj-lt"/>
+              </a:rPr>
+              <a:t>of ratings.</a:t>
+            </a:r>
+            <a:endParaRPr lang="en-US" sz="2000" dirty="0">
+              <a:latin typeface="+mj-lt"/>
+            </a:endParaRPr>
+          </a:p>
+        </p:txBody>
+      </p:sp>
     </p:spTree>
     <p:extLst>
       <p:ext uri="{BB962C8B-B14F-4D97-AF65-F5344CB8AC3E}">
@@ -16509,6 +16742,59 @@
                       </p:childTnLst>
                     </p:cTn>
                   </p:par>
+                  <p:par>
+                    <p:cTn id="8" fill="hold">
+                      <p:stCondLst>
+                        <p:cond delay="indefinite"/>
+                      </p:stCondLst>
+                      <p:childTnLst>
+                        <p:par>
+                          <p:cTn id="9" fill="hold">
+                            <p:stCondLst>
+                              <p:cond delay="0"/>
+                            </p:stCondLst>
+                            <p:childTnLst>
+                              <p:par>
+                                <p:cTn id="10" presetID="10" presetClass="entr" presetSubtype="0" fill="hold" grpId="0" nodeType="clickEffect">
+                                  <p:stCondLst>
+                                    <p:cond delay="0"/>
+                                  </p:stCondLst>
+                                  <p:childTnLst>
+                                    <p:set>
+                                      <p:cBhvr>
+                                        <p:cTn id="11" dur="1" fill="hold">
+                                          <p:stCondLst>
+                                            <p:cond delay="0"/>
+                                          </p:stCondLst>
+                                        </p:cTn>
+                                        <p:tgtEl>
+                                          <p:spTgt spid="7"/>
+                                        </p:tgtEl>
+                                        <p:attrNameLst>
+                                          <p:attrName>style.visibility</p:attrName>
+                                        </p:attrNameLst>
+                                      </p:cBhvr>
+                                      <p:to>
+                                        <p:strVal val="visible"/>
+                                      </p:to>
+                                    </p:set>
+                                    <p:animEffect transition="in" filter="fade">
+                                      <p:cBhvr>
+                                        <p:cTn id="12" dur="500"/>
+                                        <p:tgtEl>
+                                          <p:spTgt spid="7"/>
+                                        </p:tgtEl>
+                                      </p:cBhvr>
+                                    </p:animEffect>
+                                  </p:childTnLst>
+                                </p:cTn>
+                              </p:par>
+                            </p:childTnLst>
+                          </p:cTn>
+                        </p:par>
+                      </p:childTnLst>
+                    </p:cTn>
+                  </p:par>
                 </p:childTnLst>
               </p:cTn>
               <p:prevCondLst>
@@ -16532,6 +16818,7 @@
     </p:tnLst>
     <p:bldLst>
       <p:bldP spid="9" grpId="0"/>
+      <p:bldP spid="7" grpId="0"/>
     </p:bldLst>
   </p:timing>
 </p:sld>
@@ -16647,7 +16934,7 @@
           <a:p>
             <a:r>
               <a:rPr lang="en-US" sz="2400" dirty="0"/>
-              <a:t>R-Square Value is: 0.28</a:t>
+              <a:t>R-Square Value is: 0.11</a:t>
             </a:r>
           </a:p>
         </p:txBody>
@@ -16710,13 +16997,58 @@
         <p:spPr>
           <a:xfrm>
             <a:off x="549537" y="1573515"/>
-            <a:ext cx="7741104" cy="4926157"/>
+            <a:ext cx="6651363" cy="4232685"/>
           </a:xfrm>
           <a:prstGeom prst="rect">
             <a:avLst/>
           </a:prstGeom>
         </p:spPr>
       </p:pic>
+      <p:sp>
+        <p:nvSpPr>
+          <p:cNvPr id="7" name="TextBox 6">
+            <a:extLst>
+              <a:ext uri="{FF2B5EF4-FFF2-40B4-BE49-F238E27FC236}">
+                <a16:creationId xmlns:a16="http://schemas.microsoft.com/office/drawing/2014/main" id="{FFC688F9-1ED1-77A1-8411-EA5BE33BC7D3}"/>
+              </a:ext>
+            </a:extLst>
+          </p:cNvPr>
+          <p:cNvSpPr txBox="1"/>
+          <p:nvPr/>
+        </p:nvSpPr>
+        <p:spPr>
+          <a:xfrm>
+            <a:off x="549538" y="5984408"/>
+            <a:ext cx="11091599" cy="707886"/>
+          </a:xfrm>
+          <a:prstGeom prst="rect">
+            <a:avLst/>
+          </a:prstGeom>
+          <a:noFill/>
+        </p:spPr>
+        <p:txBody>
+          <a:bodyPr wrap="square" rtlCol="0">
+            <a:spAutoFit/>
+          </a:bodyPr>
+          <a:lstStyle/>
+          <a:p>
+            <a:r>
+              <a:rPr lang="en-US" sz="2000" dirty="0">
+                <a:latin typeface="+mj-lt"/>
+              </a:rPr>
+              <a:t>Our initial assumption was higher population would result in a higher number of reviews.</a:t>
+            </a:r>
+          </a:p>
+          <a:p>
+            <a:r>
+              <a:rPr lang="en-US" sz="2000" dirty="0">
+                <a:latin typeface="+mj-lt"/>
+              </a:rPr>
+              <a:t>However, the data does not reflect this assumption.</a:t>
+            </a:r>
+          </a:p>
+        </p:txBody>
+      </p:sp>
     </p:spTree>
     <p:extLst>
       <p:ext uri="{BB962C8B-B14F-4D97-AF65-F5344CB8AC3E}">
@@ -16788,6 +17120,59 @@
                       </p:childTnLst>
                     </p:cTn>
                   </p:par>
+                  <p:par>
+                    <p:cTn id="8" fill="hold">
+                      <p:stCondLst>
+                        <p:cond delay="indefinite"/>
+                      </p:stCondLst>
+                      <p:childTnLst>
+                        <p:par>
+                          <p:cTn id="9" fill="hold">
+                            <p:stCondLst>
+                              <p:cond delay="0"/>
+                            </p:stCondLst>
+                            <p:childTnLst>
+                              <p:par>
+                                <p:cTn id="10" presetID="10" presetClass="entr" presetSubtype="0" fill="hold" grpId="0" nodeType="clickEffect">
+                                  <p:stCondLst>
+                                    <p:cond delay="0"/>
+                                  </p:stCondLst>
+                                  <p:childTnLst>
+                                    <p:set>
+                                      <p:cBhvr>
+                                        <p:cTn id="11" dur="1" fill="hold">
+                                          <p:stCondLst>
+                                            <p:cond delay="0"/>
+                                          </p:stCondLst>
+                                        </p:cTn>
+                                        <p:tgtEl>
+                                          <p:spTgt spid="7"/>
+                                        </p:tgtEl>
+                                        <p:attrNameLst>
+                                          <p:attrName>style.visibility</p:attrName>
+                                        </p:attrNameLst>
+                                      </p:cBhvr>
+                                      <p:to>
+                                        <p:strVal val="visible"/>
+                                      </p:to>
+                                    </p:set>
+                                    <p:animEffect transition="in" filter="fade">
+                                      <p:cBhvr>
+                                        <p:cTn id="12" dur="500"/>
+                                        <p:tgtEl>
+                                          <p:spTgt spid="7"/>
+                                        </p:tgtEl>
+                                      </p:cBhvr>
+                                    </p:animEffect>
+                                  </p:childTnLst>
+                                </p:cTn>
+                              </p:par>
+                            </p:childTnLst>
+                          </p:cTn>
+                        </p:par>
+                      </p:childTnLst>
+                    </p:cTn>
+                  </p:par>
                 </p:childTnLst>
               </p:cTn>
               <p:prevCondLst>
@@ -16811,6 +17196,7 @@
     </p:tnLst>
     <p:bldLst>
       <p:bldP spid="9" grpId="0"/>
+      <p:bldP spid="7" grpId="0"/>
     </p:bldLst>
   </p:timing>
 </p:sld>
@@ -17195,10 +17581,10 @@
       </p:grpSpPr>
       <p:sp>
         <p:nvSpPr>
-          <p:cNvPr id="11" name="Title 10">
-            <a:extLst>
-              <a:ext uri="{FF2B5EF4-FFF2-40B4-BE49-F238E27FC236}">
-                <a16:creationId xmlns:a16="http://schemas.microsoft.com/office/drawing/2014/main" id="{581E8936-2270-47FE-94A4-398CB123EF90}"/>
+          <p:cNvPr id="2" name="Title 1">
+            <a:extLst>
+              <a:ext uri="{FF2B5EF4-FFF2-40B4-BE49-F238E27FC236}">
+                <a16:creationId xmlns:a16="http://schemas.microsoft.com/office/drawing/2014/main" id="{0046426E-F6F6-4A7C-9181-8C3090996261}"/>
               </a:ext>
             </a:extLst>
           </p:cNvPr>
@@ -17211,8 +17597,8 @@
         </p:nvSpPr>
         <p:spPr>
           <a:xfrm>
-            <a:off x="550863" y="4508500"/>
-            <a:ext cx="4500562" cy="1562959"/>
+            <a:off x="550864" y="369009"/>
+            <a:ext cx="3565524" cy="754942"/>
           </a:xfrm>
         </p:spPr>
         <p:txBody>
@@ -17228,10 +17614,221 @@
       </p:sp>
       <p:sp>
         <p:nvSpPr>
-          <p:cNvPr id="6" name="Slide Number Placeholder 5">
-            <a:extLst>
-              <a:ext uri="{FF2B5EF4-FFF2-40B4-BE49-F238E27FC236}">
-                <a16:creationId xmlns:a16="http://schemas.microsoft.com/office/drawing/2014/main" id="{9ED907F8-C614-4D59-A03F-BF9CD5E35703}"/>
+          <p:cNvPr id="3" name="Content Placeholder 2">
+            <a:extLst>
+              <a:ext uri="{FF2B5EF4-FFF2-40B4-BE49-F238E27FC236}">
+                <a16:creationId xmlns:a16="http://schemas.microsoft.com/office/drawing/2014/main" id="{D3B60D6F-4D0F-4D33-B2A7-159C8583FF00}"/>
+              </a:ext>
+            </a:extLst>
+          </p:cNvPr>
+          <p:cNvSpPr>
+            <a:spLocks noGrp="1"/>
+          </p:cNvSpPr>
+          <p:nvPr>
+            <p:ph idx="1"/>
+          </p:nvPr>
+        </p:nvSpPr>
+        <p:spPr>
+          <a:xfrm>
+            <a:off x="550864" y="1366030"/>
+            <a:ext cx="5545136" cy="5141181"/>
+          </a:xfrm>
+        </p:spPr>
+        <p:txBody>
+          <a:bodyPr/>
+          <a:lstStyle/>
+          <a:p>
+            <a:pPr marL="514350" indent="-514350">
+              <a:lnSpc>
+                <a:spcPct val="100000"/>
+              </a:lnSpc>
+              <a:spcBef>
+                <a:spcPts val="0"/>
+              </a:spcBef>
+              <a:spcAft>
+                <a:spcPts val="0"/>
+              </a:spcAft>
+              <a:buFont typeface="+mj-lt"/>
+              <a:buAutoNum type="arabicPeriod"/>
+            </a:pPr>
+            <a:r>
+              <a:rPr lang="en-US" sz="2400" b="0" i="0" dirty="0">
+                <a:solidFill>
+                  <a:schemeClr val="tx1"/>
+                </a:solidFill>
+                <a:effectLst/>
+                <a:latin typeface="+mj-lt"/>
+              </a:rPr>
+              <a:t>Weak Correlations</a:t>
+            </a:r>
+          </a:p>
+          <a:p>
+            <a:pPr marL="971550" lvl="1" indent="-514350">
+              <a:lnSpc>
+                <a:spcPct val="100000"/>
+              </a:lnSpc>
+              <a:spcBef>
+                <a:spcPts val="0"/>
+              </a:spcBef>
+              <a:spcAft>
+                <a:spcPts val="0"/>
+              </a:spcAft>
+              <a:buFont typeface="+mj-lt"/>
+              <a:buAutoNum type="alphaLcParenR"/>
+            </a:pPr>
+            <a:r>
+              <a:rPr lang="en-US" sz="2400" b="0" i="0" dirty="0">
+                <a:solidFill>
+                  <a:schemeClr val="tx1"/>
+                </a:solidFill>
+                <a:effectLst/>
+                <a:latin typeface="+mj-lt"/>
+              </a:rPr>
+              <a:t>Price level and customer rating R-Square Value is: 0.28</a:t>
+            </a:r>
+          </a:p>
+          <a:p>
+            <a:pPr marL="971550" lvl="1" indent="-514350">
+              <a:lnSpc>
+                <a:spcPct val="100000"/>
+              </a:lnSpc>
+              <a:spcBef>
+                <a:spcPts val="0"/>
+              </a:spcBef>
+              <a:spcAft>
+                <a:spcPts val="0"/>
+              </a:spcAft>
+              <a:buFont typeface="+mj-lt"/>
+              <a:buAutoNum type="alphaLcParenR"/>
+            </a:pPr>
+            <a:r>
+              <a:rPr lang="en-US" sz="2400" b="0" i="0" dirty="0">
+                <a:solidFill>
+                  <a:schemeClr val="tx1"/>
+                </a:solidFill>
+                <a:effectLst/>
+                <a:latin typeface="+mj-lt"/>
+              </a:rPr>
+              <a:t>Price level and the number of ratings R-Square Value is: -0.21</a:t>
+            </a:r>
+          </a:p>
+          <a:p>
+            <a:pPr marL="971550" lvl="1" indent="-514350">
+              <a:lnSpc>
+                <a:spcPct val="100000"/>
+              </a:lnSpc>
+              <a:spcBef>
+                <a:spcPts val="0"/>
+              </a:spcBef>
+              <a:spcAft>
+                <a:spcPts val="0"/>
+              </a:spcAft>
+              <a:buFont typeface="+mj-lt"/>
+              <a:buAutoNum type="alphaLcParenR"/>
+            </a:pPr>
+            <a:r>
+              <a:rPr lang="en-US" sz="2400" b="0" i="0" dirty="0">
+                <a:solidFill>
+                  <a:schemeClr val="tx1"/>
+                </a:solidFill>
+                <a:effectLst/>
+                <a:latin typeface="+mj-lt"/>
+              </a:rPr>
+              <a:t>Population size and rating? R-Square Value is: -0.21 </a:t>
+            </a:r>
+          </a:p>
+          <a:p>
+            <a:pPr marL="514350" indent="-514350">
+              <a:lnSpc>
+                <a:spcPct val="100000"/>
+              </a:lnSpc>
+              <a:spcBef>
+                <a:spcPts val="0"/>
+              </a:spcBef>
+              <a:spcAft>
+                <a:spcPts val="0"/>
+              </a:spcAft>
+              <a:buFont typeface="+mj-lt"/>
+              <a:buAutoNum type="arabicPeriod"/>
+            </a:pPr>
+            <a:r>
+              <a:rPr lang="en-US" sz="2400" dirty="0">
+                <a:solidFill>
+                  <a:schemeClr val="tx1"/>
+                </a:solidFill>
+                <a:latin typeface="+mj-lt"/>
+              </a:rPr>
+              <a:t>N</a:t>
+            </a:r>
+            <a:r>
+              <a:rPr lang="en-US" sz="2400" b="0" i="0" dirty="0">
+                <a:solidFill>
+                  <a:schemeClr val="tx1"/>
+                </a:solidFill>
+                <a:effectLst/>
+                <a:latin typeface="+mj-lt"/>
+              </a:rPr>
+              <a:t>o </a:t>
+            </a:r>
+            <a:r>
+              <a:rPr lang="en-US" sz="2400" dirty="0">
+                <a:solidFill>
+                  <a:schemeClr val="tx1"/>
+                </a:solidFill>
+                <a:latin typeface="+mj-lt"/>
+              </a:rPr>
+              <a:t>C</a:t>
+            </a:r>
+            <a:r>
+              <a:rPr lang="en-US" sz="2400" b="0" i="0" dirty="0">
+                <a:solidFill>
+                  <a:schemeClr val="tx1"/>
+                </a:solidFill>
+                <a:effectLst/>
+                <a:latin typeface="+mj-lt"/>
+              </a:rPr>
+              <a:t>orrelations</a:t>
+            </a:r>
+          </a:p>
+          <a:p>
+            <a:pPr marL="971550" lvl="1" indent="-514350">
+              <a:lnSpc>
+                <a:spcPct val="100000"/>
+              </a:lnSpc>
+              <a:spcBef>
+                <a:spcPts val="0"/>
+              </a:spcBef>
+              <a:spcAft>
+                <a:spcPts val="0"/>
+              </a:spcAft>
+              <a:buFont typeface="+mj-lt"/>
+              <a:buAutoNum type="alphaLcParenR"/>
+            </a:pPr>
+            <a:r>
+              <a:rPr lang="en-US" sz="2400" b="0" i="0" dirty="0">
+                <a:solidFill>
+                  <a:schemeClr val="tx1"/>
+                </a:solidFill>
+                <a:effectLst/>
+                <a:latin typeface="+mj-lt"/>
+              </a:rPr>
+              <a:t>Population size and people submitting reviews? R-Square Value is: 0.1</a:t>
+            </a:r>
+            <a:endParaRPr lang="en-US" sz="2400" dirty="0">
+              <a:solidFill>
+                <a:schemeClr val="tx1"/>
+              </a:solidFill>
+              <a:latin typeface="+mj-lt"/>
+            </a:endParaRPr>
+          </a:p>
+        </p:txBody>
+      </p:sp>
+      <p:sp>
+        <p:nvSpPr>
+          <p:cNvPr id="15" name="Slide Number Placeholder 14">
+            <a:extLst>
+              <a:ext uri="{FF2B5EF4-FFF2-40B4-BE49-F238E27FC236}">
+                <a16:creationId xmlns:a16="http://schemas.microsoft.com/office/drawing/2014/main" id="{3B199C97-F175-437D-8311-DB662925C063}"/>
               </a:ext>
             </a:extLst>
           </p:cNvPr>
@@ -17263,6 +17860,194 @@
       </p:sp>
       <p:pic>
         <p:nvPicPr>
+          <p:cNvPr id="18" name="Picture 17">
+            <a:extLst>
+              <a:ext uri="{FF2B5EF4-FFF2-40B4-BE49-F238E27FC236}">
+                <a16:creationId xmlns:a16="http://schemas.microsoft.com/office/drawing/2014/main" id="{2ED1D4C1-F5D8-4480-BD72-14594BD87FB8}"/>
+              </a:ext>
+            </a:extLst>
+          </p:cNvPr>
+          <p:cNvPicPr>
+            <a:picLocks noChangeAspect="1"/>
+          </p:cNvPicPr>
+          <p:nvPr/>
+        </p:nvPicPr>
+        <p:blipFill>
+          <a:blip r:embed="rId2"/>
+          <a:stretch>
+            <a:fillRect/>
+          </a:stretch>
+        </p:blipFill>
+        <p:spPr>
+          <a:xfrm>
+            <a:off x="9188684" y="3752494"/>
+            <a:ext cx="2452452" cy="2438756"/>
+          </a:xfrm>
+          <a:prstGeom prst="rect">
+            <a:avLst/>
+          </a:prstGeom>
+        </p:spPr>
+      </p:pic>
+      <p:pic>
+        <p:nvPicPr>
+          <p:cNvPr id="26" name="Picture 25">
+            <a:extLst>
+              <a:ext uri="{FF2B5EF4-FFF2-40B4-BE49-F238E27FC236}">
+                <a16:creationId xmlns:a16="http://schemas.microsoft.com/office/drawing/2014/main" id="{5C766FE3-CB33-4D30-AE19-A99ED930FFFE}"/>
+              </a:ext>
+            </a:extLst>
+          </p:cNvPr>
+          <p:cNvPicPr>
+            <a:picLocks noChangeAspect="1"/>
+          </p:cNvPicPr>
+          <p:nvPr/>
+        </p:nvPicPr>
+        <p:blipFill>
+          <a:blip r:embed="rId3"/>
+          <a:stretch>
+            <a:fillRect/>
+          </a:stretch>
+        </p:blipFill>
+        <p:spPr>
+          <a:xfrm>
+            <a:off x="6459404" y="1948796"/>
+            <a:ext cx="2799548" cy="2813408"/>
+          </a:xfrm>
+          <a:prstGeom prst="rect">
+            <a:avLst/>
+          </a:prstGeom>
+        </p:spPr>
+      </p:pic>
+      <p:pic>
+        <p:nvPicPr>
+          <p:cNvPr id="31" name="Picture 30">
+            <a:extLst>
+              <a:ext uri="{FF2B5EF4-FFF2-40B4-BE49-F238E27FC236}">
+                <a16:creationId xmlns:a16="http://schemas.microsoft.com/office/drawing/2014/main" id="{818F0905-50D0-4675-AD6A-28EDC1F915F1}"/>
+              </a:ext>
+            </a:extLst>
+          </p:cNvPr>
+          <p:cNvPicPr>
+            <a:picLocks noChangeAspect="1"/>
+          </p:cNvPicPr>
+          <p:nvPr/>
+        </p:nvPicPr>
+        <p:blipFill>
+          <a:blip r:embed="rId4"/>
+          <a:stretch>
+            <a:fillRect/>
+          </a:stretch>
+        </p:blipFill>
+        <p:spPr>
+          <a:xfrm>
+            <a:off x="9067643" y="369008"/>
+            <a:ext cx="2799548" cy="2589498"/>
+          </a:xfrm>
+          <a:prstGeom prst="rect">
+            <a:avLst/>
+          </a:prstGeom>
+        </p:spPr>
+      </p:pic>
+    </p:spTree>
+    <p:extLst>
+      <p:ext uri="{BB962C8B-B14F-4D97-AF65-F5344CB8AC3E}">
+        <p14:creationId xmlns:p14="http://schemas.microsoft.com/office/powerpoint/2010/main" val="4039864226"/>
+      </p:ext>
+    </p:extLst>
+  </p:cSld>
+  <p:clrMapOvr>
+    <a:masterClrMapping/>
+  </p:clrMapOvr>
+</p:sld>
+</file>
+
+<file path=ppt/slides/slide17.xml><?xml version="1.0" encoding="utf-8"?>
+<p:sld xmlns:a="http://schemas.openxmlformats.org/drawingml/2006/main" xmlns:r="http://schemas.openxmlformats.org/officeDocument/2006/relationships" xmlns:p="http://schemas.openxmlformats.org/presentationml/2006/main">
+  <p:cSld>
+    <p:spTree>
+      <p:nvGrpSpPr>
+        <p:cNvPr id="1" name=""/>
+        <p:cNvGrpSpPr/>
+        <p:nvPr/>
+      </p:nvGrpSpPr>
+      <p:grpSpPr>
+        <a:xfrm>
+          <a:off x="0" y="0"/>
+          <a:ext cx="0" cy="0"/>
+          <a:chOff x="0" y="0"/>
+          <a:chExt cx="0" cy="0"/>
+        </a:xfrm>
+      </p:grpSpPr>
+      <p:sp>
+        <p:nvSpPr>
+          <p:cNvPr id="11" name="Title 10">
+            <a:extLst>
+              <a:ext uri="{FF2B5EF4-FFF2-40B4-BE49-F238E27FC236}">
+                <a16:creationId xmlns:a16="http://schemas.microsoft.com/office/drawing/2014/main" id="{581E8936-2270-47FE-94A4-398CB123EF90}"/>
+              </a:ext>
+            </a:extLst>
+          </p:cNvPr>
+          <p:cNvSpPr>
+            <a:spLocks noGrp="1"/>
+          </p:cNvSpPr>
+          <p:nvPr>
+            <p:ph type="title"/>
+          </p:nvPr>
+        </p:nvSpPr>
+        <p:spPr>
+          <a:xfrm>
+            <a:off x="465137" y="3908425"/>
+            <a:ext cx="11317287" cy="644525"/>
+          </a:xfrm>
+        </p:spPr>
+        <p:txBody>
+          <a:bodyPr/>
+          <a:lstStyle/>
+          <a:p>
+            <a:r>
+              <a:rPr lang="en-US" dirty="0"/>
+              <a:t>Biases</a:t>
+            </a:r>
+          </a:p>
+        </p:txBody>
+      </p:sp>
+      <p:sp>
+        <p:nvSpPr>
+          <p:cNvPr id="6" name="Slide Number Placeholder 5">
+            <a:extLst>
+              <a:ext uri="{FF2B5EF4-FFF2-40B4-BE49-F238E27FC236}">
+                <a16:creationId xmlns:a16="http://schemas.microsoft.com/office/drawing/2014/main" id="{9ED907F8-C614-4D59-A03F-BF9CD5E35703}"/>
+              </a:ext>
+            </a:extLst>
+          </p:cNvPr>
+          <p:cNvSpPr>
+            <a:spLocks noGrp="1"/>
+          </p:cNvSpPr>
+          <p:nvPr>
+            <p:ph type="sldNum" sz="quarter" idx="12"/>
+          </p:nvPr>
+        </p:nvSpPr>
+        <p:spPr>
+          <a:xfrm>
+            <a:off x="9948863" y="6507212"/>
+            <a:ext cx="1692274" cy="153888"/>
+          </a:xfrm>
+        </p:spPr>
+        <p:txBody>
+          <a:bodyPr/>
+          <a:lstStyle/>
+          <a:p>
+            <a:fld id="{DBA1B0FB-D917-4C8C-928F-313BD683BF39}" type="slidenum">
+              <a:rPr lang="en-US" smtClean="0"/>
+              <a:pPr/>
+              <a:t>17</a:t>
+            </a:fld>
+            <a:endParaRPr lang="en-US"/>
+          </a:p>
+        </p:txBody>
+      </p:sp>
+      <p:pic>
+        <p:nvPicPr>
           <p:cNvPr id="19" name="Picture Placeholder 18" descr="A group of people sitting around a table with food&#10;&#10;Description automatically generated with medium confidence">
             <a:extLst>
               <a:ext uri="{FF2B5EF4-FFF2-40B4-BE49-F238E27FC236}">
@@ -17286,6 +18071,118 @@
         </p:blipFill>
         <p:spPr/>
       </p:pic>
+      <p:sp>
+        <p:nvSpPr>
+          <p:cNvPr id="2" name="TextBox 1">
+            <a:extLst>
+              <a:ext uri="{FF2B5EF4-FFF2-40B4-BE49-F238E27FC236}">
+                <a16:creationId xmlns:a16="http://schemas.microsoft.com/office/drawing/2014/main" id="{D5C1ABBA-EB47-658D-7B0D-E910124AB1C8}"/>
+              </a:ext>
+            </a:extLst>
+          </p:cNvPr>
+          <p:cNvSpPr txBox="1"/>
+          <p:nvPr/>
+        </p:nvSpPr>
+        <p:spPr>
+          <a:xfrm>
+            <a:off x="647700" y="4848224"/>
+            <a:ext cx="10896600" cy="1477328"/>
+          </a:xfrm>
+          <a:prstGeom prst="rect">
+            <a:avLst/>
+          </a:prstGeom>
+          <a:noFill/>
+        </p:spPr>
+        <p:txBody>
+          <a:bodyPr wrap="square" rtlCol="0">
+            <a:spAutoFit/>
+          </a:bodyPr>
+          <a:lstStyle/>
+          <a:p>
+            <a:pPr marL="342900" indent="-342900">
+              <a:buFont typeface="+mj-lt"/>
+              <a:buAutoNum type="arabicPeriod"/>
+            </a:pPr>
+            <a:r>
+              <a:rPr lang="en-US" b="0" i="0" dirty="0">
+                <a:effectLst/>
+                <a:latin typeface="+mj-lt"/>
+              </a:rPr>
+              <a:t>When someone spends more money, they do perceive that as better quality</a:t>
+            </a:r>
+          </a:p>
+          <a:p>
+            <a:pPr marL="342900" indent="-342900">
+              <a:buFont typeface="+mj-lt"/>
+              <a:buAutoNum type="arabicPeriod"/>
+            </a:pPr>
+            <a:r>
+              <a:rPr lang="en-US" b="0" i="0" dirty="0">
+                <a:effectLst/>
+                <a:latin typeface="+mj-lt"/>
+              </a:rPr>
+              <a:t>Our data size is small so potential outliers in the data could have more of an impact</a:t>
+            </a:r>
+          </a:p>
+          <a:p>
+            <a:pPr marL="342900" indent="-342900">
+              <a:buFont typeface="+mj-lt"/>
+              <a:buAutoNum type="arabicPeriod"/>
+            </a:pPr>
+            <a:r>
+              <a:rPr lang="en-US" b="0" i="0" dirty="0">
+                <a:effectLst/>
+                <a:latin typeface="+mj-lt"/>
+              </a:rPr>
+              <a:t>Our data is more heavily east coast and maybe west coast tends to have different trends of reviewing</a:t>
+            </a:r>
+          </a:p>
+          <a:p>
+            <a:pPr marL="342900" indent="-342900">
+              <a:buFont typeface="+mj-lt"/>
+              <a:buAutoNum type="arabicPeriod"/>
+            </a:pPr>
+            <a:r>
+              <a:rPr lang="en-US" b="0" i="0" dirty="0">
+                <a:effectLst/>
+                <a:latin typeface="+mj-lt"/>
+              </a:rPr>
+              <a:t>Some cities might have their form of tourism further from the </a:t>
+            </a:r>
+            <a:r>
+              <a:rPr lang="en-US" b="0" i="0" dirty="0" err="1">
+                <a:effectLst/>
+                <a:latin typeface="+mj-lt"/>
+              </a:rPr>
+              <a:t>lat</a:t>
+            </a:r>
+            <a:r>
+              <a:rPr lang="en-US" b="0" i="0" dirty="0">
+                <a:effectLst/>
+                <a:latin typeface="+mj-lt"/>
+              </a:rPr>
+              <a:t>/</a:t>
+            </a:r>
+            <a:r>
+              <a:rPr lang="en-US" b="0" i="0" dirty="0" err="1">
+                <a:effectLst/>
+                <a:latin typeface="+mj-lt"/>
+              </a:rPr>
+              <a:t>lng</a:t>
+            </a:r>
+            <a:r>
+              <a:rPr lang="en-US" b="0" i="0" dirty="0">
+                <a:effectLst/>
+                <a:latin typeface="+mj-lt"/>
+              </a:rPr>
+              <a:t> points we picked which could affect how reviews turned out</a:t>
+            </a:r>
+            <a:endParaRPr lang="en-US" dirty="0">
+              <a:latin typeface="+mj-lt"/>
+            </a:endParaRPr>
+          </a:p>
+        </p:txBody>
+      </p:sp>
     </p:spTree>
     <p:extLst>
       <p:ext uri="{BB962C8B-B14F-4D97-AF65-F5344CB8AC3E}">
@@ -17299,7 +18196,7 @@
 </p:sld>
 </file>
 
-<file path=ppt/slides/slide17.xml><?xml version="1.0" encoding="utf-8"?>
+<file path=ppt/slides/slide18.xml><?xml version="1.0" encoding="utf-8"?>
 <p:sld xmlns:a="http://schemas.openxmlformats.org/drawingml/2006/main" xmlns:r="http://schemas.openxmlformats.org/officeDocument/2006/relationships" xmlns:p="http://schemas.openxmlformats.org/presentationml/2006/main">
   <p:cSld>
     <p:bg>
@@ -18491,7 +19388,7 @@
                   <a:spcPts val="600"/>
                 </a:spcAft>
               </a:pPr>
-              <a:t>17</a:t>
+              <a:t>18</a:t>
             </a:fld>
             <a:endParaRPr lang="en-US">
               <a:solidFill>
@@ -18686,7 +19583,7 @@
           <a:p>
             <a:r>
               <a:rPr lang="en-US" sz="3200" dirty="0"/>
-              <a:t>Introduction</a:t>
+              <a:t>Introduction Project and Team</a:t>
             </a:r>
           </a:p>
           <a:p>
@@ -18975,7 +19872,26 @@
                 <a:effectLst/>
                 <a:latin typeface="Slack-Lato"/>
               </a:rPr>
-              <a:t>The Cutlery Group conducted analysis to determine whether  ratings supported food quality. This analysis was conducted utilizing Google API for restaurant data and </a:t>
+              <a:t>The Cutlery Group conducted analysis to determine whether various factors impacted restaurant </a:t>
+            </a:r>
+            <a:r>
+              <a:rPr lang="en-US" dirty="0">
+                <a:solidFill>
+                  <a:schemeClr val="tx1"/>
+                </a:solidFill>
+                <a:latin typeface="Slack-Lato"/>
+              </a:rPr>
+              <a:t>reviews</a:t>
+            </a:r>
+            <a:r>
+              <a:rPr lang="en-US" b="0" i="0" dirty="0">
+                <a:solidFill>
+                  <a:schemeClr val="tx1"/>
+                </a:solidFill>
+                <a:effectLst/>
+                <a:latin typeface="Slack-Lato"/>
+              </a:rPr>
+              <a:t>. This analysis was conducted utilizing Google API for restaurant data and </a:t>
             </a:r>
             <a:r>
               <a:rPr lang="en-US" dirty="0">
@@ -21290,7 +22206,7 @@
         </p:blipFill>
         <p:spPr>
           <a:xfrm>
-            <a:off x="4295775" y="2436084"/>
+            <a:off x="4295774" y="1750060"/>
             <a:ext cx="7345363" cy="2970081"/>
           </a:xfrm>
         </p:spPr>
@@ -21594,7 +22510,7 @@
         </p:blipFill>
         <p:spPr>
           <a:xfrm>
-            <a:off x="4295775" y="2408140"/>
+            <a:off x="4295774" y="1761064"/>
             <a:ext cx="7345363" cy="3025970"/>
           </a:xfrm>
         </p:spPr>
@@ -21843,7 +22759,7 @@
         <p:spPr>
           <a:xfrm>
             <a:off x="549538" y="1573515"/>
-            <a:ext cx="7176546" cy="4735210"/>
+            <a:ext cx="6537062" cy="4313267"/>
           </a:xfrm>
           <a:prstGeom prst="rect">
             <a:avLst/>
@@ -21864,8 +22780,8 @@
         </p:nvSpPr>
         <p:spPr>
           <a:xfrm>
-            <a:off x="8205116" y="3072426"/>
-            <a:ext cx="3112035" cy="461665"/>
+            <a:off x="7928891" y="2515966"/>
+            <a:ext cx="3112035" cy="830997"/>
           </a:xfrm>
           <a:prstGeom prst="rect">
             <a:avLst/>
@@ -21883,6 +22799,9 @@
               <a:t>R-Square Value is: 0.28</a:t>
             </a:r>
           </a:p>
+          <a:p>
+            <a:endParaRPr lang="en-US" sz="2400" dirty="0"/>
+          </a:p>
         </p:txBody>
       </p:sp>
       <p:sp>
@@ -21899,7 +22818,7 @@
         </p:nvSpPr>
         <p:spPr>
           <a:xfrm>
-            <a:off x="8205116" y="3864167"/>
+            <a:off x="7928891" y="3422363"/>
             <a:ext cx="3487493" cy="461665"/>
           </a:xfrm>
           <a:prstGeom prst="rect">
@@ -21916,6 +22835,43 @@
             <a:r>
               <a:rPr lang="en-US" sz="2400" dirty="0"/>
               <a:t>Weak Positive Correlation</a:t>
+            </a:r>
+          </a:p>
+        </p:txBody>
+      </p:sp>
+      <p:sp>
+        <p:nvSpPr>
+          <p:cNvPr id="3" name="TextBox 2">
+            <a:extLst>
+              <a:ext uri="{FF2B5EF4-FFF2-40B4-BE49-F238E27FC236}">
+                <a16:creationId xmlns:a16="http://schemas.microsoft.com/office/drawing/2014/main" id="{EEDEB89E-5693-E4DA-DA89-68F046F56020}"/>
+              </a:ext>
+            </a:extLst>
+          </p:cNvPr>
+          <p:cNvSpPr txBox="1"/>
+          <p:nvPr/>
+        </p:nvSpPr>
+        <p:spPr>
+          <a:xfrm>
+            <a:off x="549538" y="5984408"/>
+            <a:ext cx="11091599" cy="400110"/>
+          </a:xfrm>
+          <a:prstGeom prst="rect">
+            <a:avLst/>
+          </a:prstGeom>
+          <a:noFill/>
+        </p:spPr>
+        <p:txBody>
+          <a:bodyPr wrap="square" rtlCol="0">
+            <a:spAutoFit/>
+          </a:bodyPr>
+          <a:lstStyle/>
+          <a:p>
+            <a:r>
+              <a:rPr lang="en-US" sz="2000" dirty="0">
+                <a:latin typeface="+mj-lt"/>
+              </a:rPr>
+              <a:t>Interpretation: As customers spend more money, they perceive the quality to be higher</a:t>
             </a:r>
           </a:p>
         </p:txBody>
@@ -21991,6 +22947,59 @@
                       </p:childTnLst>
                     </p:cTn>
                   </p:par>
+                  <p:par>
+                    <p:cTn id="8" fill="hold">
+                      <p:stCondLst>
+                        <p:cond delay="indefinite"/>
+                      </p:stCondLst>
+                      <p:childTnLst>
+                        <p:par>
+                          <p:cTn id="9" fill="hold">
+                            <p:stCondLst>
+                              <p:cond delay="0"/>
+                            </p:stCondLst>
+                            <p:childTnLst>
+                              <p:par>
+                                <p:cTn id="10" presetID="10" presetClass="entr" presetSubtype="0" fill="hold" grpId="0" nodeType="clickEffect">
+                                  <p:stCondLst>
+                                    <p:cond delay="0"/>
+                                  </p:stCondLst>
+                                  <p:childTnLst>
+                                    <p:set>
+                                      <p:cBhvr>
+                                        <p:cTn id="11" dur="1" fill="hold">
+                                          <p:stCondLst>
+                                            <p:cond delay="0"/>
+                                          </p:stCondLst>
+                                        </p:cTn>
+                                        <p:tgtEl>
+                                          <p:spTgt spid="3"/>
+                                        </p:tgtEl>
+                                        <p:attrNameLst>
+                                          <p:attrName>style.visibility</p:attrName>
+                                        </p:attrNameLst>
+                                      </p:cBhvr>
+                                      <p:to>
+                                        <p:strVal val="visible"/>
+                                      </p:to>
+                                    </p:set>
+                                    <p:animEffect transition="in" filter="fade">
+                                      <p:cBhvr>
+                                        <p:cTn id="12" dur="500"/>
+                                        <p:tgtEl>
+                                          <p:spTgt spid="3"/>
+                                        </p:tgtEl>
+                                      </p:cBhvr>
+                                    </p:animEffect>
+                                  </p:childTnLst>
+                                </p:cTn>
+                              </p:par>
+                            </p:childTnLst>
+                          </p:cTn>
+                        </p:par>
+                      </p:childTnLst>
+                    </p:cTn>
+                  </p:par>
                 </p:childTnLst>
               </p:cTn>
               <p:prevCondLst>
@@ -22014,6 +23023,7 @@
     </p:tnLst>
     <p:bldLst>
       <p:bldP spid="9" grpId="0"/>
+      <p:bldP spid="3" grpId="0"/>
     </p:bldLst>
   </p:timing>
 </p:sld>
@@ -22811,15 +23821,6 @@
 </file>
 
 <file path=customXml/item1.xml><?xml version="1.0" encoding="utf-8"?>
-<?mso-contentType ?>
-<FormTemplates xmlns="http://schemas.microsoft.com/sharepoint/v3/contenttype/forms">
-  <Display>DocumentLibraryForm</Display>
-  <Edit>DocumentLibraryForm</Edit>
-  <New>DocumentLibraryForm</New>
-</FormTemplates>
-</file>
-
-<file path=customXml/item2.xml><?xml version="1.0" encoding="utf-8"?>
 <ct:contentTypeSchema xmlns:ct="http://schemas.microsoft.com/office/2006/metadata/contentType" xmlns:ma="http://schemas.microsoft.com/office/2006/metadata/properties/metaAttributes" ct:_="" ma:_="" ma:contentTypeName="Document" ma:contentTypeID="0x01010079F111ED35F8CC479449609E8A0923A6" ma:contentTypeVersion="18" ma:contentTypeDescription="Create a new document." ma:contentTypeScope="" ma:versionID="22a266b9fa9a230c5a512669d8b298c3">
   <xsd:schema xmlns:xsd="http://www.w3.org/2001/XMLSchema" xmlns:xs="http://www.w3.org/2001/XMLSchema" xmlns:p="http://schemas.microsoft.com/office/2006/metadata/properties" xmlns:ns1="http://schemas.microsoft.com/sharepoint/v3" xmlns:ns2="71af3243-3dd4-4a8d-8c0d-dd76da1f02a5" xmlns:ns3="16c05727-aa75-4e4a-9b5f-8a80a1165891" xmlns:ns4="230e9df3-be65-4c73-a93b-d1236ebd677e" targetNamespace="http://schemas.microsoft.com/office/2006/metadata/properties" ma:root="true" ma:fieldsID="eddc33fff6b14141ee5c74a0d29ea6a1" ns1:_="" ns2:_="" ns3:_="" ns4:_="">
     <xsd:import namespace="http://schemas.microsoft.com/sharepoint/v3"/>
@@ -23095,6 +24096,15 @@
 </ct:contentTypeSchema>
 </file>
 
+<file path=customXml/item2.xml><?xml version="1.0" encoding="utf-8"?>
+<?mso-contentType ?>
+<FormTemplates xmlns="http://schemas.microsoft.com/sharepoint/v3/contenttype/forms">
+  <Display>DocumentLibraryForm</Display>
+  <Edit>DocumentLibraryForm</Edit>
+  <New>DocumentLibraryForm</New>
+</FormTemplates>
+</file>
+
 <file path=customXml/item3.xml><?xml version="1.0" encoding="utf-8"?>
 <p:properties xmlns:p="http://schemas.microsoft.com/office/2006/metadata/properties" xmlns:xsi="http://www.w3.org/2001/XMLSchema-instance" xmlns:pc="http://schemas.microsoft.com/office/infopath/2007/PartnerControls">
   <documentManagement>
@@ -23115,14 +24125,6 @@
 </file>
 
 <file path=customXml/itemProps1.xml><?xml version="1.0" encoding="utf-8"?>
-<ds:datastoreItem xmlns:ds="http://schemas.openxmlformats.org/officeDocument/2006/customXml" ds:itemID="{904751AB-E840-446F-8D49-E697067EC887}">
-  <ds:schemaRefs>
-    <ds:schemaRef ds:uri="http://schemas.microsoft.com/sharepoint/v3/contenttype/forms"/>
-  </ds:schemaRefs>
-</ds:datastoreItem>
-</file>
-
-<file path=customXml/itemProps2.xml><?xml version="1.0" encoding="utf-8"?>
 <ds:datastoreItem xmlns:ds="http://schemas.openxmlformats.org/officeDocument/2006/customXml" ds:itemID="{DE4876F9-7AE1-498D-B8FE-1E3AD703D2AF}">
   <ds:schemaRefs>
     <ds:schemaRef ds:uri="http://schemas.microsoft.com/office/2006/metadata/contentType"/>
@@ -23139,6 +24141,14 @@
     <ds:schemaRef ds:uri="http://purl.org/dc/elements/1.1/"/>
     <ds:schemaRef ds:uri="http://purl.org/dc/terms/"/>
     <ds:schemaRef ds:uri="http://schemas.microsoft.com/internal/obd"/>
+  </ds:schemaRefs>
+</ds:datastoreItem>
+</file>
+
+<file path=customXml/itemProps2.xml><?xml version="1.0" encoding="utf-8"?>
+<ds:datastoreItem xmlns:ds="http://schemas.openxmlformats.org/officeDocument/2006/customXml" ds:itemID="{904751AB-E840-446F-8D49-E697067EC887}">
+  <ds:schemaRefs>
+    <ds:schemaRef ds:uri="http://schemas.microsoft.com/sharepoint/v3/contenttype/forms"/>
   </ds:schemaRefs>
 </ds:datastoreItem>
 </file>

--- a/Sanjay Dabra/Presentation1.pptx
+++ b/Sanjay Dabra/Presentation1.pptx
@@ -162,7 +162,7 @@
   <pc:docChgLst>
     <pc:chgData name="Sanjay Dabra" userId="d7382de46a8a3049" providerId="LiveId" clId="{397832AF-5EAF-458A-9FEC-C92CB404A3B7}"/>
     <pc:docChg chg="undo redo custSel addSld delSld modSld sldOrd">
-      <pc:chgData name="Sanjay Dabra" userId="d7382de46a8a3049" providerId="LiveId" clId="{397832AF-5EAF-458A-9FEC-C92CB404A3B7}" dt="2022-05-01T14:14:57.316" v="2983" actId="20577"/>
+      <pc:chgData name="Sanjay Dabra" userId="d7382de46a8a3049" providerId="LiveId" clId="{397832AF-5EAF-458A-9FEC-C92CB404A3B7}" dt="2022-05-02T21:30:19.026" v="3333" actId="1076"/>
       <pc:docMkLst>
         <pc:docMk/>
       </pc:docMkLst>
@@ -276,13 +276,13 @@
         </pc:spChg>
       </pc:sldChg>
       <pc:sldChg chg="addSp delSp modSp add del mod">
-        <pc:chgData name="Sanjay Dabra" userId="d7382de46a8a3049" providerId="LiveId" clId="{397832AF-5EAF-458A-9FEC-C92CB404A3B7}" dt="2022-05-01T13:15:56.311" v="2051" actId="6549"/>
+        <pc:chgData name="Sanjay Dabra" userId="d7382de46a8a3049" providerId="LiveId" clId="{397832AF-5EAF-458A-9FEC-C92CB404A3B7}" dt="2022-05-02T21:30:19.026" v="3333" actId="1076"/>
         <pc:sldMkLst>
           <pc:docMk/>
           <pc:sldMk cId="3521561301" sldId="321"/>
         </pc:sldMkLst>
         <pc:spChg chg="add mod">
-          <ac:chgData name="Sanjay Dabra" userId="d7382de46a8a3049" providerId="LiveId" clId="{397832AF-5EAF-458A-9FEC-C92CB404A3B7}" dt="2022-05-01T13:15:56.311" v="2051" actId="6549"/>
+          <ac:chgData name="Sanjay Dabra" userId="d7382de46a8a3049" providerId="LiveId" clId="{397832AF-5EAF-458A-9FEC-C92CB404A3B7}" dt="2022-05-02T21:30:19.026" v="3333" actId="1076"/>
           <ac:spMkLst>
             <pc:docMk/>
             <pc:sldMk cId="3521561301" sldId="321"/>
@@ -1378,7 +1378,7 @@
           <a:p>
             <a:fld id="{C17F2C1D-F243-42AB-ADF2-E7CB4E04900E}" type="datetimeFigureOut">
               <a:rPr lang="en-US" smtClean="0"/>
-              <a:t>5/1/2022</a:t>
+              <a:t>5/2/2022</a:t>
             </a:fld>
             <a:endParaRPr lang="en-US"/>
           </a:p>
@@ -1555,7 +1555,7 @@
           <a:p>
             <a:fld id="{020CE34E-5667-4A32-A6BA-10C7A552BC63}" type="datetimeFigureOut">
               <a:rPr lang="en-US" smtClean="0"/>
-              <a:t>5/1/2022</a:t>
+              <a:t>5/2/2022</a:t>
             </a:fld>
             <a:endParaRPr lang="en-US"/>
           </a:p>
@@ -18085,8 +18085,8 @@
         </p:nvSpPr>
         <p:spPr>
           <a:xfrm>
-            <a:off x="647700" y="4848224"/>
-            <a:ext cx="10896600" cy="1477328"/>
+            <a:off x="647700" y="4552950"/>
+            <a:ext cx="10896600" cy="1754326"/>
           </a:xfrm>
           <a:prstGeom prst="rect">
             <a:avLst/>
@@ -18134,52 +18134,52 @@
                 <a:effectLst/>
                 <a:latin typeface="+mj-lt"/>
               </a:rPr>
-              <a:t>Our data is more heavily east coast and maybe west coast tends to have different trends of reviewing</a:t>
+              <a:t>Our data is more heavily East </a:t>
             </a:r>
-          </a:p>
-          <a:p>
-            <a:pPr marL="342900" indent="-342900">
-              <a:buFont typeface="+mj-lt"/>
-              <a:buAutoNum type="arabicPeriod"/>
-            </a:pPr>
             <a:r>
-              <a:rPr lang="en-US" b="0" i="0" dirty="0">
-                <a:effectLst/>
+              <a:rPr lang="en-US" dirty="0">
                 <a:latin typeface="+mj-lt"/>
               </a:rPr>
-              <a:t>Some cities might have their form of tourism further from the </a:t>
-            </a:r>
-            <a:r>
-              <a:rPr lang="en-US" b="0" i="0" dirty="0" err="1">
-                <a:effectLst/>
-                <a:latin typeface="+mj-lt"/>
-              </a:rPr>
-              <a:t>lat</a:t>
+              <a:t>Coast,</a:t>
             </a:r>
             <a:r>
               <a:rPr lang="en-US" b="0" i="0" dirty="0">
                 <a:effectLst/>
                 <a:latin typeface="+mj-lt"/>
               </a:rPr>
-              <a:t>/</a:t>
+              <a:t> and the West Coast may have different trends of reviewing</a:t>
             </a:r>
+          </a:p>
+          <a:p>
+            <a:pPr marL="342900" indent="-342900">
+              <a:buFont typeface="+mj-lt"/>
+              <a:buAutoNum type="arabicPeriod"/>
+            </a:pPr>
             <a:r>
-              <a:rPr lang="en-US" b="0" i="0" dirty="0" err="1">
-                <a:effectLst/>
+              <a:rPr lang="en-US" dirty="0">
                 <a:latin typeface="+mj-lt"/>
               </a:rPr>
-              <a:t>lng</a:t>
+              <a:t>C</a:t>
             </a:r>
             <a:r>
               <a:rPr lang="en-US" b="0" i="0" dirty="0">
                 <a:effectLst/>
                 <a:latin typeface="+mj-lt"/>
               </a:rPr>
-              <a:t> points we picked which could affect how reviews turned out</a:t>
+              <a:t>ities might have tourist centers that are further from the 5 km radius of the coordinates used</a:t>
             </a:r>
-            <a:endParaRPr lang="en-US" dirty="0">
-              <a:latin typeface="+mj-lt"/>
-            </a:endParaRPr>
+          </a:p>
+          <a:p>
+            <a:pPr marL="342900" indent="-342900">
+              <a:buFont typeface="+mj-lt"/>
+              <a:buAutoNum type="arabicPeriod"/>
+            </a:pPr>
+            <a:r>
+              <a:rPr lang="en-US" dirty="0">
+                <a:latin typeface="+mj-lt"/>
+              </a:rPr>
+              <a:t>Google API only allows for the first 20 searches. There are ways using a token to increase this search which would allow for a larger sampling of restaurants.</a:t>
+            </a:r>
           </a:p>
         </p:txBody>
       </p:sp>
@@ -23821,6 +23821,15 @@
 </file>
 
 <file path=customXml/item1.xml><?xml version="1.0" encoding="utf-8"?>
+<?mso-contentType ?>
+<FormTemplates xmlns="http://schemas.microsoft.com/sharepoint/v3/contenttype/forms">
+  <Display>DocumentLibraryForm</Display>
+  <Edit>DocumentLibraryForm</Edit>
+  <New>DocumentLibraryForm</New>
+</FormTemplates>
+</file>
+
+<file path=customXml/item2.xml><?xml version="1.0" encoding="utf-8"?>
 <ct:contentTypeSchema xmlns:ct="http://schemas.microsoft.com/office/2006/metadata/contentType" xmlns:ma="http://schemas.microsoft.com/office/2006/metadata/properties/metaAttributes" ct:_="" ma:_="" ma:contentTypeName="Document" ma:contentTypeID="0x01010079F111ED35F8CC479449609E8A0923A6" ma:contentTypeVersion="18" ma:contentTypeDescription="Create a new document." ma:contentTypeScope="" ma:versionID="22a266b9fa9a230c5a512669d8b298c3">
   <xsd:schema xmlns:xsd="http://www.w3.org/2001/XMLSchema" xmlns:xs="http://www.w3.org/2001/XMLSchema" xmlns:p="http://schemas.microsoft.com/office/2006/metadata/properties" xmlns:ns1="http://schemas.microsoft.com/sharepoint/v3" xmlns:ns2="71af3243-3dd4-4a8d-8c0d-dd76da1f02a5" xmlns:ns3="16c05727-aa75-4e4a-9b5f-8a80a1165891" xmlns:ns4="230e9df3-be65-4c73-a93b-d1236ebd677e" targetNamespace="http://schemas.microsoft.com/office/2006/metadata/properties" ma:root="true" ma:fieldsID="eddc33fff6b14141ee5c74a0d29ea6a1" ns1:_="" ns2:_="" ns3:_="" ns4:_="">
     <xsd:import namespace="http://schemas.microsoft.com/sharepoint/v3"/>
@@ -24096,15 +24105,6 @@
 </ct:contentTypeSchema>
 </file>
 
-<file path=customXml/item2.xml><?xml version="1.0" encoding="utf-8"?>
-<?mso-contentType ?>
-<FormTemplates xmlns="http://schemas.microsoft.com/sharepoint/v3/contenttype/forms">
-  <Display>DocumentLibraryForm</Display>
-  <Edit>DocumentLibraryForm</Edit>
-  <New>DocumentLibraryForm</New>
-</FormTemplates>
-</file>
-
 <file path=customXml/item3.xml><?xml version="1.0" encoding="utf-8"?>
 <p:properties xmlns:p="http://schemas.microsoft.com/office/2006/metadata/properties" xmlns:xsi="http://www.w3.org/2001/XMLSchema-instance" xmlns:pc="http://schemas.microsoft.com/office/infopath/2007/PartnerControls">
   <documentManagement>
@@ -24125,6 +24125,14 @@
 </file>
 
 <file path=customXml/itemProps1.xml><?xml version="1.0" encoding="utf-8"?>
+<ds:datastoreItem xmlns:ds="http://schemas.openxmlformats.org/officeDocument/2006/customXml" ds:itemID="{904751AB-E840-446F-8D49-E697067EC887}">
+  <ds:schemaRefs>
+    <ds:schemaRef ds:uri="http://schemas.microsoft.com/sharepoint/v3/contenttype/forms"/>
+  </ds:schemaRefs>
+</ds:datastoreItem>
+</file>
+
+<file path=customXml/itemProps2.xml><?xml version="1.0" encoding="utf-8"?>
 <ds:datastoreItem xmlns:ds="http://schemas.openxmlformats.org/officeDocument/2006/customXml" ds:itemID="{DE4876F9-7AE1-498D-B8FE-1E3AD703D2AF}">
   <ds:schemaRefs>
     <ds:schemaRef ds:uri="http://schemas.microsoft.com/office/2006/metadata/contentType"/>
@@ -24141,14 +24149,6 @@
     <ds:schemaRef ds:uri="http://purl.org/dc/elements/1.1/"/>
     <ds:schemaRef ds:uri="http://purl.org/dc/terms/"/>
     <ds:schemaRef ds:uri="http://schemas.microsoft.com/internal/obd"/>
-  </ds:schemaRefs>
-</ds:datastoreItem>
-</file>
-
-<file path=customXml/itemProps2.xml><?xml version="1.0" encoding="utf-8"?>
-<ds:datastoreItem xmlns:ds="http://schemas.openxmlformats.org/officeDocument/2006/customXml" ds:itemID="{904751AB-E840-446F-8D49-E697067EC887}">
-  <ds:schemaRefs>
-    <ds:schemaRef ds:uri="http://schemas.microsoft.com/sharepoint/v3/contenttype/forms"/>
   </ds:schemaRefs>
 </ds:datastoreItem>
 </file>
